--- a/Training.pptx
+++ b/Training.pptx
@@ -17,7 +17,7 @@
     <p:sldId id="306" r:id="rId5"/>
     <p:sldId id="307" r:id="rId6"/>
     <p:sldId id="309" r:id="rId7"/>
-    <p:sldId id="308" r:id="rId8"/>
+    <p:sldId id="310" r:id="rId8"/>
     <p:sldId id="300" r:id="rId9"/>
     <p:sldId id="299" r:id="rId10"/>
     <p:sldId id="295" r:id="rId11"/>
@@ -1842,7 +1842,7 @@
     </p:spTree>
     <p:extLst>
       <p:ext uri="{BB962C8B-B14F-4D97-AF65-F5344CB8AC3E}">
-        <p14:creationId xmlns:p14="http://schemas.microsoft.com/office/powerpoint/2010/main" val="2747514712"/>
+        <p14:creationId xmlns:p14="http://schemas.microsoft.com/office/powerpoint/2010/main" val="807390243"/>
       </p:ext>
     </p:extLst>
   </p:cSld>
@@ -10973,19 +10973,8 @@
                 <a:latin typeface="Arial" panose="020B0604020202020204" pitchFamily="34" charset="0"/>
                 <a:cs typeface="Arial" panose="020B0604020202020204" pitchFamily="34" charset="0"/>
               </a:rPr>
-              <a:t>Metals </a:t>
-            </a:r>
-            <a:r>
-              <a:rPr lang="en-US" sz="2800" dirty="0">
-                <a:latin typeface="Arial" panose="020B0604020202020204" pitchFamily="34" charset="0"/>
-                <a:cs typeface="Arial" panose="020B0604020202020204" pitchFamily="34" charset="0"/>
-              </a:rPr>
-              <a:t>– uniaxial compression, uniaxial tension</a:t>
-            </a:r>
-            <a:endParaRPr lang="en-US" sz="2800" dirty="0">
-              <a:latin typeface="Arial" panose="020B0604020202020204" pitchFamily="34" charset="0"/>
-              <a:cs typeface="Arial" panose="020B0604020202020204" pitchFamily="34" charset="0"/>
-            </a:endParaRPr>
+              <a:t>Metals – uniaxial compression, uniaxial tension</a:t>
+            </a:r>
           </a:p>
           <a:p>
             <a:pPr lvl="1"/>
@@ -12116,14 +12105,7 @@
                 <a:latin typeface="Arial" panose="020B0604020202020204" pitchFamily="34" charset="0"/>
                 <a:cs typeface="Arial" panose="020B0604020202020204" pitchFamily="34" charset="0"/>
               </a:rPr>
-              <a:t>Elementary tutorials </a:t>
-            </a:r>
-            <a:r>
-              <a:rPr lang="en-US" dirty="0">
-                <a:latin typeface="Arial" panose="020B0604020202020204" pitchFamily="34" charset="0"/>
-                <a:cs typeface="Arial" panose="020B0604020202020204" pitchFamily="34" charset="0"/>
-              </a:rPr>
-              <a:t>on GitHub: </a:t>
+              <a:t>Elementary tutorials on GitHub: </a:t>
             </a:r>
           </a:p>
           <a:p>
@@ -12886,7 +12868,7 @@
       </p:grpSpPr>
       <p:pic>
         <p:nvPicPr>
-          <p:cNvPr id="3" name="Picture 2"/>
+          <p:cNvPr id="5" name="Picture 4"/>
           <p:cNvPicPr>
             <a:picLocks noChangeAspect="1"/>
           </p:cNvPicPr>
@@ -12894,13 +12876,13 @@
         </p:nvPicPr>
         <p:blipFill rotWithShape="1">
           <a:blip r:embed="rId3"/>
-          <a:srcRect l="21250" t="6111" r="28333" b="12223"/>
+          <a:srcRect l="21055" t="5627" r="29404" b="4832"/>
           <a:stretch/>
         </p:blipFill>
         <p:spPr>
           <a:xfrm>
-            <a:off x="469900" y="1090765"/>
-            <a:ext cx="6146800" cy="5600700"/>
+            <a:off x="764972" y="1132514"/>
+            <a:ext cx="5436035" cy="5526650"/>
           </a:xfrm>
           <a:prstGeom prst="rect">
             <a:avLst/>
@@ -12948,8 +12930,8 @@
         </p:nvSpPr>
         <p:spPr>
           <a:xfrm>
-            <a:off x="1640580" y="3390900"/>
-            <a:ext cx="4607820" cy="800100"/>
+            <a:off x="1640580" y="3727894"/>
+            <a:ext cx="4607820" cy="993395"/>
           </a:xfrm>
           <a:prstGeom prst="rect">
             <a:avLst/>
@@ -12994,8 +12976,8 @@
         </p:nvSpPr>
         <p:spPr>
           <a:xfrm>
-            <a:off x="6870700" y="2864682"/>
-            <a:ext cx="1184940" cy="369332"/>
+            <a:off x="6870700" y="3249948"/>
+            <a:ext cx="3198311" cy="369332"/>
           </a:xfrm>
           <a:prstGeom prst="rect">
             <a:avLst/>
@@ -13013,7 +12995,7 @@
                 <a:latin typeface="Arial" panose="020B0604020202020204" pitchFamily="34" charset="0"/>
                 <a:cs typeface="Arial" panose="020B0604020202020204" pitchFamily="34" charset="0"/>
               </a:rPr>
-              <a:t>Exercises</a:t>
+              <a:t>Some checking or verification</a:t>
             </a:r>
           </a:p>
         </p:txBody>
@@ -13028,236 +13010,8 @@
         </p:nvCxnSpPr>
         <p:spPr>
           <a:xfrm flipH="1">
-            <a:off x="6248400" y="3114724"/>
-            <a:ext cx="622300" cy="676226"/>
-          </a:xfrm>
-          <a:prstGeom prst="line">
-            <a:avLst/>
-          </a:prstGeom>
-          <a:ln>
-            <a:solidFill>
-              <a:srgbClr val="FF0000"/>
-            </a:solidFill>
-          </a:ln>
-        </p:spPr>
-        <p:style>
-          <a:lnRef idx="1">
-            <a:schemeClr val="accent1"/>
-          </a:lnRef>
-          <a:fillRef idx="0">
-            <a:schemeClr val="accent1"/>
-          </a:fillRef>
-          <a:effectRef idx="0">
-            <a:schemeClr val="accent1"/>
-          </a:effectRef>
-          <a:fontRef idx="minor">
-            <a:schemeClr val="tx1"/>
-          </a:fontRef>
-        </p:style>
-      </p:cxnSp>
-      <p:sp>
-        <p:nvSpPr>
-          <p:cNvPr id="14" name="Rectangle 13"/>
-          <p:cNvSpPr/>
-          <p:nvPr/>
-        </p:nvSpPr>
-        <p:spPr>
-          <a:xfrm>
-            <a:off x="1640580" y="4378022"/>
-            <a:ext cx="4607820" cy="1286177"/>
-          </a:xfrm>
-          <a:prstGeom prst="rect">
-            <a:avLst/>
-          </a:prstGeom>
-          <a:noFill/>
-          <a:ln>
-            <a:solidFill>
-              <a:srgbClr val="FF0000"/>
-            </a:solidFill>
-          </a:ln>
-        </p:spPr>
-        <p:style>
-          <a:lnRef idx="2">
-            <a:schemeClr val="accent1">
-              <a:shade val="50000"/>
-            </a:schemeClr>
-          </a:lnRef>
-          <a:fillRef idx="1">
-            <a:schemeClr val="accent1"/>
-          </a:fillRef>
-          <a:effectRef idx="0">
-            <a:schemeClr val="accent1"/>
-          </a:effectRef>
-          <a:fontRef idx="minor">
-            <a:schemeClr val="lt1"/>
-          </a:fontRef>
-        </p:style>
-        <p:txBody>
-          <a:bodyPr rtlCol="0" anchor="ctr"/>
-          <a:lstStyle/>
-          <a:p>
-            <a:pPr algn="ctr"/>
-            <a:endParaRPr lang="en-US" dirty="0"/>
-          </a:p>
-        </p:txBody>
-      </p:sp>
-      <p:sp>
-        <p:nvSpPr>
-          <p:cNvPr id="15" name="TextBox 14"/>
-          <p:cNvSpPr txBox="1"/>
-          <p:nvPr/>
-        </p:nvSpPr>
-        <p:spPr>
-          <a:xfrm>
-            <a:off x="6870700" y="3851805"/>
-            <a:ext cx="1826141" cy="369332"/>
-          </a:xfrm>
-          <a:prstGeom prst="rect">
-            <a:avLst/>
-          </a:prstGeom>
-          <a:noFill/>
-        </p:spPr>
-        <p:txBody>
-          <a:bodyPr wrap="none" rtlCol="0">
-            <a:spAutoFit/>
-          </a:bodyPr>
-          <a:lstStyle/>
-          <a:p>
-            <a:r>
-              <a:rPr lang="en-US" dirty="0">
-                <a:latin typeface="Arial" panose="020B0604020202020204" pitchFamily="34" charset="0"/>
-                <a:cs typeface="Arial" panose="020B0604020202020204" pitchFamily="34" charset="0"/>
-              </a:rPr>
-              <a:t>Additional notes</a:t>
-            </a:r>
-          </a:p>
-        </p:txBody>
-      </p:sp>
-      <p:cxnSp>
-        <p:nvCxnSpPr>
-          <p:cNvPr id="16" name="Straight Connector 15"/>
-          <p:cNvCxnSpPr>
-            <a:endCxn id="14" idx="3"/>
-          </p:cNvCxnSpPr>
-          <p:nvPr/>
-        </p:nvCxnSpPr>
-        <p:spPr>
-          <a:xfrm flipH="1">
-            <a:off x="6248400" y="4101847"/>
-            <a:ext cx="622300" cy="919264"/>
-          </a:xfrm>
-          <a:prstGeom prst="line">
-            <a:avLst/>
-          </a:prstGeom>
-          <a:ln>
-            <a:solidFill>
-              <a:srgbClr val="FF0000"/>
-            </a:solidFill>
-          </a:ln>
-        </p:spPr>
-        <p:style>
-          <a:lnRef idx="1">
-            <a:schemeClr val="accent1"/>
-          </a:lnRef>
-          <a:fillRef idx="0">
-            <a:schemeClr val="accent1"/>
-          </a:fillRef>
-          <a:effectRef idx="0">
-            <a:schemeClr val="accent1"/>
-          </a:effectRef>
-          <a:fontRef idx="minor">
-            <a:schemeClr val="tx1"/>
-          </a:fontRef>
-        </p:style>
-      </p:cxnSp>
-      <p:sp>
-        <p:nvSpPr>
-          <p:cNvPr id="17" name="Rectangle 16"/>
-          <p:cNvSpPr/>
-          <p:nvPr/>
-        </p:nvSpPr>
-        <p:spPr>
-          <a:xfrm>
-            <a:off x="1640580" y="5814909"/>
-            <a:ext cx="4607820" cy="572859"/>
-          </a:xfrm>
-          <a:prstGeom prst="rect">
-            <a:avLst/>
-          </a:prstGeom>
-          <a:noFill/>
-          <a:ln>
-            <a:solidFill>
-              <a:srgbClr val="FF0000"/>
-            </a:solidFill>
-          </a:ln>
-        </p:spPr>
-        <p:style>
-          <a:lnRef idx="2">
-            <a:schemeClr val="accent1">
-              <a:shade val="50000"/>
-            </a:schemeClr>
-          </a:lnRef>
-          <a:fillRef idx="1">
-            <a:schemeClr val="accent1"/>
-          </a:fillRef>
-          <a:effectRef idx="0">
-            <a:schemeClr val="accent1"/>
-          </a:effectRef>
-          <a:fontRef idx="minor">
-            <a:schemeClr val="lt1"/>
-          </a:fontRef>
-        </p:style>
-        <p:txBody>
-          <a:bodyPr rtlCol="0" anchor="ctr"/>
-          <a:lstStyle/>
-          <a:p>
-            <a:pPr algn="ctr"/>
-            <a:endParaRPr lang="en-US" dirty="0"/>
-          </a:p>
-        </p:txBody>
-      </p:sp>
-      <p:sp>
-        <p:nvSpPr>
-          <p:cNvPr id="18" name="TextBox 17"/>
-          <p:cNvSpPr txBox="1"/>
-          <p:nvPr/>
-        </p:nvSpPr>
-        <p:spPr>
-          <a:xfrm>
-            <a:off x="6870700" y="5003594"/>
-            <a:ext cx="3070071" cy="369332"/>
-          </a:xfrm>
-          <a:prstGeom prst="rect">
-            <a:avLst/>
-          </a:prstGeom>
-          <a:noFill/>
-        </p:spPr>
-        <p:txBody>
-          <a:bodyPr wrap="none" rtlCol="0">
-            <a:spAutoFit/>
-          </a:bodyPr>
-          <a:lstStyle/>
-          <a:p>
-            <a:r>
-              <a:rPr lang="en-US" dirty="0">
-                <a:latin typeface="Arial" panose="020B0604020202020204" pitchFamily="34" charset="0"/>
-                <a:cs typeface="Arial" panose="020B0604020202020204" pitchFamily="34" charset="0"/>
-              </a:rPr>
-              <a:t>Links to comments (on Milo)</a:t>
-            </a:r>
-          </a:p>
-        </p:txBody>
-      </p:sp>
-      <p:cxnSp>
-        <p:nvCxnSpPr>
-          <p:cNvPr id="19" name="Straight Connector 18"/>
-          <p:cNvCxnSpPr/>
-          <p:nvPr/>
-        </p:nvCxnSpPr>
-        <p:spPr>
-          <a:xfrm flipH="1">
-            <a:off x="6248400" y="5253636"/>
-            <a:ext cx="622300" cy="919264"/>
+            <a:off x="6248400" y="3451719"/>
+            <a:ext cx="622300" cy="772873"/>
           </a:xfrm>
           <a:prstGeom prst="line">
             <a:avLst/>
@@ -13715,7 +13469,7 @@
     </p:spTree>
     <p:extLst>
       <p:ext uri="{BB962C8B-B14F-4D97-AF65-F5344CB8AC3E}">
-        <p14:creationId xmlns:p14="http://schemas.microsoft.com/office/powerpoint/2010/main" val="2717742778"/>
+        <p14:creationId xmlns:p14="http://schemas.microsoft.com/office/powerpoint/2010/main" val="2348899822"/>
       </p:ext>
     </p:extLst>
   </p:cSld>
@@ -13760,7 +13514,9 @@
         </p:nvSpPr>
         <p:spPr/>
         <p:txBody>
-          <a:bodyPr/>
+          <a:bodyPr>
+            <a:normAutofit/>
+          </a:bodyPr>
           <a:lstStyle/>
           <a:p>
             <a:r>
@@ -13768,7 +13524,21 @@
                 <a:latin typeface="Arial" panose="020B0604020202020204" pitchFamily="34" charset="0"/>
                 <a:cs typeface="Arial" panose="020B0604020202020204" pitchFamily="34" charset="0"/>
               </a:rPr>
-              <a:t>Goal of This Training</a:t>
+              <a:t>Goal </a:t>
+            </a:r>
+            <a:r>
+              <a:rPr lang="en-US">
+                <a:latin typeface="Arial" panose="020B0604020202020204" pitchFamily="34" charset="0"/>
+                <a:cs typeface="Arial" panose="020B0604020202020204" pitchFamily="34" charset="0"/>
+              </a:rPr>
+              <a:t>of Today’s </a:t>
+            </a:r>
+            <a:r>
+              <a:rPr lang="en-US" dirty="0">
+                <a:latin typeface="Arial" panose="020B0604020202020204" pitchFamily="34" charset="0"/>
+                <a:cs typeface="Arial" panose="020B0604020202020204" pitchFamily="34" charset="0"/>
+              </a:rPr>
+              <a:t>Training</a:t>
             </a:r>
           </a:p>
         </p:txBody>

--- a/Training.pptx
+++ b/Training.pptx
@@ -5,30 +5,34 @@
     <p:sldMasterId id="2147483648" r:id="rId1"/>
   </p:sldMasterIdLst>
   <p:notesMasterIdLst>
-    <p:notesMasterId r:id="rId20"/>
+    <p:notesMasterId r:id="rId24"/>
   </p:notesMasterIdLst>
   <p:handoutMasterIdLst>
-    <p:handoutMasterId r:id="rId21"/>
+    <p:handoutMasterId r:id="rId25"/>
   </p:handoutMasterIdLst>
   <p:sldIdLst>
     <p:sldId id="292" r:id="rId2"/>
-    <p:sldId id="294" r:id="rId3"/>
-    <p:sldId id="297" r:id="rId4"/>
-    <p:sldId id="306" r:id="rId5"/>
-    <p:sldId id="307" r:id="rId6"/>
-    <p:sldId id="309" r:id="rId7"/>
-    <p:sldId id="310" r:id="rId8"/>
-    <p:sldId id="300" r:id="rId9"/>
-    <p:sldId id="299" r:id="rId10"/>
-    <p:sldId id="295" r:id="rId11"/>
-    <p:sldId id="293" r:id="rId12"/>
-    <p:sldId id="298" r:id="rId13"/>
-    <p:sldId id="301" r:id="rId14"/>
-    <p:sldId id="296" r:id="rId15"/>
-    <p:sldId id="302" r:id="rId16"/>
-    <p:sldId id="303" r:id="rId17"/>
-    <p:sldId id="304" r:id="rId18"/>
-    <p:sldId id="305" r:id="rId19"/>
+    <p:sldId id="314" r:id="rId3"/>
+    <p:sldId id="294" r:id="rId4"/>
+    <p:sldId id="297" r:id="rId5"/>
+    <p:sldId id="306" r:id="rId6"/>
+    <p:sldId id="307" r:id="rId7"/>
+    <p:sldId id="309" r:id="rId8"/>
+    <p:sldId id="310" r:id="rId9"/>
+    <p:sldId id="300" r:id="rId10"/>
+    <p:sldId id="299" r:id="rId11"/>
+    <p:sldId id="295" r:id="rId12"/>
+    <p:sldId id="293" r:id="rId13"/>
+    <p:sldId id="312" r:id="rId14"/>
+    <p:sldId id="311" r:id="rId15"/>
+    <p:sldId id="313" r:id="rId16"/>
+    <p:sldId id="298" r:id="rId17"/>
+    <p:sldId id="301" r:id="rId18"/>
+    <p:sldId id="296" r:id="rId19"/>
+    <p:sldId id="302" r:id="rId20"/>
+    <p:sldId id="303" r:id="rId21"/>
+    <p:sldId id="304" r:id="rId22"/>
+    <p:sldId id="305" r:id="rId23"/>
   </p:sldIdLst>
   <p:sldSz cx="12192000" cy="6858000"/>
   <p:notesSz cx="6858000" cy="9144000"/>
@@ -750,7 +754,7 @@
     </p:spTree>
     <p:extLst>
       <p:ext uri="{BB962C8B-B14F-4D97-AF65-F5344CB8AC3E}">
-        <p14:creationId xmlns:p14="http://schemas.microsoft.com/office/powerpoint/2010/main" val="3963269104"/>
+        <p14:creationId xmlns:p14="http://schemas.microsoft.com/office/powerpoint/2010/main" val="4007433361"/>
       </p:ext>
     </p:extLst>
   </p:cSld>
@@ -834,7 +838,7 @@
     </p:spTree>
     <p:extLst>
       <p:ext uri="{BB962C8B-B14F-4D97-AF65-F5344CB8AC3E}">
-        <p14:creationId xmlns:p14="http://schemas.microsoft.com/office/powerpoint/2010/main" val="2570388187"/>
+        <p14:creationId xmlns:p14="http://schemas.microsoft.com/office/powerpoint/2010/main" val="2706837072"/>
       </p:ext>
     </p:extLst>
   </p:cSld>
@@ -918,7 +922,7 @@
     </p:spTree>
     <p:extLst>
       <p:ext uri="{BB962C8B-B14F-4D97-AF65-F5344CB8AC3E}">
-        <p14:creationId xmlns:p14="http://schemas.microsoft.com/office/powerpoint/2010/main" val="325896074"/>
+        <p14:creationId xmlns:p14="http://schemas.microsoft.com/office/powerpoint/2010/main" val="2570388187"/>
       </p:ext>
     </p:extLst>
   </p:cSld>
@@ -1002,7 +1006,7 @@
     </p:spTree>
     <p:extLst>
       <p:ext uri="{BB962C8B-B14F-4D97-AF65-F5344CB8AC3E}">
-        <p14:creationId xmlns:p14="http://schemas.microsoft.com/office/powerpoint/2010/main" val="3921011797"/>
+        <p14:creationId xmlns:p14="http://schemas.microsoft.com/office/powerpoint/2010/main" val="752577176"/>
       </p:ext>
     </p:extLst>
   </p:cSld>
@@ -1086,7 +1090,7 @@
     </p:spTree>
     <p:extLst>
       <p:ext uri="{BB962C8B-B14F-4D97-AF65-F5344CB8AC3E}">
-        <p14:creationId xmlns:p14="http://schemas.microsoft.com/office/powerpoint/2010/main" val="1559093554"/>
+        <p14:creationId xmlns:p14="http://schemas.microsoft.com/office/powerpoint/2010/main" val="537319405"/>
       </p:ext>
     </p:extLst>
   </p:cSld>
@@ -1170,7 +1174,7 @@
     </p:spTree>
     <p:extLst>
       <p:ext uri="{BB962C8B-B14F-4D97-AF65-F5344CB8AC3E}">
-        <p14:creationId xmlns:p14="http://schemas.microsoft.com/office/powerpoint/2010/main" val="2036527964"/>
+        <p14:creationId xmlns:p14="http://schemas.microsoft.com/office/powerpoint/2010/main" val="4169746445"/>
       </p:ext>
     </p:extLst>
   </p:cSld>
@@ -1254,7 +1258,7 @@
     </p:spTree>
     <p:extLst>
       <p:ext uri="{BB962C8B-B14F-4D97-AF65-F5344CB8AC3E}">
-        <p14:creationId xmlns:p14="http://schemas.microsoft.com/office/powerpoint/2010/main" val="24105951"/>
+        <p14:creationId xmlns:p14="http://schemas.microsoft.com/office/powerpoint/2010/main" val="325896074"/>
       </p:ext>
     </p:extLst>
   </p:cSld>
@@ -1338,7 +1342,7 @@
     </p:spTree>
     <p:extLst>
       <p:ext uri="{BB962C8B-B14F-4D97-AF65-F5344CB8AC3E}">
-        <p14:creationId xmlns:p14="http://schemas.microsoft.com/office/powerpoint/2010/main" val="900561916"/>
+        <p14:creationId xmlns:p14="http://schemas.microsoft.com/office/powerpoint/2010/main" val="3921011797"/>
       </p:ext>
     </p:extLst>
   </p:cSld>
@@ -1422,7 +1426,175 @@
     </p:spTree>
     <p:extLst>
       <p:ext uri="{BB962C8B-B14F-4D97-AF65-F5344CB8AC3E}">
-        <p14:creationId xmlns:p14="http://schemas.microsoft.com/office/powerpoint/2010/main" val="456106509"/>
+        <p14:creationId xmlns:p14="http://schemas.microsoft.com/office/powerpoint/2010/main" val="1559093554"/>
+      </p:ext>
+    </p:extLst>
+  </p:cSld>
+  <p:clrMapOvr>
+    <a:masterClrMapping/>
+  </p:clrMapOvr>
+</p:notes>
+</file>
+
+<file path=ppt/notesSlides/notesSlide18.xml><?xml version="1.0" encoding="utf-8"?>
+<p:notes xmlns:a="http://schemas.openxmlformats.org/drawingml/2006/main" xmlns:r="http://schemas.openxmlformats.org/officeDocument/2006/relationships" xmlns:p="http://schemas.openxmlformats.org/presentationml/2006/main">
+  <p:cSld>
+    <p:spTree>
+      <p:nvGrpSpPr>
+        <p:cNvPr id="1" name=""/>
+        <p:cNvGrpSpPr/>
+        <p:nvPr/>
+      </p:nvGrpSpPr>
+      <p:grpSpPr>
+        <a:xfrm>
+          <a:off x="0" y="0"/>
+          <a:ext cx="0" cy="0"/>
+          <a:chOff x="0" y="0"/>
+          <a:chExt cx="0" cy="0"/>
+        </a:xfrm>
+      </p:grpSpPr>
+      <p:sp>
+        <p:nvSpPr>
+          <p:cNvPr id="2" name="Slide Image Placeholder 1"/>
+          <p:cNvSpPr>
+            <a:spLocks noGrp="1" noRot="1" noChangeAspect="1"/>
+          </p:cNvSpPr>
+          <p:nvPr>
+            <p:ph type="sldImg"/>
+          </p:nvPr>
+        </p:nvSpPr>
+        <p:spPr/>
+      </p:sp>
+      <p:sp>
+        <p:nvSpPr>
+          <p:cNvPr id="3" name="Notes Placeholder 2"/>
+          <p:cNvSpPr>
+            <a:spLocks noGrp="1"/>
+          </p:cNvSpPr>
+          <p:nvPr>
+            <p:ph type="body" idx="1"/>
+          </p:nvPr>
+        </p:nvSpPr>
+        <p:spPr/>
+        <p:txBody>
+          <a:bodyPr/>
+          <a:lstStyle/>
+          <a:p>
+            <a:endParaRPr lang="en-US" dirty="0"/>
+          </a:p>
+        </p:txBody>
+      </p:sp>
+      <p:sp>
+        <p:nvSpPr>
+          <p:cNvPr id="4" name="Slide Number Placeholder 3"/>
+          <p:cNvSpPr>
+            <a:spLocks noGrp="1"/>
+          </p:cNvSpPr>
+          <p:nvPr>
+            <p:ph type="sldNum" sz="quarter" idx="10"/>
+          </p:nvPr>
+        </p:nvSpPr>
+        <p:spPr/>
+        <p:txBody>
+          <a:bodyPr/>
+          <a:lstStyle/>
+          <a:p>
+            <a:fld id="{038396DC-5B17-4BDC-9518-BAF07A76ECE3}" type="slidenum">
+              <a:rPr lang="en-US" smtClean="0"/>
+              <a:t>19</a:t>
+            </a:fld>
+            <a:endParaRPr lang="en-US"/>
+          </a:p>
+        </p:txBody>
+      </p:sp>
+    </p:spTree>
+    <p:extLst>
+      <p:ext uri="{BB962C8B-B14F-4D97-AF65-F5344CB8AC3E}">
+        <p14:creationId xmlns:p14="http://schemas.microsoft.com/office/powerpoint/2010/main" val="2036527964"/>
+      </p:ext>
+    </p:extLst>
+  </p:cSld>
+  <p:clrMapOvr>
+    <a:masterClrMapping/>
+  </p:clrMapOvr>
+</p:notes>
+</file>
+
+<file path=ppt/notesSlides/notesSlide19.xml><?xml version="1.0" encoding="utf-8"?>
+<p:notes xmlns:a="http://schemas.openxmlformats.org/drawingml/2006/main" xmlns:r="http://schemas.openxmlformats.org/officeDocument/2006/relationships" xmlns:p="http://schemas.openxmlformats.org/presentationml/2006/main">
+  <p:cSld>
+    <p:spTree>
+      <p:nvGrpSpPr>
+        <p:cNvPr id="1" name=""/>
+        <p:cNvGrpSpPr/>
+        <p:nvPr/>
+      </p:nvGrpSpPr>
+      <p:grpSpPr>
+        <a:xfrm>
+          <a:off x="0" y="0"/>
+          <a:ext cx="0" cy="0"/>
+          <a:chOff x="0" y="0"/>
+          <a:chExt cx="0" cy="0"/>
+        </a:xfrm>
+      </p:grpSpPr>
+      <p:sp>
+        <p:nvSpPr>
+          <p:cNvPr id="2" name="Slide Image Placeholder 1"/>
+          <p:cNvSpPr>
+            <a:spLocks noGrp="1" noRot="1" noChangeAspect="1"/>
+          </p:cNvSpPr>
+          <p:nvPr>
+            <p:ph type="sldImg"/>
+          </p:nvPr>
+        </p:nvSpPr>
+        <p:spPr/>
+      </p:sp>
+      <p:sp>
+        <p:nvSpPr>
+          <p:cNvPr id="3" name="Notes Placeholder 2"/>
+          <p:cNvSpPr>
+            <a:spLocks noGrp="1"/>
+          </p:cNvSpPr>
+          <p:nvPr>
+            <p:ph type="body" idx="1"/>
+          </p:nvPr>
+        </p:nvSpPr>
+        <p:spPr/>
+        <p:txBody>
+          <a:bodyPr/>
+          <a:lstStyle/>
+          <a:p>
+            <a:endParaRPr lang="en-US" dirty="0"/>
+          </a:p>
+        </p:txBody>
+      </p:sp>
+      <p:sp>
+        <p:nvSpPr>
+          <p:cNvPr id="4" name="Slide Number Placeholder 3"/>
+          <p:cNvSpPr>
+            <a:spLocks noGrp="1"/>
+          </p:cNvSpPr>
+          <p:nvPr>
+            <p:ph type="sldNum" sz="quarter" idx="10"/>
+          </p:nvPr>
+        </p:nvSpPr>
+        <p:spPr/>
+        <p:txBody>
+          <a:bodyPr/>
+          <a:lstStyle/>
+          <a:p>
+            <a:fld id="{038396DC-5B17-4BDC-9518-BAF07A76ECE3}" type="slidenum">
+              <a:rPr lang="en-US" smtClean="0"/>
+              <a:t>20</a:t>
+            </a:fld>
+            <a:endParaRPr lang="en-US"/>
+          </a:p>
+        </p:txBody>
+      </p:sp>
+    </p:spTree>
+    <p:extLst>
+      <p:ext uri="{BB962C8B-B14F-4D97-AF65-F5344CB8AC3E}">
+        <p14:creationId xmlns:p14="http://schemas.microsoft.com/office/powerpoint/2010/main" val="24105951"/>
       </p:ext>
     </p:extLst>
   </p:cSld>
@@ -1506,7 +1678,175 @@
     </p:spTree>
     <p:extLst>
       <p:ext uri="{BB962C8B-B14F-4D97-AF65-F5344CB8AC3E}">
-        <p14:creationId xmlns:p14="http://schemas.microsoft.com/office/powerpoint/2010/main" val="4135271462"/>
+        <p14:creationId xmlns:p14="http://schemas.microsoft.com/office/powerpoint/2010/main" val="3963269104"/>
+      </p:ext>
+    </p:extLst>
+  </p:cSld>
+  <p:clrMapOvr>
+    <a:masterClrMapping/>
+  </p:clrMapOvr>
+</p:notes>
+</file>
+
+<file path=ppt/notesSlides/notesSlide20.xml><?xml version="1.0" encoding="utf-8"?>
+<p:notes xmlns:a="http://schemas.openxmlformats.org/drawingml/2006/main" xmlns:r="http://schemas.openxmlformats.org/officeDocument/2006/relationships" xmlns:p="http://schemas.openxmlformats.org/presentationml/2006/main">
+  <p:cSld>
+    <p:spTree>
+      <p:nvGrpSpPr>
+        <p:cNvPr id="1" name=""/>
+        <p:cNvGrpSpPr/>
+        <p:nvPr/>
+      </p:nvGrpSpPr>
+      <p:grpSpPr>
+        <a:xfrm>
+          <a:off x="0" y="0"/>
+          <a:ext cx="0" cy="0"/>
+          <a:chOff x="0" y="0"/>
+          <a:chExt cx="0" cy="0"/>
+        </a:xfrm>
+      </p:grpSpPr>
+      <p:sp>
+        <p:nvSpPr>
+          <p:cNvPr id="2" name="Slide Image Placeholder 1"/>
+          <p:cNvSpPr>
+            <a:spLocks noGrp="1" noRot="1" noChangeAspect="1"/>
+          </p:cNvSpPr>
+          <p:nvPr>
+            <p:ph type="sldImg"/>
+          </p:nvPr>
+        </p:nvSpPr>
+        <p:spPr/>
+      </p:sp>
+      <p:sp>
+        <p:nvSpPr>
+          <p:cNvPr id="3" name="Notes Placeholder 2"/>
+          <p:cNvSpPr>
+            <a:spLocks noGrp="1"/>
+          </p:cNvSpPr>
+          <p:nvPr>
+            <p:ph type="body" idx="1"/>
+          </p:nvPr>
+        </p:nvSpPr>
+        <p:spPr/>
+        <p:txBody>
+          <a:bodyPr/>
+          <a:lstStyle/>
+          <a:p>
+            <a:endParaRPr lang="en-US" dirty="0"/>
+          </a:p>
+        </p:txBody>
+      </p:sp>
+      <p:sp>
+        <p:nvSpPr>
+          <p:cNvPr id="4" name="Slide Number Placeholder 3"/>
+          <p:cNvSpPr>
+            <a:spLocks noGrp="1"/>
+          </p:cNvSpPr>
+          <p:nvPr>
+            <p:ph type="sldNum" sz="quarter" idx="10"/>
+          </p:nvPr>
+        </p:nvSpPr>
+        <p:spPr/>
+        <p:txBody>
+          <a:bodyPr/>
+          <a:lstStyle/>
+          <a:p>
+            <a:fld id="{038396DC-5B17-4BDC-9518-BAF07A76ECE3}" type="slidenum">
+              <a:rPr lang="en-US" smtClean="0"/>
+              <a:t>21</a:t>
+            </a:fld>
+            <a:endParaRPr lang="en-US"/>
+          </a:p>
+        </p:txBody>
+      </p:sp>
+    </p:spTree>
+    <p:extLst>
+      <p:ext uri="{BB962C8B-B14F-4D97-AF65-F5344CB8AC3E}">
+        <p14:creationId xmlns:p14="http://schemas.microsoft.com/office/powerpoint/2010/main" val="900561916"/>
+      </p:ext>
+    </p:extLst>
+  </p:cSld>
+  <p:clrMapOvr>
+    <a:masterClrMapping/>
+  </p:clrMapOvr>
+</p:notes>
+</file>
+
+<file path=ppt/notesSlides/notesSlide21.xml><?xml version="1.0" encoding="utf-8"?>
+<p:notes xmlns:a="http://schemas.openxmlformats.org/drawingml/2006/main" xmlns:r="http://schemas.openxmlformats.org/officeDocument/2006/relationships" xmlns:p="http://schemas.openxmlformats.org/presentationml/2006/main">
+  <p:cSld>
+    <p:spTree>
+      <p:nvGrpSpPr>
+        <p:cNvPr id="1" name=""/>
+        <p:cNvGrpSpPr/>
+        <p:nvPr/>
+      </p:nvGrpSpPr>
+      <p:grpSpPr>
+        <a:xfrm>
+          <a:off x="0" y="0"/>
+          <a:ext cx="0" cy="0"/>
+          <a:chOff x="0" y="0"/>
+          <a:chExt cx="0" cy="0"/>
+        </a:xfrm>
+      </p:grpSpPr>
+      <p:sp>
+        <p:nvSpPr>
+          <p:cNvPr id="2" name="Slide Image Placeholder 1"/>
+          <p:cNvSpPr>
+            <a:spLocks noGrp="1" noRot="1" noChangeAspect="1"/>
+          </p:cNvSpPr>
+          <p:nvPr>
+            <p:ph type="sldImg"/>
+          </p:nvPr>
+        </p:nvSpPr>
+        <p:spPr/>
+      </p:sp>
+      <p:sp>
+        <p:nvSpPr>
+          <p:cNvPr id="3" name="Notes Placeholder 2"/>
+          <p:cNvSpPr>
+            <a:spLocks noGrp="1"/>
+          </p:cNvSpPr>
+          <p:nvPr>
+            <p:ph type="body" idx="1"/>
+          </p:nvPr>
+        </p:nvSpPr>
+        <p:spPr/>
+        <p:txBody>
+          <a:bodyPr/>
+          <a:lstStyle/>
+          <a:p>
+            <a:endParaRPr lang="en-US" dirty="0"/>
+          </a:p>
+        </p:txBody>
+      </p:sp>
+      <p:sp>
+        <p:nvSpPr>
+          <p:cNvPr id="4" name="Slide Number Placeholder 3"/>
+          <p:cNvSpPr>
+            <a:spLocks noGrp="1"/>
+          </p:cNvSpPr>
+          <p:nvPr>
+            <p:ph type="sldNum" sz="quarter" idx="10"/>
+          </p:nvPr>
+        </p:nvSpPr>
+        <p:spPr/>
+        <p:txBody>
+          <a:bodyPr/>
+          <a:lstStyle/>
+          <a:p>
+            <a:fld id="{038396DC-5B17-4BDC-9518-BAF07A76ECE3}" type="slidenum">
+              <a:rPr lang="en-US" smtClean="0"/>
+              <a:t>22</a:t>
+            </a:fld>
+            <a:endParaRPr lang="en-US"/>
+          </a:p>
+        </p:txBody>
+      </p:sp>
+    </p:spTree>
+    <p:extLst>
+      <p:ext uri="{BB962C8B-B14F-4D97-AF65-F5344CB8AC3E}">
+        <p14:creationId xmlns:p14="http://schemas.microsoft.com/office/powerpoint/2010/main" val="456106509"/>
       </p:ext>
     </p:extLst>
   </p:cSld>
@@ -1590,7 +1930,7 @@
     </p:spTree>
     <p:extLst>
       <p:ext uri="{BB962C8B-B14F-4D97-AF65-F5344CB8AC3E}">
-        <p14:creationId xmlns:p14="http://schemas.microsoft.com/office/powerpoint/2010/main" val="2688494230"/>
+        <p14:creationId xmlns:p14="http://schemas.microsoft.com/office/powerpoint/2010/main" val="4135271462"/>
       </p:ext>
     </p:extLst>
   </p:cSld>
@@ -1674,7 +2014,7 @@
     </p:spTree>
     <p:extLst>
       <p:ext uri="{BB962C8B-B14F-4D97-AF65-F5344CB8AC3E}">
-        <p14:creationId xmlns:p14="http://schemas.microsoft.com/office/powerpoint/2010/main" val="2122067733"/>
+        <p14:creationId xmlns:p14="http://schemas.microsoft.com/office/powerpoint/2010/main" val="2688494230"/>
       </p:ext>
     </p:extLst>
   </p:cSld>
@@ -1758,7 +2098,7 @@
     </p:spTree>
     <p:extLst>
       <p:ext uri="{BB962C8B-B14F-4D97-AF65-F5344CB8AC3E}">
-        <p14:creationId xmlns:p14="http://schemas.microsoft.com/office/powerpoint/2010/main" val="1139086969"/>
+        <p14:creationId xmlns:p14="http://schemas.microsoft.com/office/powerpoint/2010/main" val="2122067733"/>
       </p:ext>
     </p:extLst>
   </p:cSld>
@@ -1842,7 +2182,7 @@
     </p:spTree>
     <p:extLst>
       <p:ext uri="{BB962C8B-B14F-4D97-AF65-F5344CB8AC3E}">
-        <p14:creationId xmlns:p14="http://schemas.microsoft.com/office/powerpoint/2010/main" val="807390243"/>
+        <p14:creationId xmlns:p14="http://schemas.microsoft.com/office/powerpoint/2010/main" val="1139086969"/>
       </p:ext>
     </p:extLst>
   </p:cSld>
@@ -1926,7 +2266,7 @@
     </p:spTree>
     <p:extLst>
       <p:ext uri="{BB962C8B-B14F-4D97-AF65-F5344CB8AC3E}">
-        <p14:creationId xmlns:p14="http://schemas.microsoft.com/office/powerpoint/2010/main" val="1433618267"/>
+        <p14:creationId xmlns:p14="http://schemas.microsoft.com/office/powerpoint/2010/main" val="807390243"/>
       </p:ext>
     </p:extLst>
   </p:cSld>
@@ -2010,7 +2350,7 @@
     </p:spTree>
     <p:extLst>
       <p:ext uri="{BB962C8B-B14F-4D97-AF65-F5344CB8AC3E}">
-        <p14:creationId xmlns:p14="http://schemas.microsoft.com/office/powerpoint/2010/main" val="1342734051"/>
+        <p14:creationId xmlns:p14="http://schemas.microsoft.com/office/powerpoint/2010/main" val="1433618267"/>
       </p:ext>
     </p:extLst>
   </p:cSld>
@@ -2094,7 +2434,7 @@
     </p:spTree>
     <p:extLst>
       <p:ext uri="{BB962C8B-B14F-4D97-AF65-F5344CB8AC3E}">
-        <p14:creationId xmlns:p14="http://schemas.microsoft.com/office/powerpoint/2010/main" val="2706837072"/>
+        <p14:creationId xmlns:p14="http://schemas.microsoft.com/office/powerpoint/2010/main" val="1342734051"/>
       </p:ext>
     </p:extLst>
   </p:cSld>
@@ -10930,7 +11270,7 @@
                 <a:latin typeface="Arial" panose="020B0604020202020204" pitchFamily="34" charset="0"/>
                 <a:cs typeface="Arial" panose="020B0604020202020204" pitchFamily="34" charset="0"/>
               </a:rPr>
-              <a:t>Triaxial stress state</a:t>
+              <a:t>Performing elemental tests</a:t>
             </a:r>
           </a:p>
         </p:txBody>
@@ -10963,7 +11303,7 @@
                 <a:latin typeface="Arial" panose="020B0604020202020204" pitchFamily="34" charset="0"/>
                 <a:cs typeface="Arial" panose="020B0604020202020204" pitchFamily="34" charset="0"/>
               </a:rPr>
-              <a:t>Common test used for probing stress-strain response:</a:t>
+              <a:t>Why is performing elemental tests important?</a:t>
             </a:r>
           </a:p>
           <a:p>
@@ -10973,7 +11313,7 @@
                 <a:latin typeface="Arial" panose="020B0604020202020204" pitchFamily="34" charset="0"/>
                 <a:cs typeface="Arial" panose="020B0604020202020204" pitchFamily="34" charset="0"/>
               </a:rPr>
-              <a:t>Metals – uniaxial compression, uniaxial tension</a:t>
+              <a:t>Gives insight into material response</a:t>
             </a:r>
           </a:p>
           <a:p>
@@ -10983,7 +11323,7 @@
                 <a:latin typeface="Arial" panose="020B0604020202020204" pitchFamily="34" charset="0"/>
                 <a:cs typeface="Arial" panose="020B0604020202020204" pitchFamily="34" charset="0"/>
               </a:rPr>
-              <a:t>Soil – confined triaxial extension/compression</a:t>
+              <a:t>See main features of material model</a:t>
             </a:r>
           </a:p>
           <a:p>
@@ -10993,7 +11333,92 @@
                 <a:latin typeface="Arial" panose="020B0604020202020204" pitchFamily="34" charset="0"/>
                 <a:cs typeface="Arial" panose="020B0604020202020204" pitchFamily="34" charset="0"/>
               </a:rPr>
-              <a:t>Concrete – uniaxial compression, uniaxial tension</a:t>
+              <a:t>See how parameters affect response</a:t>
+            </a:r>
+          </a:p>
+          <a:p>
+            <a:pPr lvl="1"/>
+            <a:r>
+              <a:rPr lang="en-US" sz="2800" dirty="0">
+                <a:latin typeface="Arial" panose="020B0604020202020204" pitchFamily="34" charset="0"/>
+                <a:cs typeface="Arial" panose="020B0604020202020204" pitchFamily="34" charset="0"/>
+              </a:rPr>
+              <a:t>See </a:t>
+            </a:r>
+            <a:r>
+              <a:rPr lang="en-US" sz="2800" u="sng" dirty="0">
+                <a:latin typeface="Arial" panose="020B0604020202020204" pitchFamily="34" charset="0"/>
+                <a:cs typeface="Arial" panose="020B0604020202020204" pitchFamily="34" charset="0"/>
+              </a:rPr>
+              <a:t>limitations</a:t>
+            </a:r>
+            <a:r>
+              <a:rPr lang="en-US" sz="2800" dirty="0">
+                <a:latin typeface="Arial" panose="020B0604020202020204" pitchFamily="34" charset="0"/>
+                <a:cs typeface="Arial" panose="020B0604020202020204" pitchFamily="34" charset="0"/>
+              </a:rPr>
+              <a:t> of material model (VERY IMPORTANT)</a:t>
+            </a:r>
+          </a:p>
+          <a:p>
+            <a:pPr lvl="1"/>
+            <a:r>
+              <a:rPr lang="en-US" sz="2800" dirty="0">
+                <a:latin typeface="Arial" panose="020B0604020202020204" pitchFamily="34" charset="0"/>
+                <a:cs typeface="Arial" panose="020B0604020202020204" pitchFamily="34" charset="0"/>
+              </a:rPr>
+              <a:t>Helps with interpretation of test data</a:t>
+            </a:r>
+          </a:p>
+          <a:p>
+            <a:pPr lvl="1"/>
+            <a:r>
+              <a:rPr lang="en-US" sz="2800" dirty="0">
+                <a:latin typeface="Arial" panose="020B0604020202020204" pitchFamily="34" charset="0"/>
+                <a:cs typeface="Arial" panose="020B0604020202020204" pitchFamily="34" charset="0"/>
+              </a:rPr>
+              <a:t>Provides a </a:t>
+            </a:r>
+            <a:r>
+              <a:rPr lang="en-US" sz="2800" u="sng" dirty="0">
+                <a:latin typeface="Arial" panose="020B0604020202020204" pitchFamily="34" charset="0"/>
+                <a:cs typeface="Arial" panose="020B0604020202020204" pitchFamily="34" charset="0"/>
+              </a:rPr>
+              <a:t>quantitative</a:t>
+            </a:r>
+            <a:r>
+              <a:rPr lang="en-US" sz="2800" dirty="0">
+                <a:latin typeface="Arial" panose="020B0604020202020204" pitchFamily="34" charset="0"/>
+                <a:cs typeface="Arial" panose="020B0604020202020204" pitchFamily="34" charset="0"/>
+              </a:rPr>
+              <a:t> framework to discuss material response:</a:t>
+            </a:r>
+          </a:p>
+          <a:p>
+            <a:pPr lvl="2"/>
+            <a:r>
+              <a:rPr lang="en-US" sz="2400" dirty="0">
+                <a:latin typeface="Arial" panose="020B0604020202020204" pitchFamily="34" charset="0"/>
+                <a:cs typeface="Arial" panose="020B0604020202020204" pitchFamily="34" charset="0"/>
+              </a:rPr>
+              <a:t>avoid making weak analogies to pseudo, imaginary “non-linear spring”, which is grossly incorrect</a:t>
+            </a:r>
+          </a:p>
+          <a:p>
+            <a:pPr lvl="2"/>
+            <a:r>
+              <a:rPr lang="en-US" sz="2400" dirty="0">
+                <a:latin typeface="Arial" panose="020B0604020202020204" pitchFamily="34" charset="0"/>
+                <a:cs typeface="Arial" panose="020B0604020202020204" pitchFamily="34" charset="0"/>
+              </a:rPr>
+              <a:t>saying that a material is “soft”, “weak”, etc., is </a:t>
+            </a:r>
+            <a:r>
+              <a:rPr lang="en-US" sz="2400" u="sng" dirty="0">
+                <a:latin typeface="Arial" panose="020B0604020202020204" pitchFamily="34" charset="0"/>
+                <a:cs typeface="Arial" panose="020B0604020202020204" pitchFamily="34" charset="0"/>
+              </a:rPr>
+              <a:t>meaningless</a:t>
             </a:r>
           </a:p>
           <a:p>
@@ -11004,15 +11429,6 @@
             </a:endParaRPr>
           </a:p>
           <a:p>
-            <a:r>
-              <a:rPr lang="en-US" dirty="0">
-                <a:latin typeface="Arial" panose="020B0604020202020204" pitchFamily="34" charset="0"/>
-                <a:cs typeface="Arial" panose="020B0604020202020204" pitchFamily="34" charset="0"/>
-              </a:rPr>
-              <a:t>Not the only stress-state possible.</a:t>
-            </a:r>
-          </a:p>
-          <a:p>
             <a:pPr lvl="1"/>
             <a:endParaRPr lang="en-US" sz="2800" dirty="0">
               <a:latin typeface="Arial" panose="020B0604020202020204" pitchFamily="34" charset="0"/>
@@ -11032,17 +11448,36 @@
             </a:endParaRPr>
           </a:p>
           <a:p>
+            <a:pPr lvl="1"/>
+            <a:endParaRPr lang="en-US" sz="2800" dirty="0">
+              <a:latin typeface="Arial" panose="020B0604020202020204" pitchFamily="34" charset="0"/>
+              <a:cs typeface="Arial" panose="020B0604020202020204" pitchFamily="34" charset="0"/>
+            </a:endParaRPr>
+          </a:p>
+          <a:p>
             <a:endParaRPr lang="en-US" dirty="0">
               <a:latin typeface="Arial" panose="020B0604020202020204" pitchFamily="34" charset="0"/>
               <a:cs typeface="Arial" panose="020B0604020202020204" pitchFamily="34" charset="0"/>
             </a:endParaRPr>
           </a:p>
+          <a:p>
+            <a:endParaRPr lang="en-US" dirty="0">
+              <a:latin typeface="Arial" panose="020B0604020202020204" pitchFamily="34" charset="0"/>
+              <a:cs typeface="Arial" panose="020B0604020202020204" pitchFamily="34" charset="0"/>
+            </a:endParaRPr>
+          </a:p>
+          <a:p>
+            <a:endParaRPr lang="en-US" dirty="0">
+              <a:latin typeface="Arial" panose="020B0604020202020204" pitchFamily="34" charset="0"/>
+              <a:cs typeface="Arial" panose="020B0604020202020204" pitchFamily="34" charset="0"/>
+            </a:endParaRPr>
+          </a:p>
         </p:txBody>
       </p:sp>
     </p:spTree>
     <p:extLst>
       <p:ext uri="{BB962C8B-B14F-4D97-AF65-F5344CB8AC3E}">
-        <p14:creationId xmlns:p14="http://schemas.microsoft.com/office/powerpoint/2010/main" val="450732675"/>
+        <p14:creationId xmlns:p14="http://schemas.microsoft.com/office/powerpoint/2010/main" val="1885274089"/>
       </p:ext>
     </p:extLst>
   </p:cSld>
@@ -11095,7 +11530,7 @@
                 <a:latin typeface="Arial" panose="020B0604020202020204" pitchFamily="34" charset="0"/>
                 <a:cs typeface="Arial" panose="020B0604020202020204" pitchFamily="34" charset="0"/>
               </a:rPr>
-              <a:t>Triaxial stress state (cont’d)</a:t>
+              <a:t>Triaxial stress state</a:t>
             </a:r>
           </a:p>
         </p:txBody>
@@ -11118,7 +11553,9 @@
         </p:nvSpPr>
         <p:spPr/>
         <p:txBody>
-          <a:bodyPr/>
+          <a:bodyPr>
+            <a:normAutofit/>
+          </a:bodyPr>
           <a:lstStyle/>
           <a:p>
             <a:r>
@@ -11126,8 +11563,45 @@
                 <a:latin typeface="Arial" panose="020B0604020202020204" pitchFamily="34" charset="0"/>
                 <a:cs typeface="Arial" panose="020B0604020202020204" pitchFamily="34" charset="0"/>
               </a:rPr>
-              <a:t>Vertical stress</a:t>
-            </a:r>
+              <a:t>Common test used for probing stress-strain response:</a:t>
+            </a:r>
+          </a:p>
+          <a:p>
+            <a:pPr lvl="1"/>
+            <a:r>
+              <a:rPr lang="en-US" sz="2800" dirty="0">
+                <a:latin typeface="Arial" panose="020B0604020202020204" pitchFamily="34" charset="0"/>
+                <a:cs typeface="Arial" panose="020B0604020202020204" pitchFamily="34" charset="0"/>
+              </a:rPr>
+              <a:t>Metals – uniaxial compression, uniaxial tension</a:t>
+            </a:r>
+          </a:p>
+          <a:p>
+            <a:pPr lvl="1"/>
+            <a:r>
+              <a:rPr lang="en-US" sz="2800" dirty="0">
+                <a:latin typeface="Arial" panose="020B0604020202020204" pitchFamily="34" charset="0"/>
+                <a:cs typeface="Arial" panose="020B0604020202020204" pitchFamily="34" charset="0"/>
+              </a:rPr>
+              <a:t>Soil – confined triaxial extension/compression</a:t>
+            </a:r>
+          </a:p>
+          <a:p>
+            <a:pPr lvl="1"/>
+            <a:r>
+              <a:rPr lang="en-US" sz="2800" dirty="0">
+                <a:latin typeface="Arial" panose="020B0604020202020204" pitchFamily="34" charset="0"/>
+                <a:cs typeface="Arial" panose="020B0604020202020204" pitchFamily="34" charset="0"/>
+              </a:rPr>
+              <a:t>Concrete – uniaxial compression, uniaxial tension</a:t>
+            </a:r>
+          </a:p>
+          <a:p>
+            <a:pPr lvl="1"/>
+            <a:endParaRPr lang="en-US" sz="2800" dirty="0">
+              <a:latin typeface="Arial" panose="020B0604020202020204" pitchFamily="34" charset="0"/>
+              <a:cs typeface="Arial" panose="020B0604020202020204" pitchFamily="34" charset="0"/>
+            </a:endParaRPr>
           </a:p>
           <a:p>
             <a:r>
@@ -11135,17 +11609,15 @@
                 <a:latin typeface="Arial" panose="020B0604020202020204" pitchFamily="34" charset="0"/>
                 <a:cs typeface="Arial" panose="020B0604020202020204" pitchFamily="34" charset="0"/>
               </a:rPr>
-              <a:t>Lateral stress                      (constant; zero for uniaxial tests)</a:t>
-            </a:r>
-          </a:p>
-          <a:p>
-            <a:r>
-              <a:rPr lang="en-US" dirty="0">
-                <a:latin typeface="Arial" panose="020B0604020202020204" pitchFamily="34" charset="0"/>
-                <a:cs typeface="Arial" panose="020B0604020202020204" pitchFamily="34" charset="0"/>
-              </a:rPr>
-              <a:t>Shear stress (stress difference) </a:t>
-            </a:r>
+              <a:t>Not the only stress-state possible.</a:t>
+            </a:r>
+          </a:p>
+          <a:p>
+            <a:pPr lvl="1"/>
+            <a:endParaRPr lang="en-US" sz="2800" dirty="0">
+              <a:latin typeface="Arial" panose="020B0604020202020204" pitchFamily="34" charset="0"/>
+              <a:cs typeface="Arial" panose="020B0604020202020204" pitchFamily="34" charset="0"/>
+            </a:endParaRPr>
           </a:p>
           <a:p>
             <a:endParaRPr lang="en-US" dirty="0">
@@ -11160,15 +11632,6 @@
             </a:endParaRPr>
           </a:p>
           <a:p>
-            <a:r>
-              <a:rPr lang="en-US" dirty="0">
-                <a:latin typeface="Arial" panose="020B0604020202020204" pitchFamily="34" charset="0"/>
-                <a:cs typeface="Arial" panose="020B0604020202020204" pitchFamily="34" charset="0"/>
-              </a:rPr>
-              <a:t>Pressure (mean stress)</a:t>
-            </a:r>
-          </a:p>
-          <a:p>
             <a:endParaRPr lang="en-US" dirty="0">
               <a:latin typeface="Arial" panose="020B0604020202020204" pitchFamily="34" charset="0"/>
               <a:cs typeface="Arial" panose="020B0604020202020204" pitchFamily="34" charset="0"/>
@@ -11176,146 +11639,10 @@
           </a:p>
         </p:txBody>
       </p:sp>
-      <p:pic>
-        <p:nvPicPr>
-          <p:cNvPr id="15" name="Picture 14"/>
-          <p:cNvPicPr>
-            <a:picLocks noChangeAspect="1"/>
-          </p:cNvPicPr>
-          <p:nvPr>
-            <p:custDataLst>
-              <p:tags r:id="rId1"/>
-            </p:custDataLst>
-          </p:nvPr>
-        </p:nvPicPr>
-        <p:blipFill>
-          <a:blip r:embed="rId7">
-            <a:extLst>
-              <a:ext uri="{28A0092B-C50C-407E-A947-70E740481C1C}">
-                <a14:useLocalDpi xmlns:a14="http://schemas.microsoft.com/office/drawing/2010/main" val="0"/>
-              </a:ext>
-            </a:extLst>
-          </a:blip>
-          <a:stretch>
-            <a:fillRect/>
-          </a:stretch>
-        </p:blipFill>
-        <p:spPr>
-          <a:xfrm>
-            <a:off x="3336954" y="1701101"/>
-            <a:ext cx="451167" cy="301794"/>
-          </a:xfrm>
-          <a:prstGeom prst="rect">
-            <a:avLst/>
-          </a:prstGeom>
-        </p:spPr>
-      </p:pic>
-      <p:pic>
-        <p:nvPicPr>
-          <p:cNvPr id="18" name="Picture 17"/>
-          <p:cNvPicPr>
-            <a:picLocks noChangeAspect="1"/>
-          </p:cNvPicPr>
-          <p:nvPr>
-            <p:custDataLst>
-              <p:tags r:id="rId2"/>
-            </p:custDataLst>
-          </p:nvPr>
-        </p:nvPicPr>
-        <p:blipFill>
-          <a:blip r:embed="rId8">
-            <a:extLst>
-              <a:ext uri="{28A0092B-C50C-407E-A947-70E740481C1C}">
-                <a14:useLocalDpi xmlns:a14="http://schemas.microsoft.com/office/drawing/2010/main" val="0"/>
-              </a:ext>
-            </a:extLst>
-          </a:blip>
-          <a:stretch>
-            <a:fillRect/>
-          </a:stretch>
-        </p:blipFill>
-        <p:spPr>
-          <a:xfrm>
-            <a:off x="3336954" y="2241636"/>
-            <a:ext cx="1640053" cy="292649"/>
-          </a:xfrm>
-          <a:prstGeom prst="rect">
-            <a:avLst/>
-          </a:prstGeom>
-        </p:spPr>
-      </p:pic>
-      <p:pic>
-        <p:nvPicPr>
-          <p:cNvPr id="21" name="Picture 20"/>
-          <p:cNvPicPr>
-            <a:picLocks noChangeAspect="1"/>
-          </p:cNvPicPr>
-          <p:nvPr>
-            <p:custDataLst>
-              <p:tags r:id="rId3"/>
-            </p:custDataLst>
-          </p:nvPr>
-        </p:nvPicPr>
-        <p:blipFill>
-          <a:blip r:embed="rId9">
-            <a:extLst>
-              <a:ext uri="{28A0092B-C50C-407E-A947-70E740481C1C}">
-                <a14:useLocalDpi xmlns:a14="http://schemas.microsoft.com/office/drawing/2010/main" val="0"/>
-              </a:ext>
-            </a:extLst>
-          </a:blip>
-          <a:stretch>
-            <a:fillRect/>
-          </a:stretch>
-        </p:blipFill>
-        <p:spPr>
-          <a:xfrm>
-            <a:off x="1881520" y="3473975"/>
-            <a:ext cx="2490564" cy="320085"/>
-          </a:xfrm>
-          <a:prstGeom prst="rect">
-            <a:avLst/>
-          </a:prstGeom>
-        </p:spPr>
-      </p:pic>
-      <p:pic>
-        <p:nvPicPr>
-          <p:cNvPr id="24" name="Picture 23"/>
-          <p:cNvPicPr>
-            <a:picLocks noChangeAspect="1"/>
-          </p:cNvPicPr>
-          <p:nvPr>
-            <p:custDataLst>
-              <p:tags r:id="rId4"/>
-            </p:custDataLst>
-          </p:nvPr>
-        </p:nvPicPr>
-        <p:blipFill>
-          <a:blip r:embed="rId10">
-            <a:extLst>
-              <a:ext uri="{28A0092B-C50C-407E-A947-70E740481C1C}">
-                <a14:useLocalDpi xmlns:a14="http://schemas.microsoft.com/office/drawing/2010/main" val="0"/>
-              </a:ext>
-            </a:extLst>
-          </a:blip>
-          <a:stretch>
-            <a:fillRect/>
-          </a:stretch>
-        </p:blipFill>
-        <p:spPr>
-          <a:xfrm>
-            <a:off x="1881520" y="4910711"/>
-            <a:ext cx="7968586" cy="1036465"/>
-          </a:xfrm>
-          <a:prstGeom prst="rect">
-            <a:avLst/>
-          </a:prstGeom>
-        </p:spPr>
-      </p:pic>
     </p:spTree>
     <p:extLst>
       <p:ext uri="{BB962C8B-B14F-4D97-AF65-F5344CB8AC3E}">
-        <p14:creationId xmlns:p14="http://schemas.microsoft.com/office/powerpoint/2010/main" val="1281701483"/>
+        <p14:creationId xmlns:p14="http://schemas.microsoft.com/office/powerpoint/2010/main" val="450732675"/>
       </p:ext>
     </p:extLst>
   </p:cSld>
@@ -11360,9 +11687,7 @@
         </p:nvSpPr>
         <p:spPr/>
         <p:txBody>
-          <a:bodyPr>
-            <a:normAutofit fontScale="90000"/>
-          </a:bodyPr>
+          <a:bodyPr/>
           <a:lstStyle/>
           <a:p>
             <a:r>
@@ -11370,7 +11695,7 @@
                 <a:latin typeface="Arial" panose="020B0604020202020204" pitchFamily="34" charset="0"/>
                 <a:cs typeface="Arial" panose="020B0604020202020204" pitchFamily="34" charset="0"/>
               </a:rPr>
-              <a:t>Commonly Used Material Models at SGH</a:t>
+              <a:t>Triaxial stress state (cont’d)</a:t>
             </a:r>
           </a:p>
         </p:txBody>
@@ -11393,9 +11718,7 @@
         </p:nvSpPr>
         <p:spPr/>
         <p:txBody>
-          <a:bodyPr>
-            <a:normAutofit/>
-          </a:bodyPr>
+          <a:bodyPr/>
           <a:lstStyle/>
           <a:p>
             <a:r>
@@ -11403,37 +11726,7 @@
                 <a:latin typeface="Arial" panose="020B0604020202020204" pitchFamily="34" charset="0"/>
                 <a:cs typeface="Arial" panose="020B0604020202020204" pitchFamily="34" charset="0"/>
               </a:rPr>
-              <a:t>Commonly used models:</a:t>
-            </a:r>
-          </a:p>
-          <a:p>
-            <a:pPr lvl="1"/>
-            <a:r>
-              <a:rPr lang="en-US" sz="2800" dirty="0">
-                <a:latin typeface="Arial" panose="020B0604020202020204" pitchFamily="34" charset="0"/>
-                <a:cs typeface="Arial" panose="020B0604020202020204" pitchFamily="34" charset="0"/>
-              </a:rPr>
-              <a:t>Metal plasticity</a:t>
-            </a:r>
-          </a:p>
-          <a:p>
-            <a:pPr lvl="1"/>
-            <a:r>
-              <a:rPr lang="en-US" sz="2800" dirty="0">
-                <a:latin typeface="Arial" panose="020B0604020202020204" pitchFamily="34" charset="0"/>
-                <a:cs typeface="Arial" panose="020B0604020202020204" pitchFamily="34" charset="0"/>
-              </a:rPr>
-              <a:t>Concrete</a:t>
-            </a:r>
-          </a:p>
-          <a:p>
-            <a:pPr lvl="1"/>
-            <a:r>
-              <a:rPr lang="en-US" sz="2800" dirty="0">
-                <a:latin typeface="Arial" panose="020B0604020202020204" pitchFamily="34" charset="0"/>
-                <a:cs typeface="Arial" panose="020B0604020202020204" pitchFamily="34" charset="0"/>
-              </a:rPr>
-              <a:t>Soil, granular media (Mohr-Coulomb)</a:t>
+              <a:t>Vertical stress         (varying)</a:t>
             </a:r>
           </a:p>
           <a:p>
@@ -11442,42 +11735,119 @@
                 <a:latin typeface="Arial" panose="020B0604020202020204" pitchFamily="34" charset="0"/>
                 <a:cs typeface="Arial" panose="020B0604020202020204" pitchFamily="34" charset="0"/>
               </a:rPr>
-              <a:t>Rate-independent model</a:t>
-            </a:r>
-          </a:p>
-          <a:p>
-            <a:r>
-              <a:rPr lang="en-US" dirty="0">
-                <a:latin typeface="Arial" panose="020B0604020202020204" pitchFamily="34" charset="0"/>
-                <a:cs typeface="Arial" panose="020B0604020202020204" pitchFamily="34" charset="0"/>
-              </a:rPr>
-              <a:t>Elastic-plastic materials</a:t>
-            </a:r>
-          </a:p>
-          <a:p>
-            <a:r>
-              <a:rPr lang="en-US" dirty="0">
-                <a:latin typeface="Arial" panose="020B0604020202020204" pitchFamily="34" charset="0"/>
-                <a:cs typeface="Arial" panose="020B0604020202020204" pitchFamily="34" charset="0"/>
-              </a:rPr>
-              <a:t>Quasi-static applications and monotonic loading (models are derived from tests)</a:t>
-            </a:r>
-          </a:p>
-          <a:p>
-            <a:r>
-              <a:rPr lang="en-US" dirty="0">
-                <a:latin typeface="Arial" panose="020B0604020202020204" pitchFamily="34" charset="0"/>
-                <a:cs typeface="Arial" panose="020B0604020202020204" pitchFamily="34" charset="0"/>
-              </a:rPr>
-              <a:t>For dynamics, ask others.</a:t>
-            </a:r>
-          </a:p>
-        </p:txBody>
-      </p:sp>
+              <a:t>Lateral stress                      (zero for uniaxial tests)</a:t>
+            </a:r>
+          </a:p>
+          <a:p>
+            <a:endParaRPr lang="en-US" dirty="0">
+              <a:latin typeface="Arial" panose="020B0604020202020204" pitchFamily="34" charset="0"/>
+              <a:cs typeface="Arial" panose="020B0604020202020204" pitchFamily="34" charset="0"/>
+            </a:endParaRPr>
+          </a:p>
+        </p:txBody>
+      </p:sp>
+      <p:pic>
+        <p:nvPicPr>
+          <p:cNvPr id="15" name="Picture 14"/>
+          <p:cNvPicPr>
+            <a:picLocks noChangeAspect="1"/>
+          </p:cNvPicPr>
+          <p:nvPr>
+            <p:custDataLst>
+              <p:tags r:id="rId1"/>
+            </p:custDataLst>
+          </p:nvPr>
+        </p:nvPicPr>
+        <p:blipFill>
+          <a:blip r:embed="rId5">
+            <a:extLst>
+              <a:ext uri="{28A0092B-C50C-407E-A947-70E740481C1C}">
+                <a14:useLocalDpi xmlns:a14="http://schemas.microsoft.com/office/drawing/2010/main" val="0"/>
+              </a:ext>
+            </a:extLst>
+          </a:blip>
+          <a:stretch>
+            <a:fillRect/>
+          </a:stretch>
+        </p:blipFill>
+        <p:spPr>
+          <a:xfrm>
+            <a:off x="3336954" y="1701101"/>
+            <a:ext cx="451167" cy="301794"/>
+          </a:xfrm>
+          <a:prstGeom prst="rect">
+            <a:avLst/>
+          </a:prstGeom>
+        </p:spPr>
+      </p:pic>
+      <p:pic>
+        <p:nvPicPr>
+          <p:cNvPr id="18" name="Picture 17"/>
+          <p:cNvPicPr>
+            <a:picLocks noChangeAspect="1"/>
+          </p:cNvPicPr>
+          <p:nvPr>
+            <p:custDataLst>
+              <p:tags r:id="rId2"/>
+            </p:custDataLst>
+          </p:nvPr>
+        </p:nvPicPr>
+        <p:blipFill>
+          <a:blip r:embed="rId6">
+            <a:extLst>
+              <a:ext uri="{28A0092B-C50C-407E-A947-70E740481C1C}">
+                <a14:useLocalDpi xmlns:a14="http://schemas.microsoft.com/office/drawing/2010/main" val="0"/>
+              </a:ext>
+            </a:extLst>
+          </a:blip>
+          <a:stretch>
+            <a:fillRect/>
+          </a:stretch>
+        </p:blipFill>
+        <p:spPr>
+          <a:xfrm>
+            <a:off x="3336954" y="2241636"/>
+            <a:ext cx="1640053" cy="292649"/>
+          </a:xfrm>
+          <a:prstGeom prst="rect">
+            <a:avLst/>
+          </a:prstGeom>
+        </p:spPr>
+      </p:pic>
+      <p:pic>
+        <p:nvPicPr>
+          <p:cNvPr id="8" name="Picture 7"/>
+          <p:cNvPicPr>
+            <a:picLocks noChangeAspect="1"/>
+          </p:cNvPicPr>
+          <p:nvPr/>
+        </p:nvPicPr>
+        <p:blipFill>
+          <a:blip r:embed="rId7">
+            <a:extLst>
+              <a:ext uri="{28A0092B-C50C-407E-A947-70E740481C1C}">
+                <a14:useLocalDpi xmlns:a14="http://schemas.microsoft.com/office/drawing/2010/main" val="0"/>
+              </a:ext>
+            </a:extLst>
+          </a:blip>
+          <a:stretch>
+            <a:fillRect/>
+          </a:stretch>
+        </p:blipFill>
+        <p:spPr>
+          <a:xfrm>
+            <a:off x="2258231" y="3060851"/>
+            <a:ext cx="4790827" cy="3324247"/>
+          </a:xfrm>
+          <a:prstGeom prst="rect">
+            <a:avLst/>
+          </a:prstGeom>
+        </p:spPr>
+      </p:pic>
     </p:spTree>
     <p:extLst>
       <p:ext uri="{BB962C8B-B14F-4D97-AF65-F5344CB8AC3E}">
-        <p14:creationId xmlns:p14="http://schemas.microsoft.com/office/powerpoint/2010/main" val="967601259"/>
+        <p14:creationId xmlns:p14="http://schemas.microsoft.com/office/powerpoint/2010/main" val="1281701483"/>
       </p:ext>
     </p:extLst>
   </p:cSld>
@@ -11520,12 +11890,7 @@
             <p:ph type="title"/>
           </p:nvPr>
         </p:nvSpPr>
-        <p:spPr>
-          <a:xfrm>
-            <a:off x="613773" y="3146907"/>
-            <a:ext cx="10515600" cy="723569"/>
-          </a:xfrm>
-        </p:spPr>
+        <p:spPr/>
         <p:txBody>
           <a:bodyPr/>
           <a:lstStyle/>
@@ -11535,15 +11900,182 @@
                 <a:latin typeface="Arial" panose="020B0604020202020204" pitchFamily="34" charset="0"/>
                 <a:cs typeface="Arial" panose="020B0604020202020204" pitchFamily="34" charset="0"/>
               </a:rPr>
-              <a:t>Metal Plasticity</a:t>
-            </a:r>
-          </a:p>
-        </p:txBody>
-      </p:sp>
+              <a:t>Triaxial stress state (cont’d)</a:t>
+            </a:r>
+          </a:p>
+        </p:txBody>
+      </p:sp>
+      <p:sp>
+        <p:nvSpPr>
+          <p:cNvPr id="5" name="Content Placeholder 4">
+            <a:extLst>
+              <a:ext uri="{FF2B5EF4-FFF2-40B4-BE49-F238E27FC236}">
+                <a16:creationId xmlns:a16="http://schemas.microsoft.com/office/drawing/2014/main" id="{2E48F1C5-477D-4547-95BB-9E8BD09144C0}"/>
+              </a:ext>
+            </a:extLst>
+          </p:cNvPr>
+          <p:cNvSpPr>
+            <a:spLocks noGrp="1"/>
+          </p:cNvSpPr>
+          <p:nvPr>
+            <p:ph idx="1"/>
+          </p:nvPr>
+        </p:nvSpPr>
+        <p:spPr/>
+        <p:txBody>
+          <a:bodyPr/>
+          <a:lstStyle/>
+          <a:p>
+            <a:r>
+              <a:rPr lang="en-US" dirty="0">
+                <a:latin typeface="Arial" panose="020B0604020202020204" pitchFamily="34" charset="0"/>
+                <a:cs typeface="Arial" panose="020B0604020202020204" pitchFamily="34" charset="0"/>
+              </a:rPr>
+              <a:t>Triaxial compression (TXC), triaxial extension (TXE)</a:t>
+            </a:r>
+          </a:p>
+          <a:p>
+            <a:r>
+              <a:rPr lang="en-US" dirty="0">
+                <a:latin typeface="Arial" panose="020B0604020202020204" pitchFamily="34" charset="0"/>
+                <a:cs typeface="Arial" panose="020B0604020202020204" pitchFamily="34" charset="0"/>
+              </a:rPr>
+              <a:t>Vertical stress         (increasing for TXC, constant for TXE)</a:t>
+            </a:r>
+          </a:p>
+          <a:p>
+            <a:r>
+              <a:rPr lang="en-US" dirty="0">
+                <a:latin typeface="Arial" panose="020B0604020202020204" pitchFamily="34" charset="0"/>
+                <a:cs typeface="Arial" panose="020B0604020202020204" pitchFamily="34" charset="0"/>
+              </a:rPr>
+              <a:t>Lateral stress                     </a:t>
+            </a:r>
+            <a:r>
+              <a:rPr lang="en-US" dirty="0">
+                <a:latin typeface="Arial" panose="020B0604020202020204" pitchFamily="34" charset="0"/>
+                <a:cs typeface="Arial" panose="020B0604020202020204" pitchFamily="34" charset="0"/>
+              </a:rPr>
+              <a:t>(constant for TXC, increasing for TXE, </a:t>
+            </a:r>
+            <a:r>
+              <a:rPr lang="en-US" dirty="0">
+                <a:latin typeface="Arial" panose="020B0604020202020204" pitchFamily="34" charset="0"/>
+                <a:cs typeface="Arial" panose="020B0604020202020204" pitchFamily="34" charset="0"/>
+              </a:rPr>
+              <a:t>zero for uniaxial tests)</a:t>
+            </a:r>
+          </a:p>
+          <a:p>
+            <a:endParaRPr lang="en-US" dirty="0">
+              <a:latin typeface="Arial" panose="020B0604020202020204" pitchFamily="34" charset="0"/>
+              <a:cs typeface="Arial" panose="020B0604020202020204" pitchFamily="34" charset="0"/>
+            </a:endParaRPr>
+          </a:p>
+        </p:txBody>
+      </p:sp>
+      <p:pic>
+        <p:nvPicPr>
+          <p:cNvPr id="15" name="Picture 14"/>
+          <p:cNvPicPr>
+            <a:picLocks noChangeAspect="1"/>
+          </p:cNvPicPr>
+          <p:nvPr>
+            <p:custDataLst>
+              <p:tags r:id="rId1"/>
+            </p:custDataLst>
+          </p:nvPr>
+        </p:nvPicPr>
+        <p:blipFill>
+          <a:blip r:embed="rId5">
+            <a:extLst>
+              <a:ext uri="{28A0092B-C50C-407E-A947-70E740481C1C}">
+                <a14:useLocalDpi xmlns:a14="http://schemas.microsoft.com/office/drawing/2010/main" val="0"/>
+              </a:ext>
+            </a:extLst>
+          </a:blip>
+          <a:stretch>
+            <a:fillRect/>
+          </a:stretch>
+        </p:blipFill>
+        <p:spPr>
+          <a:xfrm>
+            <a:off x="3336954" y="2204441"/>
+            <a:ext cx="451167" cy="301794"/>
+          </a:xfrm>
+          <a:prstGeom prst="rect">
+            <a:avLst/>
+          </a:prstGeom>
+        </p:spPr>
+      </p:pic>
+      <p:pic>
+        <p:nvPicPr>
+          <p:cNvPr id="18" name="Picture 17"/>
+          <p:cNvPicPr>
+            <a:picLocks noChangeAspect="1"/>
+          </p:cNvPicPr>
+          <p:nvPr>
+            <p:custDataLst>
+              <p:tags r:id="rId2"/>
+            </p:custDataLst>
+          </p:nvPr>
+        </p:nvPicPr>
+        <p:blipFill>
+          <a:blip r:embed="rId6">
+            <a:extLst>
+              <a:ext uri="{28A0092B-C50C-407E-A947-70E740481C1C}">
+                <a14:useLocalDpi xmlns:a14="http://schemas.microsoft.com/office/drawing/2010/main" val="0"/>
+              </a:ext>
+            </a:extLst>
+          </a:blip>
+          <a:stretch>
+            <a:fillRect/>
+          </a:stretch>
+        </p:blipFill>
+        <p:spPr>
+          <a:xfrm>
+            <a:off x="3336954" y="2744976"/>
+            <a:ext cx="1640053" cy="292649"/>
+          </a:xfrm>
+          <a:prstGeom prst="rect">
+            <a:avLst/>
+          </a:prstGeom>
+        </p:spPr>
+      </p:pic>
+      <p:pic>
+        <p:nvPicPr>
+          <p:cNvPr id="8" name="Picture 7"/>
+          <p:cNvPicPr>
+            <a:picLocks noChangeAspect="1"/>
+          </p:cNvPicPr>
+          <p:nvPr/>
+        </p:nvPicPr>
+        <p:blipFill>
+          <a:blip r:embed="rId7">
+            <a:extLst>
+              <a:ext uri="{28A0092B-C50C-407E-A947-70E740481C1C}">
+                <a14:useLocalDpi xmlns:a14="http://schemas.microsoft.com/office/drawing/2010/main" val="0"/>
+              </a:ext>
+            </a:extLst>
+          </a:blip>
+          <a:stretch>
+            <a:fillRect/>
+          </a:stretch>
+        </p:blipFill>
+        <p:spPr>
+          <a:xfrm>
+            <a:off x="3647259" y="3565321"/>
+            <a:ext cx="4269327" cy="2962390"/>
+          </a:xfrm>
+          <a:prstGeom prst="rect">
+            <a:avLst/>
+          </a:prstGeom>
+        </p:spPr>
+      </p:pic>
     </p:spTree>
     <p:extLst>
       <p:ext uri="{BB962C8B-B14F-4D97-AF65-F5344CB8AC3E}">
-        <p14:creationId xmlns:p14="http://schemas.microsoft.com/office/powerpoint/2010/main" val="1277487930"/>
+        <p14:creationId xmlns:p14="http://schemas.microsoft.com/office/powerpoint/2010/main" val="2113455083"/>
       </p:ext>
     </p:extLst>
   </p:cSld>
@@ -11596,7 +12128,7 @@
                 <a:latin typeface="Arial" panose="020B0604020202020204" pitchFamily="34" charset="0"/>
                 <a:cs typeface="Arial" panose="020B0604020202020204" pitchFamily="34" charset="0"/>
               </a:rPr>
-              <a:t>Metal Plasticity</a:t>
+              <a:t>Triaxial stress state (cont’d)</a:t>
             </a:r>
           </a:p>
         </p:txBody>
@@ -11627,7 +12159,7 @@
                 <a:latin typeface="Arial" panose="020B0604020202020204" pitchFamily="34" charset="0"/>
                 <a:cs typeface="Arial" panose="020B0604020202020204" pitchFamily="34" charset="0"/>
               </a:rPr>
-              <a:t>Yield function</a:t>
+              <a:t>Shear stress (stress difference) </a:t>
             </a:r>
           </a:p>
           <a:p>
@@ -11648,15 +12180,89 @@
                 <a:latin typeface="Arial" panose="020B0604020202020204" pitchFamily="34" charset="0"/>
                 <a:cs typeface="Arial" panose="020B0604020202020204" pitchFamily="34" charset="0"/>
               </a:rPr>
-              <a:t>Isotropic hardening</a:t>
-            </a:r>
-          </a:p>
-        </p:txBody>
-      </p:sp>
+              <a:t>Pressure (mean stress)</a:t>
+            </a:r>
+          </a:p>
+          <a:p>
+            <a:endParaRPr lang="en-US" dirty="0">
+              <a:latin typeface="Arial" panose="020B0604020202020204" pitchFamily="34" charset="0"/>
+              <a:cs typeface="Arial" panose="020B0604020202020204" pitchFamily="34" charset="0"/>
+            </a:endParaRPr>
+          </a:p>
+        </p:txBody>
+      </p:sp>
+      <p:pic>
+        <p:nvPicPr>
+          <p:cNvPr id="21" name="Picture 20"/>
+          <p:cNvPicPr>
+            <a:picLocks noChangeAspect="1"/>
+          </p:cNvPicPr>
+          <p:nvPr>
+            <p:custDataLst>
+              <p:tags r:id="rId1"/>
+            </p:custDataLst>
+          </p:nvPr>
+        </p:nvPicPr>
+        <p:blipFill>
+          <a:blip r:embed="rId5">
+            <a:extLst>
+              <a:ext uri="{28A0092B-C50C-407E-A947-70E740481C1C}">
+                <a14:useLocalDpi xmlns:a14="http://schemas.microsoft.com/office/drawing/2010/main" val="0"/>
+              </a:ext>
+            </a:extLst>
+          </a:blip>
+          <a:stretch>
+            <a:fillRect/>
+          </a:stretch>
+        </p:blipFill>
+        <p:spPr>
+          <a:xfrm>
+            <a:off x="1915076" y="2408573"/>
+            <a:ext cx="2490564" cy="320085"/>
+          </a:xfrm>
+          <a:prstGeom prst="rect">
+            <a:avLst/>
+          </a:prstGeom>
+        </p:spPr>
+      </p:pic>
+      <p:pic>
+        <p:nvPicPr>
+          <p:cNvPr id="24" name="Picture 23"/>
+          <p:cNvPicPr>
+            <a:picLocks noChangeAspect="1"/>
+          </p:cNvPicPr>
+          <p:nvPr>
+            <p:custDataLst>
+              <p:tags r:id="rId2"/>
+            </p:custDataLst>
+          </p:nvPr>
+        </p:nvPicPr>
+        <p:blipFill>
+          <a:blip r:embed="rId6">
+            <a:extLst>
+              <a:ext uri="{28A0092B-C50C-407E-A947-70E740481C1C}">
+                <a14:useLocalDpi xmlns:a14="http://schemas.microsoft.com/office/drawing/2010/main" val="0"/>
+              </a:ext>
+            </a:extLst>
+          </a:blip>
+          <a:stretch>
+            <a:fillRect/>
+          </a:stretch>
+        </p:blipFill>
+        <p:spPr>
+          <a:xfrm>
+            <a:off x="1915076" y="3845309"/>
+            <a:ext cx="7968586" cy="1036465"/>
+          </a:xfrm>
+          <a:prstGeom prst="rect">
+            <a:avLst/>
+          </a:prstGeom>
+        </p:spPr>
+      </p:pic>
     </p:spTree>
     <p:extLst>
       <p:ext uri="{BB962C8B-B14F-4D97-AF65-F5344CB8AC3E}">
-        <p14:creationId xmlns:p14="http://schemas.microsoft.com/office/powerpoint/2010/main" val="109627340"/>
+        <p14:creationId xmlns:p14="http://schemas.microsoft.com/office/powerpoint/2010/main" val="374933874"/>
       </p:ext>
     </p:extLst>
   </p:cSld>
@@ -11699,12 +12305,7 @@
             <p:ph type="title"/>
           </p:nvPr>
         </p:nvSpPr>
-        <p:spPr>
-          <a:xfrm>
-            <a:off x="613773" y="3146907"/>
-            <a:ext cx="10515600" cy="723569"/>
-          </a:xfrm>
-        </p:spPr>
+        <p:spPr/>
         <p:txBody>
           <a:bodyPr/>
           <a:lstStyle/>
@@ -11714,15 +12315,206 @@
                 <a:latin typeface="Arial" panose="020B0604020202020204" pitchFamily="34" charset="0"/>
                 <a:cs typeface="Arial" panose="020B0604020202020204" pitchFamily="34" charset="0"/>
               </a:rPr>
-              <a:t>Mohr-Coulomb</a:t>
-            </a:r>
+              <a:t>Triaxial stress state (cont’d)</a:t>
+            </a:r>
+          </a:p>
+        </p:txBody>
+      </p:sp>
+      <p:sp>
+        <p:nvSpPr>
+          <p:cNvPr id="5" name="Content Placeholder 4">
+            <a:extLst>
+              <a:ext uri="{FF2B5EF4-FFF2-40B4-BE49-F238E27FC236}">
+                <a16:creationId xmlns:a16="http://schemas.microsoft.com/office/drawing/2014/main" id="{2E48F1C5-477D-4547-95BB-9E8BD09144C0}"/>
+              </a:ext>
+            </a:extLst>
+          </p:cNvPr>
+          <p:cNvSpPr>
+            <a:spLocks noGrp="1"/>
+          </p:cNvSpPr>
+          <p:nvPr>
+            <p:ph idx="1"/>
+          </p:nvPr>
+        </p:nvSpPr>
+        <p:spPr/>
+        <p:txBody>
+          <a:bodyPr/>
+          <a:lstStyle/>
+          <a:p>
+            <a:r>
+              <a:rPr lang="en-US" dirty="0">
+                <a:latin typeface="Arial" panose="020B0604020202020204" pitchFamily="34" charset="0"/>
+                <a:cs typeface="Arial" panose="020B0604020202020204" pitchFamily="34" charset="0"/>
+              </a:rPr>
+              <a:t>Triaxial compression</a:t>
+            </a:r>
+          </a:p>
+          <a:p>
+            <a:endParaRPr lang="en-US" dirty="0">
+              <a:latin typeface="Arial" panose="020B0604020202020204" pitchFamily="34" charset="0"/>
+              <a:cs typeface="Arial" panose="020B0604020202020204" pitchFamily="34" charset="0"/>
+            </a:endParaRPr>
+          </a:p>
+          <a:p>
+            <a:endParaRPr lang="en-US" dirty="0">
+              <a:latin typeface="Arial" panose="020B0604020202020204" pitchFamily="34" charset="0"/>
+              <a:cs typeface="Arial" panose="020B0604020202020204" pitchFamily="34" charset="0"/>
+            </a:endParaRPr>
+          </a:p>
+        </p:txBody>
+      </p:sp>
+      <p:pic>
+        <p:nvPicPr>
+          <p:cNvPr id="7" name="Picture 6"/>
+          <p:cNvPicPr>
+            <a:picLocks noChangeAspect="1"/>
+          </p:cNvPicPr>
+          <p:nvPr>
+            <p:custDataLst>
+              <p:tags r:id="rId1"/>
+            </p:custDataLst>
+          </p:nvPr>
+        </p:nvPicPr>
+        <p:blipFill>
+          <a:blip r:embed="rId6">
+            <a:extLst>
+              <a:ext uri="{28A0092B-C50C-407E-A947-70E740481C1C}">
+                <a14:useLocalDpi xmlns:a14="http://schemas.microsoft.com/office/drawing/2010/main" val="0"/>
+              </a:ext>
+            </a:extLst>
+          </a:blip>
+          <a:stretch>
+            <a:fillRect/>
+          </a:stretch>
+        </p:blipFill>
+        <p:spPr>
+          <a:xfrm>
+            <a:off x="613773" y="2522873"/>
+            <a:ext cx="5380473" cy="1121821"/>
+          </a:xfrm>
+          <a:prstGeom prst="rect">
+            <a:avLst/>
+          </a:prstGeom>
+        </p:spPr>
+      </p:pic>
+      <p:pic>
+        <p:nvPicPr>
+          <p:cNvPr id="14" name="Picture 13"/>
+          <p:cNvPicPr>
+            <a:picLocks noChangeAspect="1"/>
+          </p:cNvPicPr>
+          <p:nvPr>
+            <p:custDataLst>
+              <p:tags r:id="rId2"/>
+            </p:custDataLst>
+          </p:nvPr>
+        </p:nvPicPr>
+        <p:blipFill>
+          <a:blip r:embed="rId7">
+            <a:extLst>
+              <a:ext uri="{28A0092B-C50C-407E-A947-70E740481C1C}">
+                <a14:useLocalDpi xmlns:a14="http://schemas.microsoft.com/office/drawing/2010/main" val="0"/>
+              </a:ext>
+            </a:extLst>
+          </a:blip>
+          <a:stretch>
+            <a:fillRect/>
+          </a:stretch>
+        </p:blipFill>
+        <p:spPr>
+          <a:xfrm>
+            <a:off x="613773" y="3959609"/>
+            <a:ext cx="7038815" cy="1819911"/>
+          </a:xfrm>
+          <a:prstGeom prst="rect">
+            <a:avLst/>
+          </a:prstGeom>
+        </p:spPr>
+      </p:pic>
+      <p:pic>
+        <p:nvPicPr>
+          <p:cNvPr id="11" name="Picture 10"/>
+          <p:cNvPicPr>
+            <a:picLocks noChangeAspect="1"/>
+          </p:cNvPicPr>
+          <p:nvPr>
+            <p:custDataLst>
+              <p:tags r:id="rId3"/>
+            </p:custDataLst>
+          </p:nvPr>
+        </p:nvPicPr>
+        <p:blipFill>
+          <a:blip r:embed="rId8">
+            <a:extLst>
+              <a:ext uri="{28A0092B-C50C-407E-A947-70E740481C1C}">
+                <a14:useLocalDpi xmlns:a14="http://schemas.microsoft.com/office/drawing/2010/main" val="0"/>
+              </a:ext>
+            </a:extLst>
+          </a:blip>
+          <a:stretch>
+            <a:fillRect/>
+          </a:stretch>
+        </p:blipFill>
+        <p:spPr>
+          <a:xfrm>
+            <a:off x="8798475" y="2792126"/>
+            <a:ext cx="2437845" cy="1705135"/>
+          </a:xfrm>
+          <a:prstGeom prst="rect">
+            <a:avLst/>
+          </a:prstGeom>
+        </p:spPr>
+      </p:pic>
+      <p:sp>
+        <p:nvSpPr>
+          <p:cNvPr id="15" name="Rectangle 14"/>
+          <p:cNvSpPr/>
+          <p:nvPr/>
+        </p:nvSpPr>
+        <p:spPr>
+          <a:xfrm>
+            <a:off x="8387968" y="2336800"/>
+            <a:ext cx="3397632" cy="2654300"/>
+          </a:xfrm>
+          <a:prstGeom prst="rect">
+            <a:avLst/>
+          </a:prstGeom>
+          <a:noFill/>
+          <a:ln w="28575">
+            <a:solidFill>
+              <a:srgbClr val="FF0000"/>
+            </a:solidFill>
+          </a:ln>
+        </p:spPr>
+        <p:style>
+          <a:lnRef idx="2">
+            <a:schemeClr val="accent1">
+              <a:shade val="50000"/>
+            </a:schemeClr>
+          </a:lnRef>
+          <a:fillRef idx="1">
+            <a:schemeClr val="accent1"/>
+          </a:fillRef>
+          <a:effectRef idx="0">
+            <a:schemeClr val="accent1"/>
+          </a:effectRef>
+          <a:fontRef idx="minor">
+            <a:schemeClr val="lt1"/>
+          </a:fontRef>
+        </p:style>
+        <p:txBody>
+          <a:bodyPr rtlCol="0" anchor="ctr"/>
+          <a:lstStyle/>
+          <a:p>
+            <a:pPr algn="ctr"/>
+            <a:endParaRPr lang="en-US"/>
           </a:p>
         </p:txBody>
       </p:sp>
     </p:spTree>
     <p:extLst>
       <p:ext uri="{BB962C8B-B14F-4D97-AF65-F5344CB8AC3E}">
-        <p14:creationId xmlns:p14="http://schemas.microsoft.com/office/powerpoint/2010/main" val="3840627373"/>
+        <p14:creationId xmlns:p14="http://schemas.microsoft.com/office/powerpoint/2010/main" val="3702023754"/>
       </p:ext>
     </p:extLst>
   </p:cSld>
@@ -11767,7 +12559,9 @@
         </p:nvSpPr>
         <p:spPr/>
         <p:txBody>
-          <a:bodyPr/>
+          <a:bodyPr>
+            <a:normAutofit fontScale="90000"/>
+          </a:bodyPr>
           <a:lstStyle/>
           <a:p>
             <a:r>
@@ -11775,7 +12569,7 @@
                 <a:latin typeface="Arial" panose="020B0604020202020204" pitchFamily="34" charset="0"/>
                 <a:cs typeface="Arial" panose="020B0604020202020204" pitchFamily="34" charset="0"/>
               </a:rPr>
-              <a:t>Mohr-Coulomb</a:t>
+              <a:t>Commonly Used Material Models at SGH</a:t>
             </a:r>
           </a:p>
         </p:txBody>
@@ -11798,7 +12592,9 @@
         </p:nvSpPr>
         <p:spPr/>
         <p:txBody>
-          <a:bodyPr/>
+          <a:bodyPr>
+            <a:normAutofit/>
+          </a:bodyPr>
           <a:lstStyle/>
           <a:p>
             <a:r>
@@ -11806,20 +12602,38 @@
                 <a:latin typeface="Arial" panose="020B0604020202020204" pitchFamily="34" charset="0"/>
                 <a:cs typeface="Arial" panose="020B0604020202020204" pitchFamily="34" charset="0"/>
               </a:rPr>
-              <a:t>Yield function</a:t>
-            </a:r>
-          </a:p>
-          <a:p>
-            <a:endParaRPr lang="en-US" dirty="0">
-              <a:latin typeface="Arial" panose="020B0604020202020204" pitchFamily="34" charset="0"/>
-              <a:cs typeface="Arial" panose="020B0604020202020204" pitchFamily="34" charset="0"/>
-            </a:endParaRPr>
-          </a:p>
-          <a:p>
-            <a:endParaRPr lang="en-US" dirty="0">
-              <a:latin typeface="Arial" panose="020B0604020202020204" pitchFamily="34" charset="0"/>
-              <a:cs typeface="Arial" panose="020B0604020202020204" pitchFamily="34" charset="0"/>
-            </a:endParaRPr>
+              <a:t>Commonly used models:</a:t>
+            </a:r>
+          </a:p>
+          <a:p>
+            <a:pPr lvl="1"/>
+            <a:r>
+              <a:rPr lang="en-US" sz="2800" dirty="0">
+                <a:latin typeface="Arial" panose="020B0604020202020204" pitchFamily="34" charset="0"/>
+                <a:cs typeface="Arial" panose="020B0604020202020204" pitchFamily="34" charset="0"/>
+              </a:rPr>
+              <a:t>Metal plasticity</a:t>
+            </a:r>
+          </a:p>
+          <a:p>
+            <a:pPr lvl="1"/>
+            <a:r>
+              <a:rPr lang="en-US" sz="2800" dirty="0">
+                <a:latin typeface="Arial" panose="020B0604020202020204" pitchFamily="34" charset="0"/>
+                <a:cs typeface="Arial" panose="020B0604020202020204" pitchFamily="34" charset="0"/>
+              </a:rPr>
+              <a:t>Concrete</a:t>
+            </a:r>
+          </a:p>
+          <a:p>
+            <a:pPr lvl="1"/>
+            <a:r>
+              <a:rPr lang="en-US" sz="2800" dirty="0">
+                <a:latin typeface="Arial" panose="020B0604020202020204" pitchFamily="34" charset="0"/>
+                <a:cs typeface="Arial" panose="020B0604020202020204" pitchFamily="34" charset="0"/>
+              </a:rPr>
+              <a:t>Soil, granular media (Mohr-Coulomb)</a:t>
+            </a:r>
           </a:p>
           <a:p>
             <a:r>
@@ -11827,7 +12641,34 @@
                 <a:latin typeface="Arial" panose="020B0604020202020204" pitchFamily="34" charset="0"/>
                 <a:cs typeface="Arial" panose="020B0604020202020204" pitchFamily="34" charset="0"/>
               </a:rPr>
-              <a:t>Isotropic hardening</a:t>
+              <a:t>Rate-independent model</a:t>
+            </a:r>
+          </a:p>
+          <a:p>
+            <a:r>
+              <a:rPr lang="en-US" dirty="0">
+                <a:latin typeface="Arial" panose="020B0604020202020204" pitchFamily="34" charset="0"/>
+                <a:cs typeface="Arial" panose="020B0604020202020204" pitchFamily="34" charset="0"/>
+              </a:rPr>
+              <a:t>Elastic-plastic materials</a:t>
+            </a:r>
+          </a:p>
+          <a:p>
+            <a:r>
+              <a:rPr lang="en-US" dirty="0">
+                <a:latin typeface="Arial" panose="020B0604020202020204" pitchFamily="34" charset="0"/>
+                <a:cs typeface="Arial" panose="020B0604020202020204" pitchFamily="34" charset="0"/>
+              </a:rPr>
+              <a:t>Quasi-static applications and monotonic loading (models are derived from tests)</a:t>
+            </a:r>
+          </a:p>
+          <a:p>
+            <a:r>
+              <a:rPr lang="en-US" dirty="0">
+                <a:latin typeface="Arial" panose="020B0604020202020204" pitchFamily="34" charset="0"/>
+                <a:cs typeface="Arial" panose="020B0604020202020204" pitchFamily="34" charset="0"/>
+              </a:rPr>
+              <a:t>For dynamics, ask others.</a:t>
             </a:r>
           </a:p>
         </p:txBody>
@@ -11835,7 +12676,7 @@
     </p:spTree>
     <p:extLst>
       <p:ext uri="{BB962C8B-B14F-4D97-AF65-F5344CB8AC3E}">
-        <p14:creationId xmlns:p14="http://schemas.microsoft.com/office/powerpoint/2010/main" val="2527614711"/>
+        <p14:creationId xmlns:p14="http://schemas.microsoft.com/office/powerpoint/2010/main" val="967601259"/>
       </p:ext>
     </p:extLst>
   </p:cSld>
@@ -11893,7 +12734,7 @@
                 <a:latin typeface="Arial" panose="020B0604020202020204" pitchFamily="34" charset="0"/>
                 <a:cs typeface="Arial" panose="020B0604020202020204" pitchFamily="34" charset="0"/>
               </a:rPr>
-              <a:t>Concrete</a:t>
+              <a:t>Metal Plasticity</a:t>
             </a:r>
           </a:p>
         </p:txBody>
@@ -11901,7 +12742,7 @@
     </p:spTree>
     <p:extLst>
       <p:ext uri="{BB962C8B-B14F-4D97-AF65-F5344CB8AC3E}">
-        <p14:creationId xmlns:p14="http://schemas.microsoft.com/office/powerpoint/2010/main" val="136414845"/>
+        <p14:creationId xmlns:p14="http://schemas.microsoft.com/office/powerpoint/2010/main" val="1277487930"/>
       </p:ext>
     </p:extLst>
   </p:cSld>
@@ -11954,7 +12795,7 @@
                 <a:latin typeface="Arial" panose="020B0604020202020204" pitchFamily="34" charset="0"/>
                 <a:cs typeface="Arial" panose="020B0604020202020204" pitchFamily="34" charset="0"/>
               </a:rPr>
-              <a:t>Concrete</a:t>
+              <a:t>Metal Plasticity</a:t>
             </a:r>
           </a:p>
         </p:txBody>
@@ -12014,7 +12855,73 @@
     </p:spTree>
     <p:extLst>
       <p:ext uri="{BB962C8B-B14F-4D97-AF65-F5344CB8AC3E}">
-        <p14:creationId xmlns:p14="http://schemas.microsoft.com/office/powerpoint/2010/main" val="1870349556"/>
+        <p14:creationId xmlns:p14="http://schemas.microsoft.com/office/powerpoint/2010/main" val="109627340"/>
+      </p:ext>
+    </p:extLst>
+  </p:cSld>
+  <p:clrMapOvr>
+    <a:masterClrMapping/>
+  </p:clrMapOvr>
+</p:sld>
+</file>
+
+<file path=ppt/slides/slide19.xml><?xml version="1.0" encoding="utf-8"?>
+<p:sld xmlns:a="http://schemas.openxmlformats.org/drawingml/2006/main" xmlns:r="http://schemas.openxmlformats.org/officeDocument/2006/relationships" xmlns:p="http://schemas.openxmlformats.org/presentationml/2006/main">
+  <p:cSld>
+    <p:spTree>
+      <p:nvGrpSpPr>
+        <p:cNvPr id="1" name=""/>
+        <p:cNvGrpSpPr/>
+        <p:nvPr/>
+      </p:nvGrpSpPr>
+      <p:grpSpPr>
+        <a:xfrm>
+          <a:off x="0" y="0"/>
+          <a:ext cx="0" cy="0"/>
+          <a:chOff x="0" y="0"/>
+          <a:chExt cx="0" cy="0"/>
+        </a:xfrm>
+      </p:grpSpPr>
+      <p:sp>
+        <p:nvSpPr>
+          <p:cNvPr id="4" name="Title 3">
+            <a:extLst>
+              <a:ext uri="{FF2B5EF4-FFF2-40B4-BE49-F238E27FC236}">
+                <a16:creationId xmlns:a16="http://schemas.microsoft.com/office/drawing/2014/main" id="{ACDB2F36-C02C-4F0F-B585-37925F729AA5}"/>
+              </a:ext>
+            </a:extLst>
+          </p:cNvPr>
+          <p:cNvSpPr>
+            <a:spLocks noGrp="1"/>
+          </p:cNvSpPr>
+          <p:nvPr>
+            <p:ph type="title"/>
+          </p:nvPr>
+        </p:nvSpPr>
+        <p:spPr>
+          <a:xfrm>
+            <a:off x="613773" y="3146907"/>
+            <a:ext cx="10515600" cy="723569"/>
+          </a:xfrm>
+        </p:spPr>
+        <p:txBody>
+          <a:bodyPr/>
+          <a:lstStyle/>
+          <a:p>
+            <a:r>
+              <a:rPr lang="en-US" dirty="0">
+                <a:latin typeface="Arial" panose="020B0604020202020204" pitchFamily="34" charset="0"/>
+                <a:cs typeface="Arial" panose="020B0604020202020204" pitchFamily="34" charset="0"/>
+              </a:rPr>
+              <a:t>Mohr-Coulomb</a:t>
+            </a:r>
+          </a:p>
+        </p:txBody>
+      </p:sp>
+    </p:spTree>
+    <p:extLst>
+      <p:ext uri="{BB962C8B-B14F-4D97-AF65-F5344CB8AC3E}">
+        <p14:creationId xmlns:p14="http://schemas.microsoft.com/office/powerpoint/2010/main" val="3840627373"/>
       </p:ext>
     </p:extLst>
   </p:cSld>
@@ -12063,6 +12970,430 @@
           <a:lstStyle/>
           <a:p>
             <a:r>
+              <a:rPr lang="en-US" dirty="0">
+                <a:latin typeface="Arial" panose="020B0604020202020204" pitchFamily="34" charset="0"/>
+                <a:cs typeface="Arial" panose="020B0604020202020204" pitchFamily="34" charset="0"/>
+              </a:rPr>
+              <a:t>Why Training?</a:t>
+            </a:r>
+          </a:p>
+        </p:txBody>
+      </p:sp>
+      <p:sp>
+        <p:nvSpPr>
+          <p:cNvPr id="5" name="Content Placeholder 4">
+            <a:extLst>
+              <a:ext uri="{FF2B5EF4-FFF2-40B4-BE49-F238E27FC236}">
+                <a16:creationId xmlns:a16="http://schemas.microsoft.com/office/drawing/2014/main" id="{2E48F1C5-477D-4547-95BB-9E8BD09144C0}"/>
+              </a:ext>
+            </a:extLst>
+          </p:cNvPr>
+          <p:cNvSpPr>
+            <a:spLocks noGrp="1"/>
+          </p:cNvSpPr>
+          <p:nvPr>
+            <p:ph idx="1"/>
+          </p:nvPr>
+        </p:nvSpPr>
+        <p:spPr/>
+        <p:txBody>
+          <a:bodyPr/>
+          <a:lstStyle/>
+          <a:p>
+            <a:r>
+              <a:rPr lang="en-US" dirty="0">
+                <a:latin typeface="Arial" panose="020B0604020202020204" pitchFamily="34" charset="0"/>
+                <a:cs typeface="Arial" panose="020B0604020202020204" pitchFamily="34" charset="0"/>
+              </a:rPr>
+              <a:t>Train staff so that they can perform and use FE more effectively and intelligently, not just being “node pushers”.</a:t>
+            </a:r>
+          </a:p>
+          <a:p>
+            <a:endParaRPr lang="en-US" dirty="0">
+              <a:latin typeface="Arial" panose="020B0604020202020204" pitchFamily="34" charset="0"/>
+              <a:cs typeface="Arial" panose="020B0604020202020204" pitchFamily="34" charset="0"/>
+            </a:endParaRPr>
+          </a:p>
+          <a:p>
+            <a:r>
+              <a:rPr lang="en-US" dirty="0">
+                <a:latin typeface="Arial" panose="020B0604020202020204" pitchFamily="34" charset="0"/>
+                <a:cs typeface="Arial" panose="020B0604020202020204" pitchFamily="34" charset="0"/>
+              </a:rPr>
+              <a:t>Knowing how your tool </a:t>
+            </a:r>
+            <a:r>
+              <a:rPr lang="en-US">
+                <a:latin typeface="Arial" panose="020B0604020202020204" pitchFamily="34" charset="0"/>
+                <a:cs typeface="Arial" panose="020B0604020202020204" pitchFamily="34" charset="0"/>
+              </a:rPr>
+              <a:t>works actually helps </a:t>
+            </a:r>
+            <a:r>
+              <a:rPr lang="en-US" dirty="0">
+                <a:latin typeface="Arial" panose="020B0604020202020204" pitchFamily="34" charset="0"/>
+                <a:cs typeface="Arial" panose="020B0604020202020204" pitchFamily="34" charset="0"/>
+              </a:rPr>
+              <a:t>with </a:t>
+            </a:r>
+            <a:r>
+              <a:rPr lang="en-US" dirty="0">
+                <a:latin typeface="Arial" panose="020B0604020202020204" pitchFamily="34" charset="0"/>
+                <a:cs typeface="Arial" panose="020B0604020202020204" pitchFamily="34" charset="0"/>
+              </a:rPr>
+              <a:t>EMI Visioning/Innovation. </a:t>
+            </a:r>
+            <a:endParaRPr lang="en-US" dirty="0">
+              <a:latin typeface="Arial" panose="020B0604020202020204" pitchFamily="34" charset="0"/>
+              <a:cs typeface="Arial" panose="020B0604020202020204" pitchFamily="34" charset="0"/>
+            </a:endParaRPr>
+          </a:p>
+        </p:txBody>
+      </p:sp>
+    </p:spTree>
+    <p:extLst>
+      <p:ext uri="{BB962C8B-B14F-4D97-AF65-F5344CB8AC3E}">
+        <p14:creationId xmlns:p14="http://schemas.microsoft.com/office/powerpoint/2010/main" val="1070371944"/>
+      </p:ext>
+    </p:extLst>
+  </p:cSld>
+  <p:clrMapOvr>
+    <a:masterClrMapping/>
+  </p:clrMapOvr>
+</p:sld>
+</file>
+
+<file path=ppt/slides/slide20.xml><?xml version="1.0" encoding="utf-8"?>
+<p:sld xmlns:a="http://schemas.openxmlformats.org/drawingml/2006/main" xmlns:r="http://schemas.openxmlformats.org/officeDocument/2006/relationships" xmlns:p="http://schemas.openxmlformats.org/presentationml/2006/main">
+  <p:cSld>
+    <p:spTree>
+      <p:nvGrpSpPr>
+        <p:cNvPr id="1" name=""/>
+        <p:cNvGrpSpPr/>
+        <p:nvPr/>
+      </p:nvGrpSpPr>
+      <p:grpSpPr>
+        <a:xfrm>
+          <a:off x="0" y="0"/>
+          <a:ext cx="0" cy="0"/>
+          <a:chOff x="0" y="0"/>
+          <a:chExt cx="0" cy="0"/>
+        </a:xfrm>
+      </p:grpSpPr>
+      <p:sp>
+        <p:nvSpPr>
+          <p:cNvPr id="4" name="Title 3">
+            <a:extLst>
+              <a:ext uri="{FF2B5EF4-FFF2-40B4-BE49-F238E27FC236}">
+                <a16:creationId xmlns:a16="http://schemas.microsoft.com/office/drawing/2014/main" id="{ACDB2F36-C02C-4F0F-B585-37925F729AA5}"/>
+              </a:ext>
+            </a:extLst>
+          </p:cNvPr>
+          <p:cNvSpPr>
+            <a:spLocks noGrp="1"/>
+          </p:cNvSpPr>
+          <p:nvPr>
+            <p:ph type="title"/>
+          </p:nvPr>
+        </p:nvSpPr>
+        <p:spPr/>
+        <p:txBody>
+          <a:bodyPr/>
+          <a:lstStyle/>
+          <a:p>
+            <a:r>
+              <a:rPr lang="en-US" dirty="0">
+                <a:latin typeface="Arial" panose="020B0604020202020204" pitchFamily="34" charset="0"/>
+                <a:cs typeface="Arial" panose="020B0604020202020204" pitchFamily="34" charset="0"/>
+              </a:rPr>
+              <a:t>Mohr-Coulomb</a:t>
+            </a:r>
+          </a:p>
+        </p:txBody>
+      </p:sp>
+      <p:sp>
+        <p:nvSpPr>
+          <p:cNvPr id="5" name="Content Placeholder 4">
+            <a:extLst>
+              <a:ext uri="{FF2B5EF4-FFF2-40B4-BE49-F238E27FC236}">
+                <a16:creationId xmlns:a16="http://schemas.microsoft.com/office/drawing/2014/main" id="{2E48F1C5-477D-4547-95BB-9E8BD09144C0}"/>
+              </a:ext>
+            </a:extLst>
+          </p:cNvPr>
+          <p:cNvSpPr>
+            <a:spLocks noGrp="1"/>
+          </p:cNvSpPr>
+          <p:nvPr>
+            <p:ph idx="1"/>
+          </p:nvPr>
+        </p:nvSpPr>
+        <p:spPr/>
+        <p:txBody>
+          <a:bodyPr/>
+          <a:lstStyle/>
+          <a:p>
+            <a:r>
+              <a:rPr lang="en-US" dirty="0">
+                <a:latin typeface="Arial" panose="020B0604020202020204" pitchFamily="34" charset="0"/>
+                <a:cs typeface="Arial" panose="020B0604020202020204" pitchFamily="34" charset="0"/>
+              </a:rPr>
+              <a:t>Yield function</a:t>
+            </a:r>
+          </a:p>
+          <a:p>
+            <a:endParaRPr lang="en-US" dirty="0">
+              <a:latin typeface="Arial" panose="020B0604020202020204" pitchFamily="34" charset="0"/>
+              <a:cs typeface="Arial" panose="020B0604020202020204" pitchFamily="34" charset="0"/>
+            </a:endParaRPr>
+          </a:p>
+          <a:p>
+            <a:endParaRPr lang="en-US" dirty="0">
+              <a:latin typeface="Arial" panose="020B0604020202020204" pitchFamily="34" charset="0"/>
+              <a:cs typeface="Arial" panose="020B0604020202020204" pitchFamily="34" charset="0"/>
+            </a:endParaRPr>
+          </a:p>
+          <a:p>
+            <a:r>
+              <a:rPr lang="en-US" dirty="0">
+                <a:latin typeface="Arial" panose="020B0604020202020204" pitchFamily="34" charset="0"/>
+                <a:cs typeface="Arial" panose="020B0604020202020204" pitchFamily="34" charset="0"/>
+              </a:rPr>
+              <a:t>Isotropic hardening</a:t>
+            </a:r>
+          </a:p>
+        </p:txBody>
+      </p:sp>
+    </p:spTree>
+    <p:extLst>
+      <p:ext uri="{BB962C8B-B14F-4D97-AF65-F5344CB8AC3E}">
+        <p14:creationId xmlns:p14="http://schemas.microsoft.com/office/powerpoint/2010/main" val="2527614711"/>
+      </p:ext>
+    </p:extLst>
+  </p:cSld>
+  <p:clrMapOvr>
+    <a:masterClrMapping/>
+  </p:clrMapOvr>
+</p:sld>
+</file>
+
+<file path=ppt/slides/slide21.xml><?xml version="1.0" encoding="utf-8"?>
+<p:sld xmlns:a="http://schemas.openxmlformats.org/drawingml/2006/main" xmlns:r="http://schemas.openxmlformats.org/officeDocument/2006/relationships" xmlns:p="http://schemas.openxmlformats.org/presentationml/2006/main">
+  <p:cSld>
+    <p:spTree>
+      <p:nvGrpSpPr>
+        <p:cNvPr id="1" name=""/>
+        <p:cNvGrpSpPr/>
+        <p:nvPr/>
+      </p:nvGrpSpPr>
+      <p:grpSpPr>
+        <a:xfrm>
+          <a:off x="0" y="0"/>
+          <a:ext cx="0" cy="0"/>
+          <a:chOff x="0" y="0"/>
+          <a:chExt cx="0" cy="0"/>
+        </a:xfrm>
+      </p:grpSpPr>
+      <p:sp>
+        <p:nvSpPr>
+          <p:cNvPr id="4" name="Title 3">
+            <a:extLst>
+              <a:ext uri="{FF2B5EF4-FFF2-40B4-BE49-F238E27FC236}">
+                <a16:creationId xmlns:a16="http://schemas.microsoft.com/office/drawing/2014/main" id="{ACDB2F36-C02C-4F0F-B585-37925F729AA5}"/>
+              </a:ext>
+            </a:extLst>
+          </p:cNvPr>
+          <p:cNvSpPr>
+            <a:spLocks noGrp="1"/>
+          </p:cNvSpPr>
+          <p:nvPr>
+            <p:ph type="title"/>
+          </p:nvPr>
+        </p:nvSpPr>
+        <p:spPr>
+          <a:xfrm>
+            <a:off x="613773" y="3146907"/>
+            <a:ext cx="10515600" cy="723569"/>
+          </a:xfrm>
+        </p:spPr>
+        <p:txBody>
+          <a:bodyPr/>
+          <a:lstStyle/>
+          <a:p>
+            <a:r>
+              <a:rPr lang="en-US" dirty="0">
+                <a:latin typeface="Arial" panose="020B0604020202020204" pitchFamily="34" charset="0"/>
+                <a:cs typeface="Arial" panose="020B0604020202020204" pitchFamily="34" charset="0"/>
+              </a:rPr>
+              <a:t>Concrete</a:t>
+            </a:r>
+          </a:p>
+        </p:txBody>
+      </p:sp>
+    </p:spTree>
+    <p:extLst>
+      <p:ext uri="{BB962C8B-B14F-4D97-AF65-F5344CB8AC3E}">
+        <p14:creationId xmlns:p14="http://schemas.microsoft.com/office/powerpoint/2010/main" val="136414845"/>
+      </p:ext>
+    </p:extLst>
+  </p:cSld>
+  <p:clrMapOvr>
+    <a:masterClrMapping/>
+  </p:clrMapOvr>
+</p:sld>
+</file>
+
+<file path=ppt/slides/slide22.xml><?xml version="1.0" encoding="utf-8"?>
+<p:sld xmlns:a="http://schemas.openxmlformats.org/drawingml/2006/main" xmlns:r="http://schemas.openxmlformats.org/officeDocument/2006/relationships" xmlns:p="http://schemas.openxmlformats.org/presentationml/2006/main">
+  <p:cSld>
+    <p:spTree>
+      <p:nvGrpSpPr>
+        <p:cNvPr id="1" name=""/>
+        <p:cNvGrpSpPr/>
+        <p:nvPr/>
+      </p:nvGrpSpPr>
+      <p:grpSpPr>
+        <a:xfrm>
+          <a:off x="0" y="0"/>
+          <a:ext cx="0" cy="0"/>
+          <a:chOff x="0" y="0"/>
+          <a:chExt cx="0" cy="0"/>
+        </a:xfrm>
+      </p:grpSpPr>
+      <p:sp>
+        <p:nvSpPr>
+          <p:cNvPr id="4" name="Title 3">
+            <a:extLst>
+              <a:ext uri="{FF2B5EF4-FFF2-40B4-BE49-F238E27FC236}">
+                <a16:creationId xmlns:a16="http://schemas.microsoft.com/office/drawing/2014/main" id="{ACDB2F36-C02C-4F0F-B585-37925F729AA5}"/>
+              </a:ext>
+            </a:extLst>
+          </p:cNvPr>
+          <p:cNvSpPr>
+            <a:spLocks noGrp="1"/>
+          </p:cNvSpPr>
+          <p:nvPr>
+            <p:ph type="title"/>
+          </p:nvPr>
+        </p:nvSpPr>
+        <p:spPr/>
+        <p:txBody>
+          <a:bodyPr/>
+          <a:lstStyle/>
+          <a:p>
+            <a:r>
+              <a:rPr lang="en-US" dirty="0">
+                <a:latin typeface="Arial" panose="020B0604020202020204" pitchFamily="34" charset="0"/>
+                <a:cs typeface="Arial" panose="020B0604020202020204" pitchFamily="34" charset="0"/>
+              </a:rPr>
+              <a:t>Concrete</a:t>
+            </a:r>
+          </a:p>
+        </p:txBody>
+      </p:sp>
+      <p:sp>
+        <p:nvSpPr>
+          <p:cNvPr id="5" name="Content Placeholder 4">
+            <a:extLst>
+              <a:ext uri="{FF2B5EF4-FFF2-40B4-BE49-F238E27FC236}">
+                <a16:creationId xmlns:a16="http://schemas.microsoft.com/office/drawing/2014/main" id="{2E48F1C5-477D-4547-95BB-9E8BD09144C0}"/>
+              </a:ext>
+            </a:extLst>
+          </p:cNvPr>
+          <p:cNvSpPr>
+            <a:spLocks noGrp="1"/>
+          </p:cNvSpPr>
+          <p:nvPr>
+            <p:ph idx="1"/>
+          </p:nvPr>
+        </p:nvSpPr>
+        <p:spPr/>
+        <p:txBody>
+          <a:bodyPr/>
+          <a:lstStyle/>
+          <a:p>
+            <a:r>
+              <a:rPr lang="en-US" dirty="0">
+                <a:latin typeface="Arial" panose="020B0604020202020204" pitchFamily="34" charset="0"/>
+                <a:cs typeface="Arial" panose="020B0604020202020204" pitchFamily="34" charset="0"/>
+              </a:rPr>
+              <a:t>Yield function</a:t>
+            </a:r>
+          </a:p>
+          <a:p>
+            <a:endParaRPr lang="en-US" dirty="0">
+              <a:latin typeface="Arial" panose="020B0604020202020204" pitchFamily="34" charset="0"/>
+              <a:cs typeface="Arial" panose="020B0604020202020204" pitchFamily="34" charset="0"/>
+            </a:endParaRPr>
+          </a:p>
+          <a:p>
+            <a:endParaRPr lang="en-US" dirty="0">
+              <a:latin typeface="Arial" panose="020B0604020202020204" pitchFamily="34" charset="0"/>
+              <a:cs typeface="Arial" panose="020B0604020202020204" pitchFamily="34" charset="0"/>
+            </a:endParaRPr>
+          </a:p>
+          <a:p>
+            <a:r>
+              <a:rPr lang="en-US" dirty="0">
+                <a:latin typeface="Arial" panose="020B0604020202020204" pitchFamily="34" charset="0"/>
+                <a:cs typeface="Arial" panose="020B0604020202020204" pitchFamily="34" charset="0"/>
+              </a:rPr>
+              <a:t>Isotropic hardening</a:t>
+            </a:r>
+          </a:p>
+        </p:txBody>
+      </p:sp>
+    </p:spTree>
+    <p:extLst>
+      <p:ext uri="{BB962C8B-B14F-4D97-AF65-F5344CB8AC3E}">
+        <p14:creationId xmlns:p14="http://schemas.microsoft.com/office/powerpoint/2010/main" val="1870349556"/>
+      </p:ext>
+    </p:extLst>
+  </p:cSld>
+  <p:clrMapOvr>
+    <a:masterClrMapping/>
+  </p:clrMapOvr>
+</p:sld>
+</file>
+
+<file path=ppt/slides/slide3.xml><?xml version="1.0" encoding="utf-8"?>
+<p:sld xmlns:a="http://schemas.openxmlformats.org/drawingml/2006/main" xmlns:r="http://schemas.openxmlformats.org/officeDocument/2006/relationships" xmlns:p="http://schemas.openxmlformats.org/presentationml/2006/main">
+  <p:cSld>
+    <p:spTree>
+      <p:nvGrpSpPr>
+        <p:cNvPr id="1" name=""/>
+        <p:cNvGrpSpPr/>
+        <p:nvPr/>
+      </p:nvGrpSpPr>
+      <p:grpSpPr>
+        <a:xfrm>
+          <a:off x="0" y="0"/>
+          <a:ext cx="0" cy="0"/>
+          <a:chOff x="0" y="0"/>
+          <a:chExt cx="0" cy="0"/>
+        </a:xfrm>
+      </p:grpSpPr>
+      <p:sp>
+        <p:nvSpPr>
+          <p:cNvPr id="4" name="Title 3">
+            <a:extLst>
+              <a:ext uri="{FF2B5EF4-FFF2-40B4-BE49-F238E27FC236}">
+                <a16:creationId xmlns:a16="http://schemas.microsoft.com/office/drawing/2014/main" id="{ACDB2F36-C02C-4F0F-B585-37925F729AA5}"/>
+              </a:ext>
+            </a:extLst>
+          </p:cNvPr>
+          <p:cNvSpPr>
+            <a:spLocks noGrp="1"/>
+          </p:cNvSpPr>
+          <p:nvPr>
+            <p:ph type="title"/>
+          </p:nvPr>
+        </p:nvSpPr>
+        <p:spPr/>
+        <p:txBody>
+          <a:bodyPr/>
+          <a:lstStyle/>
+          <a:p>
+            <a:r>
               <a:rPr lang="en-US" dirty="0" err="1">
                 <a:latin typeface="Arial" panose="020B0604020202020204" pitchFamily="34" charset="0"/>
                 <a:cs typeface="Arial" panose="020B0604020202020204" pitchFamily="34" charset="0"/>
@@ -12210,7 +13541,7 @@
 </p:sld>
 </file>
 
-<file path=ppt/slides/slide3.xml><?xml version="1.0" encoding="utf-8"?>
+<file path=ppt/slides/slide4.xml><?xml version="1.0" encoding="utf-8"?>
 <p:sld xmlns:a="http://schemas.openxmlformats.org/drawingml/2006/main" xmlns:r="http://schemas.openxmlformats.org/officeDocument/2006/relationships" xmlns:p="http://schemas.openxmlformats.org/presentationml/2006/main">
   <p:cSld>
     <p:spTree>
@@ -12411,7 +13742,7 @@
 </p:sld>
 </file>
 
-<file path=ppt/slides/slide4.xml><?xml version="1.0" encoding="utf-8"?>
+<file path=ppt/slides/slide5.xml><?xml version="1.0" encoding="utf-8"?>
 <p:sld xmlns:a="http://schemas.openxmlformats.org/drawingml/2006/main" xmlns:r="http://schemas.openxmlformats.org/officeDocument/2006/relationships" xmlns:p="http://schemas.openxmlformats.org/presentationml/2006/main">
   <p:cSld>
     <p:spTree>
@@ -12725,7 +14056,7 @@
 </p:sld>
 </file>
 
-<file path=ppt/slides/slide5.xml><?xml version="1.0" encoding="utf-8"?>
+<file path=ppt/slides/slide6.xml><?xml version="1.0" encoding="utf-8"?>
 <p:sld xmlns:a="http://schemas.openxmlformats.org/drawingml/2006/main" xmlns:r="http://schemas.openxmlformats.org/officeDocument/2006/relationships" xmlns:p="http://schemas.openxmlformats.org/presentationml/2006/main">
   <p:cSld>
     <p:spTree>
@@ -12849,7 +14180,7 @@
 </p:sld>
 </file>
 
-<file path=ppt/slides/slide6.xml><?xml version="1.0" encoding="utf-8"?>
+<file path=ppt/slides/slide7.xml><?xml version="1.0" encoding="utf-8"?>
 <p:sld xmlns:a="http://schemas.openxmlformats.org/drawingml/2006/main" xmlns:r="http://schemas.openxmlformats.org/officeDocument/2006/relationships" xmlns:p="http://schemas.openxmlformats.org/presentationml/2006/main">
   <p:cSld>
     <p:spTree>
@@ -13050,7 +14381,7 @@
 </p:sld>
 </file>
 
-<file path=ppt/slides/slide7.xml><?xml version="1.0" encoding="utf-8"?>
+<file path=ppt/slides/slide8.xml><?xml version="1.0" encoding="utf-8"?>
 <p:sld xmlns:a="http://schemas.openxmlformats.org/drawingml/2006/main" xmlns:r="http://schemas.openxmlformats.org/officeDocument/2006/relationships" xmlns:p="http://schemas.openxmlformats.org/presentationml/2006/main">
   <p:cSld>
     <p:spTree>
@@ -13479,134 +14810,6 @@
 </p:sld>
 </file>
 
-<file path=ppt/slides/slide8.xml><?xml version="1.0" encoding="utf-8"?>
-<p:sld xmlns:a="http://schemas.openxmlformats.org/drawingml/2006/main" xmlns:r="http://schemas.openxmlformats.org/officeDocument/2006/relationships" xmlns:p="http://schemas.openxmlformats.org/presentationml/2006/main">
-  <p:cSld>
-    <p:spTree>
-      <p:nvGrpSpPr>
-        <p:cNvPr id="1" name=""/>
-        <p:cNvGrpSpPr/>
-        <p:nvPr/>
-      </p:nvGrpSpPr>
-      <p:grpSpPr>
-        <a:xfrm>
-          <a:off x="0" y="0"/>
-          <a:ext cx="0" cy="0"/>
-          <a:chOff x="0" y="0"/>
-          <a:chExt cx="0" cy="0"/>
-        </a:xfrm>
-      </p:grpSpPr>
-      <p:sp>
-        <p:nvSpPr>
-          <p:cNvPr id="4" name="Title 3">
-            <a:extLst>
-              <a:ext uri="{FF2B5EF4-FFF2-40B4-BE49-F238E27FC236}">
-                <a16:creationId xmlns:a16="http://schemas.microsoft.com/office/drawing/2014/main" id="{ACDB2F36-C02C-4F0F-B585-37925F729AA5}"/>
-              </a:ext>
-            </a:extLst>
-          </p:cNvPr>
-          <p:cNvSpPr>
-            <a:spLocks noGrp="1"/>
-          </p:cNvSpPr>
-          <p:nvPr>
-            <p:ph type="title"/>
-          </p:nvPr>
-        </p:nvSpPr>
-        <p:spPr/>
-        <p:txBody>
-          <a:bodyPr>
-            <a:normAutofit/>
-          </a:bodyPr>
-          <a:lstStyle/>
-          <a:p>
-            <a:r>
-              <a:rPr lang="en-US" dirty="0">
-                <a:latin typeface="Arial" panose="020B0604020202020204" pitchFamily="34" charset="0"/>
-                <a:cs typeface="Arial" panose="020B0604020202020204" pitchFamily="34" charset="0"/>
-              </a:rPr>
-              <a:t>Goal </a:t>
-            </a:r>
-            <a:r>
-              <a:rPr lang="en-US">
-                <a:latin typeface="Arial" panose="020B0604020202020204" pitchFamily="34" charset="0"/>
-                <a:cs typeface="Arial" panose="020B0604020202020204" pitchFamily="34" charset="0"/>
-              </a:rPr>
-              <a:t>of Today’s </a:t>
-            </a:r>
-            <a:r>
-              <a:rPr lang="en-US" dirty="0">
-                <a:latin typeface="Arial" panose="020B0604020202020204" pitchFamily="34" charset="0"/>
-                <a:cs typeface="Arial" panose="020B0604020202020204" pitchFamily="34" charset="0"/>
-              </a:rPr>
-              <a:t>Training</a:t>
-            </a:r>
-          </a:p>
-        </p:txBody>
-      </p:sp>
-      <p:sp>
-        <p:nvSpPr>
-          <p:cNvPr id="5" name="Content Placeholder 4">
-            <a:extLst>
-              <a:ext uri="{FF2B5EF4-FFF2-40B4-BE49-F238E27FC236}">
-                <a16:creationId xmlns:a16="http://schemas.microsoft.com/office/drawing/2014/main" id="{2E48F1C5-477D-4547-95BB-9E8BD09144C0}"/>
-              </a:ext>
-            </a:extLst>
-          </p:cNvPr>
-          <p:cNvSpPr>
-            <a:spLocks noGrp="1"/>
-          </p:cNvSpPr>
-          <p:nvPr>
-            <p:ph idx="1"/>
-          </p:nvPr>
-        </p:nvSpPr>
-        <p:spPr/>
-        <p:txBody>
-          <a:bodyPr>
-            <a:normAutofit/>
-          </a:bodyPr>
-          <a:lstStyle/>
-          <a:p>
-            <a:r>
-              <a:rPr lang="en-US" dirty="0">
-                <a:latin typeface="Arial" panose="020B0604020202020204" pitchFamily="34" charset="0"/>
-                <a:cs typeface="Arial" panose="020B0604020202020204" pitchFamily="34" charset="0"/>
-              </a:rPr>
-              <a:t>This training – perform single element tests to test material response under triaxial stress states.</a:t>
-            </a:r>
-          </a:p>
-          <a:p>
-            <a:endParaRPr lang="en-US" dirty="0">
-              <a:latin typeface="Arial" panose="020B0604020202020204" pitchFamily="34" charset="0"/>
-              <a:cs typeface="Arial" panose="020B0604020202020204" pitchFamily="34" charset="0"/>
-            </a:endParaRPr>
-          </a:p>
-          <a:p>
-            <a:endParaRPr lang="en-US" dirty="0">
-              <a:latin typeface="Arial" panose="020B0604020202020204" pitchFamily="34" charset="0"/>
-              <a:cs typeface="Arial" panose="020B0604020202020204" pitchFamily="34" charset="0"/>
-            </a:endParaRPr>
-          </a:p>
-          <a:p>
-            <a:endParaRPr lang="en-US" dirty="0">
-              <a:latin typeface="Arial" panose="020B0604020202020204" pitchFamily="34" charset="0"/>
-              <a:cs typeface="Arial" panose="020B0604020202020204" pitchFamily="34" charset="0"/>
-            </a:endParaRPr>
-          </a:p>
-        </p:txBody>
-      </p:sp>
-    </p:spTree>
-    <p:extLst>
-      <p:ext uri="{BB962C8B-B14F-4D97-AF65-F5344CB8AC3E}">
-        <p14:creationId xmlns:p14="http://schemas.microsoft.com/office/powerpoint/2010/main" val="2833549811"/>
-      </p:ext>
-    </p:extLst>
-  </p:cSld>
-  <p:clrMapOvr>
-    <a:masterClrMapping/>
-  </p:clrMapOvr>
-</p:sld>
-</file>
-
 <file path=ppt/slides/slide9.xml><?xml version="1.0" encoding="utf-8"?>
 <p:sld xmlns:a="http://schemas.openxmlformats.org/drawingml/2006/main" xmlns:r="http://schemas.openxmlformats.org/officeDocument/2006/relationships" xmlns:p="http://schemas.openxmlformats.org/presentationml/2006/main">
   <p:cSld>
@@ -13642,7 +14845,9 @@
         </p:nvSpPr>
         <p:spPr/>
         <p:txBody>
-          <a:bodyPr/>
+          <a:bodyPr>
+            <a:normAutofit/>
+          </a:bodyPr>
           <a:lstStyle/>
           <a:p>
             <a:r>
@@ -13650,7 +14855,21 @@
                 <a:latin typeface="Arial" panose="020B0604020202020204" pitchFamily="34" charset="0"/>
                 <a:cs typeface="Arial" panose="020B0604020202020204" pitchFamily="34" charset="0"/>
               </a:rPr>
-              <a:t>Performing elemental tests</a:t>
+              <a:t>Goal </a:t>
+            </a:r>
+            <a:r>
+              <a:rPr lang="en-US">
+                <a:latin typeface="Arial" panose="020B0604020202020204" pitchFamily="34" charset="0"/>
+                <a:cs typeface="Arial" panose="020B0604020202020204" pitchFamily="34" charset="0"/>
+              </a:rPr>
+              <a:t>of Today’s </a:t>
+            </a:r>
+            <a:r>
+              <a:rPr lang="en-US" dirty="0">
+                <a:latin typeface="Arial" panose="020B0604020202020204" pitchFamily="34" charset="0"/>
+                <a:cs typeface="Arial" panose="020B0604020202020204" pitchFamily="34" charset="0"/>
+              </a:rPr>
+              <a:t>Training</a:t>
             </a:r>
           </a:p>
         </p:txBody>
@@ -13683,82 +14902,8 @@
                 <a:latin typeface="Arial" panose="020B0604020202020204" pitchFamily="34" charset="0"/>
                 <a:cs typeface="Arial" panose="020B0604020202020204" pitchFamily="34" charset="0"/>
               </a:rPr>
-              <a:t>Why is performing elemental tests important?</a:t>
-            </a:r>
-          </a:p>
-          <a:p>
-            <a:pPr lvl="1"/>
-            <a:r>
-              <a:rPr lang="en-US" sz="2800" dirty="0">
-                <a:latin typeface="Arial" panose="020B0604020202020204" pitchFamily="34" charset="0"/>
-                <a:cs typeface="Arial" panose="020B0604020202020204" pitchFamily="34" charset="0"/>
-              </a:rPr>
-              <a:t>Gives insight into material response</a:t>
-            </a:r>
-          </a:p>
-          <a:p>
-            <a:pPr lvl="1"/>
-            <a:r>
-              <a:rPr lang="en-US" sz="2800" dirty="0">
-                <a:latin typeface="Arial" panose="020B0604020202020204" pitchFamily="34" charset="0"/>
-                <a:cs typeface="Arial" panose="020B0604020202020204" pitchFamily="34" charset="0"/>
-              </a:rPr>
-              <a:t>See main features of material model</a:t>
-            </a:r>
-          </a:p>
-          <a:p>
-            <a:pPr lvl="1"/>
-            <a:r>
-              <a:rPr lang="en-US" sz="2800" dirty="0">
-                <a:latin typeface="Arial" panose="020B0604020202020204" pitchFamily="34" charset="0"/>
-                <a:cs typeface="Arial" panose="020B0604020202020204" pitchFamily="34" charset="0"/>
-              </a:rPr>
-              <a:t>See how parameters affect response</a:t>
-            </a:r>
-          </a:p>
-          <a:p>
-            <a:pPr lvl="1"/>
-            <a:r>
-              <a:rPr lang="en-US" sz="2800" dirty="0">
-                <a:latin typeface="Arial" panose="020B0604020202020204" pitchFamily="34" charset="0"/>
-                <a:cs typeface="Arial" panose="020B0604020202020204" pitchFamily="34" charset="0"/>
-              </a:rPr>
-              <a:t>See limitations of material model (VERY IMPORTANT)</a:t>
-            </a:r>
-          </a:p>
-          <a:p>
-            <a:pPr lvl="1"/>
-            <a:r>
-              <a:rPr lang="en-US" sz="2800" dirty="0">
-                <a:latin typeface="Arial" panose="020B0604020202020204" pitchFamily="34" charset="0"/>
-                <a:cs typeface="Arial" panose="020B0604020202020204" pitchFamily="34" charset="0"/>
-              </a:rPr>
-              <a:t>Helps with interpretation of test data</a:t>
-            </a:r>
-          </a:p>
-          <a:p>
-            <a:pPr lvl="1"/>
-            <a:r>
-              <a:rPr lang="en-US" sz="2800" dirty="0">
-                <a:latin typeface="Arial" panose="020B0604020202020204" pitchFamily="34" charset="0"/>
-                <a:cs typeface="Arial" panose="020B0604020202020204" pitchFamily="34" charset="0"/>
-              </a:rPr>
-              <a:t>Provides a common framework to discuss material response (as opposed to making weak analogies to “non-linear spring”, which is grossly incorrect)</a:t>
-            </a:r>
-          </a:p>
-          <a:p>
-            <a:pPr lvl="1"/>
-            <a:endParaRPr lang="en-US" sz="2800" dirty="0">
-              <a:latin typeface="Arial" panose="020B0604020202020204" pitchFamily="34" charset="0"/>
-              <a:cs typeface="Arial" panose="020B0604020202020204" pitchFamily="34" charset="0"/>
-            </a:endParaRPr>
-          </a:p>
-          <a:p>
-            <a:pPr lvl="1"/>
-            <a:endParaRPr lang="en-US" sz="2800" dirty="0">
-              <a:latin typeface="Arial" panose="020B0604020202020204" pitchFamily="34" charset="0"/>
-              <a:cs typeface="Arial" panose="020B0604020202020204" pitchFamily="34" charset="0"/>
-            </a:endParaRPr>
+              <a:t>This training – perform single element tests to test material response under triaxial stress states.</a:t>
+            </a:r>
           </a:p>
           <a:p>
             <a:endParaRPr lang="en-US" dirty="0">
@@ -13773,36 +14918,17 @@
             </a:endParaRPr>
           </a:p>
           <a:p>
-            <a:pPr lvl="1"/>
-            <a:endParaRPr lang="en-US" sz="2800" dirty="0">
-              <a:latin typeface="Arial" panose="020B0604020202020204" pitchFamily="34" charset="0"/>
-              <a:cs typeface="Arial" panose="020B0604020202020204" pitchFamily="34" charset="0"/>
-            </a:endParaRPr>
-          </a:p>
-          <a:p>
             <a:endParaRPr lang="en-US" dirty="0">
               <a:latin typeface="Arial" panose="020B0604020202020204" pitchFamily="34" charset="0"/>
               <a:cs typeface="Arial" panose="020B0604020202020204" pitchFamily="34" charset="0"/>
             </a:endParaRPr>
           </a:p>
-          <a:p>
-            <a:endParaRPr lang="en-US" dirty="0">
-              <a:latin typeface="Arial" panose="020B0604020202020204" pitchFamily="34" charset="0"/>
-              <a:cs typeface="Arial" panose="020B0604020202020204" pitchFamily="34" charset="0"/>
-            </a:endParaRPr>
-          </a:p>
-          <a:p>
-            <a:endParaRPr lang="en-US" dirty="0">
-              <a:latin typeface="Arial" panose="020B0604020202020204" pitchFamily="34" charset="0"/>
-              <a:cs typeface="Arial" panose="020B0604020202020204" pitchFamily="34" charset="0"/>
-            </a:endParaRPr>
-          </a:p>
         </p:txBody>
       </p:sp>
     </p:spTree>
     <p:extLst>
       <p:ext uri="{BB962C8B-B14F-4D97-AF65-F5344CB8AC3E}">
-        <p14:creationId xmlns:p14="http://schemas.microsoft.com/office/powerpoint/2010/main" val="1885274089"/>
+        <p14:creationId xmlns:p14="http://schemas.microsoft.com/office/powerpoint/2010/main" val="2833549811"/>
       </p:ext>
     </p:extLst>
   </p:cSld>
@@ -13853,6 +14979,44 @@
 <file path=ppt/tags/tag3.xml><?xml version="1.0" encoding="utf-8"?>
 <p:tagLst xmlns:a="http://schemas.openxmlformats.org/drawingml/2006/main" xmlns:r="http://schemas.openxmlformats.org/officeDocument/2006/relationships" xmlns:p="http://schemas.openxmlformats.org/presentationml/2006/main">
   <p:tag name="OUTPUTDPI" val="1200"/>
+  <p:tag name="ORIGINALHEIGHT" val="74.26039"/>
+  <p:tag name="ORIGINALWIDTH" val="111.0155"/>
+  <p:tag name="LATEXADDIN" val="\documentclass{article}&#10;\usepackage{amsmath}&#10;\pagestyle{empty}&#10;\begin{document}&#10;&#10;\begin{equation*}&#10;\sigma_3&#10;\end{equation*}&#10;&#10;&#10;\end{document}"/>
+  <p:tag name="IGUANATEXSIZE" val="40"/>
+  <p:tag name="IGUANATEXCURSOR" val="122"/>
+  <p:tag name="TRANSPARENCY" val="True"/>
+  <p:tag name="FILENAME" val=""/>
+  <p:tag name="LATEXENGINEID" val="1"/>
+  <p:tag name="TEMPFOLDER" val="c:\temp\"/>
+  <p:tag name="LATEXFORMHEIGHT" val="312"/>
+  <p:tag name="LATEXFORMWIDTH" val="384"/>
+  <p:tag name="LATEXFORMWRAP" val="True"/>
+  <p:tag name="BITMAPVECTOR" val="0"/>
+</p:tagLst>
+</file>
+
+<file path=ppt/tags/tag4.xml><?xml version="1.0" encoding="utf-8"?>
+<p:tagLst xmlns:a="http://schemas.openxmlformats.org/drawingml/2006/main" xmlns:r="http://schemas.openxmlformats.org/officeDocument/2006/relationships" xmlns:p="http://schemas.openxmlformats.org/presentationml/2006/main">
+  <p:tag name="OUTPUTDPI" val="1200"/>
+  <p:tag name="ORIGINALHEIGHT" val="72.01008"/>
+  <p:tag name="ORIGINALWIDTH" val="403.5563"/>
+  <p:tag name="LATEXADDIN" val="\documentclass{article}&#10;\usepackage{amsmath}&#10;\pagestyle{empty}&#10;\begin{document}&#10;&#10;\begin{equation*}&#10;\sigma_1 = \sigma_2&#10;\end{equation*}&#10;&#10;&#10;\end{document}"/>
+  <p:tag name="IGUANATEXSIZE" val="40"/>
+  <p:tag name="IGUANATEXCURSOR" val="118"/>
+  <p:tag name="TRANSPARENCY" val="True"/>
+  <p:tag name="FILENAME" val=""/>
+  <p:tag name="LATEXENGINEID" val="1"/>
+  <p:tag name="TEMPFOLDER" val="c:\temp\"/>
+  <p:tag name="LATEXFORMHEIGHT" val="312"/>
+  <p:tag name="LATEXFORMWIDTH" val="384"/>
+  <p:tag name="LATEXFORMWRAP" val="True"/>
+  <p:tag name="BITMAPVECTOR" val="0"/>
+</p:tagLst>
+</file>
+
+<file path=ppt/tags/tag5.xml><?xml version="1.0" encoding="utf-8"?>
+<p:tagLst xmlns:a="http://schemas.openxmlformats.org/drawingml/2006/main" xmlns:r="http://schemas.openxmlformats.org/officeDocument/2006/relationships" xmlns:p="http://schemas.openxmlformats.org/presentationml/2006/main">
+  <p:tag name="OUTPUTDPI" val="1200"/>
   <p:tag name="ORIGINALHEIGHT" val="78.76102"/>
   <p:tag name="ORIGINALWIDTH" val="612.8355"/>
   <p:tag name="LATEXADDIN" val="\documentclass{article}&#10;\usepackage{amsmath}&#10;\pagestyle{empty}&#10;\begin{document}&#10;&#10;\begin{equation*}&#10;q = \sigma_3 - \sigma_1&#10;\end{equation*}&#10;&#10;&#10;\end{document}"/>
@@ -13869,7 +15033,7 @@
 </p:tagLst>
 </file>
 
-<file path=ppt/tags/tag4.xml><?xml version="1.0" encoding="utf-8"?>
+<file path=ppt/tags/tag6.xml><?xml version="1.0" encoding="utf-8"?>
 <p:tagLst xmlns:a="http://schemas.openxmlformats.org/drawingml/2006/main" xmlns:r="http://schemas.openxmlformats.org/officeDocument/2006/relationships" xmlns:p="http://schemas.openxmlformats.org/presentationml/2006/main">
   <p:tag name="OUTPUTDPI" val="1200"/>
   <p:tag name="ORIGINALHEIGHT" val="255.0356"/>
@@ -13877,6 +15041,63 @@
   <p:tag name="LATEXADDIN" val="\documentclass{article}&#10;\usepackage{amsmath}&#10;\pagestyle{empty}&#10;\begin{document}&#10;&#10;\begin{equation*}&#10;p = \frac{1}{3}\left(\sigma_1 + \sigma_2 + \sigma_3\right) = \frac{1}{3}\left(2\sigma_1 + \sigma_3\right)&#10;\end{equation*}&#10;&#10;&#10;\end{document}"/>
   <p:tag name="IGUANATEXSIZE" val="40"/>
   <p:tag name="IGUANATEXCURSOR" val="189"/>
+  <p:tag name="TRANSPARENCY" val="True"/>
+  <p:tag name="FILENAME" val=""/>
+  <p:tag name="LATEXENGINEID" val="1"/>
+  <p:tag name="TEMPFOLDER" val="c:\temp\"/>
+  <p:tag name="LATEXFORMHEIGHT" val="312"/>
+  <p:tag name="LATEXFORMWIDTH" val="384"/>
+  <p:tag name="LATEXFORMWRAP" val="True"/>
+  <p:tag name="BITMAPVECTOR" val="0"/>
+</p:tagLst>
+</file>
+
+<file path=ppt/tags/tag7.xml><?xml version="1.0" encoding="utf-8"?>
+<p:tagLst xmlns:a="http://schemas.openxmlformats.org/drawingml/2006/main" xmlns:r="http://schemas.openxmlformats.org/officeDocument/2006/relationships" xmlns:p="http://schemas.openxmlformats.org/presentationml/2006/main">
+  <p:tag name="OUTPUTDPI" val="1200"/>
+  <p:tag name="ORIGINALHEIGHT" val="276.0385"/>
+  <p:tag name="ORIGINALWIDTH" val="1323.935"/>
+  <p:tag name="LATEXADDIN" val="\documentclass{article}&#10;\usepackage{amsmath}&#10;\pagestyle{empty}&#10;\begin{document}&#10;&#10;\begin{equation*}&#10;\Delta q = \Delta\sigma_3 - \underbrace{\Delta\sigma_1 }_{=0} = \Delta\sigma_3&#10;\end{equation*}&#10;&#10;&#10;\end{document}"/>
+  <p:tag name="IGUANATEXSIZE" val="40"/>
+  <p:tag name="IGUANATEXCURSOR" val="177"/>
+  <p:tag name="TRANSPARENCY" val="True"/>
+  <p:tag name="FILENAME" val=""/>
+  <p:tag name="LATEXENGINEID" val="1"/>
+  <p:tag name="TEMPFOLDER" val="c:\temp\"/>
+  <p:tag name="LATEXFORMHEIGHT" val="312"/>
+  <p:tag name="LATEXFORMWIDTH" val="384"/>
+  <p:tag name="LATEXFORMWRAP" val="True"/>
+  <p:tag name="BITMAPVECTOR" val="0"/>
+</p:tagLst>
+</file>
+
+<file path=ppt/tags/tag8.xml><?xml version="1.0" encoding="utf-8"?>
+<p:tagLst xmlns:a="http://schemas.openxmlformats.org/drawingml/2006/main" xmlns:r="http://schemas.openxmlformats.org/officeDocument/2006/relationships" xmlns:p="http://schemas.openxmlformats.org/presentationml/2006/main">
+  <p:tag name="OUTPUTDPI" val="1200"/>
+  <p:tag name="ORIGINALHEIGHT" val="447.8125"/>
+  <p:tag name="ORIGINALWIDTH" val="1731.992"/>
+  <p:tag name="LATEXADDIN" val="\documentclass{article}&#10;\usepackage{amsmath}&#10;\pagestyle{empty}&#10;\begin{document}&#10;&#10;\begin{equation*}&#10;\Delta p = \frac{1}{3}\left(2\underbrace{\Delta\sigma_1}_{=0} + \Delta\sigma_3\right) =  \frac{\Delta\sigma_3}{3}&#10;\end{equation*}&#10;&#10;&#10;\end{document}"/>
+  <p:tag name="IGUANATEXSIZE" val="40"/>
+  <p:tag name="IGUANATEXCURSOR" val="208"/>
+  <p:tag name="TRANSPARENCY" val="True"/>
+  <p:tag name="FILENAME" val=""/>
+  <p:tag name="LATEXENGINEID" val="1"/>
+  <p:tag name="TEMPFOLDER" val="c:\temp\"/>
+  <p:tag name="LATEXFORMHEIGHT" val="312"/>
+  <p:tag name="LATEXFORMWIDTH" val="384"/>
+  <p:tag name="LATEXFORMWRAP" val="True"/>
+  <p:tag name="BITMAPVECTOR" val="0"/>
+</p:tagLst>
+</file>
+
+<file path=ppt/tags/tag9.xml><?xml version="1.0" encoding="utf-8"?>
+<p:tagLst xmlns:a="http://schemas.openxmlformats.org/drawingml/2006/main" xmlns:r="http://schemas.openxmlformats.org/officeDocument/2006/relationships" xmlns:p="http://schemas.openxmlformats.org/presentationml/2006/main">
+  <p:tag name="OUTPUTDPI" val="1200"/>
+  <p:tag name="ORIGINALHEIGHT" val="282.7895"/>
+  <p:tag name="ORIGINALWIDTH" val="404.3065"/>
+  <p:tag name="LATEXADDIN" val="\documentclass{article}&#10;\usepackage{amsmath}&#10;\pagestyle{empty}&#10;\begin{document}&#10;&#10;\begin{equation*}&#10;\frac{\Delta q}{\Delta p} = 3&#10;\end{equation*}&#10;&#10;&#10;\end{document}"/>
+  <p:tag name="IGUANATEXSIZE" val="40"/>
+  <p:tag name="IGUANATEXCURSOR" val="128"/>
   <p:tag name="TRANSPARENCY" val="True"/>
   <p:tag name="FILENAME" val=""/>
   <p:tag name="LATEXENGINEID" val="1"/>

--- a/Training.pptx
+++ b/Training.pptx
@@ -5,10 +5,10 @@
     <p:sldMasterId id="2147483648" r:id="rId1"/>
   </p:sldMasterIdLst>
   <p:notesMasterIdLst>
-    <p:notesMasterId r:id="rId24"/>
+    <p:notesMasterId r:id="rId26"/>
   </p:notesMasterIdLst>
   <p:handoutMasterIdLst>
-    <p:handoutMasterId r:id="rId25"/>
+    <p:handoutMasterId r:id="rId27"/>
   </p:handoutMasterIdLst>
   <p:sldIdLst>
     <p:sldId id="292" r:id="rId2"/>
@@ -33,6 +33,8 @@
     <p:sldId id="303" r:id="rId21"/>
     <p:sldId id="304" r:id="rId22"/>
     <p:sldId id="305" r:id="rId23"/>
+    <p:sldId id="315" r:id="rId24"/>
+    <p:sldId id="316" r:id="rId25"/>
   </p:sldIdLst>
   <p:sldSz cx="12192000" cy="6858000"/>
   <p:notesSz cx="6858000" cy="9144000"/>
@@ -1847,6 +1849,174 @@
     <p:extLst>
       <p:ext uri="{BB962C8B-B14F-4D97-AF65-F5344CB8AC3E}">
         <p14:creationId xmlns:p14="http://schemas.microsoft.com/office/powerpoint/2010/main" val="456106509"/>
+      </p:ext>
+    </p:extLst>
+  </p:cSld>
+  <p:clrMapOvr>
+    <a:masterClrMapping/>
+  </p:clrMapOvr>
+</p:notes>
+</file>
+
+<file path=ppt/notesSlides/notesSlide22.xml><?xml version="1.0" encoding="utf-8"?>
+<p:notes xmlns:a="http://schemas.openxmlformats.org/drawingml/2006/main" xmlns:r="http://schemas.openxmlformats.org/officeDocument/2006/relationships" xmlns:p="http://schemas.openxmlformats.org/presentationml/2006/main">
+  <p:cSld>
+    <p:spTree>
+      <p:nvGrpSpPr>
+        <p:cNvPr id="1" name=""/>
+        <p:cNvGrpSpPr/>
+        <p:nvPr/>
+      </p:nvGrpSpPr>
+      <p:grpSpPr>
+        <a:xfrm>
+          <a:off x="0" y="0"/>
+          <a:ext cx="0" cy="0"/>
+          <a:chOff x="0" y="0"/>
+          <a:chExt cx="0" cy="0"/>
+        </a:xfrm>
+      </p:grpSpPr>
+      <p:sp>
+        <p:nvSpPr>
+          <p:cNvPr id="2" name="Slide Image Placeholder 1"/>
+          <p:cNvSpPr>
+            <a:spLocks noGrp="1" noRot="1" noChangeAspect="1"/>
+          </p:cNvSpPr>
+          <p:nvPr>
+            <p:ph type="sldImg"/>
+          </p:nvPr>
+        </p:nvSpPr>
+        <p:spPr/>
+      </p:sp>
+      <p:sp>
+        <p:nvSpPr>
+          <p:cNvPr id="3" name="Notes Placeholder 2"/>
+          <p:cNvSpPr>
+            <a:spLocks noGrp="1"/>
+          </p:cNvSpPr>
+          <p:nvPr>
+            <p:ph type="body" idx="1"/>
+          </p:nvPr>
+        </p:nvSpPr>
+        <p:spPr/>
+        <p:txBody>
+          <a:bodyPr/>
+          <a:lstStyle/>
+          <a:p>
+            <a:endParaRPr lang="en-US" dirty="0"/>
+          </a:p>
+        </p:txBody>
+      </p:sp>
+      <p:sp>
+        <p:nvSpPr>
+          <p:cNvPr id="4" name="Slide Number Placeholder 3"/>
+          <p:cNvSpPr>
+            <a:spLocks noGrp="1"/>
+          </p:cNvSpPr>
+          <p:nvPr>
+            <p:ph type="sldNum" sz="quarter" idx="10"/>
+          </p:nvPr>
+        </p:nvSpPr>
+        <p:spPr/>
+        <p:txBody>
+          <a:bodyPr/>
+          <a:lstStyle/>
+          <a:p>
+            <a:fld id="{038396DC-5B17-4BDC-9518-BAF07A76ECE3}" type="slidenum">
+              <a:rPr lang="en-US" smtClean="0"/>
+              <a:t>23</a:t>
+            </a:fld>
+            <a:endParaRPr lang="en-US"/>
+          </a:p>
+        </p:txBody>
+      </p:sp>
+    </p:spTree>
+    <p:extLst>
+      <p:ext uri="{BB962C8B-B14F-4D97-AF65-F5344CB8AC3E}">
+        <p14:creationId xmlns:p14="http://schemas.microsoft.com/office/powerpoint/2010/main" val="2193374912"/>
+      </p:ext>
+    </p:extLst>
+  </p:cSld>
+  <p:clrMapOvr>
+    <a:masterClrMapping/>
+  </p:clrMapOvr>
+</p:notes>
+</file>
+
+<file path=ppt/notesSlides/notesSlide23.xml><?xml version="1.0" encoding="utf-8"?>
+<p:notes xmlns:a="http://schemas.openxmlformats.org/drawingml/2006/main" xmlns:r="http://schemas.openxmlformats.org/officeDocument/2006/relationships" xmlns:p="http://schemas.openxmlformats.org/presentationml/2006/main">
+  <p:cSld>
+    <p:spTree>
+      <p:nvGrpSpPr>
+        <p:cNvPr id="1" name=""/>
+        <p:cNvGrpSpPr/>
+        <p:nvPr/>
+      </p:nvGrpSpPr>
+      <p:grpSpPr>
+        <a:xfrm>
+          <a:off x="0" y="0"/>
+          <a:ext cx="0" cy="0"/>
+          <a:chOff x="0" y="0"/>
+          <a:chExt cx="0" cy="0"/>
+        </a:xfrm>
+      </p:grpSpPr>
+      <p:sp>
+        <p:nvSpPr>
+          <p:cNvPr id="2" name="Slide Image Placeholder 1"/>
+          <p:cNvSpPr>
+            <a:spLocks noGrp="1" noRot="1" noChangeAspect="1"/>
+          </p:cNvSpPr>
+          <p:nvPr>
+            <p:ph type="sldImg"/>
+          </p:nvPr>
+        </p:nvSpPr>
+        <p:spPr/>
+      </p:sp>
+      <p:sp>
+        <p:nvSpPr>
+          <p:cNvPr id="3" name="Notes Placeholder 2"/>
+          <p:cNvSpPr>
+            <a:spLocks noGrp="1"/>
+          </p:cNvSpPr>
+          <p:nvPr>
+            <p:ph type="body" idx="1"/>
+          </p:nvPr>
+        </p:nvSpPr>
+        <p:spPr/>
+        <p:txBody>
+          <a:bodyPr/>
+          <a:lstStyle/>
+          <a:p>
+            <a:endParaRPr lang="en-US" dirty="0"/>
+          </a:p>
+        </p:txBody>
+      </p:sp>
+      <p:sp>
+        <p:nvSpPr>
+          <p:cNvPr id="4" name="Slide Number Placeholder 3"/>
+          <p:cNvSpPr>
+            <a:spLocks noGrp="1"/>
+          </p:cNvSpPr>
+          <p:nvPr>
+            <p:ph type="sldNum" sz="quarter" idx="10"/>
+          </p:nvPr>
+        </p:nvSpPr>
+        <p:spPr/>
+        <p:txBody>
+          <a:bodyPr/>
+          <a:lstStyle/>
+          <a:p>
+            <a:fld id="{038396DC-5B17-4BDC-9518-BAF07A76ECE3}" type="slidenum">
+              <a:rPr lang="en-US" smtClean="0"/>
+              <a:t>24</a:t>
+            </a:fld>
+            <a:endParaRPr lang="en-US"/>
+          </a:p>
+        </p:txBody>
+      </p:sp>
+    </p:spTree>
+    <p:extLst>
+      <p:ext uri="{BB962C8B-B14F-4D97-AF65-F5344CB8AC3E}">
+        <p14:creationId xmlns:p14="http://schemas.microsoft.com/office/powerpoint/2010/main" val="1259249601"/>
       </p:ext>
     </p:extLst>
   </p:cSld>
@@ -11949,21 +12119,7 @@
                 <a:latin typeface="Arial" panose="020B0604020202020204" pitchFamily="34" charset="0"/>
                 <a:cs typeface="Arial" panose="020B0604020202020204" pitchFamily="34" charset="0"/>
               </a:rPr>
-              <a:t>Lateral stress                     </a:t>
-            </a:r>
-            <a:r>
-              <a:rPr lang="en-US" dirty="0">
-                <a:latin typeface="Arial" panose="020B0604020202020204" pitchFamily="34" charset="0"/>
-                <a:cs typeface="Arial" panose="020B0604020202020204" pitchFamily="34" charset="0"/>
-              </a:rPr>
-              <a:t>(constant for TXC, increasing for TXE, </a:t>
-            </a:r>
-            <a:r>
-              <a:rPr lang="en-US" dirty="0">
-                <a:latin typeface="Arial" panose="020B0604020202020204" pitchFamily="34" charset="0"/>
-                <a:cs typeface="Arial" panose="020B0604020202020204" pitchFamily="34" charset="0"/>
-              </a:rPr>
-              <a:t>zero for uniaxial tests)</a:t>
+              <a:t>Lateral stress                     (constant for TXC, increasing for TXE, zero for uniaxial tests)</a:t>
             </a:r>
           </a:p>
           <a:p>
@@ -12847,8 +13003,382 @@
                 <a:latin typeface="Arial" panose="020B0604020202020204" pitchFamily="34" charset="0"/>
                 <a:cs typeface="Arial" panose="020B0604020202020204" pitchFamily="34" charset="0"/>
               </a:rPr>
-              <a:t>Isotropic hardening</a:t>
-            </a:r>
+              <a:t>Isotropic (linear) hardening</a:t>
+            </a:r>
+          </a:p>
+        </p:txBody>
+      </p:sp>
+      <p:pic>
+        <p:nvPicPr>
+          <p:cNvPr id="3" name="Picture 2"/>
+          <p:cNvPicPr>
+            <a:picLocks noChangeAspect="1"/>
+          </p:cNvPicPr>
+          <p:nvPr>
+            <p:custDataLst>
+              <p:tags r:id="rId1"/>
+            </p:custDataLst>
+          </p:nvPr>
+        </p:nvPicPr>
+        <p:blipFill>
+          <a:blip r:embed="rId6">
+            <a:extLst>
+              <a:ext uri="{28A0092B-C50C-407E-A947-70E740481C1C}">
+                <a14:useLocalDpi xmlns:a14="http://schemas.microsoft.com/office/drawing/2010/main" val="0"/>
+              </a:ext>
+            </a:extLst>
+          </a:blip>
+          <a:stretch>
+            <a:fillRect/>
+          </a:stretch>
+        </p:blipFill>
+        <p:spPr>
+          <a:xfrm>
+            <a:off x="1139369" y="2341080"/>
+            <a:ext cx="3231332" cy="573104"/>
+          </a:xfrm>
+          <a:prstGeom prst="rect">
+            <a:avLst/>
+          </a:prstGeom>
+        </p:spPr>
+      </p:pic>
+      <p:pic>
+        <p:nvPicPr>
+          <p:cNvPr id="9" name="Picture 8"/>
+          <p:cNvPicPr>
+            <a:picLocks noChangeAspect="1"/>
+          </p:cNvPicPr>
+          <p:nvPr>
+            <p:custDataLst>
+              <p:tags r:id="rId2"/>
+            </p:custDataLst>
+          </p:nvPr>
+        </p:nvPicPr>
+        <p:blipFill>
+          <a:blip r:embed="rId7">
+            <a:extLst>
+              <a:ext uri="{28A0092B-C50C-407E-A947-70E740481C1C}">
+                <a14:useLocalDpi xmlns:a14="http://schemas.microsoft.com/office/drawing/2010/main" val="0"/>
+              </a:ext>
+            </a:extLst>
+          </a:blip>
+          <a:stretch>
+            <a:fillRect/>
+          </a:stretch>
+        </p:blipFill>
+        <p:spPr>
+          <a:xfrm>
+            <a:off x="1139369" y="4015517"/>
+            <a:ext cx="4237312" cy="573104"/>
+          </a:xfrm>
+          <a:prstGeom prst="rect">
+            <a:avLst/>
+          </a:prstGeom>
+        </p:spPr>
+      </p:pic>
+      <p:sp>
+        <p:nvSpPr>
+          <p:cNvPr id="11" name="TextBox 10"/>
+          <p:cNvSpPr txBox="1"/>
+          <p:nvPr/>
+        </p:nvSpPr>
+        <p:spPr>
+          <a:xfrm>
+            <a:off x="4358731" y="5202875"/>
+            <a:ext cx="2185214" cy="369332"/>
+          </a:xfrm>
+          <a:prstGeom prst="rect">
+            <a:avLst/>
+          </a:prstGeom>
+          <a:noFill/>
+        </p:spPr>
+        <p:txBody>
+          <a:bodyPr wrap="none" rtlCol="0">
+            <a:spAutoFit/>
+          </a:bodyPr>
+          <a:lstStyle/>
+          <a:p>
+            <a:r>
+              <a:rPr lang="en-US" dirty="0">
+                <a:latin typeface="Arial" panose="020B0604020202020204" pitchFamily="34" charset="0"/>
+                <a:cs typeface="Arial" panose="020B0604020202020204" pitchFamily="34" charset="0"/>
+              </a:rPr>
+              <a:t>Hardening modulus</a:t>
+            </a:r>
+          </a:p>
+        </p:txBody>
+      </p:sp>
+      <p:sp>
+        <p:nvSpPr>
+          <p:cNvPr id="12" name="Rectangle 11"/>
+          <p:cNvSpPr/>
+          <p:nvPr/>
+        </p:nvSpPr>
+        <p:spPr>
+          <a:xfrm>
+            <a:off x="4505077" y="4003629"/>
+            <a:ext cx="440147" cy="430763"/>
+          </a:xfrm>
+          <a:prstGeom prst="rect">
+            <a:avLst/>
+          </a:prstGeom>
+          <a:noFill/>
+          <a:ln>
+            <a:solidFill>
+              <a:srgbClr val="FF0000"/>
+            </a:solidFill>
+          </a:ln>
+        </p:spPr>
+        <p:style>
+          <a:lnRef idx="2">
+            <a:schemeClr val="accent1">
+              <a:shade val="50000"/>
+            </a:schemeClr>
+          </a:lnRef>
+          <a:fillRef idx="1">
+            <a:schemeClr val="accent1"/>
+          </a:fillRef>
+          <a:effectRef idx="0">
+            <a:schemeClr val="accent1"/>
+          </a:effectRef>
+          <a:fontRef idx="minor">
+            <a:schemeClr val="lt1"/>
+          </a:fontRef>
+        </p:style>
+        <p:txBody>
+          <a:bodyPr rtlCol="0" anchor="ctr"/>
+          <a:lstStyle/>
+          <a:p>
+            <a:pPr algn="ctr"/>
+            <a:endParaRPr lang="en-US" dirty="0"/>
+          </a:p>
+        </p:txBody>
+      </p:sp>
+      <p:cxnSp>
+        <p:nvCxnSpPr>
+          <p:cNvPr id="13" name="Straight Connector 12"/>
+          <p:cNvCxnSpPr/>
+          <p:nvPr/>
+        </p:nvCxnSpPr>
+        <p:spPr>
+          <a:xfrm flipH="1" flipV="1">
+            <a:off x="4724984" y="4434392"/>
+            <a:ext cx="336131" cy="797280"/>
+          </a:xfrm>
+          <a:prstGeom prst="line">
+            <a:avLst/>
+          </a:prstGeom>
+          <a:ln>
+            <a:solidFill>
+              <a:srgbClr val="FF0000"/>
+            </a:solidFill>
+          </a:ln>
+        </p:spPr>
+        <p:style>
+          <a:lnRef idx="1">
+            <a:schemeClr val="accent1"/>
+          </a:lnRef>
+          <a:fillRef idx="0">
+            <a:schemeClr val="accent1"/>
+          </a:fillRef>
+          <a:effectRef idx="0">
+            <a:schemeClr val="accent1"/>
+          </a:effectRef>
+          <a:fontRef idx="minor">
+            <a:schemeClr val="tx1"/>
+          </a:fontRef>
+        </p:style>
+      </p:cxnSp>
+      <p:sp>
+        <p:nvSpPr>
+          <p:cNvPr id="16" name="TextBox 15"/>
+          <p:cNvSpPr txBox="1"/>
+          <p:nvPr/>
+        </p:nvSpPr>
+        <p:spPr>
+          <a:xfrm>
+            <a:off x="2429081" y="5452516"/>
+            <a:ext cx="1941557" cy="369332"/>
+          </a:xfrm>
+          <a:prstGeom prst="rect">
+            <a:avLst/>
+          </a:prstGeom>
+          <a:noFill/>
+        </p:spPr>
+        <p:txBody>
+          <a:bodyPr wrap="none" rtlCol="0">
+            <a:spAutoFit/>
+          </a:bodyPr>
+          <a:lstStyle/>
+          <a:p>
+            <a:r>
+              <a:rPr lang="en-US" dirty="0">
+                <a:latin typeface="Arial" panose="020B0604020202020204" pitchFamily="34" charset="0"/>
+                <a:cs typeface="Arial" panose="020B0604020202020204" pitchFamily="34" charset="0"/>
+              </a:rPr>
+              <a:t>Initial yield stress</a:t>
+            </a:r>
+          </a:p>
+        </p:txBody>
+      </p:sp>
+      <p:sp>
+        <p:nvSpPr>
+          <p:cNvPr id="17" name="Rectangle 16"/>
+          <p:cNvSpPr/>
+          <p:nvPr/>
+        </p:nvSpPr>
+        <p:spPr>
+          <a:xfrm>
+            <a:off x="3124712" y="4049796"/>
+            <a:ext cx="752966" cy="584992"/>
+          </a:xfrm>
+          <a:prstGeom prst="rect">
+            <a:avLst/>
+          </a:prstGeom>
+          <a:noFill/>
+          <a:ln>
+            <a:solidFill>
+              <a:srgbClr val="FF0000"/>
+            </a:solidFill>
+          </a:ln>
+        </p:spPr>
+        <p:style>
+          <a:lnRef idx="2">
+            <a:schemeClr val="accent1">
+              <a:shade val="50000"/>
+            </a:schemeClr>
+          </a:lnRef>
+          <a:fillRef idx="1">
+            <a:schemeClr val="accent1"/>
+          </a:fillRef>
+          <a:effectRef idx="0">
+            <a:schemeClr val="accent1"/>
+          </a:effectRef>
+          <a:fontRef idx="minor">
+            <a:schemeClr val="lt1"/>
+          </a:fontRef>
+        </p:style>
+        <p:txBody>
+          <a:bodyPr rtlCol="0" anchor="ctr"/>
+          <a:lstStyle/>
+          <a:p>
+            <a:pPr algn="ctr"/>
+            <a:endParaRPr lang="en-US" dirty="0"/>
+          </a:p>
+        </p:txBody>
+      </p:sp>
+      <p:cxnSp>
+        <p:nvCxnSpPr>
+          <p:cNvPr id="18" name="Straight Connector 17"/>
+          <p:cNvCxnSpPr/>
+          <p:nvPr/>
+        </p:nvCxnSpPr>
+        <p:spPr>
+          <a:xfrm flipV="1">
+            <a:off x="3399860" y="4649031"/>
+            <a:ext cx="0" cy="848308"/>
+          </a:xfrm>
+          <a:prstGeom prst="line">
+            <a:avLst/>
+          </a:prstGeom>
+          <a:ln>
+            <a:solidFill>
+              <a:srgbClr val="FF0000"/>
+            </a:solidFill>
+          </a:ln>
+        </p:spPr>
+        <p:style>
+          <a:lnRef idx="1">
+            <a:schemeClr val="accent1"/>
+          </a:lnRef>
+          <a:fillRef idx="0">
+            <a:schemeClr val="accent1"/>
+          </a:fillRef>
+          <a:effectRef idx="0">
+            <a:schemeClr val="accent1"/>
+          </a:effectRef>
+          <a:fontRef idx="minor">
+            <a:schemeClr val="tx1"/>
+          </a:fontRef>
+        </p:style>
+      </p:cxnSp>
+      <p:pic>
+        <p:nvPicPr>
+          <p:cNvPr id="50" name="Picture 49"/>
+          <p:cNvPicPr>
+            <a:picLocks noChangeAspect="1"/>
+          </p:cNvPicPr>
+          <p:nvPr>
+            <p:custDataLst>
+              <p:tags r:id="rId3"/>
+            </p:custDataLst>
+          </p:nvPr>
+        </p:nvPicPr>
+        <p:blipFill>
+          <a:blip r:embed="rId8">
+            <a:extLst>
+              <a:ext uri="{28A0092B-C50C-407E-A947-70E740481C1C}">
+                <a14:useLocalDpi xmlns:a14="http://schemas.microsoft.com/office/drawing/2010/main" val="0"/>
+              </a:ext>
+            </a:extLst>
+          </a:blip>
+          <a:stretch>
+            <a:fillRect/>
+          </a:stretch>
+        </p:blipFill>
+        <p:spPr>
+          <a:xfrm>
+            <a:off x="7988889" y="3172409"/>
+            <a:ext cx="2590765" cy="2023749"/>
+          </a:xfrm>
+          <a:prstGeom prst="rect">
+            <a:avLst/>
+          </a:prstGeom>
+        </p:spPr>
+      </p:pic>
+      <p:sp>
+        <p:nvSpPr>
+          <p:cNvPr id="48" name="Rectangle 47"/>
+          <p:cNvSpPr/>
+          <p:nvPr/>
+        </p:nvSpPr>
+        <p:spPr>
+          <a:xfrm>
+            <a:off x="7746476" y="3045200"/>
+            <a:ext cx="3739508" cy="2263918"/>
+          </a:xfrm>
+          <a:prstGeom prst="rect">
+            <a:avLst/>
+          </a:prstGeom>
+          <a:noFill/>
+          <a:ln>
+            <a:solidFill>
+              <a:srgbClr val="FF0000"/>
+            </a:solidFill>
+          </a:ln>
+        </p:spPr>
+        <p:style>
+          <a:lnRef idx="2">
+            <a:schemeClr val="accent1">
+              <a:shade val="50000"/>
+            </a:schemeClr>
+          </a:lnRef>
+          <a:fillRef idx="1">
+            <a:schemeClr val="accent1"/>
+          </a:fillRef>
+          <a:effectRef idx="0">
+            <a:schemeClr val="accent1"/>
+          </a:effectRef>
+          <a:fontRef idx="minor">
+            <a:schemeClr val="lt1"/>
+          </a:fontRef>
+        </p:style>
+        <p:txBody>
+          <a:bodyPr rtlCol="0" anchor="ctr"/>
+          <a:lstStyle/>
+          <a:p>
+            <a:pPr algn="ctr"/>
+            <a:endParaRPr lang="en-US" dirty="0"/>
           </a:p>
         </p:txBody>
       </p:sp>
@@ -13034,19 +13564,8 @@
                 <a:latin typeface="Arial" panose="020B0604020202020204" pitchFamily="34" charset="0"/>
                 <a:cs typeface="Arial" panose="020B0604020202020204" pitchFamily="34" charset="0"/>
               </a:rPr>
-              <a:t>with </a:t>
-            </a:r>
-            <a:r>
-              <a:rPr lang="en-US" dirty="0">
-                <a:latin typeface="Arial" panose="020B0604020202020204" pitchFamily="34" charset="0"/>
-                <a:cs typeface="Arial" panose="020B0604020202020204" pitchFamily="34" charset="0"/>
-              </a:rPr>
-              <a:t>EMI Visioning/Innovation. </a:t>
-            </a:r>
-            <a:endParaRPr lang="en-US" dirty="0">
-              <a:latin typeface="Arial" panose="020B0604020202020204" pitchFamily="34" charset="0"/>
-              <a:cs typeface="Arial" panose="020B0604020202020204" pitchFamily="34" charset="0"/>
-            </a:endParaRPr>
+              <a:t>with EMI Visioning/Innovation. </a:t>
+            </a:r>
           </a:p>
         </p:txBody>
       </p:sp>
@@ -13346,6 +13865,481 @@
     <p:extLst>
       <p:ext uri="{BB962C8B-B14F-4D97-AF65-F5344CB8AC3E}">
         <p14:creationId xmlns:p14="http://schemas.microsoft.com/office/powerpoint/2010/main" val="1870349556"/>
+      </p:ext>
+    </p:extLst>
+  </p:cSld>
+  <p:clrMapOvr>
+    <a:masterClrMapping/>
+  </p:clrMapOvr>
+</p:sld>
+</file>
+
+<file path=ppt/slides/slide23.xml><?xml version="1.0" encoding="utf-8"?>
+<p:sld xmlns:a="http://schemas.openxmlformats.org/drawingml/2006/main" xmlns:r="http://schemas.openxmlformats.org/officeDocument/2006/relationships" xmlns:p="http://schemas.openxmlformats.org/presentationml/2006/main">
+  <p:cSld>
+    <p:spTree>
+      <p:nvGrpSpPr>
+        <p:cNvPr id="1" name=""/>
+        <p:cNvGrpSpPr/>
+        <p:nvPr/>
+      </p:nvGrpSpPr>
+      <p:grpSpPr>
+        <a:xfrm>
+          <a:off x="0" y="0"/>
+          <a:ext cx="0" cy="0"/>
+          <a:chOff x="0" y="0"/>
+          <a:chExt cx="0" cy="0"/>
+        </a:xfrm>
+      </p:grpSpPr>
+      <p:sp>
+        <p:nvSpPr>
+          <p:cNvPr id="4" name="Title 3">
+            <a:extLst>
+              <a:ext uri="{FF2B5EF4-FFF2-40B4-BE49-F238E27FC236}">
+                <a16:creationId xmlns:a16="http://schemas.microsoft.com/office/drawing/2014/main" id="{ACDB2F36-C02C-4F0F-B585-37925F729AA5}"/>
+              </a:ext>
+            </a:extLst>
+          </p:cNvPr>
+          <p:cNvSpPr>
+            <a:spLocks noGrp="1"/>
+          </p:cNvSpPr>
+          <p:nvPr>
+            <p:ph type="title"/>
+          </p:nvPr>
+        </p:nvSpPr>
+        <p:spPr/>
+        <p:txBody>
+          <a:bodyPr/>
+          <a:lstStyle/>
+          <a:p>
+            <a:r>
+              <a:rPr lang="en-US" dirty="0">
+                <a:latin typeface="Arial" panose="020B0604020202020204" pitchFamily="34" charset="0"/>
+                <a:cs typeface="Arial" panose="020B0604020202020204" pitchFamily="34" charset="0"/>
+              </a:rPr>
+              <a:t>Metal Plasticity</a:t>
+            </a:r>
+          </a:p>
+        </p:txBody>
+      </p:sp>
+      <p:sp>
+        <p:nvSpPr>
+          <p:cNvPr id="5" name="Content Placeholder 4">
+            <a:extLst>
+              <a:ext uri="{FF2B5EF4-FFF2-40B4-BE49-F238E27FC236}">
+                <a16:creationId xmlns:a16="http://schemas.microsoft.com/office/drawing/2014/main" id="{2E48F1C5-477D-4547-95BB-9E8BD09144C0}"/>
+              </a:ext>
+            </a:extLst>
+          </p:cNvPr>
+          <p:cNvSpPr>
+            <a:spLocks noGrp="1"/>
+          </p:cNvSpPr>
+          <p:nvPr>
+            <p:ph idx="1"/>
+          </p:nvPr>
+        </p:nvSpPr>
+        <p:spPr/>
+        <p:txBody>
+          <a:bodyPr/>
+          <a:lstStyle/>
+          <a:p>
+            <a:r>
+              <a:rPr lang="en-US" dirty="0"/>
+              <a:t>Initial yield stress</a:t>
+            </a:r>
+          </a:p>
+          <a:p>
+            <a:endParaRPr lang="en-US" dirty="0"/>
+          </a:p>
+          <a:p>
+            <a:endParaRPr lang="en-US" dirty="0"/>
+          </a:p>
+          <a:p>
+            <a:r>
+              <a:rPr lang="en-US" dirty="0"/>
+              <a:t>Note: this is NOT the uniaxial stress from the tensile specimen!</a:t>
+            </a:r>
+          </a:p>
+        </p:txBody>
+      </p:sp>
+      <p:pic>
+        <p:nvPicPr>
+          <p:cNvPr id="3" name="Picture 2"/>
+          <p:cNvPicPr>
+            <a:picLocks noChangeAspect="1"/>
+          </p:cNvPicPr>
+          <p:nvPr>
+            <p:custDataLst>
+              <p:tags r:id="rId1"/>
+            </p:custDataLst>
+          </p:nvPr>
+        </p:nvPicPr>
+        <p:blipFill>
+          <a:blip r:embed="rId6">
+            <a:extLst>
+              <a:ext uri="{28A0092B-C50C-407E-A947-70E740481C1C}">
+                <a14:useLocalDpi xmlns:a14="http://schemas.microsoft.com/office/drawing/2010/main" val="0"/>
+              </a:ext>
+            </a:extLst>
+          </a:blip>
+          <a:stretch>
+            <a:fillRect/>
+          </a:stretch>
+        </p:blipFill>
+        <p:spPr>
+          <a:xfrm>
+            <a:off x="2165738" y="2237647"/>
+            <a:ext cx="1109627" cy="527378"/>
+          </a:xfrm>
+          <a:prstGeom prst="rect">
+            <a:avLst/>
+          </a:prstGeom>
+        </p:spPr>
+      </p:pic>
+      <p:pic>
+        <p:nvPicPr>
+          <p:cNvPr id="11" name="Picture 10"/>
+          <p:cNvPicPr>
+            <a:picLocks noChangeAspect="1"/>
+          </p:cNvPicPr>
+          <p:nvPr>
+            <p:custDataLst>
+              <p:tags r:id="rId2"/>
+            </p:custDataLst>
+          </p:nvPr>
+        </p:nvPicPr>
+        <p:blipFill>
+          <a:blip r:embed="rId7">
+            <a:extLst>
+              <a:ext uri="{28A0092B-C50C-407E-A947-70E740481C1C}">
+                <a14:useLocalDpi xmlns:a14="http://schemas.microsoft.com/office/drawing/2010/main" val="0"/>
+              </a:ext>
+            </a:extLst>
+          </a:blip>
+          <a:stretch>
+            <a:fillRect/>
+          </a:stretch>
+        </p:blipFill>
+        <p:spPr>
+          <a:xfrm>
+            <a:off x="1261123" y="3806327"/>
+            <a:ext cx="3862357" cy="1819912"/>
+          </a:xfrm>
+          <a:prstGeom prst="rect">
+            <a:avLst/>
+          </a:prstGeom>
+        </p:spPr>
+      </p:pic>
+      <p:pic>
+        <p:nvPicPr>
+          <p:cNvPr id="14" name="Picture 13"/>
+          <p:cNvPicPr>
+            <a:picLocks noChangeAspect="1"/>
+          </p:cNvPicPr>
+          <p:nvPr>
+            <p:custDataLst>
+              <p:tags r:id="rId3"/>
+            </p:custDataLst>
+          </p:nvPr>
+        </p:nvPicPr>
+        <p:blipFill>
+          <a:blip r:embed="rId8">
+            <a:extLst>
+              <a:ext uri="{28A0092B-C50C-407E-A947-70E740481C1C}">
+                <a14:useLocalDpi xmlns:a14="http://schemas.microsoft.com/office/drawing/2010/main" val="0"/>
+              </a:ext>
+            </a:extLst>
+          </a:blip>
+          <a:stretch>
+            <a:fillRect/>
+          </a:stretch>
+        </p:blipFill>
+        <p:spPr>
+          <a:xfrm>
+            <a:off x="6087483" y="3806327"/>
+            <a:ext cx="6075515" cy="1819912"/>
+          </a:xfrm>
+          <a:prstGeom prst="rect">
+            <a:avLst/>
+          </a:prstGeom>
+        </p:spPr>
+      </p:pic>
+    </p:spTree>
+    <p:extLst>
+      <p:ext uri="{BB962C8B-B14F-4D97-AF65-F5344CB8AC3E}">
+        <p14:creationId xmlns:p14="http://schemas.microsoft.com/office/powerpoint/2010/main" val="1700757903"/>
+      </p:ext>
+    </p:extLst>
+  </p:cSld>
+  <p:clrMapOvr>
+    <a:masterClrMapping/>
+  </p:clrMapOvr>
+</p:sld>
+</file>
+
+<file path=ppt/slides/slide24.xml><?xml version="1.0" encoding="utf-8"?>
+<p:sld xmlns:a="http://schemas.openxmlformats.org/drawingml/2006/main" xmlns:r="http://schemas.openxmlformats.org/officeDocument/2006/relationships" xmlns:p="http://schemas.openxmlformats.org/presentationml/2006/main">
+  <p:cSld>
+    <p:spTree>
+      <p:nvGrpSpPr>
+        <p:cNvPr id="1" name=""/>
+        <p:cNvGrpSpPr/>
+        <p:nvPr/>
+      </p:nvGrpSpPr>
+      <p:grpSpPr>
+        <a:xfrm>
+          <a:off x="0" y="0"/>
+          <a:ext cx="0" cy="0"/>
+          <a:chOff x="0" y="0"/>
+          <a:chExt cx="0" cy="0"/>
+        </a:xfrm>
+      </p:grpSpPr>
+      <p:sp>
+        <p:nvSpPr>
+          <p:cNvPr id="4" name="Title 3">
+            <a:extLst>
+              <a:ext uri="{FF2B5EF4-FFF2-40B4-BE49-F238E27FC236}">
+                <a16:creationId xmlns:a16="http://schemas.microsoft.com/office/drawing/2014/main" id="{ACDB2F36-C02C-4F0F-B585-37925F729AA5}"/>
+              </a:ext>
+            </a:extLst>
+          </p:cNvPr>
+          <p:cNvSpPr>
+            <a:spLocks noGrp="1"/>
+          </p:cNvSpPr>
+          <p:nvPr>
+            <p:ph type="title"/>
+          </p:nvPr>
+        </p:nvSpPr>
+        <p:spPr/>
+        <p:txBody>
+          <a:bodyPr/>
+          <a:lstStyle/>
+          <a:p>
+            <a:r>
+              <a:rPr lang="en-US" dirty="0">
+                <a:latin typeface="Arial" panose="020B0604020202020204" pitchFamily="34" charset="0"/>
+                <a:cs typeface="Arial" panose="020B0604020202020204" pitchFamily="34" charset="0"/>
+              </a:rPr>
+              <a:t>Metal Plasticity</a:t>
+            </a:r>
+          </a:p>
+        </p:txBody>
+      </p:sp>
+      <p:sp>
+        <p:nvSpPr>
+          <p:cNvPr id="5" name="Content Placeholder 4">
+            <a:extLst>
+              <a:ext uri="{FF2B5EF4-FFF2-40B4-BE49-F238E27FC236}">
+                <a16:creationId xmlns:a16="http://schemas.microsoft.com/office/drawing/2014/main" id="{2E48F1C5-477D-4547-95BB-9E8BD09144C0}"/>
+              </a:ext>
+            </a:extLst>
+          </p:cNvPr>
+          <p:cNvSpPr>
+            <a:spLocks noGrp="1"/>
+          </p:cNvSpPr>
+          <p:nvPr>
+            <p:ph idx="1"/>
+          </p:nvPr>
+        </p:nvSpPr>
+        <p:spPr>
+          <a:xfrm>
+            <a:off x="613773" y="1098958"/>
+            <a:ext cx="10947421" cy="5047399"/>
+          </a:xfrm>
+        </p:spPr>
+        <p:txBody>
+          <a:bodyPr/>
+          <a:lstStyle/>
+          <a:p>
+            <a:endParaRPr lang="en-US" dirty="0"/>
+          </a:p>
+          <a:p>
+            <a:r>
+              <a:rPr lang="en-US" dirty="0"/>
+              <a:t>Uniaxial stress</a:t>
+            </a:r>
+          </a:p>
+          <a:p>
+            <a:endParaRPr lang="en-US" dirty="0"/>
+          </a:p>
+          <a:p>
+            <a:r>
+              <a:rPr lang="en-US" dirty="0"/>
+              <a:t>Pressure </a:t>
+            </a:r>
+          </a:p>
+          <a:p>
+            <a:endParaRPr lang="en-US" dirty="0"/>
+          </a:p>
+          <a:p>
+            <a:r>
+              <a:rPr lang="en-US" dirty="0"/>
+              <a:t>Deviatoric stress</a:t>
+            </a:r>
+          </a:p>
+          <a:p>
+            <a:endParaRPr lang="en-US" dirty="0"/>
+          </a:p>
+          <a:p>
+            <a:r>
+              <a:rPr lang="en-US" dirty="0"/>
+              <a:t>Shear stress </a:t>
+            </a:r>
+          </a:p>
+          <a:p>
+            <a:endParaRPr lang="en-US" dirty="0"/>
+          </a:p>
+          <a:p>
+            <a:endParaRPr lang="en-US" dirty="0"/>
+          </a:p>
+          <a:p>
+            <a:endParaRPr lang="en-US" dirty="0"/>
+          </a:p>
+          <a:p>
+            <a:endParaRPr lang="en-US" dirty="0"/>
+          </a:p>
+        </p:txBody>
+      </p:sp>
+      <p:pic>
+        <p:nvPicPr>
+          <p:cNvPr id="11" name="Picture 10"/>
+          <p:cNvPicPr>
+            <a:picLocks noChangeAspect="1"/>
+          </p:cNvPicPr>
+          <p:nvPr>
+            <p:custDataLst>
+              <p:tags r:id="rId1"/>
+            </p:custDataLst>
+          </p:nvPr>
+        </p:nvPicPr>
+        <p:blipFill>
+          <a:blip r:embed="rId7">
+            <a:extLst>
+              <a:ext uri="{28A0092B-C50C-407E-A947-70E740481C1C}">
+                <a14:useLocalDpi xmlns:a14="http://schemas.microsoft.com/office/drawing/2010/main" val="0"/>
+              </a:ext>
+            </a:extLst>
+          </a:blip>
+          <a:stretch>
+            <a:fillRect/>
+          </a:stretch>
+        </p:blipFill>
+        <p:spPr>
+          <a:xfrm>
+            <a:off x="3195076" y="1319099"/>
+            <a:ext cx="2212494" cy="1042509"/>
+          </a:xfrm>
+          <a:prstGeom prst="rect">
+            <a:avLst/>
+          </a:prstGeom>
+        </p:spPr>
+      </p:pic>
+      <p:pic>
+        <p:nvPicPr>
+          <p:cNvPr id="15" name="Picture 14"/>
+          <p:cNvPicPr>
+            <a:picLocks noChangeAspect="1"/>
+          </p:cNvPicPr>
+          <p:nvPr>
+            <p:custDataLst>
+              <p:tags r:id="rId2"/>
+            </p:custDataLst>
+          </p:nvPr>
+        </p:nvPicPr>
+        <p:blipFill>
+          <a:blip r:embed="rId8">
+            <a:extLst>
+              <a:ext uri="{28A0092B-C50C-407E-A947-70E740481C1C}">
+                <a14:useLocalDpi xmlns:a14="http://schemas.microsoft.com/office/drawing/2010/main" val="0"/>
+              </a:ext>
+            </a:extLst>
+          </a:blip>
+          <a:stretch>
+            <a:fillRect/>
+          </a:stretch>
+        </p:blipFill>
+        <p:spPr>
+          <a:xfrm>
+            <a:off x="3614870" y="3395614"/>
+            <a:ext cx="4857856" cy="1023699"/>
+          </a:xfrm>
+          <a:prstGeom prst="rect">
+            <a:avLst/>
+          </a:prstGeom>
+        </p:spPr>
+      </p:pic>
+      <p:pic>
+        <p:nvPicPr>
+          <p:cNvPr id="6" name="Picture 5"/>
+          <p:cNvPicPr>
+            <a:picLocks noChangeAspect="1"/>
+          </p:cNvPicPr>
+          <p:nvPr>
+            <p:custDataLst>
+              <p:tags r:id="rId3"/>
+            </p:custDataLst>
+          </p:nvPr>
+        </p:nvPicPr>
+        <p:blipFill>
+          <a:blip r:embed="rId9">
+            <a:extLst>
+              <a:ext uri="{28A0092B-C50C-407E-A947-70E740481C1C}">
+                <a14:useLocalDpi xmlns:a14="http://schemas.microsoft.com/office/drawing/2010/main" val="0"/>
+              </a:ext>
+            </a:extLst>
+          </a:blip>
+          <a:stretch>
+            <a:fillRect/>
+          </a:stretch>
+        </p:blipFill>
+        <p:spPr>
+          <a:xfrm>
+            <a:off x="2418233" y="2581749"/>
+            <a:ext cx="2802725" cy="593724"/>
+          </a:xfrm>
+          <a:prstGeom prst="rect">
+            <a:avLst/>
+          </a:prstGeom>
+        </p:spPr>
+      </p:pic>
+      <p:pic>
+        <p:nvPicPr>
+          <p:cNvPr id="18" name="Picture 17"/>
+          <p:cNvPicPr>
+            <a:picLocks noChangeAspect="1"/>
+          </p:cNvPicPr>
+          <p:nvPr>
+            <p:custDataLst>
+              <p:tags r:id="rId4"/>
+            </p:custDataLst>
+          </p:nvPr>
+        </p:nvPicPr>
+        <p:blipFill>
+          <a:blip r:embed="rId10">
+            <a:extLst>
+              <a:ext uri="{28A0092B-C50C-407E-A947-70E740481C1C}">
+                <a14:useLocalDpi xmlns:a14="http://schemas.microsoft.com/office/drawing/2010/main" val="0"/>
+              </a:ext>
+            </a:extLst>
+          </a:blip>
+          <a:stretch>
+            <a:fillRect/>
+          </a:stretch>
+        </p:blipFill>
+        <p:spPr>
+          <a:xfrm>
+            <a:off x="2899523" y="4516406"/>
+            <a:ext cx="4183962" cy="680751"/>
+          </a:xfrm>
+          <a:prstGeom prst="rect">
+            <a:avLst/>
+          </a:prstGeom>
+        </p:spPr>
+      </p:pic>
+    </p:spTree>
+    <p:extLst>
+      <p:ext uri="{BB962C8B-B14F-4D97-AF65-F5344CB8AC3E}">
+        <p14:creationId xmlns:p14="http://schemas.microsoft.com/office/powerpoint/2010/main" val="3675158820"/>
       </p:ext>
     </p:extLst>
   </p:cSld>
@@ -14946,6 +15940,196 @@
   <p:tag name="LATEXADDIN" val="\documentclass{article}&#10;\usepackage{amsmath}&#10;\pagestyle{empty}&#10;\begin{document}&#10;&#10;\begin{equation*}&#10;\sigma_3&#10;\end{equation*}&#10;&#10;&#10;\end{document}"/>
   <p:tag name="IGUANATEXSIZE" val="40"/>
   <p:tag name="IGUANATEXCURSOR" val="122"/>
+  <p:tag name="TRANSPARENCY" val="True"/>
+  <p:tag name="FILENAME" val=""/>
+  <p:tag name="LATEXENGINEID" val="1"/>
+  <p:tag name="TEMPFOLDER" val="c:\temp\"/>
+  <p:tag name="LATEXFORMHEIGHT" val="312"/>
+  <p:tag name="LATEXFORMWIDTH" val="384"/>
+  <p:tag name="LATEXFORMWRAP" val="True"/>
+  <p:tag name="BITMAPVECTOR" val="0"/>
+</p:tagLst>
+</file>
+
+<file path=ppt/tags/tag10.xml><?xml version="1.0" encoding="utf-8"?>
+<p:tagLst xmlns:a="http://schemas.openxmlformats.org/drawingml/2006/main" xmlns:r="http://schemas.openxmlformats.org/officeDocument/2006/relationships" xmlns:p="http://schemas.openxmlformats.org/presentationml/2006/main">
+  <p:tag name="OUTPUTDPI" val="1200"/>
+  <p:tag name="ORIGINALHEIGHT" val="141.0197"/>
+  <p:tag name="ORIGINALWIDTH" val="795.111"/>
+  <p:tag name="LATEXADDIN" val="\documentclass{article}&#10;\usepackage{amsmath}&#10;\pagestyle{empty}&#10;\begin{document}&#10;&#10;\begin{equation*}&#10;F = q - \sigma_y(\epsilon_p^s)&#10;\end{equation*}&#10;&#10;&#10;\end{document}"/>
+  <p:tag name="IGUANATEXSIZE" val="40"/>
+  <p:tag name="IGUANATEXCURSOR" val="129"/>
+  <p:tag name="TRANSPARENCY" val="True"/>
+  <p:tag name="FILENAME" val=""/>
+  <p:tag name="LATEXENGINEID" val="1"/>
+  <p:tag name="TEMPFOLDER" val="c:\temp\"/>
+  <p:tag name="LATEXFORMHEIGHT" val="312"/>
+  <p:tag name="LATEXFORMWIDTH" val="384"/>
+  <p:tag name="LATEXFORMWRAP" val="True"/>
+  <p:tag name="BITMAPVECTOR" val="0"/>
+</p:tagLst>
+</file>
+
+<file path=ppt/tags/tag11.xml><?xml version="1.0" encoding="utf-8"?>
+<p:tagLst xmlns:a="http://schemas.openxmlformats.org/drawingml/2006/main" xmlns:r="http://schemas.openxmlformats.org/officeDocument/2006/relationships" xmlns:p="http://schemas.openxmlformats.org/presentationml/2006/main">
+  <p:tag name="OUTPUTDPI" val="1200"/>
+  <p:tag name="ORIGINALHEIGHT" val="141.0197"/>
+  <p:tag name="ORIGINALWIDTH" val="1042.646"/>
+  <p:tag name="LATEXADDIN" val="\documentclass{article}&#10;\usepackage{amsmath}&#10;\pagestyle{empty}&#10;\begin{document}&#10;&#10;\begin{equation*}&#10;\sigma_y(\epsilon_p^s) = \sigma_{y0} + H\epsilon_p^s&#10;\end{equation*}&#10;&#10;&#10;\end{document}"/>
+  <p:tag name="IGUANATEXSIZE" val="40"/>
+  <p:tag name="IGUANATEXCURSOR" val="151"/>
+  <p:tag name="TRANSPARENCY" val="True"/>
+  <p:tag name="FILENAME" val=""/>
+  <p:tag name="LATEXENGINEID" val="1"/>
+  <p:tag name="TEMPFOLDER" val="c:\temp\"/>
+  <p:tag name="LATEXFORMHEIGHT" val="312"/>
+  <p:tag name="LATEXFORMWIDTH" val="384"/>
+  <p:tag name="LATEXFORMWRAP" val="True"/>
+  <p:tag name="BITMAPVECTOR" val="0"/>
+</p:tagLst>
+</file>
+
+<file path=ppt/tags/tag12.xml><?xml version="1.0" encoding="utf-8"?>
+<p:tagLst xmlns:a="http://schemas.openxmlformats.org/drawingml/2006/main" xmlns:r="http://schemas.openxmlformats.org/officeDocument/2006/relationships" xmlns:p="http://schemas.openxmlformats.org/presentationml/2006/main">
+  <p:tag name="OUTPUTDPI" val="1200"/>
+  <p:tag name="ORIGINALHEIGHT" val="503.3203"/>
+  <p:tag name="ORIGINALWIDTH" val="644.3399"/>
+  <p:tag name="LATEXADDIN" val="\documentclass{article}&#10;\usepackage{amsmath}&#10;\pagestyle{empty}&#10;\begin{document}&#10;&#10;\begin{align*}&#10;&amp;\text{*PLASTIC}\\&#10;&amp;\sigma_{y0},0.0\\&#10;&amp;\sigma_{y0}+H,1.0&#10;\end{align*}&#10;&#10;&#10;\end{document}"/>
+  <p:tag name="IGUANATEXSIZE" val="24"/>
+  <p:tag name="IGUANATEXCURSOR" val="148"/>
+  <p:tag name="TRANSPARENCY" val="True"/>
+  <p:tag name="FILENAME" val=""/>
+  <p:tag name="LATEXENGINEID" val="1"/>
+  <p:tag name="TEMPFOLDER" val="c:\temp\"/>
+  <p:tag name="LATEXFORMHEIGHT" val="312"/>
+  <p:tag name="LATEXFORMWIDTH" val="384"/>
+  <p:tag name="LATEXFORMWRAP" val="True"/>
+  <p:tag name="BITMAPVECTOR" val="0"/>
+</p:tagLst>
+</file>
+
+<file path=ppt/tags/tag13.xml><?xml version="1.0" encoding="utf-8"?>
+<p:tagLst xmlns:a="http://schemas.openxmlformats.org/drawingml/2006/main" xmlns:r="http://schemas.openxmlformats.org/officeDocument/2006/relationships" xmlns:p="http://schemas.openxmlformats.org/presentationml/2006/main">
+  <p:tag name="OUTPUTDPI" val="1200"/>
+  <p:tag name="ORIGINALHEIGHT" val="129.7681"/>
+  <p:tag name="ORIGINALWIDTH" val="273.0381"/>
+  <p:tag name="LATEXADDIN" val="\documentclass{article}&#10;\usepackage{amsmath}&#10;\pagestyle{empty}&#10;\begin{document}&#10;&#10;\begin{equation*}&#10;\sigma_y(0)&#10;\end{equation*}&#10;&#10;&#10;\end{document}"/>
+  <p:tag name="IGUANATEXSIZE" val="40"/>
+  <p:tag name="IGUANATEXCURSOR" val="110"/>
+  <p:tag name="TRANSPARENCY" val="True"/>
+  <p:tag name="FILENAME" val=""/>
+  <p:tag name="LATEXENGINEID" val="1"/>
+  <p:tag name="TEMPFOLDER" val="c:\temp\"/>
+  <p:tag name="LATEXFORMHEIGHT" val="312"/>
+  <p:tag name="LATEXFORMWIDTH" val="384"/>
+  <p:tag name="LATEXFORMWRAP" val="True"/>
+  <p:tag name="BITMAPVECTOR" val="0"/>
+</p:tagLst>
+</file>
+
+<file path=ppt/tags/tag14.xml><?xml version="1.0" encoding="utf-8"?>
+<p:tagLst xmlns:a="http://schemas.openxmlformats.org/drawingml/2006/main" xmlns:r="http://schemas.openxmlformats.org/officeDocument/2006/relationships" xmlns:p="http://schemas.openxmlformats.org/presentationml/2006/main">
+  <p:tag name="OUTPUTDPI" val="1200"/>
+  <p:tag name="ORIGINALHEIGHT" val="447.8125"/>
+  <p:tag name="ORIGINALWIDTH" val="950.3826"/>
+  <p:tag name="LATEXADDIN" val="\documentclass{article}&#10;\usepackage{amsmath}&#10;\pagestyle{empty}&#10;\begin{document}&#10;&#10;\begin{equation*}&#10;\boldsymbol{\sigma}=&#10;\left[&#10;\begin{array}{ccc}&#10;\sigma &amp; 0 &amp; 0\\&#10;0 &amp; 0 &amp; 0\\&#10;0 &amp; 0 &amp; 0&#10;\end{array}&#10;\right]&#10;\end{equation*}&#10;&#10;&#10;\end{document}"/>
+  <p:tag name="IGUANATEXSIZE" val="40"/>
+  <p:tag name="IGUANATEXCURSOR" val="119"/>
+  <p:tag name="TRANSPARENCY" val="True"/>
+  <p:tag name="FILENAME" val=""/>
+  <p:tag name="LATEXENGINEID" val="1"/>
+  <p:tag name="TEMPFOLDER" val="c:\temp\"/>
+  <p:tag name="LATEXFORMHEIGHT" val="312"/>
+  <p:tag name="LATEXFORMWIDTH" val="384"/>
+  <p:tag name="LATEXFORMWRAP" val="True"/>
+  <p:tag name="BITMAPVECTOR" val="0"/>
+</p:tagLst>
+</file>
+
+<file path=ppt/tags/tag15.xml><?xml version="1.0" encoding="utf-8"?>
+<p:tagLst xmlns:a="http://schemas.openxmlformats.org/drawingml/2006/main" xmlns:r="http://schemas.openxmlformats.org/officeDocument/2006/relationships" xmlns:p="http://schemas.openxmlformats.org/presentationml/2006/main">
+  <p:tag name="OUTPUTDPI" val="1200"/>
+  <p:tag name="ORIGINALHEIGHT" val="447.8125"/>
+  <p:tag name="ORIGINALWIDTH" val="1494.959"/>
+  <p:tag name="LATEXADDIN" val="\documentclass{article}&#10;\usepackage{amsmath}&#10;\pagestyle{empty}&#10;\begin{document}&#10;&#10;\begin{equation*}&#10;\boldsymbol{\sigma}=\boldsymbol{\sigma}-p\boldsymbol{I}=&#10;\left[&#10;\begin{array}{ccc}&#10;\sigma &amp; 0 &amp; 0\\&#10;0 &amp; 0 &amp; 0\\&#10;0 &amp; 0 &amp; 0&#10;\end{array}&#10;\right]&#10;\end{equation*}&#10;&#10;&#10;\end{document}"/>
+  <p:tag name="IGUANATEXSIZE" val="40"/>
+  <p:tag name="IGUANATEXCURSOR" val="90"/>
+  <p:tag name="TRANSPARENCY" val="True"/>
+  <p:tag name="FILENAME" val=""/>
+  <p:tag name="LATEXENGINEID" val="1"/>
+  <p:tag name="TEMPFOLDER" val="c:\temp\"/>
+  <p:tag name="LATEXFORMHEIGHT" val="312"/>
+  <p:tag name="LATEXFORMWIDTH" val="384"/>
+  <p:tag name="LATEXFORMWRAP" val="True"/>
+  <p:tag name="BITMAPVECTOR" val="0"/>
+</p:tagLst>
+</file>
+
+<file path=ppt/tags/tag16.xml><?xml version="1.0" encoding="utf-8"?>
+<p:tagLst xmlns:a="http://schemas.openxmlformats.org/drawingml/2006/main" xmlns:r="http://schemas.openxmlformats.org/officeDocument/2006/relationships" xmlns:p="http://schemas.openxmlformats.org/presentationml/2006/main">
+  <p:tag name="OUTPUTDPI" val="1200"/>
+  <p:tag name="ORIGINALHEIGHT" val="447.8125"/>
+  <p:tag name="ORIGINALWIDTH" val="950.3826"/>
+  <p:tag name="LATEXADDIN" val="\documentclass{article}&#10;\usepackage{amsmath}&#10;\pagestyle{empty}&#10;\begin{document}&#10;&#10;\begin{equation*}&#10;\boldsymbol{\sigma}=&#10;\left[&#10;\begin{array}{ccc}&#10;\sigma &amp; 0 &amp; 0\\&#10;0 &amp; 0 &amp; 0\\&#10;0 &amp; 0 &amp; 0&#10;\end{array}&#10;\right]&#10;\end{equation*}&#10;&#10;&#10;\end{document}"/>
+  <p:tag name="IGUANATEXSIZE" val="40"/>
+  <p:tag name="IGUANATEXCURSOR" val="119"/>
+  <p:tag name="TRANSPARENCY" val="True"/>
+  <p:tag name="FILENAME" val=""/>
+  <p:tag name="LATEXENGINEID" val="1"/>
+  <p:tag name="TEMPFOLDER" val="c:\temp\"/>
+  <p:tag name="LATEXFORMHEIGHT" val="312"/>
+  <p:tag name="LATEXFORMWIDTH" val="384"/>
+  <p:tag name="LATEXFORMWRAP" val="True"/>
+  <p:tag name="BITMAPVECTOR" val="0"/>
+</p:tagLst>
+</file>
+
+<file path=ppt/tags/tag17.xml><?xml version="1.0" encoding="utf-8"?>
+<p:tagLst xmlns:a="http://schemas.openxmlformats.org/drawingml/2006/main" xmlns:r="http://schemas.openxmlformats.org/officeDocument/2006/relationships" xmlns:p="http://schemas.openxmlformats.org/presentationml/2006/main">
+  <p:tag name="OUTPUTDPI" val="1200"/>
+  <p:tag name="ORIGINALHEIGHT" val="447.8125"/>
+  <p:tag name="ORIGINALWIDTH" val="2125.047"/>
+  <p:tag name="LATEXADDIN" val="\documentclass{article}&#10;\usepackage{amsmath}&#10;\pagestyle{empty}&#10;\begin{document}&#10;&#10;\begin{equation*}&#10;\boldsymbol{s}=\boldsymbol{\sigma}-p\boldsymbol{I}=&#10;\left[&#10;\begin{array}{ccc}&#10;2\sigma/3 &amp; 0 &amp; 0\\&#10;0 &amp; -\sigma/3 &amp; 0\\&#10;0 &amp; 0 &amp; -\sigma/3&#10;\end{array}&#10;\right]&#10;\end{equation*}&#10;&#10;&#10;\end{document}"/>
+  <p:tag name="IGUANATEXSIZE" val="40"/>
+  <p:tag name="IGUANATEXCURSOR" val="112"/>
+  <p:tag name="TRANSPARENCY" val="True"/>
+  <p:tag name="FILENAME" val=""/>
+  <p:tag name="LATEXENGINEID" val="1"/>
+  <p:tag name="TEMPFOLDER" val="c:\temp\"/>
+  <p:tag name="LATEXFORMHEIGHT" val="312"/>
+  <p:tag name="LATEXFORMWIDTH" val="384"/>
+  <p:tag name="LATEXFORMWRAP" val="True"/>
+  <p:tag name="BITMAPVECTOR" val="0"/>
+</p:tagLst>
+</file>
+
+<file path=ppt/tags/tag18.xml><?xml version="1.0" encoding="utf-8"?>
+<p:tagLst xmlns:a="http://schemas.openxmlformats.org/drawingml/2006/main" xmlns:r="http://schemas.openxmlformats.org/officeDocument/2006/relationships" xmlns:p="http://schemas.openxmlformats.org/presentationml/2006/main">
+  <p:tag name="OUTPUTDPI" val="1200"/>
+  <p:tag name="ORIGINALHEIGHT" val="255.0356"/>
+  <p:tag name="ORIGINALWIDTH" val="1203.918"/>
+  <p:tag name="LATEXADDIN" val="\documentclass{article}&#10;\usepackage{amsmath}&#10;\pagestyle{empty}&#10;\begin{document}&#10;&#10;\begin{equation*}&#10;p = \frac{1}{3}\left(\sigma + 0 + 0\right) = \frac{\sigma}{3}&#10;\end{equation*}&#10;&#10;&#10;\end{document}"/>
+  <p:tag name="IGUANATEXSIZE" val="40"/>
+  <p:tag name="IGUANATEXCURSOR" val="156"/>
+  <p:tag name="TRANSPARENCY" val="True"/>
+  <p:tag name="FILENAME" val=""/>
+  <p:tag name="LATEXENGINEID" val="1"/>
+  <p:tag name="TEMPFOLDER" val="c:\temp\"/>
+  <p:tag name="LATEXFORMHEIGHT" val="312"/>
+  <p:tag name="LATEXFORMWIDTH" val="384"/>
+  <p:tag name="LATEXFORMWRAP" val="True"/>
+  <p:tag name="BITMAPVECTOR" val="0"/>
+</p:tagLst>
+</file>
+
+<file path=ppt/tags/tag19.xml><?xml version="1.0" encoding="utf-8"?>
+<p:tagLst xmlns:a="http://schemas.openxmlformats.org/drawingml/2006/main" xmlns:r="http://schemas.openxmlformats.org/officeDocument/2006/relationships" xmlns:p="http://schemas.openxmlformats.org/presentationml/2006/main">
+  <p:tag name="OUTPUTDPI" val="1200"/>
+  <p:tag name="ORIGINALHEIGHT" val="297.7916"/>
+  <p:tag name="ORIGINALWIDTH" val="1830.255"/>
+  <p:tag name="LATEXADDIN" val="\documentclass{article}&#10;\usepackage{amsmath}&#10;\pagestyle{empty}&#10;\begin{document}&#10;&#10;\begin{equation*}&#10;q=\sqrt{3J_2}=\sqrt{\frac{3}{2}\left(s_{11}^2+s_{22}^2+s_{33}^2\right)}&#10;\end{equation*}&#10;&#10;&#10;\end{document}"/>
+  <p:tag name="IGUANATEXSIZE" val="40"/>
+  <p:tag name="IGUANATEXCURSOR" val="150"/>
   <p:tag name="TRANSPARENCY" val="True"/>
   <p:tag name="FILENAME" val=""/>
   <p:tag name="LATEXENGINEID" val="1"/>

--- a/Training.pptx
+++ b/Training.pptx
@@ -5,10 +5,10 @@
     <p:sldMasterId id="2147483648" r:id="rId1"/>
   </p:sldMasterIdLst>
   <p:notesMasterIdLst>
-    <p:notesMasterId r:id="rId26"/>
+    <p:notesMasterId r:id="rId30"/>
   </p:notesMasterIdLst>
   <p:handoutMasterIdLst>
-    <p:handoutMasterId r:id="rId27"/>
+    <p:handoutMasterId r:id="rId31"/>
   </p:handoutMasterIdLst>
   <p:sldIdLst>
     <p:sldId id="292" r:id="rId2"/>
@@ -21,20 +21,24 @@
     <p:sldId id="310" r:id="rId9"/>
     <p:sldId id="300" r:id="rId10"/>
     <p:sldId id="299" r:id="rId11"/>
-    <p:sldId id="295" r:id="rId12"/>
-    <p:sldId id="293" r:id="rId13"/>
-    <p:sldId id="312" r:id="rId14"/>
-    <p:sldId id="311" r:id="rId15"/>
-    <p:sldId id="313" r:id="rId16"/>
-    <p:sldId id="298" r:id="rId17"/>
-    <p:sldId id="301" r:id="rId18"/>
-    <p:sldId id="296" r:id="rId19"/>
-    <p:sldId id="302" r:id="rId20"/>
-    <p:sldId id="303" r:id="rId21"/>
-    <p:sldId id="304" r:id="rId22"/>
-    <p:sldId id="305" r:id="rId23"/>
-    <p:sldId id="315" r:id="rId24"/>
-    <p:sldId id="316" r:id="rId25"/>
+    <p:sldId id="317" r:id="rId12"/>
+    <p:sldId id="318" r:id="rId13"/>
+    <p:sldId id="295" r:id="rId14"/>
+    <p:sldId id="293" r:id="rId15"/>
+    <p:sldId id="312" r:id="rId16"/>
+    <p:sldId id="321" r:id="rId17"/>
+    <p:sldId id="322" r:id="rId18"/>
+    <p:sldId id="311" r:id="rId19"/>
+    <p:sldId id="313" r:id="rId20"/>
+    <p:sldId id="298" r:id="rId21"/>
+    <p:sldId id="301" r:id="rId22"/>
+    <p:sldId id="296" r:id="rId23"/>
+    <p:sldId id="316" r:id="rId24"/>
+    <p:sldId id="319" r:id="rId25"/>
+    <p:sldId id="302" r:id="rId26"/>
+    <p:sldId id="303" r:id="rId27"/>
+    <p:sldId id="304" r:id="rId28"/>
+    <p:sldId id="305" r:id="rId29"/>
   </p:sldIdLst>
   <p:sldSz cx="12192000" cy="6858000"/>
   <p:notesSz cx="6858000" cy="9144000"/>
@@ -238,7 +242,7 @@
           <a:p>
             <a:fld id="{FF19E881-5682-4C71-812C-B5B126E367ED}" type="datetimeFigureOut">
               <a:rPr lang="en-US" smtClean="0"/>
-              <a:t>6/5/2019</a:t>
+              <a:t>6/6/2019</a:t>
             </a:fld>
             <a:endParaRPr lang="en-US"/>
           </a:p>
@@ -415,7 +419,7 @@
           <a:p>
             <a:fld id="{18CB59EF-E906-49FA-97D1-2278CA3F6559}" type="datetimeFigureOut">
               <a:rPr lang="en-US" smtClean="0"/>
-              <a:t>6/5/2019</a:t>
+              <a:t>6/6/2019</a:t>
             </a:fld>
             <a:endParaRPr lang="en-US"/>
           </a:p>
@@ -840,7 +844,7 @@
     </p:spTree>
     <p:extLst>
       <p:ext uri="{BB962C8B-B14F-4D97-AF65-F5344CB8AC3E}">
-        <p14:creationId xmlns:p14="http://schemas.microsoft.com/office/powerpoint/2010/main" val="2706837072"/>
+        <p14:creationId xmlns:p14="http://schemas.microsoft.com/office/powerpoint/2010/main" val="12822512"/>
       </p:ext>
     </p:extLst>
   </p:cSld>
@@ -924,7 +928,7 @@
     </p:spTree>
     <p:extLst>
       <p:ext uri="{BB962C8B-B14F-4D97-AF65-F5344CB8AC3E}">
-        <p14:creationId xmlns:p14="http://schemas.microsoft.com/office/powerpoint/2010/main" val="2570388187"/>
+        <p14:creationId xmlns:p14="http://schemas.microsoft.com/office/powerpoint/2010/main" val="982819672"/>
       </p:ext>
     </p:extLst>
   </p:cSld>
@@ -1008,7 +1012,7 @@
     </p:spTree>
     <p:extLst>
       <p:ext uri="{BB962C8B-B14F-4D97-AF65-F5344CB8AC3E}">
-        <p14:creationId xmlns:p14="http://schemas.microsoft.com/office/powerpoint/2010/main" val="752577176"/>
+        <p14:creationId xmlns:p14="http://schemas.microsoft.com/office/powerpoint/2010/main" val="2706837072"/>
       </p:ext>
     </p:extLst>
   </p:cSld>
@@ -1092,7 +1096,7 @@
     </p:spTree>
     <p:extLst>
       <p:ext uri="{BB962C8B-B14F-4D97-AF65-F5344CB8AC3E}">
-        <p14:creationId xmlns:p14="http://schemas.microsoft.com/office/powerpoint/2010/main" val="537319405"/>
+        <p14:creationId xmlns:p14="http://schemas.microsoft.com/office/powerpoint/2010/main" val="2570388187"/>
       </p:ext>
     </p:extLst>
   </p:cSld>
@@ -1176,7 +1180,7 @@
     </p:spTree>
     <p:extLst>
       <p:ext uri="{BB962C8B-B14F-4D97-AF65-F5344CB8AC3E}">
-        <p14:creationId xmlns:p14="http://schemas.microsoft.com/office/powerpoint/2010/main" val="4169746445"/>
+        <p14:creationId xmlns:p14="http://schemas.microsoft.com/office/powerpoint/2010/main" val="752577176"/>
       </p:ext>
     </p:extLst>
   </p:cSld>
@@ -1260,7 +1264,7 @@
     </p:spTree>
     <p:extLst>
       <p:ext uri="{BB962C8B-B14F-4D97-AF65-F5344CB8AC3E}">
-        <p14:creationId xmlns:p14="http://schemas.microsoft.com/office/powerpoint/2010/main" val="325896074"/>
+        <p14:creationId xmlns:p14="http://schemas.microsoft.com/office/powerpoint/2010/main" val="2884031066"/>
       </p:ext>
     </p:extLst>
   </p:cSld>
@@ -1344,7 +1348,7 @@
     </p:spTree>
     <p:extLst>
       <p:ext uri="{BB962C8B-B14F-4D97-AF65-F5344CB8AC3E}">
-        <p14:creationId xmlns:p14="http://schemas.microsoft.com/office/powerpoint/2010/main" val="3921011797"/>
+        <p14:creationId xmlns:p14="http://schemas.microsoft.com/office/powerpoint/2010/main" val="1065818489"/>
       </p:ext>
     </p:extLst>
   </p:cSld>
@@ -1428,7 +1432,7 @@
     </p:spTree>
     <p:extLst>
       <p:ext uri="{BB962C8B-B14F-4D97-AF65-F5344CB8AC3E}">
-        <p14:creationId xmlns:p14="http://schemas.microsoft.com/office/powerpoint/2010/main" val="1559093554"/>
+        <p14:creationId xmlns:p14="http://schemas.microsoft.com/office/powerpoint/2010/main" val="537319405"/>
       </p:ext>
     </p:extLst>
   </p:cSld>
@@ -1512,7 +1516,7 @@
     </p:spTree>
     <p:extLst>
       <p:ext uri="{BB962C8B-B14F-4D97-AF65-F5344CB8AC3E}">
-        <p14:creationId xmlns:p14="http://schemas.microsoft.com/office/powerpoint/2010/main" val="2036527964"/>
+        <p14:creationId xmlns:p14="http://schemas.microsoft.com/office/powerpoint/2010/main" val="4169746445"/>
       </p:ext>
     </p:extLst>
   </p:cSld>
@@ -1596,7 +1600,7 @@
     </p:spTree>
     <p:extLst>
       <p:ext uri="{BB962C8B-B14F-4D97-AF65-F5344CB8AC3E}">
-        <p14:creationId xmlns:p14="http://schemas.microsoft.com/office/powerpoint/2010/main" val="24105951"/>
+        <p14:creationId xmlns:p14="http://schemas.microsoft.com/office/powerpoint/2010/main" val="325896074"/>
       </p:ext>
     </p:extLst>
   </p:cSld>
@@ -1764,7 +1768,7 @@
     </p:spTree>
     <p:extLst>
       <p:ext uri="{BB962C8B-B14F-4D97-AF65-F5344CB8AC3E}">
-        <p14:creationId xmlns:p14="http://schemas.microsoft.com/office/powerpoint/2010/main" val="900561916"/>
+        <p14:creationId xmlns:p14="http://schemas.microsoft.com/office/powerpoint/2010/main" val="3921011797"/>
       </p:ext>
     </p:extLst>
   </p:cSld>
@@ -1848,7 +1852,7 @@
     </p:spTree>
     <p:extLst>
       <p:ext uri="{BB962C8B-B14F-4D97-AF65-F5344CB8AC3E}">
-        <p14:creationId xmlns:p14="http://schemas.microsoft.com/office/powerpoint/2010/main" val="456106509"/>
+        <p14:creationId xmlns:p14="http://schemas.microsoft.com/office/powerpoint/2010/main" val="1559093554"/>
       </p:ext>
     </p:extLst>
   </p:cSld>
@@ -1932,7 +1936,7 @@
     </p:spTree>
     <p:extLst>
       <p:ext uri="{BB962C8B-B14F-4D97-AF65-F5344CB8AC3E}">
-        <p14:creationId xmlns:p14="http://schemas.microsoft.com/office/powerpoint/2010/main" val="2193374912"/>
+        <p14:creationId xmlns:p14="http://schemas.microsoft.com/office/powerpoint/2010/main" val="1259249601"/>
       </p:ext>
     </p:extLst>
   </p:cSld>
@@ -2016,7 +2020,343 @@
     </p:spTree>
     <p:extLst>
       <p:ext uri="{BB962C8B-B14F-4D97-AF65-F5344CB8AC3E}">
-        <p14:creationId xmlns:p14="http://schemas.microsoft.com/office/powerpoint/2010/main" val="1259249601"/>
+        <p14:creationId xmlns:p14="http://schemas.microsoft.com/office/powerpoint/2010/main" val="3147957584"/>
+      </p:ext>
+    </p:extLst>
+  </p:cSld>
+  <p:clrMapOvr>
+    <a:masterClrMapping/>
+  </p:clrMapOvr>
+</p:notes>
+</file>
+
+<file path=ppt/notesSlides/notesSlide24.xml><?xml version="1.0" encoding="utf-8"?>
+<p:notes xmlns:a="http://schemas.openxmlformats.org/drawingml/2006/main" xmlns:r="http://schemas.openxmlformats.org/officeDocument/2006/relationships" xmlns:p="http://schemas.openxmlformats.org/presentationml/2006/main">
+  <p:cSld>
+    <p:spTree>
+      <p:nvGrpSpPr>
+        <p:cNvPr id="1" name=""/>
+        <p:cNvGrpSpPr/>
+        <p:nvPr/>
+      </p:nvGrpSpPr>
+      <p:grpSpPr>
+        <a:xfrm>
+          <a:off x="0" y="0"/>
+          <a:ext cx="0" cy="0"/>
+          <a:chOff x="0" y="0"/>
+          <a:chExt cx="0" cy="0"/>
+        </a:xfrm>
+      </p:grpSpPr>
+      <p:sp>
+        <p:nvSpPr>
+          <p:cNvPr id="2" name="Slide Image Placeholder 1"/>
+          <p:cNvSpPr>
+            <a:spLocks noGrp="1" noRot="1" noChangeAspect="1"/>
+          </p:cNvSpPr>
+          <p:nvPr>
+            <p:ph type="sldImg"/>
+          </p:nvPr>
+        </p:nvSpPr>
+        <p:spPr/>
+      </p:sp>
+      <p:sp>
+        <p:nvSpPr>
+          <p:cNvPr id="3" name="Notes Placeholder 2"/>
+          <p:cNvSpPr>
+            <a:spLocks noGrp="1"/>
+          </p:cNvSpPr>
+          <p:nvPr>
+            <p:ph type="body" idx="1"/>
+          </p:nvPr>
+        </p:nvSpPr>
+        <p:spPr/>
+        <p:txBody>
+          <a:bodyPr/>
+          <a:lstStyle/>
+          <a:p>
+            <a:endParaRPr lang="en-US" dirty="0"/>
+          </a:p>
+        </p:txBody>
+      </p:sp>
+      <p:sp>
+        <p:nvSpPr>
+          <p:cNvPr id="4" name="Slide Number Placeholder 3"/>
+          <p:cNvSpPr>
+            <a:spLocks noGrp="1"/>
+          </p:cNvSpPr>
+          <p:nvPr>
+            <p:ph type="sldNum" sz="quarter" idx="10"/>
+          </p:nvPr>
+        </p:nvSpPr>
+        <p:spPr/>
+        <p:txBody>
+          <a:bodyPr/>
+          <a:lstStyle/>
+          <a:p>
+            <a:fld id="{038396DC-5B17-4BDC-9518-BAF07A76ECE3}" type="slidenum">
+              <a:rPr lang="en-US" smtClean="0"/>
+              <a:t>25</a:t>
+            </a:fld>
+            <a:endParaRPr lang="en-US"/>
+          </a:p>
+        </p:txBody>
+      </p:sp>
+    </p:spTree>
+    <p:extLst>
+      <p:ext uri="{BB962C8B-B14F-4D97-AF65-F5344CB8AC3E}">
+        <p14:creationId xmlns:p14="http://schemas.microsoft.com/office/powerpoint/2010/main" val="2036527964"/>
+      </p:ext>
+    </p:extLst>
+  </p:cSld>
+  <p:clrMapOvr>
+    <a:masterClrMapping/>
+  </p:clrMapOvr>
+</p:notes>
+</file>
+
+<file path=ppt/notesSlides/notesSlide25.xml><?xml version="1.0" encoding="utf-8"?>
+<p:notes xmlns:a="http://schemas.openxmlformats.org/drawingml/2006/main" xmlns:r="http://schemas.openxmlformats.org/officeDocument/2006/relationships" xmlns:p="http://schemas.openxmlformats.org/presentationml/2006/main">
+  <p:cSld>
+    <p:spTree>
+      <p:nvGrpSpPr>
+        <p:cNvPr id="1" name=""/>
+        <p:cNvGrpSpPr/>
+        <p:nvPr/>
+      </p:nvGrpSpPr>
+      <p:grpSpPr>
+        <a:xfrm>
+          <a:off x="0" y="0"/>
+          <a:ext cx="0" cy="0"/>
+          <a:chOff x="0" y="0"/>
+          <a:chExt cx="0" cy="0"/>
+        </a:xfrm>
+      </p:grpSpPr>
+      <p:sp>
+        <p:nvSpPr>
+          <p:cNvPr id="2" name="Slide Image Placeholder 1"/>
+          <p:cNvSpPr>
+            <a:spLocks noGrp="1" noRot="1" noChangeAspect="1"/>
+          </p:cNvSpPr>
+          <p:nvPr>
+            <p:ph type="sldImg"/>
+          </p:nvPr>
+        </p:nvSpPr>
+        <p:spPr/>
+      </p:sp>
+      <p:sp>
+        <p:nvSpPr>
+          <p:cNvPr id="3" name="Notes Placeholder 2"/>
+          <p:cNvSpPr>
+            <a:spLocks noGrp="1"/>
+          </p:cNvSpPr>
+          <p:nvPr>
+            <p:ph type="body" idx="1"/>
+          </p:nvPr>
+        </p:nvSpPr>
+        <p:spPr/>
+        <p:txBody>
+          <a:bodyPr/>
+          <a:lstStyle/>
+          <a:p>
+            <a:endParaRPr lang="en-US" dirty="0"/>
+          </a:p>
+        </p:txBody>
+      </p:sp>
+      <p:sp>
+        <p:nvSpPr>
+          <p:cNvPr id="4" name="Slide Number Placeholder 3"/>
+          <p:cNvSpPr>
+            <a:spLocks noGrp="1"/>
+          </p:cNvSpPr>
+          <p:nvPr>
+            <p:ph type="sldNum" sz="quarter" idx="10"/>
+          </p:nvPr>
+        </p:nvSpPr>
+        <p:spPr/>
+        <p:txBody>
+          <a:bodyPr/>
+          <a:lstStyle/>
+          <a:p>
+            <a:fld id="{038396DC-5B17-4BDC-9518-BAF07A76ECE3}" type="slidenum">
+              <a:rPr lang="en-US" smtClean="0"/>
+              <a:t>26</a:t>
+            </a:fld>
+            <a:endParaRPr lang="en-US"/>
+          </a:p>
+        </p:txBody>
+      </p:sp>
+    </p:spTree>
+    <p:extLst>
+      <p:ext uri="{BB962C8B-B14F-4D97-AF65-F5344CB8AC3E}">
+        <p14:creationId xmlns:p14="http://schemas.microsoft.com/office/powerpoint/2010/main" val="24105951"/>
+      </p:ext>
+    </p:extLst>
+  </p:cSld>
+  <p:clrMapOvr>
+    <a:masterClrMapping/>
+  </p:clrMapOvr>
+</p:notes>
+</file>
+
+<file path=ppt/notesSlides/notesSlide26.xml><?xml version="1.0" encoding="utf-8"?>
+<p:notes xmlns:a="http://schemas.openxmlformats.org/drawingml/2006/main" xmlns:r="http://schemas.openxmlformats.org/officeDocument/2006/relationships" xmlns:p="http://schemas.openxmlformats.org/presentationml/2006/main">
+  <p:cSld>
+    <p:spTree>
+      <p:nvGrpSpPr>
+        <p:cNvPr id="1" name=""/>
+        <p:cNvGrpSpPr/>
+        <p:nvPr/>
+      </p:nvGrpSpPr>
+      <p:grpSpPr>
+        <a:xfrm>
+          <a:off x="0" y="0"/>
+          <a:ext cx="0" cy="0"/>
+          <a:chOff x="0" y="0"/>
+          <a:chExt cx="0" cy="0"/>
+        </a:xfrm>
+      </p:grpSpPr>
+      <p:sp>
+        <p:nvSpPr>
+          <p:cNvPr id="2" name="Slide Image Placeholder 1"/>
+          <p:cNvSpPr>
+            <a:spLocks noGrp="1" noRot="1" noChangeAspect="1"/>
+          </p:cNvSpPr>
+          <p:nvPr>
+            <p:ph type="sldImg"/>
+          </p:nvPr>
+        </p:nvSpPr>
+        <p:spPr/>
+      </p:sp>
+      <p:sp>
+        <p:nvSpPr>
+          <p:cNvPr id="3" name="Notes Placeholder 2"/>
+          <p:cNvSpPr>
+            <a:spLocks noGrp="1"/>
+          </p:cNvSpPr>
+          <p:nvPr>
+            <p:ph type="body" idx="1"/>
+          </p:nvPr>
+        </p:nvSpPr>
+        <p:spPr/>
+        <p:txBody>
+          <a:bodyPr/>
+          <a:lstStyle/>
+          <a:p>
+            <a:endParaRPr lang="en-US" dirty="0"/>
+          </a:p>
+        </p:txBody>
+      </p:sp>
+      <p:sp>
+        <p:nvSpPr>
+          <p:cNvPr id="4" name="Slide Number Placeholder 3"/>
+          <p:cNvSpPr>
+            <a:spLocks noGrp="1"/>
+          </p:cNvSpPr>
+          <p:nvPr>
+            <p:ph type="sldNum" sz="quarter" idx="10"/>
+          </p:nvPr>
+        </p:nvSpPr>
+        <p:spPr/>
+        <p:txBody>
+          <a:bodyPr/>
+          <a:lstStyle/>
+          <a:p>
+            <a:fld id="{038396DC-5B17-4BDC-9518-BAF07A76ECE3}" type="slidenum">
+              <a:rPr lang="en-US" smtClean="0"/>
+              <a:t>27</a:t>
+            </a:fld>
+            <a:endParaRPr lang="en-US"/>
+          </a:p>
+        </p:txBody>
+      </p:sp>
+    </p:spTree>
+    <p:extLst>
+      <p:ext uri="{BB962C8B-B14F-4D97-AF65-F5344CB8AC3E}">
+        <p14:creationId xmlns:p14="http://schemas.microsoft.com/office/powerpoint/2010/main" val="900561916"/>
+      </p:ext>
+    </p:extLst>
+  </p:cSld>
+  <p:clrMapOvr>
+    <a:masterClrMapping/>
+  </p:clrMapOvr>
+</p:notes>
+</file>
+
+<file path=ppt/notesSlides/notesSlide27.xml><?xml version="1.0" encoding="utf-8"?>
+<p:notes xmlns:a="http://schemas.openxmlformats.org/drawingml/2006/main" xmlns:r="http://schemas.openxmlformats.org/officeDocument/2006/relationships" xmlns:p="http://schemas.openxmlformats.org/presentationml/2006/main">
+  <p:cSld>
+    <p:spTree>
+      <p:nvGrpSpPr>
+        <p:cNvPr id="1" name=""/>
+        <p:cNvGrpSpPr/>
+        <p:nvPr/>
+      </p:nvGrpSpPr>
+      <p:grpSpPr>
+        <a:xfrm>
+          <a:off x="0" y="0"/>
+          <a:ext cx="0" cy="0"/>
+          <a:chOff x="0" y="0"/>
+          <a:chExt cx="0" cy="0"/>
+        </a:xfrm>
+      </p:grpSpPr>
+      <p:sp>
+        <p:nvSpPr>
+          <p:cNvPr id="2" name="Slide Image Placeholder 1"/>
+          <p:cNvSpPr>
+            <a:spLocks noGrp="1" noRot="1" noChangeAspect="1"/>
+          </p:cNvSpPr>
+          <p:nvPr>
+            <p:ph type="sldImg"/>
+          </p:nvPr>
+        </p:nvSpPr>
+        <p:spPr/>
+      </p:sp>
+      <p:sp>
+        <p:nvSpPr>
+          <p:cNvPr id="3" name="Notes Placeholder 2"/>
+          <p:cNvSpPr>
+            <a:spLocks noGrp="1"/>
+          </p:cNvSpPr>
+          <p:nvPr>
+            <p:ph type="body" idx="1"/>
+          </p:nvPr>
+        </p:nvSpPr>
+        <p:spPr/>
+        <p:txBody>
+          <a:bodyPr/>
+          <a:lstStyle/>
+          <a:p>
+            <a:endParaRPr lang="en-US" dirty="0"/>
+          </a:p>
+        </p:txBody>
+      </p:sp>
+      <p:sp>
+        <p:nvSpPr>
+          <p:cNvPr id="4" name="Slide Number Placeholder 3"/>
+          <p:cNvSpPr>
+            <a:spLocks noGrp="1"/>
+          </p:cNvSpPr>
+          <p:nvPr>
+            <p:ph type="sldNum" sz="quarter" idx="10"/>
+          </p:nvPr>
+        </p:nvSpPr>
+        <p:spPr/>
+        <p:txBody>
+          <a:bodyPr/>
+          <a:lstStyle/>
+          <a:p>
+            <a:fld id="{038396DC-5B17-4BDC-9518-BAF07A76ECE3}" type="slidenum">
+              <a:rPr lang="en-US" smtClean="0"/>
+              <a:t>28</a:t>
+            </a:fld>
+            <a:endParaRPr lang="en-US"/>
+          </a:p>
+        </p:txBody>
+      </p:sp>
+    </p:spTree>
+    <p:extLst>
+      <p:ext uri="{BB962C8B-B14F-4D97-AF65-F5344CB8AC3E}">
+        <p14:creationId xmlns:p14="http://schemas.microsoft.com/office/powerpoint/2010/main" val="456106509"/>
       </p:ext>
     </p:extLst>
   </p:cSld>
@@ -3014,7 +3354,7 @@
           <a:p>
             <a:fld id="{3EA21A24-9573-49A7-BF60-6B0F4147A68C}" type="datetimeFigureOut">
               <a:rPr lang="en-US" smtClean="0"/>
-              <a:t>6/5/2019</a:t>
+              <a:t>6/6/2019</a:t>
             </a:fld>
             <a:endParaRPr lang="en-US"/>
           </a:p>
@@ -3560,7 +3900,7 @@
           <a:p>
             <a:fld id="{3EA21A24-9573-49A7-BF60-6B0F4147A68C}" type="datetimeFigureOut">
               <a:rPr lang="en-US" smtClean="0"/>
-              <a:t>6/5/2019</a:t>
+              <a:t>6/6/2019</a:t>
             </a:fld>
             <a:endParaRPr lang="en-US"/>
           </a:p>
@@ -4248,7 +4588,7 @@
           <a:p>
             <a:fld id="{3EA21A24-9573-49A7-BF60-6B0F4147A68C}" type="datetimeFigureOut">
               <a:rPr lang="en-US" smtClean="0"/>
-              <a:t>6/5/2019</a:t>
+              <a:t>6/6/2019</a:t>
             </a:fld>
             <a:endParaRPr lang="en-US"/>
           </a:p>
@@ -4918,7 +5258,7 @@
           <a:p>
             <a:fld id="{3EA21A24-9573-49A7-BF60-6B0F4147A68C}" type="datetimeFigureOut">
               <a:rPr lang="en-US" smtClean="0"/>
-              <a:t>6/5/2019</a:t>
+              <a:t>6/6/2019</a:t>
             </a:fld>
             <a:endParaRPr lang="en-US"/>
           </a:p>
@@ -5422,7 +5762,7 @@
           <a:p>
             <a:fld id="{3EA21A24-9573-49A7-BF60-6B0F4147A68C}" type="datetimeFigureOut">
               <a:rPr lang="en-US" smtClean="0"/>
-              <a:t>6/5/2019</a:t>
+              <a:t>6/6/2019</a:t>
             </a:fld>
             <a:endParaRPr lang="en-US" dirty="0"/>
           </a:p>
@@ -5709,7 +6049,7 @@
           <a:p>
             <a:fld id="{3EA21A24-9573-49A7-BF60-6B0F4147A68C}" type="datetimeFigureOut">
               <a:rPr lang="en-US" smtClean="0"/>
-              <a:t>6/5/2019</a:t>
+              <a:t>6/6/2019</a:t>
             </a:fld>
             <a:endParaRPr lang="en-US"/>
           </a:p>
@@ -6310,7 +6650,7 @@
           <a:p>
             <a:fld id="{3EA21A24-9573-49A7-BF60-6B0F4147A68C}" type="datetimeFigureOut">
               <a:rPr lang="en-US" smtClean="0"/>
-              <a:t>6/5/2019</a:t>
+              <a:t>6/6/2019</a:t>
             </a:fld>
             <a:endParaRPr lang="en-US"/>
           </a:p>
@@ -6944,7 +7284,7 @@
           <a:p>
             <a:fld id="{3EA21A24-9573-49A7-BF60-6B0F4147A68C}" type="datetimeFigureOut">
               <a:rPr lang="en-US" smtClean="0"/>
-              <a:t>6/5/2019</a:t>
+              <a:t>6/6/2019</a:t>
             </a:fld>
             <a:endParaRPr lang="en-US"/>
           </a:p>
@@ -7560,7 +7900,7 @@
           <a:p>
             <a:fld id="{3EA21A24-9573-49A7-BF60-6B0F4147A68C}" type="datetimeFigureOut">
               <a:rPr lang="en-US" smtClean="0"/>
-              <a:t>6/5/2019</a:t>
+              <a:t>6/6/2019</a:t>
             </a:fld>
             <a:endParaRPr lang="en-US"/>
           </a:p>
@@ -8057,7 +8397,7 @@
           <a:p>
             <a:fld id="{3EA21A24-9573-49A7-BF60-6B0F4147A68C}" type="datetimeFigureOut">
               <a:rPr lang="en-US" smtClean="0"/>
-              <a:t>6/5/2019</a:t>
+              <a:t>6/6/2019</a:t>
             </a:fld>
             <a:endParaRPr lang="en-US"/>
           </a:p>
@@ -8584,7 +8924,7 @@
           <a:p>
             <a:fld id="{3EA21A24-9573-49A7-BF60-6B0F4147A68C}" type="datetimeFigureOut">
               <a:rPr lang="en-US" smtClean="0"/>
-              <a:t>6/5/2019</a:t>
+              <a:t>6/6/2019</a:t>
             </a:fld>
             <a:endParaRPr lang="en-US"/>
           </a:p>
@@ -9253,7 +9593,7 @@
           <a:p>
             <a:fld id="{3EA21A24-9573-49A7-BF60-6B0F4147A68C}" type="datetimeFigureOut">
               <a:rPr lang="en-US" smtClean="0"/>
-              <a:t>6/5/2019</a:t>
+              <a:t>6/6/2019</a:t>
             </a:fld>
             <a:endParaRPr lang="en-US"/>
           </a:p>
@@ -9904,7 +10244,7 @@
           <a:p>
             <a:fld id="{3EA21A24-9573-49A7-BF60-6B0F4147A68C}" type="datetimeFigureOut">
               <a:rPr lang="en-US" smtClean="0"/>
-              <a:t>6/5/2019</a:t>
+              <a:t>6/6/2019</a:t>
             </a:fld>
             <a:endParaRPr lang="en-US"/>
           </a:p>
@@ -10420,7 +10760,7 @@
           <a:p>
             <a:fld id="{3EA21A24-9573-49A7-BF60-6B0F4147A68C}" type="datetimeFigureOut">
               <a:rPr lang="en-US" smtClean="0"/>
-              <a:t>6/5/2019</a:t>
+              <a:t>6/6/2019</a:t>
             </a:fld>
             <a:endParaRPr lang="en-US"/>
           </a:p>
@@ -11171,7 +11511,7 @@
           </a:prstGeom>
           <a:solidFill>
             <a:schemeClr val="tx1">
-              <a:alpha val="35000"/>
+              <a:alpha val="63000"/>
             </a:schemeClr>
           </a:solidFill>
           <a:ln>
@@ -11259,8 +11599,8 @@
         </p:nvSpPr>
         <p:spPr>
           <a:xfrm>
-            <a:off x="685800" y="533400"/>
-            <a:ext cx="4519246" cy="892552"/>
+            <a:off x="685799" y="533400"/>
+            <a:ext cx="6738457" cy="892552"/>
           </a:xfrm>
           <a:prstGeom prst="rect">
             <a:avLst/>
@@ -11290,14 +11630,26 @@
               </a:rPr>
               <a:t> training</a:t>
             </a:r>
-            <a:endParaRPr lang="en-US" sz="2400" b="1" dirty="0">
-              <a:solidFill>
-                <a:schemeClr val="bg1"/>
-              </a:solidFill>
-              <a:latin typeface="Century Gothic" panose="020B0502020202020204" pitchFamily="34" charset="0"/>
-            </a:endParaRPr>
-          </a:p>
-          <a:p>
+          </a:p>
+          <a:p>
+            <a:r>
+              <a:rPr lang="en-US" sz="2400" dirty="0">
+                <a:solidFill>
+                  <a:schemeClr val="bg1"/>
+                </a:solidFill>
+                <a:latin typeface="Century Gothic" panose="020B0502020202020204" pitchFamily="34" charset="0"/>
+              </a:rPr>
+              <a:t>Commonly Used Material Models in </a:t>
+            </a:r>
+            <a:r>
+              <a:rPr lang="en-US" sz="2400" dirty="0" err="1">
+                <a:solidFill>
+                  <a:schemeClr val="bg1"/>
+                </a:solidFill>
+                <a:latin typeface="Century Gothic" panose="020B0502020202020204" pitchFamily="34" charset="0"/>
+              </a:rPr>
+              <a:t>Abaqus</a:t>
+            </a:r>
             <a:endParaRPr lang="en-US" sz="2400" dirty="0">
               <a:solidFill>
                 <a:schemeClr val="bg1"/>
@@ -11473,8 +11825,15 @@
                 <a:latin typeface="Arial" panose="020B0604020202020204" pitchFamily="34" charset="0"/>
                 <a:cs typeface="Arial" panose="020B0604020202020204" pitchFamily="34" charset="0"/>
               </a:rPr>
-              <a:t>Why is performing elemental tests important?</a:t>
-            </a:r>
+              <a:t>Why are elemental tests important?</a:t>
+            </a:r>
+          </a:p>
+          <a:p>
+            <a:pPr lvl="1"/>
+            <a:endParaRPr lang="en-US" sz="2800" dirty="0">
+              <a:latin typeface="Arial" panose="020B0604020202020204" pitchFamily="34" charset="0"/>
+              <a:cs typeface="Arial" panose="020B0604020202020204" pitchFamily="34" charset="0"/>
+            </a:endParaRPr>
           </a:p>
           <a:p>
             <a:pPr lvl="1"/>
@@ -11488,6 +11847,13 @@
           </a:p>
           <a:p>
             <a:pPr lvl="1"/>
+            <a:endParaRPr lang="en-US" sz="2800" dirty="0">
+              <a:latin typeface="Arial" panose="020B0604020202020204" pitchFamily="34" charset="0"/>
+              <a:cs typeface="Arial" panose="020B0604020202020204" pitchFamily="34" charset="0"/>
+            </a:endParaRPr>
+          </a:p>
+          <a:p>
+            <a:pPr lvl="1"/>
             <a:r>
               <a:rPr lang="en-US" sz="2800" dirty="0">
                 <a:latin typeface="Arial" panose="020B0604020202020204" pitchFamily="34" charset="0"/>
@@ -11498,6 +11864,13 @@
           </a:p>
           <a:p>
             <a:pPr lvl="1"/>
+            <a:endParaRPr lang="en-US" sz="2800" dirty="0">
+              <a:latin typeface="Arial" panose="020B0604020202020204" pitchFamily="34" charset="0"/>
+              <a:cs typeface="Arial" panose="020B0604020202020204" pitchFamily="34" charset="0"/>
+            </a:endParaRPr>
+          </a:p>
+          <a:p>
+            <a:pPr lvl="1"/>
             <a:r>
               <a:rPr lang="en-US" sz="2800" dirty="0">
                 <a:latin typeface="Arial" panose="020B0604020202020204" pitchFamily="34" charset="0"/>
@@ -11508,27 +11881,10 @@
           </a:p>
           <a:p>
             <a:pPr lvl="1"/>
-            <a:r>
-              <a:rPr lang="en-US" sz="2800" dirty="0">
-                <a:latin typeface="Arial" panose="020B0604020202020204" pitchFamily="34" charset="0"/>
-                <a:cs typeface="Arial" panose="020B0604020202020204" pitchFamily="34" charset="0"/>
-              </a:rPr>
-              <a:t>See </a:t>
-            </a:r>
-            <a:r>
-              <a:rPr lang="en-US" sz="2800" u="sng" dirty="0">
-                <a:latin typeface="Arial" panose="020B0604020202020204" pitchFamily="34" charset="0"/>
-                <a:cs typeface="Arial" panose="020B0604020202020204" pitchFamily="34" charset="0"/>
-              </a:rPr>
-              <a:t>limitations</a:t>
-            </a:r>
-            <a:r>
-              <a:rPr lang="en-US" sz="2800" dirty="0">
-                <a:latin typeface="Arial" panose="020B0604020202020204" pitchFamily="34" charset="0"/>
-                <a:cs typeface="Arial" panose="020B0604020202020204" pitchFamily="34" charset="0"/>
-              </a:rPr>
-              <a:t> of material model (VERY IMPORTANT)</a:t>
-            </a:r>
+            <a:endParaRPr lang="en-US" sz="2800" dirty="0">
+              <a:latin typeface="Arial" panose="020B0604020202020204" pitchFamily="34" charset="0"/>
+              <a:cs typeface="Arial" panose="020B0604020202020204" pitchFamily="34" charset="0"/>
+            </a:endParaRPr>
           </a:p>
           <a:p>
             <a:pPr lvl="1"/>
@@ -11538,57 +11894,6 @@
                 <a:cs typeface="Arial" panose="020B0604020202020204" pitchFamily="34" charset="0"/>
               </a:rPr>
               <a:t>Helps with interpretation of test data</a:t>
-            </a:r>
-          </a:p>
-          <a:p>
-            <a:pPr lvl="1"/>
-            <a:r>
-              <a:rPr lang="en-US" sz="2800" dirty="0">
-                <a:latin typeface="Arial" panose="020B0604020202020204" pitchFamily="34" charset="0"/>
-                <a:cs typeface="Arial" panose="020B0604020202020204" pitchFamily="34" charset="0"/>
-              </a:rPr>
-              <a:t>Provides a </a:t>
-            </a:r>
-            <a:r>
-              <a:rPr lang="en-US" sz="2800" u="sng" dirty="0">
-                <a:latin typeface="Arial" panose="020B0604020202020204" pitchFamily="34" charset="0"/>
-                <a:cs typeface="Arial" panose="020B0604020202020204" pitchFamily="34" charset="0"/>
-              </a:rPr>
-              <a:t>quantitative</a:t>
-            </a:r>
-            <a:r>
-              <a:rPr lang="en-US" sz="2800" dirty="0">
-                <a:latin typeface="Arial" panose="020B0604020202020204" pitchFamily="34" charset="0"/>
-                <a:cs typeface="Arial" panose="020B0604020202020204" pitchFamily="34" charset="0"/>
-              </a:rPr>
-              <a:t> framework to discuss material response:</a:t>
-            </a:r>
-          </a:p>
-          <a:p>
-            <a:pPr lvl="2"/>
-            <a:r>
-              <a:rPr lang="en-US" sz="2400" dirty="0">
-                <a:latin typeface="Arial" panose="020B0604020202020204" pitchFamily="34" charset="0"/>
-                <a:cs typeface="Arial" panose="020B0604020202020204" pitchFamily="34" charset="0"/>
-              </a:rPr>
-              <a:t>avoid making weak analogies to pseudo, imaginary “non-linear spring”, which is grossly incorrect</a:t>
-            </a:r>
-          </a:p>
-          <a:p>
-            <a:pPr lvl="2"/>
-            <a:r>
-              <a:rPr lang="en-US" sz="2400" dirty="0">
-                <a:latin typeface="Arial" panose="020B0604020202020204" pitchFamily="34" charset="0"/>
-                <a:cs typeface="Arial" panose="020B0604020202020204" pitchFamily="34" charset="0"/>
-              </a:rPr>
-              <a:t>saying that a material is “soft”, “weak”, etc., is </a:t>
-            </a:r>
-            <a:r>
-              <a:rPr lang="en-US" sz="2400" u="sng" dirty="0">
-                <a:latin typeface="Arial" panose="020B0604020202020204" pitchFamily="34" charset="0"/>
-                <a:cs typeface="Arial" panose="020B0604020202020204" pitchFamily="34" charset="0"/>
-              </a:rPr>
-              <a:t>meaningless</a:t>
             </a:r>
           </a:p>
           <a:p>
@@ -11700,7 +12005,7 @@
                 <a:latin typeface="Arial" panose="020B0604020202020204" pitchFamily="34" charset="0"/>
                 <a:cs typeface="Arial" panose="020B0604020202020204" pitchFamily="34" charset="0"/>
               </a:rPr>
-              <a:t>Triaxial stress state</a:t>
+              <a:t>Performing elemental tests</a:t>
             </a:r>
           </a:p>
         </p:txBody>
@@ -11721,50 +12026,46 @@
             <p:ph idx="1"/>
           </p:nvPr>
         </p:nvSpPr>
-        <p:spPr/>
+        <p:spPr>
+          <a:xfrm>
+            <a:off x="613773" y="1200897"/>
+            <a:ext cx="10947421" cy="1389904"/>
+          </a:xfrm>
+        </p:spPr>
         <p:txBody>
           <a:bodyPr>
             <a:normAutofit/>
           </a:bodyPr>
           <a:lstStyle/>
           <a:p>
-            <a:r>
-              <a:rPr lang="en-US" dirty="0">
-                <a:latin typeface="Arial" panose="020B0604020202020204" pitchFamily="34" charset="0"/>
-                <a:cs typeface="Arial" panose="020B0604020202020204" pitchFamily="34" charset="0"/>
-              </a:rPr>
-              <a:t>Common test used for probing stress-strain response:</a:t>
-            </a:r>
-          </a:p>
-          <a:p>
             <a:pPr lvl="1"/>
             <a:r>
               <a:rPr lang="en-US" sz="2800" dirty="0">
                 <a:latin typeface="Arial" panose="020B0604020202020204" pitchFamily="34" charset="0"/>
                 <a:cs typeface="Arial" panose="020B0604020202020204" pitchFamily="34" charset="0"/>
               </a:rPr>
-              <a:t>Metals – uniaxial compression, uniaxial tension</a:t>
-            </a:r>
-          </a:p>
-          <a:p>
-            <a:pPr lvl="1"/>
+              <a:t>Uncover </a:t>
+            </a:r>
+            <a:r>
+              <a:rPr lang="en-US" sz="2800" u="sng" dirty="0">
+                <a:latin typeface="Arial" panose="020B0604020202020204" pitchFamily="34" charset="0"/>
+                <a:cs typeface="Arial" panose="020B0604020202020204" pitchFamily="34" charset="0"/>
+              </a:rPr>
+              <a:t>limitations</a:t>
+            </a:r>
             <a:r>
               <a:rPr lang="en-US" sz="2800" dirty="0">
                 <a:latin typeface="Arial" panose="020B0604020202020204" pitchFamily="34" charset="0"/>
                 <a:cs typeface="Arial" panose="020B0604020202020204" pitchFamily="34" charset="0"/>
               </a:rPr>
-              <a:t>Soil – confined triaxial extension/compression</a:t>
-            </a:r>
-          </a:p>
-          <a:p>
-            <a:pPr lvl="1"/>
-            <a:r>
-              <a:rPr lang="en-US" sz="2800" dirty="0">
-                <a:latin typeface="Arial" panose="020B0604020202020204" pitchFamily="34" charset="0"/>
-                <a:cs typeface="Arial" panose="020B0604020202020204" pitchFamily="34" charset="0"/>
-              </a:rPr>
-              <a:t>Concrete – uniaxial compression, uniaxial tension</a:t>
-            </a:r>
+              <a:t> of a material model (VERY IMPORTANT)</a:t>
+            </a:r>
+          </a:p>
+          <a:p>
+            <a:endParaRPr lang="en-US" dirty="0">
+              <a:latin typeface="Arial" panose="020B0604020202020204" pitchFamily="34" charset="0"/>
+              <a:cs typeface="Arial" panose="020B0604020202020204" pitchFamily="34" charset="0"/>
+            </a:endParaRPr>
           </a:p>
           <a:p>
             <a:pPr lvl="1"/>
@@ -11774,22 +12075,6 @@
             </a:endParaRPr>
           </a:p>
           <a:p>
-            <a:r>
-              <a:rPr lang="en-US" dirty="0">
-                <a:latin typeface="Arial" panose="020B0604020202020204" pitchFamily="34" charset="0"/>
-                <a:cs typeface="Arial" panose="020B0604020202020204" pitchFamily="34" charset="0"/>
-              </a:rPr>
-              <a:t>Not the only stress-state possible.</a:t>
-            </a:r>
-          </a:p>
-          <a:p>
-            <a:pPr lvl="1"/>
-            <a:endParaRPr lang="en-US" sz="2800" dirty="0">
-              <a:latin typeface="Arial" panose="020B0604020202020204" pitchFamily="34" charset="0"/>
-              <a:cs typeface="Arial" panose="020B0604020202020204" pitchFamily="34" charset="0"/>
-            </a:endParaRPr>
-          </a:p>
-          <a:p>
             <a:endParaRPr lang="en-US" dirty="0">
               <a:latin typeface="Arial" panose="020B0604020202020204" pitchFamily="34" charset="0"/>
               <a:cs typeface="Arial" panose="020B0604020202020204" pitchFamily="34" charset="0"/>
@@ -11809,10 +12094,125 @@
           </a:p>
         </p:txBody>
       </p:sp>
+      <p:pic>
+        <p:nvPicPr>
+          <p:cNvPr id="3" name="Picture 2"/>
+          <p:cNvPicPr>
+            <a:picLocks noChangeAspect="1"/>
+          </p:cNvPicPr>
+          <p:nvPr/>
+        </p:nvPicPr>
+        <p:blipFill>
+          <a:blip r:embed="rId3">
+            <a:extLst>
+              <a:ext uri="{28A0092B-C50C-407E-A947-70E740481C1C}">
+                <a14:useLocalDpi xmlns:a14="http://schemas.microsoft.com/office/drawing/2010/main" val="0"/>
+              </a:ext>
+            </a:extLst>
+          </a:blip>
+          <a:stretch>
+            <a:fillRect/>
+          </a:stretch>
+        </p:blipFill>
+        <p:spPr>
+          <a:xfrm>
+            <a:off x="1651874" y="2077357"/>
+            <a:ext cx="8260097" cy="3417615"/>
+          </a:xfrm>
+          <a:prstGeom prst="rect">
+            <a:avLst/>
+          </a:prstGeom>
+          <a:effectLst>
+            <a:softEdge rad="266700"/>
+          </a:effectLst>
+        </p:spPr>
+      </p:pic>
+      <p:sp>
+        <p:nvSpPr>
+          <p:cNvPr id="6" name="Rectangle 5"/>
+          <p:cNvSpPr/>
+          <p:nvPr/>
+        </p:nvSpPr>
+        <p:spPr>
+          <a:xfrm>
+            <a:off x="304800" y="5547836"/>
+            <a:ext cx="5092700" cy="923330"/>
+          </a:xfrm>
+          <a:prstGeom prst="rect">
+            <a:avLst/>
+          </a:prstGeom>
+        </p:spPr>
+        <p:txBody>
+          <a:bodyPr wrap="square">
+            <a:spAutoFit/>
+          </a:bodyPr>
+          <a:lstStyle/>
+          <a:p>
+            <a:r>
+              <a:rPr lang="en-US" dirty="0"/>
+              <a:t>You take the </a:t>
+            </a:r>
+            <a:r>
+              <a:rPr lang="en-US" b="1" dirty="0"/>
+              <a:t>red pill</a:t>
+            </a:r>
+            <a:r>
+              <a:rPr lang="en-US" dirty="0"/>
+              <a:t>—I show you how deep the rabbit hole goes. Remember: all I'm offering is the truth. Nothing more.</a:t>
+            </a:r>
+            <a:endParaRPr lang="en-US" dirty="0"/>
+          </a:p>
+        </p:txBody>
+      </p:sp>
+      <p:sp>
+        <p:nvSpPr>
+          <p:cNvPr id="7" name="Rectangle 6"/>
+          <p:cNvSpPr/>
+          <p:nvPr/>
+        </p:nvSpPr>
+        <p:spPr>
+          <a:xfrm>
+            <a:off x="6731000" y="5494972"/>
+            <a:ext cx="5118100" cy="923330"/>
+          </a:xfrm>
+          <a:prstGeom prst="rect">
+            <a:avLst/>
+          </a:prstGeom>
+        </p:spPr>
+        <p:txBody>
+          <a:bodyPr wrap="square">
+            <a:spAutoFit/>
+          </a:bodyPr>
+          <a:lstStyle/>
+          <a:p>
+            <a:r>
+              <a:rPr lang="en-US" dirty="0"/>
+              <a:t>You take the </a:t>
+            </a:r>
+            <a:r>
+              <a:rPr lang="en-US" b="1" dirty="0"/>
+              <a:t>blue pill</a:t>
+            </a:r>
+            <a:r>
+              <a:rPr lang="en-US" dirty="0"/>
+              <a:t>—you keep making the most complicated-looking model, </a:t>
+            </a:r>
+            <a:r>
+              <a:rPr lang="en-US" dirty="0" err="1"/>
+              <a:t>meshwise</a:t>
+            </a:r>
+            <a:r>
+              <a:rPr lang="en-US" dirty="0"/>
+              <a:t>, and believe whatever you want to believe.</a:t>
+            </a:r>
+            <a:endParaRPr lang="en-US" dirty="0"/>
+          </a:p>
+        </p:txBody>
+      </p:sp>
     </p:spTree>
     <p:extLst>
       <p:ext uri="{BB962C8B-B14F-4D97-AF65-F5344CB8AC3E}">
-        <p14:creationId xmlns:p14="http://schemas.microsoft.com/office/powerpoint/2010/main" val="450732675"/>
+        <p14:creationId xmlns:p14="http://schemas.microsoft.com/office/powerpoint/2010/main" val="572722900"/>
       </p:ext>
     </p:extLst>
   </p:cSld>
@@ -11865,7 +12265,7 @@
                 <a:latin typeface="Arial" panose="020B0604020202020204" pitchFamily="34" charset="0"/>
                 <a:cs typeface="Arial" panose="020B0604020202020204" pitchFamily="34" charset="0"/>
               </a:rPr>
-              <a:t>Triaxial stress state (cont’d)</a:t>
+              <a:t>Performing elemental tests</a:t>
             </a:r>
           </a:p>
         </p:txBody>
@@ -11888,25 +12288,104 @@
         </p:nvSpPr>
         <p:spPr/>
         <p:txBody>
-          <a:bodyPr/>
+          <a:bodyPr>
+            <a:normAutofit/>
+          </a:bodyPr>
           <a:lstStyle/>
           <a:p>
-            <a:r>
-              <a:rPr lang="en-US" dirty="0">
+            <a:pPr lvl="1"/>
+            <a:r>
+              <a:rPr lang="en-US" sz="2800" dirty="0">
                 <a:latin typeface="Arial" panose="020B0604020202020204" pitchFamily="34" charset="0"/>
                 <a:cs typeface="Arial" panose="020B0604020202020204" pitchFamily="34" charset="0"/>
               </a:rPr>
-              <a:t>Vertical stress         (varying)</a:t>
-            </a:r>
-          </a:p>
-          <a:p>
-            <a:r>
-              <a:rPr lang="en-US" dirty="0">
+              <a:t>Provides a </a:t>
+            </a:r>
+            <a:r>
+              <a:rPr lang="en-US" sz="2800" u="sng" dirty="0">
                 <a:latin typeface="Arial" panose="020B0604020202020204" pitchFamily="34" charset="0"/>
                 <a:cs typeface="Arial" panose="020B0604020202020204" pitchFamily="34" charset="0"/>
               </a:rPr>
-              <a:t>Lateral stress                      (zero for uniaxial tests)</a:t>
-            </a:r>
+              <a:t>quantitative</a:t>
+            </a:r>
+            <a:r>
+              <a:rPr lang="en-US" sz="2800" dirty="0">
+                <a:latin typeface="Arial" panose="020B0604020202020204" pitchFamily="34" charset="0"/>
+                <a:cs typeface="Arial" panose="020B0604020202020204" pitchFamily="34" charset="0"/>
+              </a:rPr>
+              <a:t> framework to discuss material response:</a:t>
+            </a:r>
+          </a:p>
+          <a:p>
+            <a:pPr lvl="2"/>
+            <a:r>
+              <a:rPr lang="en-US" sz="2800" dirty="0">
+                <a:latin typeface="Arial" panose="020B0604020202020204" pitchFamily="34" charset="0"/>
+                <a:cs typeface="Arial" panose="020B0604020202020204" pitchFamily="34" charset="0"/>
+              </a:rPr>
+              <a:t>Avoid making weak analogies to pseudo, imaginary materials (e.g., “non-linear spring”), which is grossly inaccurate</a:t>
+            </a:r>
+          </a:p>
+          <a:p>
+            <a:pPr lvl="2"/>
+            <a:r>
+              <a:rPr lang="en-US" sz="2800" dirty="0">
+                <a:latin typeface="Arial" panose="020B0604020202020204" pitchFamily="34" charset="0"/>
+                <a:cs typeface="Arial" panose="020B0604020202020204" pitchFamily="34" charset="0"/>
+              </a:rPr>
+              <a:t>Qualitative terms (e.g., “soft”, “weak”, etc.) are </a:t>
+            </a:r>
+            <a:r>
+              <a:rPr lang="en-US" sz="2800" u="sng" dirty="0">
+                <a:latin typeface="Arial" panose="020B0604020202020204" pitchFamily="34" charset="0"/>
+                <a:cs typeface="Arial" panose="020B0604020202020204" pitchFamily="34" charset="0"/>
+              </a:rPr>
+              <a:t>meaningless</a:t>
+            </a:r>
+          </a:p>
+          <a:p>
+            <a:pPr lvl="2"/>
+            <a:r>
+              <a:rPr lang="en-US" sz="2800" dirty="0">
+                <a:latin typeface="Arial" panose="020B0604020202020204" pitchFamily="34" charset="0"/>
+                <a:cs typeface="Arial" panose="020B0604020202020204" pitchFamily="34" charset="0"/>
+              </a:rPr>
+              <a:t>“Nonlinear”:</a:t>
+            </a:r>
+          </a:p>
+          <a:p>
+            <a:pPr lvl="3"/>
+            <a:r>
+              <a:rPr lang="en-US" sz="2800" dirty="0">
+                <a:latin typeface="Arial" panose="020B0604020202020204" pitchFamily="34" charset="0"/>
+                <a:cs typeface="Arial" panose="020B0604020202020204" pitchFamily="34" charset="0"/>
+              </a:rPr>
+              <a:t>Not a straight line</a:t>
+            </a:r>
+          </a:p>
+          <a:p>
+            <a:pPr lvl="3"/>
+            <a:r>
+              <a:rPr lang="en-US" sz="2800" dirty="0">
+                <a:latin typeface="Arial" panose="020B0604020202020204" pitchFamily="34" charset="0"/>
+                <a:cs typeface="Arial" panose="020B0604020202020204" pitchFamily="34" charset="0"/>
+              </a:rPr>
+              <a:t>I (or we) don’t know what it is</a:t>
+            </a:r>
+          </a:p>
+          <a:p>
+            <a:pPr lvl="1"/>
+            <a:endParaRPr lang="en-US" sz="2800" dirty="0">
+              <a:latin typeface="Arial" panose="020B0604020202020204" pitchFamily="34" charset="0"/>
+              <a:cs typeface="Arial" panose="020B0604020202020204" pitchFamily="34" charset="0"/>
+            </a:endParaRPr>
+          </a:p>
+          <a:p>
+            <a:pPr lvl="1"/>
+            <a:endParaRPr lang="en-US" sz="2800" dirty="0">
+              <a:latin typeface="Arial" panose="020B0604020202020204" pitchFamily="34" charset="0"/>
+              <a:cs typeface="Arial" panose="020B0604020202020204" pitchFamily="34" charset="0"/>
+            </a:endParaRPr>
           </a:p>
           <a:p>
             <a:endParaRPr lang="en-US" dirty="0">
@@ -11914,110 +12393,43 @@
               <a:cs typeface="Arial" panose="020B0604020202020204" pitchFamily="34" charset="0"/>
             </a:endParaRPr>
           </a:p>
-        </p:txBody>
-      </p:sp>
-      <p:pic>
-        <p:nvPicPr>
-          <p:cNvPr id="15" name="Picture 14"/>
-          <p:cNvPicPr>
-            <a:picLocks noChangeAspect="1"/>
-          </p:cNvPicPr>
-          <p:nvPr>
-            <p:custDataLst>
-              <p:tags r:id="rId1"/>
-            </p:custDataLst>
-          </p:nvPr>
-        </p:nvPicPr>
-        <p:blipFill>
-          <a:blip r:embed="rId5">
-            <a:extLst>
-              <a:ext uri="{28A0092B-C50C-407E-A947-70E740481C1C}">
-                <a14:useLocalDpi xmlns:a14="http://schemas.microsoft.com/office/drawing/2010/main" val="0"/>
-              </a:ext>
-            </a:extLst>
-          </a:blip>
-          <a:stretch>
-            <a:fillRect/>
-          </a:stretch>
-        </p:blipFill>
-        <p:spPr>
-          <a:xfrm>
-            <a:off x="3336954" y="1701101"/>
-            <a:ext cx="451167" cy="301794"/>
-          </a:xfrm>
-          <a:prstGeom prst="rect">
-            <a:avLst/>
-          </a:prstGeom>
-        </p:spPr>
-      </p:pic>
-      <p:pic>
-        <p:nvPicPr>
-          <p:cNvPr id="18" name="Picture 17"/>
-          <p:cNvPicPr>
-            <a:picLocks noChangeAspect="1"/>
-          </p:cNvPicPr>
-          <p:nvPr>
-            <p:custDataLst>
-              <p:tags r:id="rId2"/>
-            </p:custDataLst>
-          </p:nvPr>
-        </p:nvPicPr>
-        <p:blipFill>
-          <a:blip r:embed="rId6">
-            <a:extLst>
-              <a:ext uri="{28A0092B-C50C-407E-A947-70E740481C1C}">
-                <a14:useLocalDpi xmlns:a14="http://schemas.microsoft.com/office/drawing/2010/main" val="0"/>
-              </a:ext>
-            </a:extLst>
-          </a:blip>
-          <a:stretch>
-            <a:fillRect/>
-          </a:stretch>
-        </p:blipFill>
-        <p:spPr>
-          <a:xfrm>
-            <a:off x="3336954" y="2241636"/>
-            <a:ext cx="1640053" cy="292649"/>
-          </a:xfrm>
-          <a:prstGeom prst="rect">
-            <a:avLst/>
-          </a:prstGeom>
-        </p:spPr>
-      </p:pic>
-      <p:pic>
-        <p:nvPicPr>
-          <p:cNvPr id="8" name="Picture 7"/>
-          <p:cNvPicPr>
-            <a:picLocks noChangeAspect="1"/>
-          </p:cNvPicPr>
-          <p:nvPr/>
-        </p:nvPicPr>
-        <p:blipFill>
-          <a:blip r:embed="rId7">
-            <a:extLst>
-              <a:ext uri="{28A0092B-C50C-407E-A947-70E740481C1C}">
-                <a14:useLocalDpi xmlns:a14="http://schemas.microsoft.com/office/drawing/2010/main" val="0"/>
-              </a:ext>
-            </a:extLst>
-          </a:blip>
-          <a:stretch>
-            <a:fillRect/>
-          </a:stretch>
-        </p:blipFill>
-        <p:spPr>
-          <a:xfrm>
-            <a:off x="2258231" y="3060851"/>
-            <a:ext cx="4790827" cy="3324247"/>
-          </a:xfrm>
-          <a:prstGeom prst="rect">
-            <a:avLst/>
-          </a:prstGeom>
-        </p:spPr>
-      </p:pic>
+          <a:p>
+            <a:endParaRPr lang="en-US" dirty="0">
+              <a:latin typeface="Arial" panose="020B0604020202020204" pitchFamily="34" charset="0"/>
+              <a:cs typeface="Arial" panose="020B0604020202020204" pitchFamily="34" charset="0"/>
+            </a:endParaRPr>
+          </a:p>
+          <a:p>
+            <a:pPr lvl="1"/>
+            <a:endParaRPr lang="en-US" sz="2800" dirty="0">
+              <a:latin typeface="Arial" panose="020B0604020202020204" pitchFamily="34" charset="0"/>
+              <a:cs typeface="Arial" panose="020B0604020202020204" pitchFamily="34" charset="0"/>
+            </a:endParaRPr>
+          </a:p>
+          <a:p>
+            <a:endParaRPr lang="en-US" dirty="0">
+              <a:latin typeface="Arial" panose="020B0604020202020204" pitchFamily="34" charset="0"/>
+              <a:cs typeface="Arial" panose="020B0604020202020204" pitchFamily="34" charset="0"/>
+            </a:endParaRPr>
+          </a:p>
+          <a:p>
+            <a:endParaRPr lang="en-US" dirty="0">
+              <a:latin typeface="Arial" panose="020B0604020202020204" pitchFamily="34" charset="0"/>
+              <a:cs typeface="Arial" panose="020B0604020202020204" pitchFamily="34" charset="0"/>
+            </a:endParaRPr>
+          </a:p>
+          <a:p>
+            <a:endParaRPr lang="en-US" dirty="0">
+              <a:latin typeface="Arial" panose="020B0604020202020204" pitchFamily="34" charset="0"/>
+              <a:cs typeface="Arial" panose="020B0604020202020204" pitchFamily="34" charset="0"/>
+            </a:endParaRPr>
+          </a:p>
+        </p:txBody>
+      </p:sp>
     </p:spTree>
     <p:extLst>
       <p:ext uri="{BB962C8B-B14F-4D97-AF65-F5344CB8AC3E}">
-        <p14:creationId xmlns:p14="http://schemas.microsoft.com/office/powerpoint/2010/main" val="1281701483"/>
+        <p14:creationId xmlns:p14="http://schemas.microsoft.com/office/powerpoint/2010/main" val="3704904700"/>
       </p:ext>
     </p:extLst>
   </p:cSld>
@@ -12070,7 +12482,7 @@
                 <a:latin typeface="Arial" panose="020B0604020202020204" pitchFamily="34" charset="0"/>
                 <a:cs typeface="Arial" panose="020B0604020202020204" pitchFamily="34" charset="0"/>
               </a:rPr>
-              <a:t>Triaxial stress state (cont’d)</a:t>
+              <a:t>Triaxial stress state</a:t>
             </a:r>
           </a:p>
         </p:txBody>
@@ -12093,7 +12505,9 @@
         </p:nvSpPr>
         <p:spPr/>
         <p:txBody>
-          <a:bodyPr/>
+          <a:bodyPr>
+            <a:normAutofit/>
+          </a:bodyPr>
           <a:lstStyle/>
           <a:p>
             <a:r>
@@ -12101,8 +12515,45 @@
                 <a:latin typeface="Arial" panose="020B0604020202020204" pitchFamily="34" charset="0"/>
                 <a:cs typeface="Arial" panose="020B0604020202020204" pitchFamily="34" charset="0"/>
               </a:rPr>
-              <a:t>Triaxial compression (TXC), triaxial extension (TXE)</a:t>
-            </a:r>
+              <a:t>Common test used for probing stress-strain response:</a:t>
+            </a:r>
+          </a:p>
+          <a:p>
+            <a:pPr lvl="1"/>
+            <a:r>
+              <a:rPr lang="en-US" sz="2800" dirty="0">
+                <a:latin typeface="Arial" panose="020B0604020202020204" pitchFamily="34" charset="0"/>
+                <a:cs typeface="Arial" panose="020B0604020202020204" pitchFamily="34" charset="0"/>
+              </a:rPr>
+              <a:t>Metals – uniaxial compression, uniaxial tension</a:t>
+            </a:r>
+          </a:p>
+          <a:p>
+            <a:pPr lvl="1"/>
+            <a:r>
+              <a:rPr lang="en-US" sz="2800" dirty="0">
+                <a:latin typeface="Arial" panose="020B0604020202020204" pitchFamily="34" charset="0"/>
+                <a:cs typeface="Arial" panose="020B0604020202020204" pitchFamily="34" charset="0"/>
+              </a:rPr>
+              <a:t>Soil – confined triaxial extension/compression</a:t>
+            </a:r>
+          </a:p>
+          <a:p>
+            <a:pPr lvl="1"/>
+            <a:r>
+              <a:rPr lang="en-US" sz="2800" dirty="0">
+                <a:latin typeface="Arial" panose="020B0604020202020204" pitchFamily="34" charset="0"/>
+                <a:cs typeface="Arial" panose="020B0604020202020204" pitchFamily="34" charset="0"/>
+              </a:rPr>
+              <a:t>Concrete – uniaxial compression, uniaxial tension</a:t>
+            </a:r>
+          </a:p>
+          <a:p>
+            <a:pPr lvl="1"/>
+            <a:endParaRPr lang="en-US" sz="2800" dirty="0">
+              <a:latin typeface="Arial" panose="020B0604020202020204" pitchFamily="34" charset="0"/>
+              <a:cs typeface="Arial" panose="020B0604020202020204" pitchFamily="34" charset="0"/>
+            </a:endParaRPr>
           </a:p>
           <a:p>
             <a:r>
@@ -12110,17 +12561,28 @@
                 <a:latin typeface="Arial" panose="020B0604020202020204" pitchFamily="34" charset="0"/>
                 <a:cs typeface="Arial" panose="020B0604020202020204" pitchFamily="34" charset="0"/>
               </a:rPr>
-              <a:t>Vertical stress         (increasing for TXC, constant for TXE)</a:t>
-            </a:r>
-          </a:p>
-          <a:p>
+              <a:t>Not the only </a:t>
+            </a:r>
             <a:r>
               <a:rPr lang="en-US" dirty="0">
                 <a:latin typeface="Arial" panose="020B0604020202020204" pitchFamily="34" charset="0"/>
                 <a:cs typeface="Arial" panose="020B0604020202020204" pitchFamily="34" charset="0"/>
               </a:rPr>
-              <a:t>Lateral stress                     (constant for TXC, increasing for TXE, zero for uniaxial tests)</a:t>
-            </a:r>
+              <a:t>possible </a:t>
+            </a:r>
+            <a:r>
+              <a:rPr lang="en-US" dirty="0">
+                <a:latin typeface="Arial" panose="020B0604020202020204" pitchFamily="34" charset="0"/>
+                <a:cs typeface="Arial" panose="020B0604020202020204" pitchFamily="34" charset="0"/>
+              </a:rPr>
+              <a:t>stress-state</a:t>
+            </a:r>
+          </a:p>
+          <a:p>
+            <a:endParaRPr lang="en-US" sz="2800" dirty="0">
+              <a:latin typeface="Arial" panose="020B0604020202020204" pitchFamily="34" charset="0"/>
+              <a:cs typeface="Arial" panose="020B0604020202020204" pitchFamily="34" charset="0"/>
+            </a:endParaRPr>
           </a:p>
           <a:p>
             <a:endParaRPr lang="en-US" dirty="0">
@@ -12128,110 +12590,24 @@
               <a:cs typeface="Arial" panose="020B0604020202020204" pitchFamily="34" charset="0"/>
             </a:endParaRPr>
           </a:p>
-        </p:txBody>
-      </p:sp>
-      <p:pic>
-        <p:nvPicPr>
-          <p:cNvPr id="15" name="Picture 14"/>
-          <p:cNvPicPr>
-            <a:picLocks noChangeAspect="1"/>
-          </p:cNvPicPr>
-          <p:nvPr>
-            <p:custDataLst>
-              <p:tags r:id="rId1"/>
-            </p:custDataLst>
-          </p:nvPr>
-        </p:nvPicPr>
-        <p:blipFill>
-          <a:blip r:embed="rId5">
-            <a:extLst>
-              <a:ext uri="{28A0092B-C50C-407E-A947-70E740481C1C}">
-                <a14:useLocalDpi xmlns:a14="http://schemas.microsoft.com/office/drawing/2010/main" val="0"/>
-              </a:ext>
-            </a:extLst>
-          </a:blip>
-          <a:stretch>
-            <a:fillRect/>
-          </a:stretch>
-        </p:blipFill>
-        <p:spPr>
-          <a:xfrm>
-            <a:off x="3336954" y="2204441"/>
-            <a:ext cx="451167" cy="301794"/>
-          </a:xfrm>
-          <a:prstGeom prst="rect">
-            <a:avLst/>
-          </a:prstGeom>
-        </p:spPr>
-      </p:pic>
-      <p:pic>
-        <p:nvPicPr>
-          <p:cNvPr id="18" name="Picture 17"/>
-          <p:cNvPicPr>
-            <a:picLocks noChangeAspect="1"/>
-          </p:cNvPicPr>
-          <p:nvPr>
-            <p:custDataLst>
-              <p:tags r:id="rId2"/>
-            </p:custDataLst>
-          </p:nvPr>
-        </p:nvPicPr>
-        <p:blipFill>
-          <a:blip r:embed="rId6">
-            <a:extLst>
-              <a:ext uri="{28A0092B-C50C-407E-A947-70E740481C1C}">
-                <a14:useLocalDpi xmlns:a14="http://schemas.microsoft.com/office/drawing/2010/main" val="0"/>
-              </a:ext>
-            </a:extLst>
-          </a:blip>
-          <a:stretch>
-            <a:fillRect/>
-          </a:stretch>
-        </p:blipFill>
-        <p:spPr>
-          <a:xfrm>
-            <a:off x="3336954" y="2744976"/>
-            <a:ext cx="1640053" cy="292649"/>
-          </a:xfrm>
-          <a:prstGeom prst="rect">
-            <a:avLst/>
-          </a:prstGeom>
-        </p:spPr>
-      </p:pic>
-      <p:pic>
-        <p:nvPicPr>
-          <p:cNvPr id="8" name="Picture 7"/>
-          <p:cNvPicPr>
-            <a:picLocks noChangeAspect="1"/>
-          </p:cNvPicPr>
-          <p:nvPr/>
-        </p:nvPicPr>
-        <p:blipFill>
-          <a:blip r:embed="rId7">
-            <a:extLst>
-              <a:ext uri="{28A0092B-C50C-407E-A947-70E740481C1C}">
-                <a14:useLocalDpi xmlns:a14="http://schemas.microsoft.com/office/drawing/2010/main" val="0"/>
-              </a:ext>
-            </a:extLst>
-          </a:blip>
-          <a:stretch>
-            <a:fillRect/>
-          </a:stretch>
-        </p:blipFill>
-        <p:spPr>
-          <a:xfrm>
-            <a:off x="3647259" y="3565321"/>
-            <a:ext cx="4269327" cy="2962390"/>
-          </a:xfrm>
-          <a:prstGeom prst="rect">
-            <a:avLst/>
-          </a:prstGeom>
-        </p:spPr>
-      </p:pic>
+          <a:p>
+            <a:endParaRPr lang="en-US" dirty="0">
+              <a:latin typeface="Arial" panose="020B0604020202020204" pitchFamily="34" charset="0"/>
+              <a:cs typeface="Arial" panose="020B0604020202020204" pitchFamily="34" charset="0"/>
+            </a:endParaRPr>
+          </a:p>
+          <a:p>
+            <a:endParaRPr lang="en-US" dirty="0">
+              <a:latin typeface="Arial" panose="020B0604020202020204" pitchFamily="34" charset="0"/>
+              <a:cs typeface="Arial" panose="020B0604020202020204" pitchFamily="34" charset="0"/>
+            </a:endParaRPr>
+          </a:p>
+        </p:txBody>
+      </p:sp>
     </p:spTree>
     <p:extLst>
       <p:ext uri="{BB962C8B-B14F-4D97-AF65-F5344CB8AC3E}">
-        <p14:creationId xmlns:p14="http://schemas.microsoft.com/office/powerpoint/2010/main" val="2113455083"/>
+        <p14:creationId xmlns:p14="http://schemas.microsoft.com/office/powerpoint/2010/main" val="450732675"/>
       </p:ext>
     </p:extLst>
   </p:cSld>
@@ -12305,17 +12681,43 @@
             <p:ph idx="1"/>
           </p:nvPr>
         </p:nvSpPr>
-        <p:spPr/>
+        <p:spPr>
+          <a:xfrm>
+            <a:off x="613773" y="1240606"/>
+            <a:ext cx="10947421" cy="4905751"/>
+          </a:xfrm>
+        </p:spPr>
         <p:txBody>
           <a:bodyPr/>
           <a:lstStyle/>
           <a:p>
+            <a:pPr marL="0" indent="0">
+              <a:buNone/>
+            </a:pPr>
             <a:r>
               <a:rPr lang="en-US" dirty="0">
                 <a:latin typeface="Arial" panose="020B0604020202020204" pitchFamily="34" charset="0"/>
                 <a:cs typeface="Arial" panose="020B0604020202020204" pitchFamily="34" charset="0"/>
               </a:rPr>
-              <a:t>Shear stress (stress difference) </a:t>
+              <a:t>Principal stresses are:</a:t>
+            </a:r>
+          </a:p>
+          <a:p>
+            <a:r>
+              <a:rPr lang="en-US" dirty="0">
+                <a:latin typeface="Arial" panose="020B0604020202020204" pitchFamily="34" charset="0"/>
+                <a:cs typeface="Arial" panose="020B0604020202020204" pitchFamily="34" charset="0"/>
+              </a:rPr>
+              <a:t>Vertical stress         (varying)</a:t>
+            </a:r>
+          </a:p>
+          <a:p>
+            <a:r>
+              <a:rPr lang="en-US" dirty="0">
+                <a:latin typeface="Arial" panose="020B0604020202020204" pitchFamily="34" charset="0"/>
+                <a:cs typeface="Arial" panose="020B0604020202020204" pitchFamily="34" charset="0"/>
+              </a:rPr>
+              <a:t>Lateral stress                      (zero for uniaxial tests)</a:t>
             </a:r>
           </a:p>
           <a:p>
@@ -12324,32 +12726,11 @@
               <a:cs typeface="Arial" panose="020B0604020202020204" pitchFamily="34" charset="0"/>
             </a:endParaRPr>
           </a:p>
-          <a:p>
-            <a:endParaRPr lang="en-US" dirty="0">
-              <a:latin typeface="Arial" panose="020B0604020202020204" pitchFamily="34" charset="0"/>
-              <a:cs typeface="Arial" panose="020B0604020202020204" pitchFamily="34" charset="0"/>
-            </a:endParaRPr>
-          </a:p>
-          <a:p>
-            <a:r>
-              <a:rPr lang="en-US" dirty="0">
-                <a:latin typeface="Arial" panose="020B0604020202020204" pitchFamily="34" charset="0"/>
-                <a:cs typeface="Arial" panose="020B0604020202020204" pitchFamily="34" charset="0"/>
-              </a:rPr>
-              <a:t>Pressure (mean stress)</a:t>
-            </a:r>
-          </a:p>
-          <a:p>
-            <a:endParaRPr lang="en-US" dirty="0">
-              <a:latin typeface="Arial" panose="020B0604020202020204" pitchFamily="34" charset="0"/>
-              <a:cs typeface="Arial" panose="020B0604020202020204" pitchFamily="34" charset="0"/>
-            </a:endParaRPr>
-          </a:p>
         </p:txBody>
       </p:sp>
       <p:pic>
         <p:nvPicPr>
-          <p:cNvPr id="21" name="Picture 20"/>
+          <p:cNvPr id="15" name="Picture 14"/>
           <p:cNvPicPr>
             <a:picLocks noChangeAspect="1"/>
           </p:cNvPicPr>
@@ -12360,7 +12741,7 @@
           </p:nvPr>
         </p:nvPicPr>
         <p:blipFill>
-          <a:blip r:embed="rId5">
+          <a:blip r:embed="rId8">
             <a:extLst>
               <a:ext uri="{28A0092B-C50C-407E-A947-70E740481C1C}">
                 <a14:useLocalDpi xmlns:a14="http://schemas.microsoft.com/office/drawing/2010/main" val="0"/>
@@ -12373,8 +12754,8 @@
         </p:blipFill>
         <p:spPr>
           <a:xfrm>
-            <a:off x="1915076" y="2408573"/>
-            <a:ext cx="2490564" cy="320085"/>
+            <a:off x="3349654" y="1866201"/>
+            <a:ext cx="451167" cy="301794"/>
           </a:xfrm>
           <a:prstGeom prst="rect">
             <a:avLst/>
@@ -12383,7 +12764,7 @@
       </p:pic>
       <p:pic>
         <p:nvPicPr>
-          <p:cNvPr id="24" name="Picture 23"/>
+          <p:cNvPr id="18" name="Picture 17"/>
           <p:cNvPicPr>
             <a:picLocks noChangeAspect="1"/>
           </p:cNvPicPr>
@@ -12394,7 +12775,7 @@
           </p:nvPr>
         </p:nvPicPr>
         <p:blipFill>
-          <a:blip r:embed="rId6">
+          <a:blip r:embed="rId9">
             <a:extLst>
               <a:ext uri="{28A0092B-C50C-407E-A947-70E740481C1C}">
                 <a14:useLocalDpi xmlns:a14="http://schemas.microsoft.com/office/drawing/2010/main" val="0"/>
@@ -12407,18 +12788,164 @@
         </p:blipFill>
         <p:spPr>
           <a:xfrm>
-            <a:off x="1915076" y="3845309"/>
-            <a:ext cx="7968586" cy="1036465"/>
+            <a:off x="3349654" y="2394036"/>
+            <a:ext cx="1640053" cy="292649"/>
           </a:xfrm>
           <a:prstGeom prst="rect">
             <a:avLst/>
           </a:prstGeom>
         </p:spPr>
       </p:pic>
+      <p:grpSp>
+        <p:nvGrpSpPr>
+          <p:cNvPr id="7" name="Group 6"/>
+          <p:cNvGrpSpPr/>
+          <p:nvPr/>
+        </p:nvGrpSpPr>
+        <p:grpSpPr>
+          <a:xfrm>
+            <a:off x="4156980" y="3121350"/>
+            <a:ext cx="3365512" cy="3423405"/>
+            <a:chOff x="4189175" y="2961693"/>
+            <a:chExt cx="3365512" cy="3423405"/>
+          </a:xfrm>
+        </p:grpSpPr>
+        <p:pic>
+          <p:nvPicPr>
+            <p:cNvPr id="9" name="Picture 8"/>
+            <p:cNvPicPr>
+              <a:picLocks noChangeAspect="1"/>
+            </p:cNvPicPr>
+            <p:nvPr/>
+          </p:nvPicPr>
+          <p:blipFill rotWithShape="1">
+            <a:blip r:embed="rId10">
+              <a:extLst>
+                <a:ext uri="{28A0092B-C50C-407E-A947-70E740481C1C}">
+                  <a14:useLocalDpi xmlns:a14="http://schemas.microsoft.com/office/drawing/2010/main" val="0"/>
+                </a:ext>
+              </a:extLst>
+            </a:blip>
+            <a:srcRect l="23763" t="15532" r="26525"/>
+            <a:stretch/>
+          </p:blipFill>
+          <p:spPr>
+            <a:xfrm>
+              <a:off x="4526645" y="3225763"/>
+              <a:ext cx="2679701" cy="3159335"/>
+            </a:xfrm>
+            <a:prstGeom prst="rect">
+              <a:avLst/>
+            </a:prstGeom>
+          </p:spPr>
+        </p:pic>
+        <p:pic>
+          <p:nvPicPr>
+            <p:cNvPr id="10" name="Picture 9"/>
+            <p:cNvPicPr>
+              <a:picLocks noChangeAspect="1"/>
+            </p:cNvPicPr>
+            <p:nvPr>
+              <p:custDataLst>
+                <p:tags r:id="rId3"/>
+              </p:custDataLst>
+            </p:nvPr>
+          </p:nvPicPr>
+          <p:blipFill>
+            <a:blip r:embed="rId11">
+              <a:extLst>
+                <a:ext uri="{28A0092B-C50C-407E-A947-70E740481C1C}">
+                  <a14:useLocalDpi xmlns:a14="http://schemas.microsoft.com/office/drawing/2010/main" val="0"/>
+                </a:ext>
+              </a:extLst>
+            </a:blip>
+            <a:stretch>
+              <a:fillRect/>
+            </a:stretch>
+          </p:blipFill>
+          <p:spPr>
+            <a:xfrm>
+              <a:off x="4189175" y="5670041"/>
+              <a:ext cx="381434" cy="256068"/>
+            </a:xfrm>
+            <a:prstGeom prst="rect">
+              <a:avLst/>
+            </a:prstGeom>
+          </p:spPr>
+        </p:pic>
+        <p:pic>
+          <p:nvPicPr>
+            <p:cNvPr id="11" name="Picture 10"/>
+            <p:cNvPicPr>
+              <a:picLocks noChangeAspect="1"/>
+            </p:cNvPicPr>
+            <p:nvPr>
+              <p:custDataLst>
+                <p:tags r:id="rId4"/>
+              </p:custDataLst>
+            </p:nvPr>
+          </p:nvPicPr>
+          <p:blipFill>
+            <a:blip r:embed="rId12">
+              <a:extLst>
+                <a:ext uri="{28A0092B-C50C-407E-A947-70E740481C1C}">
+                  <a14:useLocalDpi xmlns:a14="http://schemas.microsoft.com/office/drawing/2010/main" val="0"/>
+                </a:ext>
+              </a:extLst>
+            </a:blip>
+            <a:stretch>
+              <a:fillRect/>
+            </a:stretch>
+          </p:blipFill>
+          <p:spPr>
+            <a:xfrm>
+              <a:off x="7162583" y="5701137"/>
+              <a:ext cx="392104" cy="256068"/>
+            </a:xfrm>
+            <a:prstGeom prst="rect">
+              <a:avLst/>
+            </a:prstGeom>
+          </p:spPr>
+        </p:pic>
+        <p:pic>
+          <p:nvPicPr>
+            <p:cNvPr id="12" name="Picture 11"/>
+            <p:cNvPicPr>
+              <a:picLocks noChangeAspect="1"/>
+            </p:cNvPicPr>
+            <p:nvPr>
+              <p:custDataLst>
+                <p:tags r:id="rId5"/>
+              </p:custDataLst>
+            </p:nvPr>
+          </p:nvPicPr>
+          <p:blipFill>
+            <a:blip r:embed="rId13">
+              <a:extLst>
+                <a:ext uri="{28A0092B-C50C-407E-A947-70E740481C1C}">
+                  <a14:useLocalDpi xmlns:a14="http://schemas.microsoft.com/office/drawing/2010/main" val="0"/>
+                </a:ext>
+              </a:extLst>
+            </a:blip>
+            <a:stretch>
+              <a:fillRect/>
+            </a:stretch>
+          </p:blipFill>
+          <p:spPr>
+            <a:xfrm>
+              <a:off x="5666407" y="2961693"/>
+              <a:ext cx="394771" cy="264070"/>
+            </a:xfrm>
+            <a:prstGeom prst="rect">
+              <a:avLst/>
+            </a:prstGeom>
+          </p:spPr>
+        </p:pic>
+      </p:grpSp>
     </p:spTree>
     <p:extLst>
       <p:ext uri="{BB962C8B-B14F-4D97-AF65-F5344CB8AC3E}">
-        <p14:creationId xmlns:p14="http://schemas.microsoft.com/office/powerpoint/2010/main" val="374933874"/>
+        <p14:creationId xmlns:p14="http://schemas.microsoft.com/office/powerpoint/2010/main" val="1281701483"/>
       </p:ext>
     </p:extLst>
   </p:cSld>
@@ -12492,7 +13019,12 @@
             <p:ph idx="1"/>
           </p:nvPr>
         </p:nvSpPr>
-        <p:spPr/>
+        <p:spPr>
+          <a:xfrm>
+            <a:off x="613773" y="1231900"/>
+            <a:ext cx="10947421" cy="4914457"/>
+          </a:xfrm>
+        </p:spPr>
         <p:txBody>
           <a:bodyPr/>
           <a:lstStyle/>
@@ -12502,141 +13034,27 @@
                 <a:latin typeface="Arial" panose="020B0604020202020204" pitchFamily="34" charset="0"/>
                 <a:cs typeface="Arial" panose="020B0604020202020204" pitchFamily="34" charset="0"/>
               </a:rPr>
-              <a:t>Triaxial compression</a:t>
-            </a:r>
-          </a:p>
-          <a:p>
-            <a:endParaRPr lang="en-US" dirty="0">
-              <a:latin typeface="Arial" panose="020B0604020202020204" pitchFamily="34" charset="0"/>
-              <a:cs typeface="Arial" panose="020B0604020202020204" pitchFamily="34" charset="0"/>
-            </a:endParaRPr>
-          </a:p>
-          <a:p>
-            <a:endParaRPr lang="en-US" dirty="0">
-              <a:latin typeface="Arial" panose="020B0604020202020204" pitchFamily="34" charset="0"/>
-              <a:cs typeface="Arial" panose="020B0604020202020204" pitchFamily="34" charset="0"/>
-            </a:endParaRPr>
-          </a:p>
-        </p:txBody>
-      </p:sp>
-      <p:pic>
-        <p:nvPicPr>
-          <p:cNvPr id="7" name="Picture 6"/>
-          <p:cNvPicPr>
-            <a:picLocks noChangeAspect="1"/>
-          </p:cNvPicPr>
-          <p:nvPr>
-            <p:custDataLst>
-              <p:tags r:id="rId1"/>
-            </p:custDataLst>
-          </p:nvPr>
-        </p:nvPicPr>
-        <p:blipFill>
-          <a:blip r:embed="rId6">
-            <a:extLst>
-              <a:ext uri="{28A0092B-C50C-407E-A947-70E740481C1C}">
-                <a14:useLocalDpi xmlns:a14="http://schemas.microsoft.com/office/drawing/2010/main" val="0"/>
-              </a:ext>
-            </a:extLst>
-          </a:blip>
-          <a:stretch>
-            <a:fillRect/>
-          </a:stretch>
-        </p:blipFill>
-        <p:spPr>
-          <a:xfrm>
-            <a:off x="613773" y="2522873"/>
-            <a:ext cx="5380473" cy="1121821"/>
-          </a:xfrm>
-          <a:prstGeom prst="rect">
-            <a:avLst/>
-          </a:prstGeom>
-        </p:spPr>
-      </p:pic>
-      <p:pic>
-        <p:nvPicPr>
-          <p:cNvPr id="14" name="Picture 13"/>
-          <p:cNvPicPr>
-            <a:picLocks noChangeAspect="1"/>
-          </p:cNvPicPr>
-          <p:nvPr>
-            <p:custDataLst>
-              <p:tags r:id="rId2"/>
-            </p:custDataLst>
-          </p:nvPr>
-        </p:nvPicPr>
-        <p:blipFill>
-          <a:blip r:embed="rId7">
-            <a:extLst>
-              <a:ext uri="{28A0092B-C50C-407E-A947-70E740481C1C}">
-                <a14:useLocalDpi xmlns:a14="http://schemas.microsoft.com/office/drawing/2010/main" val="0"/>
-              </a:ext>
-            </a:extLst>
-          </a:blip>
-          <a:stretch>
-            <a:fillRect/>
-          </a:stretch>
-        </p:blipFill>
-        <p:spPr>
-          <a:xfrm>
-            <a:off x="613773" y="3959609"/>
-            <a:ext cx="7038815" cy="1819911"/>
-          </a:xfrm>
-          <a:prstGeom prst="rect">
-            <a:avLst/>
-          </a:prstGeom>
-        </p:spPr>
-      </p:pic>
-      <p:pic>
-        <p:nvPicPr>
-          <p:cNvPr id="11" name="Picture 10"/>
-          <p:cNvPicPr>
-            <a:picLocks noChangeAspect="1"/>
-          </p:cNvPicPr>
-          <p:nvPr>
-            <p:custDataLst>
-              <p:tags r:id="rId3"/>
-            </p:custDataLst>
-          </p:nvPr>
-        </p:nvPicPr>
-        <p:blipFill>
-          <a:blip r:embed="rId8">
-            <a:extLst>
-              <a:ext uri="{28A0092B-C50C-407E-A947-70E740481C1C}">
-                <a14:useLocalDpi xmlns:a14="http://schemas.microsoft.com/office/drawing/2010/main" val="0"/>
-              </a:ext>
-            </a:extLst>
-          </a:blip>
-          <a:stretch>
-            <a:fillRect/>
-          </a:stretch>
-        </p:blipFill>
-        <p:spPr>
-          <a:xfrm>
-            <a:off x="8798475" y="2792126"/>
-            <a:ext cx="2437845" cy="1705135"/>
-          </a:xfrm>
-          <a:prstGeom prst="rect">
-            <a:avLst/>
-          </a:prstGeom>
-        </p:spPr>
-      </p:pic>
-      <p:sp>
-        <p:nvSpPr>
-          <p:cNvPr id="15" name="Rectangle 14"/>
+              <a:t>Triaxial compression (TXC)</a:t>
+            </a:r>
+          </a:p>
+        </p:txBody>
+      </p:sp>
+      <p:sp>
+        <p:nvSpPr>
+          <p:cNvPr id="19" name="Rectangle 18"/>
           <p:cNvSpPr/>
           <p:nvPr/>
         </p:nvSpPr>
         <p:spPr>
           <a:xfrm>
-            <a:off x="8387968" y="2336800"/>
-            <a:ext cx="3397632" cy="2654300"/>
+            <a:off x="899886" y="1171309"/>
+            <a:ext cx="4412343" cy="572051"/>
           </a:xfrm>
           <a:prstGeom prst="rect">
             <a:avLst/>
           </a:prstGeom>
           <a:noFill/>
-          <a:ln w="28575">
+          <a:ln>
             <a:solidFill>
               <a:srgbClr val="FF0000"/>
             </a:solidFill>
@@ -12663,14 +13081,342 @@
           <a:lstStyle/>
           <a:p>
             <a:pPr algn="ctr"/>
-            <a:endParaRPr lang="en-US"/>
-          </a:p>
-        </p:txBody>
-      </p:sp>
+            <a:endParaRPr lang="en-US" dirty="0"/>
+          </a:p>
+        </p:txBody>
+      </p:sp>
+      <p:pic>
+        <p:nvPicPr>
+          <p:cNvPr id="24" name="Picture 23"/>
+          <p:cNvPicPr>
+            <a:picLocks noChangeAspect="1"/>
+          </p:cNvPicPr>
+          <p:nvPr/>
+        </p:nvPicPr>
+        <p:blipFill>
+          <a:blip r:embed="rId9">
+            <a:extLst>
+              <a:ext uri="{28A0092B-C50C-407E-A947-70E740481C1C}">
+                <a14:useLocalDpi xmlns:a14="http://schemas.microsoft.com/office/drawing/2010/main" val="0"/>
+              </a:ext>
+            </a:extLst>
+          </a:blip>
+          <a:stretch>
+            <a:fillRect/>
+          </a:stretch>
+        </p:blipFill>
+        <p:spPr>
+          <a:xfrm>
+            <a:off x="1373959" y="2375057"/>
+            <a:ext cx="3769541" cy="2615600"/>
+          </a:xfrm>
+          <a:prstGeom prst="rect">
+            <a:avLst/>
+          </a:prstGeom>
+        </p:spPr>
+      </p:pic>
+      <p:sp>
+        <p:nvSpPr>
+          <p:cNvPr id="25" name="TextBox 24"/>
+          <p:cNvSpPr txBox="1"/>
+          <p:nvPr/>
+        </p:nvSpPr>
+        <p:spPr>
+          <a:xfrm>
+            <a:off x="1746598" y="5072909"/>
+            <a:ext cx="2900153" cy="461665"/>
+          </a:xfrm>
+          <a:prstGeom prst="rect">
+            <a:avLst/>
+          </a:prstGeom>
+          <a:noFill/>
+        </p:spPr>
+        <p:txBody>
+          <a:bodyPr wrap="none" rtlCol="0">
+            <a:spAutoFit/>
+          </a:bodyPr>
+          <a:lstStyle/>
+          <a:p>
+            <a:r>
+              <a:rPr lang="en-US" sz="2400" b="1" dirty="0">
+                <a:latin typeface="Arial" panose="020B0604020202020204" pitchFamily="34" charset="0"/>
+                <a:cs typeface="Arial" panose="020B0604020202020204" pitchFamily="34" charset="0"/>
+              </a:rPr>
+              <a:t>Initial confinement</a:t>
+            </a:r>
+          </a:p>
+        </p:txBody>
+      </p:sp>
+      <p:pic>
+        <p:nvPicPr>
+          <p:cNvPr id="26" name="Picture 25"/>
+          <p:cNvPicPr>
+            <a:picLocks noChangeAspect="1"/>
+          </p:cNvPicPr>
+          <p:nvPr>
+            <p:custDataLst>
+              <p:tags r:id="rId1"/>
+            </p:custDataLst>
+          </p:nvPr>
+        </p:nvPicPr>
+        <p:blipFill>
+          <a:blip r:embed="rId10">
+            <a:extLst>
+              <a:ext uri="{28A0092B-C50C-407E-A947-70E740481C1C}">
+                <a14:useLocalDpi xmlns:a14="http://schemas.microsoft.com/office/drawing/2010/main" val="0"/>
+              </a:ext>
+            </a:extLst>
+          </a:blip>
+          <a:stretch>
+            <a:fillRect/>
+          </a:stretch>
+        </p:blipFill>
+        <p:spPr>
+          <a:xfrm>
+            <a:off x="1070223" y="4398483"/>
+            <a:ext cx="1224324" cy="360095"/>
+          </a:xfrm>
+          <a:prstGeom prst="rect">
+            <a:avLst/>
+          </a:prstGeom>
+        </p:spPr>
+      </p:pic>
+      <p:pic>
+        <p:nvPicPr>
+          <p:cNvPr id="27" name="Picture 26"/>
+          <p:cNvPicPr>
+            <a:picLocks noChangeAspect="1"/>
+          </p:cNvPicPr>
+          <p:nvPr>
+            <p:custDataLst>
+              <p:tags r:id="rId2"/>
+            </p:custDataLst>
+          </p:nvPr>
+        </p:nvPicPr>
+        <p:blipFill>
+          <a:blip r:embed="rId11">
+            <a:extLst>
+              <a:ext uri="{28A0092B-C50C-407E-A947-70E740481C1C}">
+                <a14:useLocalDpi xmlns:a14="http://schemas.microsoft.com/office/drawing/2010/main" val="0"/>
+              </a:ext>
+            </a:extLst>
+          </a:blip>
+          <a:stretch>
+            <a:fillRect/>
+          </a:stretch>
+        </p:blipFill>
+        <p:spPr>
+          <a:xfrm>
+            <a:off x="4100081" y="4371269"/>
+            <a:ext cx="1224324" cy="360095"/>
+          </a:xfrm>
+          <a:prstGeom prst="rect">
+            <a:avLst/>
+          </a:prstGeom>
+        </p:spPr>
+      </p:pic>
+      <p:pic>
+        <p:nvPicPr>
+          <p:cNvPr id="28" name="Picture 27"/>
+          <p:cNvPicPr>
+            <a:picLocks noChangeAspect="1"/>
+          </p:cNvPicPr>
+          <p:nvPr>
+            <p:custDataLst>
+              <p:tags r:id="rId3"/>
+            </p:custDataLst>
+          </p:nvPr>
+        </p:nvPicPr>
+        <p:blipFill>
+          <a:blip r:embed="rId12">
+            <a:extLst>
+              <a:ext uri="{28A0092B-C50C-407E-A947-70E740481C1C}">
+                <a14:useLocalDpi xmlns:a14="http://schemas.microsoft.com/office/drawing/2010/main" val="0"/>
+              </a:ext>
+            </a:extLst>
+          </a:blip>
+          <a:stretch>
+            <a:fillRect/>
+          </a:stretch>
+        </p:blipFill>
+        <p:spPr>
+          <a:xfrm>
+            <a:off x="2584513" y="2402377"/>
+            <a:ext cx="1224324" cy="368097"/>
+          </a:xfrm>
+          <a:prstGeom prst="rect">
+            <a:avLst/>
+          </a:prstGeom>
+        </p:spPr>
+      </p:pic>
+      <p:pic>
+        <p:nvPicPr>
+          <p:cNvPr id="29" name="Picture 28"/>
+          <p:cNvPicPr>
+            <a:picLocks noChangeAspect="1"/>
+          </p:cNvPicPr>
+          <p:nvPr/>
+        </p:nvPicPr>
+        <p:blipFill>
+          <a:blip r:embed="rId9">
+            <a:extLst>
+              <a:ext uri="{28A0092B-C50C-407E-A947-70E740481C1C}">
+                <a14:useLocalDpi xmlns:a14="http://schemas.microsoft.com/office/drawing/2010/main" val="0"/>
+              </a:ext>
+            </a:extLst>
+          </a:blip>
+          <a:stretch>
+            <a:fillRect/>
+          </a:stretch>
+        </p:blipFill>
+        <p:spPr>
+          <a:xfrm>
+            <a:off x="7217023" y="2375057"/>
+            <a:ext cx="3769541" cy="2615600"/>
+          </a:xfrm>
+          <a:prstGeom prst="rect">
+            <a:avLst/>
+          </a:prstGeom>
+        </p:spPr>
+      </p:pic>
+      <p:sp>
+        <p:nvSpPr>
+          <p:cNvPr id="30" name="TextBox 29"/>
+          <p:cNvSpPr txBox="1"/>
+          <p:nvPr/>
+        </p:nvSpPr>
+        <p:spPr>
+          <a:xfrm>
+            <a:off x="7589662" y="5072909"/>
+            <a:ext cx="2645917" cy="461665"/>
+          </a:xfrm>
+          <a:prstGeom prst="rect">
+            <a:avLst/>
+          </a:prstGeom>
+          <a:noFill/>
+        </p:spPr>
+        <p:txBody>
+          <a:bodyPr wrap="none" rtlCol="0">
+            <a:spAutoFit/>
+          </a:bodyPr>
+          <a:lstStyle/>
+          <a:p>
+            <a:r>
+              <a:rPr lang="en-US" sz="2400" b="1" dirty="0">
+                <a:latin typeface="Arial" panose="020B0604020202020204" pitchFamily="34" charset="0"/>
+                <a:cs typeface="Arial" panose="020B0604020202020204" pitchFamily="34" charset="0"/>
+              </a:rPr>
+              <a:t>Triaxial Shearing</a:t>
+            </a:r>
+          </a:p>
+        </p:txBody>
+      </p:sp>
+      <p:pic>
+        <p:nvPicPr>
+          <p:cNvPr id="31" name="Picture 30"/>
+          <p:cNvPicPr>
+            <a:picLocks noChangeAspect="1"/>
+          </p:cNvPicPr>
+          <p:nvPr>
+            <p:custDataLst>
+              <p:tags r:id="rId4"/>
+            </p:custDataLst>
+          </p:nvPr>
+        </p:nvPicPr>
+        <p:blipFill>
+          <a:blip r:embed="rId10">
+            <a:extLst>
+              <a:ext uri="{28A0092B-C50C-407E-A947-70E740481C1C}">
+                <a14:useLocalDpi xmlns:a14="http://schemas.microsoft.com/office/drawing/2010/main" val="0"/>
+              </a:ext>
+            </a:extLst>
+          </a:blip>
+          <a:stretch>
+            <a:fillRect/>
+          </a:stretch>
+        </p:blipFill>
+        <p:spPr>
+          <a:xfrm>
+            <a:off x="6913287" y="4398483"/>
+            <a:ext cx="1224324" cy="360095"/>
+          </a:xfrm>
+          <a:prstGeom prst="rect">
+            <a:avLst/>
+          </a:prstGeom>
+        </p:spPr>
+      </p:pic>
+      <p:pic>
+        <p:nvPicPr>
+          <p:cNvPr id="32" name="Picture 31"/>
+          <p:cNvPicPr>
+            <a:picLocks noChangeAspect="1"/>
+          </p:cNvPicPr>
+          <p:nvPr>
+            <p:custDataLst>
+              <p:tags r:id="rId5"/>
+            </p:custDataLst>
+          </p:nvPr>
+        </p:nvPicPr>
+        <p:blipFill>
+          <a:blip r:embed="rId11">
+            <a:extLst>
+              <a:ext uri="{28A0092B-C50C-407E-A947-70E740481C1C}">
+                <a14:useLocalDpi xmlns:a14="http://schemas.microsoft.com/office/drawing/2010/main" val="0"/>
+              </a:ext>
+            </a:extLst>
+          </a:blip>
+          <a:stretch>
+            <a:fillRect/>
+          </a:stretch>
+        </p:blipFill>
+        <p:spPr>
+          <a:xfrm>
+            <a:off x="9986687" y="4385783"/>
+            <a:ext cx="1224324" cy="360095"/>
+          </a:xfrm>
+          <a:prstGeom prst="rect">
+            <a:avLst/>
+          </a:prstGeom>
+        </p:spPr>
+      </p:pic>
+      <p:pic>
+        <p:nvPicPr>
+          <p:cNvPr id="33" name="Picture 32"/>
+          <p:cNvPicPr>
+            <a:picLocks noChangeAspect="1"/>
+          </p:cNvPicPr>
+          <p:nvPr>
+            <p:custDataLst>
+              <p:tags r:id="rId6"/>
+            </p:custDataLst>
+          </p:nvPr>
+        </p:nvPicPr>
+        <p:blipFill>
+          <a:blip r:embed="rId13">
+            <a:extLst>
+              <a:ext uri="{28A0092B-C50C-407E-A947-70E740481C1C}">
+                <a14:useLocalDpi xmlns:a14="http://schemas.microsoft.com/office/drawing/2010/main" val="0"/>
+              </a:ext>
+            </a:extLst>
+          </a:blip>
+          <a:stretch>
+            <a:fillRect/>
+          </a:stretch>
+        </p:blipFill>
+        <p:spPr>
+          <a:xfrm>
+            <a:off x="8427577" y="2402377"/>
+            <a:ext cx="1224324" cy="368097"/>
+          </a:xfrm>
+          <a:prstGeom prst="rect">
+            <a:avLst/>
+          </a:prstGeom>
+        </p:spPr>
+      </p:pic>
     </p:spTree>
     <p:extLst>
       <p:ext uri="{BB962C8B-B14F-4D97-AF65-F5344CB8AC3E}">
-        <p14:creationId xmlns:p14="http://schemas.microsoft.com/office/powerpoint/2010/main" val="3702023754"/>
+        <p14:creationId xmlns:p14="http://schemas.microsoft.com/office/powerpoint/2010/main" val="2113455083"/>
       </p:ext>
     </p:extLst>
   </p:cSld>
@@ -12715,9 +13461,7 @@
         </p:nvSpPr>
         <p:spPr/>
         <p:txBody>
-          <a:bodyPr>
-            <a:normAutofit fontScale="90000"/>
-          </a:bodyPr>
+          <a:bodyPr/>
           <a:lstStyle/>
           <a:p>
             <a:r>
@@ -12725,7 +13469,7 @@
                 <a:latin typeface="Arial" panose="020B0604020202020204" pitchFamily="34" charset="0"/>
                 <a:cs typeface="Arial" panose="020B0604020202020204" pitchFamily="34" charset="0"/>
               </a:rPr>
-              <a:t>Commonly Used Material Models at SGH</a:t>
+              <a:t>Triaxial stress state (cont’d)</a:t>
             </a:r>
           </a:p>
         </p:txBody>
@@ -12746,11 +13490,14 @@
             <p:ph idx="1"/>
           </p:nvPr>
         </p:nvSpPr>
-        <p:spPr/>
-        <p:txBody>
-          <a:bodyPr>
-            <a:normAutofit/>
-          </a:bodyPr>
+        <p:spPr>
+          <a:xfrm>
+            <a:off x="613773" y="1231900"/>
+            <a:ext cx="10947421" cy="4914457"/>
+          </a:xfrm>
+        </p:spPr>
+        <p:txBody>
+          <a:bodyPr/>
           <a:lstStyle/>
           <a:p>
             <a:r>
@@ -12758,81 +13505,343 @@
                 <a:latin typeface="Arial" panose="020B0604020202020204" pitchFamily="34" charset="0"/>
                 <a:cs typeface="Arial" panose="020B0604020202020204" pitchFamily="34" charset="0"/>
               </a:rPr>
-              <a:t>Commonly used models:</a:t>
-            </a:r>
-          </a:p>
-          <a:p>
-            <a:pPr lvl="1"/>
-            <a:r>
-              <a:rPr lang="en-US" sz="2800" dirty="0">
+              <a:t>Triaxial extension (TXC) (think “squeezing”)</a:t>
+            </a:r>
+          </a:p>
+        </p:txBody>
+      </p:sp>
+      <p:pic>
+        <p:nvPicPr>
+          <p:cNvPr id="24" name="Picture 23"/>
+          <p:cNvPicPr>
+            <a:picLocks noChangeAspect="1"/>
+          </p:cNvPicPr>
+          <p:nvPr/>
+        </p:nvPicPr>
+        <p:blipFill>
+          <a:blip r:embed="rId9">
+            <a:extLst>
+              <a:ext uri="{28A0092B-C50C-407E-A947-70E740481C1C}">
+                <a14:useLocalDpi xmlns:a14="http://schemas.microsoft.com/office/drawing/2010/main" val="0"/>
+              </a:ext>
+            </a:extLst>
+          </a:blip>
+          <a:stretch>
+            <a:fillRect/>
+          </a:stretch>
+        </p:blipFill>
+        <p:spPr>
+          <a:xfrm>
+            <a:off x="1373959" y="2375057"/>
+            <a:ext cx="3769541" cy="2615600"/>
+          </a:xfrm>
+          <a:prstGeom prst="rect">
+            <a:avLst/>
+          </a:prstGeom>
+        </p:spPr>
+      </p:pic>
+      <p:sp>
+        <p:nvSpPr>
+          <p:cNvPr id="25" name="TextBox 24"/>
+          <p:cNvSpPr txBox="1"/>
+          <p:nvPr/>
+        </p:nvSpPr>
+        <p:spPr>
+          <a:xfrm>
+            <a:off x="1746598" y="5072909"/>
+            <a:ext cx="2900153" cy="461665"/>
+          </a:xfrm>
+          <a:prstGeom prst="rect">
+            <a:avLst/>
+          </a:prstGeom>
+          <a:noFill/>
+        </p:spPr>
+        <p:txBody>
+          <a:bodyPr wrap="none" rtlCol="0">
+            <a:spAutoFit/>
+          </a:bodyPr>
+          <a:lstStyle/>
+          <a:p>
+            <a:r>
+              <a:rPr lang="en-US" sz="2400" b="1" dirty="0">
                 <a:latin typeface="Arial" panose="020B0604020202020204" pitchFamily="34" charset="0"/>
                 <a:cs typeface="Arial" panose="020B0604020202020204" pitchFamily="34" charset="0"/>
               </a:rPr>
-              <a:t>Metal plasticity</a:t>
-            </a:r>
-          </a:p>
-          <a:p>
-            <a:pPr lvl="1"/>
-            <a:r>
-              <a:rPr lang="en-US" sz="2800" dirty="0">
+              <a:t>Initial confinement</a:t>
+            </a:r>
+          </a:p>
+        </p:txBody>
+      </p:sp>
+      <p:pic>
+        <p:nvPicPr>
+          <p:cNvPr id="26" name="Picture 25"/>
+          <p:cNvPicPr>
+            <a:picLocks noChangeAspect="1"/>
+          </p:cNvPicPr>
+          <p:nvPr>
+            <p:custDataLst>
+              <p:tags r:id="rId1"/>
+            </p:custDataLst>
+          </p:nvPr>
+        </p:nvPicPr>
+        <p:blipFill>
+          <a:blip r:embed="rId10">
+            <a:extLst>
+              <a:ext uri="{28A0092B-C50C-407E-A947-70E740481C1C}">
+                <a14:useLocalDpi xmlns:a14="http://schemas.microsoft.com/office/drawing/2010/main" val="0"/>
+              </a:ext>
+            </a:extLst>
+          </a:blip>
+          <a:stretch>
+            <a:fillRect/>
+          </a:stretch>
+        </p:blipFill>
+        <p:spPr>
+          <a:xfrm>
+            <a:off x="1070223" y="4398483"/>
+            <a:ext cx="1224324" cy="360095"/>
+          </a:xfrm>
+          <a:prstGeom prst="rect">
+            <a:avLst/>
+          </a:prstGeom>
+        </p:spPr>
+      </p:pic>
+      <p:pic>
+        <p:nvPicPr>
+          <p:cNvPr id="27" name="Picture 26"/>
+          <p:cNvPicPr>
+            <a:picLocks noChangeAspect="1"/>
+          </p:cNvPicPr>
+          <p:nvPr>
+            <p:custDataLst>
+              <p:tags r:id="rId2"/>
+            </p:custDataLst>
+          </p:nvPr>
+        </p:nvPicPr>
+        <p:blipFill>
+          <a:blip r:embed="rId11">
+            <a:extLst>
+              <a:ext uri="{28A0092B-C50C-407E-A947-70E740481C1C}">
+                <a14:useLocalDpi xmlns:a14="http://schemas.microsoft.com/office/drawing/2010/main" val="0"/>
+              </a:ext>
+            </a:extLst>
+          </a:blip>
+          <a:stretch>
+            <a:fillRect/>
+          </a:stretch>
+        </p:blipFill>
+        <p:spPr>
+          <a:xfrm>
+            <a:off x="4100081" y="4371269"/>
+            <a:ext cx="1224324" cy="360095"/>
+          </a:xfrm>
+          <a:prstGeom prst="rect">
+            <a:avLst/>
+          </a:prstGeom>
+        </p:spPr>
+      </p:pic>
+      <p:pic>
+        <p:nvPicPr>
+          <p:cNvPr id="28" name="Picture 27"/>
+          <p:cNvPicPr>
+            <a:picLocks noChangeAspect="1"/>
+          </p:cNvPicPr>
+          <p:nvPr>
+            <p:custDataLst>
+              <p:tags r:id="rId3"/>
+            </p:custDataLst>
+          </p:nvPr>
+        </p:nvPicPr>
+        <p:blipFill>
+          <a:blip r:embed="rId12">
+            <a:extLst>
+              <a:ext uri="{28A0092B-C50C-407E-A947-70E740481C1C}">
+                <a14:useLocalDpi xmlns:a14="http://schemas.microsoft.com/office/drawing/2010/main" val="0"/>
+              </a:ext>
+            </a:extLst>
+          </a:blip>
+          <a:stretch>
+            <a:fillRect/>
+          </a:stretch>
+        </p:blipFill>
+        <p:spPr>
+          <a:xfrm>
+            <a:off x="2584513" y="2402377"/>
+            <a:ext cx="1224324" cy="368097"/>
+          </a:xfrm>
+          <a:prstGeom prst="rect">
+            <a:avLst/>
+          </a:prstGeom>
+        </p:spPr>
+      </p:pic>
+      <p:pic>
+        <p:nvPicPr>
+          <p:cNvPr id="29" name="Picture 28"/>
+          <p:cNvPicPr>
+            <a:picLocks noChangeAspect="1"/>
+          </p:cNvPicPr>
+          <p:nvPr/>
+        </p:nvPicPr>
+        <p:blipFill>
+          <a:blip r:embed="rId9">
+            <a:extLst>
+              <a:ext uri="{28A0092B-C50C-407E-A947-70E740481C1C}">
+                <a14:useLocalDpi xmlns:a14="http://schemas.microsoft.com/office/drawing/2010/main" val="0"/>
+              </a:ext>
+            </a:extLst>
+          </a:blip>
+          <a:stretch>
+            <a:fillRect/>
+          </a:stretch>
+        </p:blipFill>
+        <p:spPr>
+          <a:xfrm>
+            <a:off x="7217023" y="2375057"/>
+            <a:ext cx="3769541" cy="2615600"/>
+          </a:xfrm>
+          <a:prstGeom prst="rect">
+            <a:avLst/>
+          </a:prstGeom>
+        </p:spPr>
+      </p:pic>
+      <p:sp>
+        <p:nvSpPr>
+          <p:cNvPr id="30" name="TextBox 29"/>
+          <p:cNvSpPr txBox="1"/>
+          <p:nvPr/>
+        </p:nvSpPr>
+        <p:spPr>
+          <a:xfrm>
+            <a:off x="7589662" y="5072909"/>
+            <a:ext cx="2645917" cy="461665"/>
+          </a:xfrm>
+          <a:prstGeom prst="rect">
+            <a:avLst/>
+          </a:prstGeom>
+          <a:noFill/>
+        </p:spPr>
+        <p:txBody>
+          <a:bodyPr wrap="none" rtlCol="0">
+            <a:spAutoFit/>
+          </a:bodyPr>
+          <a:lstStyle/>
+          <a:p>
+            <a:r>
+              <a:rPr lang="en-US" sz="2400" b="1" dirty="0">
                 <a:latin typeface="Arial" panose="020B0604020202020204" pitchFamily="34" charset="0"/>
                 <a:cs typeface="Arial" panose="020B0604020202020204" pitchFamily="34" charset="0"/>
               </a:rPr>
-              <a:t>Concrete</a:t>
-            </a:r>
-          </a:p>
-          <a:p>
-            <a:pPr lvl="1"/>
-            <a:r>
-              <a:rPr lang="en-US" sz="2800" dirty="0">
-                <a:latin typeface="Arial" panose="020B0604020202020204" pitchFamily="34" charset="0"/>
-                <a:cs typeface="Arial" panose="020B0604020202020204" pitchFamily="34" charset="0"/>
-              </a:rPr>
-              <a:t>Soil, granular media (Mohr-Coulomb)</a:t>
-            </a:r>
-          </a:p>
-          <a:p>
-            <a:r>
-              <a:rPr lang="en-US" dirty="0">
-                <a:latin typeface="Arial" panose="020B0604020202020204" pitchFamily="34" charset="0"/>
-                <a:cs typeface="Arial" panose="020B0604020202020204" pitchFamily="34" charset="0"/>
-              </a:rPr>
-              <a:t>Rate-independent model</a:t>
-            </a:r>
-          </a:p>
-          <a:p>
-            <a:r>
-              <a:rPr lang="en-US" dirty="0">
-                <a:latin typeface="Arial" panose="020B0604020202020204" pitchFamily="34" charset="0"/>
-                <a:cs typeface="Arial" panose="020B0604020202020204" pitchFamily="34" charset="0"/>
-              </a:rPr>
-              <a:t>Elastic-plastic materials</a:t>
-            </a:r>
-          </a:p>
-          <a:p>
-            <a:r>
-              <a:rPr lang="en-US" dirty="0">
-                <a:latin typeface="Arial" panose="020B0604020202020204" pitchFamily="34" charset="0"/>
-                <a:cs typeface="Arial" panose="020B0604020202020204" pitchFamily="34" charset="0"/>
-              </a:rPr>
-              <a:t>Quasi-static applications and monotonic loading (models are derived from tests)</a:t>
-            </a:r>
-          </a:p>
-          <a:p>
-            <a:r>
-              <a:rPr lang="en-US" dirty="0">
-                <a:latin typeface="Arial" panose="020B0604020202020204" pitchFamily="34" charset="0"/>
-                <a:cs typeface="Arial" panose="020B0604020202020204" pitchFamily="34" charset="0"/>
-              </a:rPr>
-              <a:t>For dynamics, ask others.</a:t>
-            </a:r>
-          </a:p>
-        </p:txBody>
-      </p:sp>
+              <a:t>Triaxial Shearing</a:t>
+            </a:r>
+          </a:p>
+        </p:txBody>
+      </p:sp>
+      <p:pic>
+        <p:nvPicPr>
+          <p:cNvPr id="9" name="Picture 8"/>
+          <p:cNvPicPr>
+            <a:picLocks noChangeAspect="1"/>
+          </p:cNvPicPr>
+          <p:nvPr>
+            <p:custDataLst>
+              <p:tags r:id="rId4"/>
+            </p:custDataLst>
+          </p:nvPr>
+        </p:nvPicPr>
+        <p:blipFill>
+          <a:blip r:embed="rId13">
+            <a:extLst>
+              <a:ext uri="{28A0092B-C50C-407E-A947-70E740481C1C}">
+                <a14:useLocalDpi xmlns:a14="http://schemas.microsoft.com/office/drawing/2010/main" val="0"/>
+              </a:ext>
+            </a:extLst>
+          </a:blip>
+          <a:stretch>
+            <a:fillRect/>
+          </a:stretch>
+        </p:blipFill>
+        <p:spPr>
+          <a:xfrm>
+            <a:off x="6913287" y="4398484"/>
+            <a:ext cx="1224324" cy="360095"/>
+          </a:xfrm>
+          <a:prstGeom prst="rect">
+            <a:avLst/>
+          </a:prstGeom>
+        </p:spPr>
+      </p:pic>
+      <p:pic>
+        <p:nvPicPr>
+          <p:cNvPr id="7" name="Picture 6"/>
+          <p:cNvPicPr>
+            <a:picLocks noChangeAspect="1"/>
+          </p:cNvPicPr>
+          <p:nvPr>
+            <p:custDataLst>
+              <p:tags r:id="rId5"/>
+            </p:custDataLst>
+          </p:nvPr>
+        </p:nvPicPr>
+        <p:blipFill>
+          <a:blip r:embed="rId14">
+            <a:extLst>
+              <a:ext uri="{28A0092B-C50C-407E-A947-70E740481C1C}">
+                <a14:useLocalDpi xmlns:a14="http://schemas.microsoft.com/office/drawing/2010/main" val="0"/>
+              </a:ext>
+            </a:extLst>
+          </a:blip>
+          <a:stretch>
+            <a:fillRect/>
+          </a:stretch>
+        </p:blipFill>
+        <p:spPr>
+          <a:xfrm>
+            <a:off x="9986687" y="4385784"/>
+            <a:ext cx="1224324" cy="360095"/>
+          </a:xfrm>
+          <a:prstGeom prst="rect">
+            <a:avLst/>
+          </a:prstGeom>
+        </p:spPr>
+      </p:pic>
+      <p:pic>
+        <p:nvPicPr>
+          <p:cNvPr id="3" name="Picture 2"/>
+          <p:cNvPicPr>
+            <a:picLocks noChangeAspect="1"/>
+          </p:cNvPicPr>
+          <p:nvPr>
+            <p:custDataLst>
+              <p:tags r:id="rId6"/>
+            </p:custDataLst>
+          </p:nvPr>
+        </p:nvPicPr>
+        <p:blipFill>
+          <a:blip r:embed="rId15">
+            <a:extLst>
+              <a:ext uri="{28A0092B-C50C-407E-A947-70E740481C1C}">
+                <a14:useLocalDpi xmlns:a14="http://schemas.microsoft.com/office/drawing/2010/main" val="0"/>
+              </a:ext>
+            </a:extLst>
+          </a:blip>
+          <a:stretch>
+            <a:fillRect/>
+          </a:stretch>
+        </p:blipFill>
+        <p:spPr>
+          <a:xfrm>
+            <a:off x="8427577" y="2402377"/>
+            <a:ext cx="1224324" cy="368097"/>
+          </a:xfrm>
+          <a:prstGeom prst="rect">
+            <a:avLst/>
+          </a:prstGeom>
+        </p:spPr>
+      </p:pic>
     </p:spTree>
     <p:extLst>
       <p:ext uri="{BB962C8B-B14F-4D97-AF65-F5344CB8AC3E}">
-        <p14:creationId xmlns:p14="http://schemas.microsoft.com/office/powerpoint/2010/main" val="967601259"/>
+        <p14:creationId xmlns:p14="http://schemas.microsoft.com/office/powerpoint/2010/main" val="1506496838"/>
       </p:ext>
     </p:extLst>
   </p:cSld>
@@ -12875,12 +13884,7 @@
             <p:ph type="title"/>
           </p:nvPr>
         </p:nvSpPr>
-        <p:spPr>
-          <a:xfrm>
-            <a:off x="613773" y="3146907"/>
-            <a:ext cx="10515600" cy="723569"/>
-          </a:xfrm>
-        </p:spPr>
+        <p:spPr/>
         <p:txBody>
           <a:bodyPr/>
           <a:lstStyle/>
@@ -12890,15 +13894,183 @@
                 <a:latin typeface="Arial" panose="020B0604020202020204" pitchFamily="34" charset="0"/>
                 <a:cs typeface="Arial" panose="020B0604020202020204" pitchFamily="34" charset="0"/>
               </a:rPr>
-              <a:t>Metal Plasticity</a:t>
-            </a:r>
-          </a:p>
-        </p:txBody>
-      </p:sp>
+              <a:t>Triaxial stress state (cont’d)</a:t>
+            </a:r>
+          </a:p>
+        </p:txBody>
+      </p:sp>
+      <p:sp>
+        <p:nvSpPr>
+          <p:cNvPr id="5" name="Content Placeholder 4">
+            <a:extLst>
+              <a:ext uri="{FF2B5EF4-FFF2-40B4-BE49-F238E27FC236}">
+                <a16:creationId xmlns:a16="http://schemas.microsoft.com/office/drawing/2014/main" id="{2E48F1C5-477D-4547-95BB-9E8BD09144C0}"/>
+              </a:ext>
+            </a:extLst>
+          </p:cNvPr>
+          <p:cNvSpPr>
+            <a:spLocks noGrp="1"/>
+          </p:cNvSpPr>
+          <p:nvPr>
+            <p:ph idx="1"/>
+          </p:nvPr>
+        </p:nvSpPr>
+        <p:spPr>
+          <a:xfrm>
+            <a:off x="613773" y="1231900"/>
+            <a:ext cx="10947421" cy="4914457"/>
+          </a:xfrm>
+        </p:spPr>
+        <p:txBody>
+          <a:bodyPr/>
+          <a:lstStyle/>
+          <a:p>
+            <a:r>
+              <a:rPr lang="en-US" dirty="0">
+                <a:latin typeface="Arial" panose="020B0604020202020204" pitchFamily="34" charset="0"/>
+                <a:cs typeface="Arial" panose="020B0604020202020204" pitchFamily="34" charset="0"/>
+              </a:rPr>
+              <a:t>Uniaxial</a:t>
+            </a:r>
+          </a:p>
+        </p:txBody>
+      </p:sp>
+      <p:pic>
+        <p:nvPicPr>
+          <p:cNvPr id="24" name="Picture 23"/>
+          <p:cNvPicPr>
+            <a:picLocks noChangeAspect="1"/>
+          </p:cNvPicPr>
+          <p:nvPr/>
+        </p:nvPicPr>
+        <p:blipFill>
+          <a:blip r:embed="rId6">
+            <a:extLst>
+              <a:ext uri="{28A0092B-C50C-407E-A947-70E740481C1C}">
+                <a14:useLocalDpi xmlns:a14="http://schemas.microsoft.com/office/drawing/2010/main" val="0"/>
+              </a:ext>
+            </a:extLst>
+          </a:blip>
+          <a:stretch>
+            <a:fillRect/>
+          </a:stretch>
+        </p:blipFill>
+        <p:spPr>
+          <a:xfrm>
+            <a:off x="3897152" y="2381328"/>
+            <a:ext cx="3769541" cy="2615600"/>
+          </a:xfrm>
+          <a:prstGeom prst="rect">
+            <a:avLst/>
+          </a:prstGeom>
+        </p:spPr>
+      </p:pic>
+      <p:pic>
+        <p:nvPicPr>
+          <p:cNvPr id="10" name="Picture 9"/>
+          <p:cNvPicPr>
+            <a:picLocks noChangeAspect="1"/>
+          </p:cNvPicPr>
+          <p:nvPr>
+            <p:custDataLst>
+              <p:tags r:id="rId1"/>
+            </p:custDataLst>
+          </p:nvPr>
+        </p:nvPicPr>
+        <p:blipFill>
+          <a:blip r:embed="rId7">
+            <a:extLst>
+              <a:ext uri="{28A0092B-C50C-407E-A947-70E740481C1C}">
+                <a14:useLocalDpi xmlns:a14="http://schemas.microsoft.com/office/drawing/2010/main" val="0"/>
+              </a:ext>
+            </a:extLst>
+          </a:blip>
+          <a:stretch>
+            <a:fillRect/>
+          </a:stretch>
+        </p:blipFill>
+        <p:spPr>
+          <a:xfrm>
+            <a:off x="3593417" y="4404755"/>
+            <a:ext cx="1229659" cy="360095"/>
+          </a:xfrm>
+          <a:prstGeom prst="rect">
+            <a:avLst/>
+          </a:prstGeom>
+        </p:spPr>
+      </p:pic>
+      <p:pic>
+        <p:nvPicPr>
+          <p:cNvPr id="12" name="Picture 11"/>
+          <p:cNvPicPr>
+            <a:picLocks noChangeAspect="1"/>
+          </p:cNvPicPr>
+          <p:nvPr>
+            <p:custDataLst>
+              <p:tags r:id="rId2"/>
+            </p:custDataLst>
+          </p:nvPr>
+        </p:nvPicPr>
+        <p:blipFill>
+          <a:blip r:embed="rId8">
+            <a:extLst>
+              <a:ext uri="{28A0092B-C50C-407E-A947-70E740481C1C}">
+                <a14:useLocalDpi xmlns:a14="http://schemas.microsoft.com/office/drawing/2010/main" val="0"/>
+              </a:ext>
+            </a:extLst>
+          </a:blip>
+          <a:stretch>
+            <a:fillRect/>
+          </a:stretch>
+        </p:blipFill>
+        <p:spPr>
+          <a:xfrm>
+            <a:off x="6623275" y="4377541"/>
+            <a:ext cx="1229659" cy="360095"/>
+          </a:xfrm>
+          <a:prstGeom prst="rect">
+            <a:avLst/>
+          </a:prstGeom>
+        </p:spPr>
+      </p:pic>
+      <p:pic>
+        <p:nvPicPr>
+          <p:cNvPr id="6" name="Picture 5"/>
+          <p:cNvPicPr>
+            <a:picLocks noChangeAspect="1"/>
+          </p:cNvPicPr>
+          <p:nvPr>
+            <p:custDataLst>
+              <p:tags r:id="rId3"/>
+            </p:custDataLst>
+          </p:nvPr>
+        </p:nvPicPr>
+        <p:blipFill>
+          <a:blip r:embed="rId9">
+            <a:extLst>
+              <a:ext uri="{28A0092B-C50C-407E-A947-70E740481C1C}">
+                <a14:useLocalDpi xmlns:a14="http://schemas.microsoft.com/office/drawing/2010/main" val="0"/>
+              </a:ext>
+            </a:extLst>
+          </a:blip>
+          <a:stretch>
+            <a:fillRect/>
+          </a:stretch>
+        </p:blipFill>
+        <p:spPr>
+          <a:xfrm>
+            <a:off x="5107707" y="2365106"/>
+            <a:ext cx="1229659" cy="410775"/>
+          </a:xfrm>
+          <a:prstGeom prst="rect">
+            <a:avLst/>
+          </a:prstGeom>
+        </p:spPr>
+      </p:pic>
     </p:spTree>
     <p:extLst>
       <p:ext uri="{BB962C8B-B14F-4D97-AF65-F5344CB8AC3E}">
-        <p14:creationId xmlns:p14="http://schemas.microsoft.com/office/powerpoint/2010/main" val="1277487930"/>
+        <p14:creationId xmlns:p14="http://schemas.microsoft.com/office/powerpoint/2010/main" val="1095586575"/>
       </p:ext>
     </p:extLst>
   </p:cSld>
@@ -12951,7 +14123,7 @@
                 <a:latin typeface="Arial" panose="020B0604020202020204" pitchFamily="34" charset="0"/>
                 <a:cs typeface="Arial" panose="020B0604020202020204" pitchFamily="34" charset="0"/>
               </a:rPr>
-              <a:t>Metal Plasticity</a:t>
+              <a:t>Triaxial stress state (cont’d)</a:t>
             </a:r>
           </a:p>
         </p:txBody>
@@ -12972,7 +14144,12 @@
             <p:ph idx="1"/>
           </p:nvPr>
         </p:nvSpPr>
-        <p:spPr/>
+        <p:spPr>
+          <a:xfrm>
+            <a:off x="613773" y="1206500"/>
+            <a:ext cx="10947421" cy="4939857"/>
+          </a:xfrm>
+        </p:spPr>
         <p:txBody>
           <a:bodyPr/>
           <a:lstStyle/>
@@ -12982,7 +14159,7 @@
                 <a:latin typeface="Arial" panose="020B0604020202020204" pitchFamily="34" charset="0"/>
                 <a:cs typeface="Arial" panose="020B0604020202020204" pitchFamily="34" charset="0"/>
               </a:rPr>
-              <a:t>Yield function</a:t>
+              <a:t>Shear stress (stress difference) </a:t>
             </a:r>
           </a:p>
           <a:p>
@@ -13003,14 +14180,20 @@
                 <a:latin typeface="Arial" panose="020B0604020202020204" pitchFamily="34" charset="0"/>
                 <a:cs typeface="Arial" panose="020B0604020202020204" pitchFamily="34" charset="0"/>
               </a:rPr>
-              <a:t>Isotropic (linear) hardening</a:t>
-            </a:r>
+              <a:t>Pressure (mean stress)</a:t>
+            </a:r>
+          </a:p>
+          <a:p>
+            <a:endParaRPr lang="en-US" dirty="0">
+              <a:latin typeface="Arial" panose="020B0604020202020204" pitchFamily="34" charset="0"/>
+              <a:cs typeface="Arial" panose="020B0604020202020204" pitchFamily="34" charset="0"/>
+            </a:endParaRPr>
           </a:p>
         </p:txBody>
       </p:sp>
       <p:pic>
         <p:nvPicPr>
-          <p:cNvPr id="3" name="Picture 2"/>
+          <p:cNvPr id="21" name="Picture 20"/>
           <p:cNvPicPr>
             <a:picLocks noChangeAspect="1"/>
           </p:cNvPicPr>
@@ -13021,7 +14204,7 @@
           </p:nvPr>
         </p:nvPicPr>
         <p:blipFill>
-          <a:blip r:embed="rId6">
+          <a:blip r:embed="rId5">
             <a:extLst>
               <a:ext uri="{28A0092B-C50C-407E-A947-70E740481C1C}">
                 <a14:useLocalDpi xmlns:a14="http://schemas.microsoft.com/office/drawing/2010/main" val="0"/>
@@ -13034,8 +14217,8 @@
         </p:blipFill>
         <p:spPr>
           <a:xfrm>
-            <a:off x="1139369" y="2341080"/>
-            <a:ext cx="3231332" cy="573104"/>
+            <a:off x="1915076" y="2040273"/>
+            <a:ext cx="2490564" cy="320085"/>
           </a:xfrm>
           <a:prstGeom prst="rect">
             <a:avLst/>
@@ -13044,7 +14227,7 @@
       </p:pic>
       <p:pic>
         <p:nvPicPr>
-          <p:cNvPr id="9" name="Picture 8"/>
+          <p:cNvPr id="24" name="Picture 23"/>
           <p:cNvPicPr>
             <a:picLocks noChangeAspect="1"/>
           </p:cNvPicPr>
@@ -13055,7 +14238,7 @@
           </p:nvPr>
         </p:nvPicPr>
         <p:blipFill>
-          <a:blip r:embed="rId7">
+          <a:blip r:embed="rId6">
             <a:extLst>
               <a:ext uri="{28A0092B-C50C-407E-A947-70E740481C1C}">
                 <a14:useLocalDpi xmlns:a14="http://schemas.microsoft.com/office/drawing/2010/main" val="0"/>
@@ -13068,324 +14251,18 @@
         </p:blipFill>
         <p:spPr>
           <a:xfrm>
-            <a:off x="1139369" y="4015517"/>
-            <a:ext cx="4237312" cy="573104"/>
+            <a:off x="1915076" y="3477009"/>
+            <a:ext cx="7968586" cy="1036465"/>
           </a:xfrm>
           <a:prstGeom prst="rect">
             <a:avLst/>
           </a:prstGeom>
         </p:spPr>
       </p:pic>
-      <p:sp>
-        <p:nvSpPr>
-          <p:cNvPr id="11" name="TextBox 10"/>
-          <p:cNvSpPr txBox="1"/>
-          <p:nvPr/>
-        </p:nvSpPr>
-        <p:spPr>
-          <a:xfrm>
-            <a:off x="4358731" y="5202875"/>
-            <a:ext cx="2185214" cy="369332"/>
-          </a:xfrm>
-          <a:prstGeom prst="rect">
-            <a:avLst/>
-          </a:prstGeom>
-          <a:noFill/>
-        </p:spPr>
-        <p:txBody>
-          <a:bodyPr wrap="none" rtlCol="0">
-            <a:spAutoFit/>
-          </a:bodyPr>
-          <a:lstStyle/>
-          <a:p>
-            <a:r>
-              <a:rPr lang="en-US" dirty="0">
-                <a:latin typeface="Arial" panose="020B0604020202020204" pitchFamily="34" charset="0"/>
-                <a:cs typeface="Arial" panose="020B0604020202020204" pitchFamily="34" charset="0"/>
-              </a:rPr>
-              <a:t>Hardening modulus</a:t>
-            </a:r>
-          </a:p>
-        </p:txBody>
-      </p:sp>
-      <p:sp>
-        <p:nvSpPr>
-          <p:cNvPr id="12" name="Rectangle 11"/>
-          <p:cNvSpPr/>
-          <p:nvPr/>
-        </p:nvSpPr>
-        <p:spPr>
-          <a:xfrm>
-            <a:off x="4505077" y="4003629"/>
-            <a:ext cx="440147" cy="430763"/>
-          </a:xfrm>
-          <a:prstGeom prst="rect">
-            <a:avLst/>
-          </a:prstGeom>
-          <a:noFill/>
-          <a:ln>
-            <a:solidFill>
-              <a:srgbClr val="FF0000"/>
-            </a:solidFill>
-          </a:ln>
-        </p:spPr>
-        <p:style>
-          <a:lnRef idx="2">
-            <a:schemeClr val="accent1">
-              <a:shade val="50000"/>
-            </a:schemeClr>
-          </a:lnRef>
-          <a:fillRef idx="1">
-            <a:schemeClr val="accent1"/>
-          </a:fillRef>
-          <a:effectRef idx="0">
-            <a:schemeClr val="accent1"/>
-          </a:effectRef>
-          <a:fontRef idx="minor">
-            <a:schemeClr val="lt1"/>
-          </a:fontRef>
-        </p:style>
-        <p:txBody>
-          <a:bodyPr rtlCol="0" anchor="ctr"/>
-          <a:lstStyle/>
-          <a:p>
-            <a:pPr algn="ctr"/>
-            <a:endParaRPr lang="en-US" dirty="0"/>
-          </a:p>
-        </p:txBody>
-      </p:sp>
-      <p:cxnSp>
-        <p:nvCxnSpPr>
-          <p:cNvPr id="13" name="Straight Connector 12"/>
-          <p:cNvCxnSpPr/>
-          <p:nvPr/>
-        </p:nvCxnSpPr>
-        <p:spPr>
-          <a:xfrm flipH="1" flipV="1">
-            <a:off x="4724984" y="4434392"/>
-            <a:ext cx="336131" cy="797280"/>
-          </a:xfrm>
-          <a:prstGeom prst="line">
-            <a:avLst/>
-          </a:prstGeom>
-          <a:ln>
-            <a:solidFill>
-              <a:srgbClr val="FF0000"/>
-            </a:solidFill>
-          </a:ln>
-        </p:spPr>
-        <p:style>
-          <a:lnRef idx="1">
-            <a:schemeClr val="accent1"/>
-          </a:lnRef>
-          <a:fillRef idx="0">
-            <a:schemeClr val="accent1"/>
-          </a:fillRef>
-          <a:effectRef idx="0">
-            <a:schemeClr val="accent1"/>
-          </a:effectRef>
-          <a:fontRef idx="minor">
-            <a:schemeClr val="tx1"/>
-          </a:fontRef>
-        </p:style>
-      </p:cxnSp>
-      <p:sp>
-        <p:nvSpPr>
-          <p:cNvPr id="16" name="TextBox 15"/>
-          <p:cNvSpPr txBox="1"/>
-          <p:nvPr/>
-        </p:nvSpPr>
-        <p:spPr>
-          <a:xfrm>
-            <a:off x="2429081" y="5452516"/>
-            <a:ext cx="1941557" cy="369332"/>
-          </a:xfrm>
-          <a:prstGeom prst="rect">
-            <a:avLst/>
-          </a:prstGeom>
-          <a:noFill/>
-        </p:spPr>
-        <p:txBody>
-          <a:bodyPr wrap="none" rtlCol="0">
-            <a:spAutoFit/>
-          </a:bodyPr>
-          <a:lstStyle/>
-          <a:p>
-            <a:r>
-              <a:rPr lang="en-US" dirty="0">
-                <a:latin typeface="Arial" panose="020B0604020202020204" pitchFamily="34" charset="0"/>
-                <a:cs typeface="Arial" panose="020B0604020202020204" pitchFamily="34" charset="0"/>
-              </a:rPr>
-              <a:t>Initial yield stress</a:t>
-            </a:r>
-          </a:p>
-        </p:txBody>
-      </p:sp>
-      <p:sp>
-        <p:nvSpPr>
-          <p:cNvPr id="17" name="Rectangle 16"/>
-          <p:cNvSpPr/>
-          <p:nvPr/>
-        </p:nvSpPr>
-        <p:spPr>
-          <a:xfrm>
-            <a:off x="3124712" y="4049796"/>
-            <a:ext cx="752966" cy="584992"/>
-          </a:xfrm>
-          <a:prstGeom prst="rect">
-            <a:avLst/>
-          </a:prstGeom>
-          <a:noFill/>
-          <a:ln>
-            <a:solidFill>
-              <a:srgbClr val="FF0000"/>
-            </a:solidFill>
-          </a:ln>
-        </p:spPr>
-        <p:style>
-          <a:lnRef idx="2">
-            <a:schemeClr val="accent1">
-              <a:shade val="50000"/>
-            </a:schemeClr>
-          </a:lnRef>
-          <a:fillRef idx="1">
-            <a:schemeClr val="accent1"/>
-          </a:fillRef>
-          <a:effectRef idx="0">
-            <a:schemeClr val="accent1"/>
-          </a:effectRef>
-          <a:fontRef idx="minor">
-            <a:schemeClr val="lt1"/>
-          </a:fontRef>
-        </p:style>
-        <p:txBody>
-          <a:bodyPr rtlCol="0" anchor="ctr"/>
-          <a:lstStyle/>
-          <a:p>
-            <a:pPr algn="ctr"/>
-            <a:endParaRPr lang="en-US" dirty="0"/>
-          </a:p>
-        </p:txBody>
-      </p:sp>
-      <p:cxnSp>
-        <p:nvCxnSpPr>
-          <p:cNvPr id="18" name="Straight Connector 17"/>
-          <p:cNvCxnSpPr/>
-          <p:nvPr/>
-        </p:nvCxnSpPr>
-        <p:spPr>
-          <a:xfrm flipV="1">
-            <a:off x="3399860" y="4649031"/>
-            <a:ext cx="0" cy="848308"/>
-          </a:xfrm>
-          <a:prstGeom prst="line">
-            <a:avLst/>
-          </a:prstGeom>
-          <a:ln>
-            <a:solidFill>
-              <a:srgbClr val="FF0000"/>
-            </a:solidFill>
-          </a:ln>
-        </p:spPr>
-        <p:style>
-          <a:lnRef idx="1">
-            <a:schemeClr val="accent1"/>
-          </a:lnRef>
-          <a:fillRef idx="0">
-            <a:schemeClr val="accent1"/>
-          </a:fillRef>
-          <a:effectRef idx="0">
-            <a:schemeClr val="accent1"/>
-          </a:effectRef>
-          <a:fontRef idx="minor">
-            <a:schemeClr val="tx1"/>
-          </a:fontRef>
-        </p:style>
-      </p:cxnSp>
-      <p:pic>
-        <p:nvPicPr>
-          <p:cNvPr id="50" name="Picture 49"/>
-          <p:cNvPicPr>
-            <a:picLocks noChangeAspect="1"/>
-          </p:cNvPicPr>
-          <p:nvPr>
-            <p:custDataLst>
-              <p:tags r:id="rId3"/>
-            </p:custDataLst>
-          </p:nvPr>
-        </p:nvPicPr>
-        <p:blipFill>
-          <a:blip r:embed="rId8">
-            <a:extLst>
-              <a:ext uri="{28A0092B-C50C-407E-A947-70E740481C1C}">
-                <a14:useLocalDpi xmlns:a14="http://schemas.microsoft.com/office/drawing/2010/main" val="0"/>
-              </a:ext>
-            </a:extLst>
-          </a:blip>
-          <a:stretch>
-            <a:fillRect/>
-          </a:stretch>
-        </p:blipFill>
-        <p:spPr>
-          <a:xfrm>
-            <a:off x="7988889" y="3172409"/>
-            <a:ext cx="2590765" cy="2023749"/>
-          </a:xfrm>
-          <a:prstGeom prst="rect">
-            <a:avLst/>
-          </a:prstGeom>
-        </p:spPr>
-      </p:pic>
-      <p:sp>
-        <p:nvSpPr>
-          <p:cNvPr id="48" name="Rectangle 47"/>
-          <p:cNvSpPr/>
-          <p:nvPr/>
-        </p:nvSpPr>
-        <p:spPr>
-          <a:xfrm>
-            <a:off x="7746476" y="3045200"/>
-            <a:ext cx="3739508" cy="2263918"/>
-          </a:xfrm>
-          <a:prstGeom prst="rect">
-            <a:avLst/>
-          </a:prstGeom>
-          <a:noFill/>
-          <a:ln>
-            <a:solidFill>
-              <a:srgbClr val="FF0000"/>
-            </a:solidFill>
-          </a:ln>
-        </p:spPr>
-        <p:style>
-          <a:lnRef idx="2">
-            <a:schemeClr val="accent1">
-              <a:shade val="50000"/>
-            </a:schemeClr>
-          </a:lnRef>
-          <a:fillRef idx="1">
-            <a:schemeClr val="accent1"/>
-          </a:fillRef>
-          <a:effectRef idx="0">
-            <a:schemeClr val="accent1"/>
-          </a:effectRef>
-          <a:fontRef idx="minor">
-            <a:schemeClr val="lt1"/>
-          </a:fontRef>
-        </p:style>
-        <p:txBody>
-          <a:bodyPr rtlCol="0" anchor="ctr"/>
-          <a:lstStyle/>
-          <a:p>
-            <a:pPr algn="ctr"/>
-            <a:endParaRPr lang="en-US" dirty="0"/>
-          </a:p>
-        </p:txBody>
-      </p:sp>
     </p:spTree>
     <p:extLst>
       <p:ext uri="{BB962C8B-B14F-4D97-AF65-F5344CB8AC3E}">
-        <p14:creationId xmlns:p14="http://schemas.microsoft.com/office/powerpoint/2010/main" val="109627340"/>
+        <p14:creationId xmlns:p14="http://schemas.microsoft.com/office/powerpoint/2010/main" val="374933874"/>
       </p:ext>
     </p:extLst>
   </p:cSld>
@@ -13428,12 +14305,7 @@
             <p:ph type="title"/>
           </p:nvPr>
         </p:nvSpPr>
-        <p:spPr>
-          <a:xfrm>
-            <a:off x="613773" y="3146907"/>
-            <a:ext cx="10515600" cy="723569"/>
-          </a:xfrm>
-        </p:spPr>
+        <p:spPr/>
         <p:txBody>
           <a:bodyPr/>
           <a:lstStyle/>
@@ -13443,15 +14315,211 @@
                 <a:latin typeface="Arial" panose="020B0604020202020204" pitchFamily="34" charset="0"/>
                 <a:cs typeface="Arial" panose="020B0604020202020204" pitchFamily="34" charset="0"/>
               </a:rPr>
-              <a:t>Mohr-Coulomb</a:t>
-            </a:r>
+              <a:t>Triaxial stress state (cont’d)</a:t>
+            </a:r>
+          </a:p>
+        </p:txBody>
+      </p:sp>
+      <p:sp>
+        <p:nvSpPr>
+          <p:cNvPr id="5" name="Content Placeholder 4">
+            <a:extLst>
+              <a:ext uri="{FF2B5EF4-FFF2-40B4-BE49-F238E27FC236}">
+                <a16:creationId xmlns:a16="http://schemas.microsoft.com/office/drawing/2014/main" id="{2E48F1C5-477D-4547-95BB-9E8BD09144C0}"/>
+              </a:ext>
+            </a:extLst>
+          </p:cNvPr>
+          <p:cNvSpPr>
+            <a:spLocks noGrp="1"/>
+          </p:cNvSpPr>
+          <p:nvPr>
+            <p:ph idx="1"/>
+          </p:nvPr>
+        </p:nvSpPr>
+        <p:spPr>
+          <a:xfrm>
+            <a:off x="613773" y="1181100"/>
+            <a:ext cx="10947421" cy="4965257"/>
+          </a:xfrm>
+        </p:spPr>
+        <p:txBody>
+          <a:bodyPr/>
+          <a:lstStyle/>
+          <a:p>
+            <a:r>
+              <a:rPr lang="en-US" dirty="0">
+                <a:latin typeface="Arial" panose="020B0604020202020204" pitchFamily="34" charset="0"/>
+                <a:cs typeface="Arial" panose="020B0604020202020204" pitchFamily="34" charset="0"/>
+              </a:rPr>
+              <a:t>Triaxial compression</a:t>
+            </a:r>
+          </a:p>
+          <a:p>
+            <a:endParaRPr lang="en-US" dirty="0">
+              <a:latin typeface="Arial" panose="020B0604020202020204" pitchFamily="34" charset="0"/>
+              <a:cs typeface="Arial" panose="020B0604020202020204" pitchFamily="34" charset="0"/>
+            </a:endParaRPr>
+          </a:p>
+          <a:p>
+            <a:endParaRPr lang="en-US" dirty="0">
+              <a:latin typeface="Arial" panose="020B0604020202020204" pitchFamily="34" charset="0"/>
+              <a:cs typeface="Arial" panose="020B0604020202020204" pitchFamily="34" charset="0"/>
+            </a:endParaRPr>
+          </a:p>
+        </p:txBody>
+      </p:sp>
+      <p:pic>
+        <p:nvPicPr>
+          <p:cNvPr id="7" name="Picture 6"/>
+          <p:cNvPicPr>
+            <a:picLocks noChangeAspect="1"/>
+          </p:cNvPicPr>
+          <p:nvPr>
+            <p:custDataLst>
+              <p:tags r:id="rId1"/>
+            </p:custDataLst>
+          </p:nvPr>
+        </p:nvPicPr>
+        <p:blipFill>
+          <a:blip r:embed="rId6">
+            <a:extLst>
+              <a:ext uri="{28A0092B-C50C-407E-A947-70E740481C1C}">
+                <a14:useLocalDpi xmlns:a14="http://schemas.microsoft.com/office/drawing/2010/main" val="0"/>
+              </a:ext>
+            </a:extLst>
+          </a:blip>
+          <a:stretch>
+            <a:fillRect/>
+          </a:stretch>
+        </p:blipFill>
+        <p:spPr>
+          <a:xfrm>
+            <a:off x="943973" y="2397602"/>
+            <a:ext cx="4707912" cy="981593"/>
+          </a:xfrm>
+          <a:prstGeom prst="rect">
+            <a:avLst/>
+          </a:prstGeom>
+        </p:spPr>
+      </p:pic>
+      <p:pic>
+        <p:nvPicPr>
+          <p:cNvPr id="14" name="Picture 13"/>
+          <p:cNvPicPr>
+            <a:picLocks noChangeAspect="1"/>
+          </p:cNvPicPr>
+          <p:nvPr>
+            <p:custDataLst>
+              <p:tags r:id="rId2"/>
+            </p:custDataLst>
+          </p:nvPr>
+        </p:nvPicPr>
+        <p:blipFill>
+          <a:blip r:embed="rId7">
+            <a:extLst>
+              <a:ext uri="{28A0092B-C50C-407E-A947-70E740481C1C}">
+                <a14:useLocalDpi xmlns:a14="http://schemas.microsoft.com/office/drawing/2010/main" val="0"/>
+              </a:ext>
+            </a:extLst>
+          </a:blip>
+          <a:stretch>
+            <a:fillRect/>
+          </a:stretch>
+        </p:blipFill>
+        <p:spPr>
+          <a:xfrm>
+            <a:off x="943973" y="3799486"/>
+            <a:ext cx="6158963" cy="1592421"/>
+          </a:xfrm>
+          <a:prstGeom prst="rect">
+            <a:avLst/>
+          </a:prstGeom>
+        </p:spPr>
+      </p:pic>
+      <p:pic>
+        <p:nvPicPr>
+          <p:cNvPr id="11" name="Picture 10"/>
+          <p:cNvPicPr>
+            <a:picLocks noChangeAspect="1"/>
+          </p:cNvPicPr>
+          <p:nvPr>
+            <p:custDataLst>
+              <p:tags r:id="rId3"/>
+            </p:custDataLst>
+          </p:nvPr>
+        </p:nvPicPr>
+        <p:blipFill>
+          <a:blip r:embed="rId8">
+            <a:extLst>
+              <a:ext uri="{28A0092B-C50C-407E-A947-70E740481C1C}">
+                <a14:useLocalDpi xmlns:a14="http://schemas.microsoft.com/office/drawing/2010/main" val="0"/>
+              </a:ext>
+            </a:extLst>
+          </a:blip>
+          <a:stretch>
+            <a:fillRect/>
+          </a:stretch>
+        </p:blipFill>
+        <p:spPr>
+          <a:xfrm>
+            <a:off x="8798475" y="2792126"/>
+            <a:ext cx="2437845" cy="1705135"/>
+          </a:xfrm>
+          <a:prstGeom prst="rect">
+            <a:avLst/>
+          </a:prstGeom>
+        </p:spPr>
+      </p:pic>
+      <p:sp>
+        <p:nvSpPr>
+          <p:cNvPr id="15" name="Rectangle 14"/>
+          <p:cNvSpPr/>
+          <p:nvPr/>
+        </p:nvSpPr>
+        <p:spPr>
+          <a:xfrm>
+            <a:off x="8387968" y="2336800"/>
+            <a:ext cx="3397632" cy="2654300"/>
+          </a:xfrm>
+          <a:prstGeom prst="rect">
+            <a:avLst/>
+          </a:prstGeom>
+          <a:noFill/>
+          <a:ln w="28575">
+            <a:solidFill>
+              <a:srgbClr val="FF0000"/>
+            </a:solidFill>
+          </a:ln>
+        </p:spPr>
+        <p:style>
+          <a:lnRef idx="2">
+            <a:schemeClr val="accent1">
+              <a:shade val="50000"/>
+            </a:schemeClr>
+          </a:lnRef>
+          <a:fillRef idx="1">
+            <a:schemeClr val="accent1"/>
+          </a:fillRef>
+          <a:effectRef idx="0">
+            <a:schemeClr val="accent1"/>
+          </a:effectRef>
+          <a:fontRef idx="minor">
+            <a:schemeClr val="lt1"/>
+          </a:fontRef>
+        </p:style>
+        <p:txBody>
+          <a:bodyPr rtlCol="0" anchor="ctr"/>
+          <a:lstStyle/>
+          <a:p>
+            <a:pPr algn="ctr"/>
+            <a:endParaRPr lang="en-US"/>
           </a:p>
         </p:txBody>
       </p:sp>
     </p:spTree>
     <p:extLst>
       <p:ext uri="{BB962C8B-B14F-4D97-AF65-F5344CB8AC3E}">
-        <p14:creationId xmlns:p14="http://schemas.microsoft.com/office/powerpoint/2010/main" val="3840627373"/>
+        <p14:creationId xmlns:p14="http://schemas.microsoft.com/office/powerpoint/2010/main" val="3702023754"/>
       </p:ext>
     </p:extLst>
   </p:cSld>
@@ -13546,26 +14614,16 @@
           </a:p>
           <a:p>
             <a:r>
-              <a:rPr lang="en-US" dirty="0">
-                <a:latin typeface="Arial" panose="020B0604020202020204" pitchFamily="34" charset="0"/>
-                <a:cs typeface="Arial" panose="020B0604020202020204" pitchFamily="34" charset="0"/>
-              </a:rPr>
-              <a:t>Knowing how your tool </a:t>
-            </a:r>
-            <a:r>
               <a:rPr lang="en-US">
                 <a:latin typeface="Arial" panose="020B0604020202020204" pitchFamily="34" charset="0"/>
                 <a:cs typeface="Arial" panose="020B0604020202020204" pitchFamily="34" charset="0"/>
               </a:rPr>
-              <a:t>works actually helps </a:t>
-            </a:r>
-            <a:r>
-              <a:rPr lang="en-US" dirty="0">
-                <a:latin typeface="Arial" panose="020B0604020202020204" pitchFamily="34" charset="0"/>
-                <a:cs typeface="Arial" panose="020B0604020202020204" pitchFamily="34" charset="0"/>
-              </a:rPr>
-              <a:t>with EMI Visioning/Innovation. </a:t>
-            </a:r>
+              <a:t>Level 0 “Innovation” – focus on the fundamentals; it helps a long way.</a:t>
+            </a:r>
+            <a:endParaRPr lang="en-US" dirty="0">
+              <a:latin typeface="Arial" panose="020B0604020202020204" pitchFamily="34" charset="0"/>
+              <a:cs typeface="Arial" panose="020B0604020202020204" pitchFamily="34" charset="0"/>
+            </a:endParaRPr>
           </a:p>
         </p:txBody>
       </p:sp>
@@ -13617,7 +14675,9 @@
         </p:nvSpPr>
         <p:spPr/>
         <p:txBody>
-          <a:bodyPr/>
+          <a:bodyPr>
+            <a:normAutofit fontScale="90000"/>
+          </a:bodyPr>
           <a:lstStyle/>
           <a:p>
             <a:r>
@@ -13625,7 +14685,7 @@
                 <a:latin typeface="Arial" panose="020B0604020202020204" pitchFamily="34" charset="0"/>
                 <a:cs typeface="Arial" panose="020B0604020202020204" pitchFamily="34" charset="0"/>
               </a:rPr>
-              <a:t>Mohr-Coulomb</a:t>
+              <a:t>Commonly Used Material Models at SGH</a:t>
             </a:r>
           </a:p>
         </p:txBody>
@@ -13648,7 +14708,9 @@
         </p:nvSpPr>
         <p:spPr/>
         <p:txBody>
-          <a:bodyPr/>
+          <a:bodyPr>
+            <a:normAutofit/>
+          </a:bodyPr>
           <a:lstStyle/>
           <a:p>
             <a:r>
@@ -13656,20 +14718,49 @@
                 <a:latin typeface="Arial" panose="020B0604020202020204" pitchFamily="34" charset="0"/>
                 <a:cs typeface="Arial" panose="020B0604020202020204" pitchFamily="34" charset="0"/>
               </a:rPr>
-              <a:t>Yield function</a:t>
-            </a:r>
-          </a:p>
-          <a:p>
-            <a:endParaRPr lang="en-US" dirty="0">
+              <a:t>Commonly used models:</a:t>
+            </a:r>
+          </a:p>
+          <a:p>
+            <a:pPr lvl="1"/>
+            <a:r>
+              <a:rPr lang="en-US" sz="2800" dirty="0">
+                <a:latin typeface="Arial" panose="020B0604020202020204" pitchFamily="34" charset="0"/>
+                <a:cs typeface="Arial" panose="020B0604020202020204" pitchFamily="34" charset="0"/>
+              </a:rPr>
+              <a:t>Metal plasticity (e.g., von Mises plasticity)</a:t>
+            </a:r>
+          </a:p>
+          <a:p>
+            <a:pPr lvl="1"/>
+            <a:r>
+              <a:rPr lang="en-US" sz="2800" dirty="0">
+                <a:latin typeface="Arial" panose="020B0604020202020204" pitchFamily="34" charset="0"/>
+                <a:cs typeface="Arial" panose="020B0604020202020204" pitchFamily="34" charset="0"/>
+              </a:rPr>
+              <a:t>Concrete </a:t>
+            </a:r>
+            <a:r>
+              <a:rPr lang="en-US" sz="2800" dirty="0">
+                <a:latin typeface="Arial" panose="020B0604020202020204" pitchFamily="34" charset="0"/>
+                <a:cs typeface="Arial" panose="020B0604020202020204" pitchFamily="34" charset="0"/>
+              </a:rPr>
+              <a:t>(e.g., Concrete Damage Model)</a:t>
+            </a:r>
+            <a:endParaRPr lang="en-US" sz="2800" dirty="0">
               <a:latin typeface="Arial" panose="020B0604020202020204" pitchFamily="34" charset="0"/>
               <a:cs typeface="Arial" panose="020B0604020202020204" pitchFamily="34" charset="0"/>
             </a:endParaRPr>
           </a:p>
           <a:p>
-            <a:endParaRPr lang="en-US" dirty="0">
-              <a:latin typeface="Arial" panose="020B0604020202020204" pitchFamily="34" charset="0"/>
-              <a:cs typeface="Arial" panose="020B0604020202020204" pitchFamily="34" charset="0"/>
-            </a:endParaRPr>
+            <a:pPr lvl="1"/>
+            <a:r>
+              <a:rPr lang="en-US" sz="2800" dirty="0">
+                <a:latin typeface="Arial" panose="020B0604020202020204" pitchFamily="34" charset="0"/>
+                <a:cs typeface="Arial" panose="020B0604020202020204" pitchFamily="34" charset="0"/>
+              </a:rPr>
+              <a:t>Soil, granular media (e.g., Drucker-Prager, Mohr-Coulomb)</a:t>
+            </a:r>
           </a:p>
           <a:p>
             <a:r>
@@ -13677,7 +14768,34 @@
                 <a:latin typeface="Arial" panose="020B0604020202020204" pitchFamily="34" charset="0"/>
                 <a:cs typeface="Arial" panose="020B0604020202020204" pitchFamily="34" charset="0"/>
               </a:rPr>
-              <a:t>Isotropic hardening</a:t>
+              <a:t>Rate-independent model</a:t>
+            </a:r>
+          </a:p>
+          <a:p>
+            <a:r>
+              <a:rPr lang="en-US" dirty="0">
+                <a:latin typeface="Arial" panose="020B0604020202020204" pitchFamily="34" charset="0"/>
+                <a:cs typeface="Arial" panose="020B0604020202020204" pitchFamily="34" charset="0"/>
+              </a:rPr>
+              <a:t>Elastic-plastic materials</a:t>
+            </a:r>
+          </a:p>
+          <a:p>
+            <a:r>
+              <a:rPr lang="en-US" dirty="0">
+                <a:latin typeface="Arial" panose="020B0604020202020204" pitchFamily="34" charset="0"/>
+                <a:cs typeface="Arial" panose="020B0604020202020204" pitchFamily="34" charset="0"/>
+              </a:rPr>
+              <a:t>Quasi-static applications and monotonic loading (models are derived from tests)</a:t>
+            </a:r>
+          </a:p>
+          <a:p>
+            <a:r>
+              <a:rPr lang="en-US" dirty="0">
+                <a:latin typeface="Arial" panose="020B0604020202020204" pitchFamily="34" charset="0"/>
+                <a:cs typeface="Arial" panose="020B0604020202020204" pitchFamily="34" charset="0"/>
+              </a:rPr>
+              <a:t>For dynamics, ask others</a:t>
             </a:r>
           </a:p>
         </p:txBody>
@@ -13685,7 +14803,7 @@
     </p:spTree>
     <p:extLst>
       <p:ext uri="{BB962C8B-B14F-4D97-AF65-F5344CB8AC3E}">
-        <p14:creationId xmlns:p14="http://schemas.microsoft.com/office/powerpoint/2010/main" val="2527614711"/>
+        <p14:creationId xmlns:p14="http://schemas.microsoft.com/office/powerpoint/2010/main" val="967601259"/>
       </p:ext>
     </p:extLst>
   </p:cSld>
@@ -13743,7 +14861,7 @@
                 <a:latin typeface="Arial" panose="020B0604020202020204" pitchFamily="34" charset="0"/>
                 <a:cs typeface="Arial" panose="020B0604020202020204" pitchFamily="34" charset="0"/>
               </a:rPr>
-              <a:t>Concrete</a:t>
+              <a:t>Metal Plasticity</a:t>
             </a:r>
           </a:p>
         </p:txBody>
@@ -13751,7 +14869,7 @@
     </p:spTree>
     <p:extLst>
       <p:ext uri="{BB962C8B-B14F-4D97-AF65-F5344CB8AC3E}">
-        <p14:creationId xmlns:p14="http://schemas.microsoft.com/office/powerpoint/2010/main" val="136414845"/>
+        <p14:creationId xmlns:p14="http://schemas.microsoft.com/office/powerpoint/2010/main" val="1277487930"/>
       </p:ext>
     </p:extLst>
   </p:cSld>
@@ -13804,7 +14922,7 @@
                 <a:latin typeface="Arial" panose="020B0604020202020204" pitchFamily="34" charset="0"/>
                 <a:cs typeface="Arial" panose="020B0604020202020204" pitchFamily="34" charset="0"/>
               </a:rPr>
-              <a:t>Concrete</a:t>
+              <a:t>Metal Plasticity</a:t>
             </a:r>
           </a:p>
         </p:txBody>
@@ -13856,7 +14974,494 @@
                 <a:latin typeface="Arial" panose="020B0604020202020204" pitchFamily="34" charset="0"/>
                 <a:cs typeface="Arial" panose="020B0604020202020204" pitchFamily="34" charset="0"/>
               </a:rPr>
-              <a:t>Isotropic hardening</a:t>
+              <a:t>Isotropic (linear) hardening</a:t>
+            </a:r>
+          </a:p>
+        </p:txBody>
+      </p:sp>
+      <p:pic>
+        <p:nvPicPr>
+          <p:cNvPr id="3" name="Picture 2"/>
+          <p:cNvPicPr>
+            <a:picLocks noChangeAspect="1"/>
+          </p:cNvPicPr>
+          <p:nvPr>
+            <p:custDataLst>
+              <p:tags r:id="rId1"/>
+            </p:custDataLst>
+          </p:nvPr>
+        </p:nvPicPr>
+        <p:blipFill>
+          <a:blip r:embed="rId6">
+            <a:extLst>
+              <a:ext uri="{28A0092B-C50C-407E-A947-70E740481C1C}">
+                <a14:useLocalDpi xmlns:a14="http://schemas.microsoft.com/office/drawing/2010/main" val="0"/>
+              </a:ext>
+            </a:extLst>
+          </a:blip>
+          <a:stretch>
+            <a:fillRect/>
+          </a:stretch>
+        </p:blipFill>
+        <p:spPr>
+          <a:xfrm>
+            <a:off x="1139369" y="2341080"/>
+            <a:ext cx="3231332" cy="573104"/>
+          </a:xfrm>
+          <a:prstGeom prst="rect">
+            <a:avLst/>
+          </a:prstGeom>
+        </p:spPr>
+      </p:pic>
+      <p:pic>
+        <p:nvPicPr>
+          <p:cNvPr id="9" name="Picture 8"/>
+          <p:cNvPicPr>
+            <a:picLocks noChangeAspect="1"/>
+          </p:cNvPicPr>
+          <p:nvPr>
+            <p:custDataLst>
+              <p:tags r:id="rId2"/>
+            </p:custDataLst>
+          </p:nvPr>
+        </p:nvPicPr>
+        <p:blipFill>
+          <a:blip r:embed="rId7">
+            <a:extLst>
+              <a:ext uri="{28A0092B-C50C-407E-A947-70E740481C1C}">
+                <a14:useLocalDpi xmlns:a14="http://schemas.microsoft.com/office/drawing/2010/main" val="0"/>
+              </a:ext>
+            </a:extLst>
+          </a:blip>
+          <a:stretch>
+            <a:fillRect/>
+          </a:stretch>
+        </p:blipFill>
+        <p:spPr>
+          <a:xfrm>
+            <a:off x="1139369" y="4015517"/>
+            <a:ext cx="4237312" cy="573104"/>
+          </a:xfrm>
+          <a:prstGeom prst="rect">
+            <a:avLst/>
+          </a:prstGeom>
+        </p:spPr>
+      </p:pic>
+      <p:sp>
+        <p:nvSpPr>
+          <p:cNvPr id="11" name="TextBox 10"/>
+          <p:cNvSpPr txBox="1"/>
+          <p:nvPr/>
+        </p:nvSpPr>
+        <p:spPr>
+          <a:xfrm>
+            <a:off x="4358731" y="5202875"/>
+            <a:ext cx="2185214" cy="369332"/>
+          </a:xfrm>
+          <a:prstGeom prst="rect">
+            <a:avLst/>
+          </a:prstGeom>
+          <a:noFill/>
+        </p:spPr>
+        <p:txBody>
+          <a:bodyPr wrap="none" rtlCol="0">
+            <a:spAutoFit/>
+          </a:bodyPr>
+          <a:lstStyle/>
+          <a:p>
+            <a:r>
+              <a:rPr lang="en-US" dirty="0">
+                <a:latin typeface="Arial" panose="020B0604020202020204" pitchFamily="34" charset="0"/>
+                <a:cs typeface="Arial" panose="020B0604020202020204" pitchFamily="34" charset="0"/>
+              </a:rPr>
+              <a:t>Hardening modulus</a:t>
+            </a:r>
+          </a:p>
+        </p:txBody>
+      </p:sp>
+      <p:sp>
+        <p:nvSpPr>
+          <p:cNvPr id="12" name="Rectangle 11"/>
+          <p:cNvSpPr/>
+          <p:nvPr/>
+        </p:nvSpPr>
+        <p:spPr>
+          <a:xfrm>
+            <a:off x="4505077" y="4003629"/>
+            <a:ext cx="440147" cy="430763"/>
+          </a:xfrm>
+          <a:prstGeom prst="rect">
+            <a:avLst/>
+          </a:prstGeom>
+          <a:noFill/>
+          <a:ln>
+            <a:solidFill>
+              <a:srgbClr val="FF0000"/>
+            </a:solidFill>
+          </a:ln>
+        </p:spPr>
+        <p:style>
+          <a:lnRef idx="2">
+            <a:schemeClr val="accent1">
+              <a:shade val="50000"/>
+            </a:schemeClr>
+          </a:lnRef>
+          <a:fillRef idx="1">
+            <a:schemeClr val="accent1"/>
+          </a:fillRef>
+          <a:effectRef idx="0">
+            <a:schemeClr val="accent1"/>
+          </a:effectRef>
+          <a:fontRef idx="minor">
+            <a:schemeClr val="lt1"/>
+          </a:fontRef>
+        </p:style>
+        <p:txBody>
+          <a:bodyPr rtlCol="0" anchor="ctr"/>
+          <a:lstStyle/>
+          <a:p>
+            <a:pPr algn="ctr"/>
+            <a:endParaRPr lang="en-US" dirty="0"/>
+          </a:p>
+        </p:txBody>
+      </p:sp>
+      <p:cxnSp>
+        <p:nvCxnSpPr>
+          <p:cNvPr id="13" name="Straight Connector 12"/>
+          <p:cNvCxnSpPr/>
+          <p:nvPr/>
+        </p:nvCxnSpPr>
+        <p:spPr>
+          <a:xfrm flipH="1" flipV="1">
+            <a:off x="4724984" y="4434392"/>
+            <a:ext cx="336131" cy="797280"/>
+          </a:xfrm>
+          <a:prstGeom prst="line">
+            <a:avLst/>
+          </a:prstGeom>
+          <a:ln>
+            <a:solidFill>
+              <a:srgbClr val="FF0000"/>
+            </a:solidFill>
+          </a:ln>
+        </p:spPr>
+        <p:style>
+          <a:lnRef idx="1">
+            <a:schemeClr val="accent1"/>
+          </a:lnRef>
+          <a:fillRef idx="0">
+            <a:schemeClr val="accent1"/>
+          </a:fillRef>
+          <a:effectRef idx="0">
+            <a:schemeClr val="accent1"/>
+          </a:effectRef>
+          <a:fontRef idx="minor">
+            <a:schemeClr val="tx1"/>
+          </a:fontRef>
+        </p:style>
+      </p:cxnSp>
+      <p:sp>
+        <p:nvSpPr>
+          <p:cNvPr id="16" name="TextBox 15"/>
+          <p:cNvSpPr txBox="1"/>
+          <p:nvPr/>
+        </p:nvSpPr>
+        <p:spPr>
+          <a:xfrm>
+            <a:off x="2429081" y="5452516"/>
+            <a:ext cx="1941557" cy="369332"/>
+          </a:xfrm>
+          <a:prstGeom prst="rect">
+            <a:avLst/>
+          </a:prstGeom>
+          <a:noFill/>
+        </p:spPr>
+        <p:txBody>
+          <a:bodyPr wrap="none" rtlCol="0">
+            <a:spAutoFit/>
+          </a:bodyPr>
+          <a:lstStyle/>
+          <a:p>
+            <a:r>
+              <a:rPr lang="en-US" dirty="0">
+                <a:latin typeface="Arial" panose="020B0604020202020204" pitchFamily="34" charset="0"/>
+                <a:cs typeface="Arial" panose="020B0604020202020204" pitchFamily="34" charset="0"/>
+              </a:rPr>
+              <a:t>Initial yield stress</a:t>
+            </a:r>
+          </a:p>
+        </p:txBody>
+      </p:sp>
+      <p:sp>
+        <p:nvSpPr>
+          <p:cNvPr id="17" name="Rectangle 16"/>
+          <p:cNvSpPr/>
+          <p:nvPr/>
+        </p:nvSpPr>
+        <p:spPr>
+          <a:xfrm>
+            <a:off x="3124712" y="4049796"/>
+            <a:ext cx="752966" cy="584992"/>
+          </a:xfrm>
+          <a:prstGeom prst="rect">
+            <a:avLst/>
+          </a:prstGeom>
+          <a:noFill/>
+          <a:ln>
+            <a:solidFill>
+              <a:srgbClr val="FF0000"/>
+            </a:solidFill>
+          </a:ln>
+        </p:spPr>
+        <p:style>
+          <a:lnRef idx="2">
+            <a:schemeClr val="accent1">
+              <a:shade val="50000"/>
+            </a:schemeClr>
+          </a:lnRef>
+          <a:fillRef idx="1">
+            <a:schemeClr val="accent1"/>
+          </a:fillRef>
+          <a:effectRef idx="0">
+            <a:schemeClr val="accent1"/>
+          </a:effectRef>
+          <a:fontRef idx="minor">
+            <a:schemeClr val="lt1"/>
+          </a:fontRef>
+        </p:style>
+        <p:txBody>
+          <a:bodyPr rtlCol="0" anchor="ctr"/>
+          <a:lstStyle/>
+          <a:p>
+            <a:pPr algn="ctr"/>
+            <a:endParaRPr lang="en-US" dirty="0"/>
+          </a:p>
+        </p:txBody>
+      </p:sp>
+      <p:cxnSp>
+        <p:nvCxnSpPr>
+          <p:cNvPr id="18" name="Straight Connector 17"/>
+          <p:cNvCxnSpPr/>
+          <p:nvPr/>
+        </p:nvCxnSpPr>
+        <p:spPr>
+          <a:xfrm flipV="1">
+            <a:off x="3399860" y="4649031"/>
+            <a:ext cx="0" cy="848308"/>
+          </a:xfrm>
+          <a:prstGeom prst="line">
+            <a:avLst/>
+          </a:prstGeom>
+          <a:ln>
+            <a:solidFill>
+              <a:srgbClr val="FF0000"/>
+            </a:solidFill>
+          </a:ln>
+        </p:spPr>
+        <p:style>
+          <a:lnRef idx="1">
+            <a:schemeClr val="accent1"/>
+          </a:lnRef>
+          <a:fillRef idx="0">
+            <a:schemeClr val="accent1"/>
+          </a:fillRef>
+          <a:effectRef idx="0">
+            <a:schemeClr val="accent1"/>
+          </a:effectRef>
+          <a:fontRef idx="minor">
+            <a:schemeClr val="tx1"/>
+          </a:fontRef>
+        </p:style>
+      </p:cxnSp>
+      <p:pic>
+        <p:nvPicPr>
+          <p:cNvPr id="50" name="Picture 49"/>
+          <p:cNvPicPr>
+            <a:picLocks noChangeAspect="1"/>
+          </p:cNvPicPr>
+          <p:nvPr>
+            <p:custDataLst>
+              <p:tags r:id="rId3"/>
+            </p:custDataLst>
+          </p:nvPr>
+        </p:nvPicPr>
+        <p:blipFill>
+          <a:blip r:embed="rId8">
+            <a:extLst>
+              <a:ext uri="{28A0092B-C50C-407E-A947-70E740481C1C}">
+                <a14:useLocalDpi xmlns:a14="http://schemas.microsoft.com/office/drawing/2010/main" val="0"/>
+              </a:ext>
+            </a:extLst>
+          </a:blip>
+          <a:stretch>
+            <a:fillRect/>
+          </a:stretch>
+        </p:blipFill>
+        <p:spPr>
+          <a:xfrm>
+            <a:off x="7988889" y="3172409"/>
+            <a:ext cx="2590765" cy="2023749"/>
+          </a:xfrm>
+          <a:prstGeom prst="rect">
+            <a:avLst/>
+          </a:prstGeom>
+        </p:spPr>
+      </p:pic>
+      <p:sp>
+        <p:nvSpPr>
+          <p:cNvPr id="48" name="Rectangle 47"/>
+          <p:cNvSpPr/>
+          <p:nvPr/>
+        </p:nvSpPr>
+        <p:spPr>
+          <a:xfrm>
+            <a:off x="7746476" y="3045200"/>
+            <a:ext cx="3739508" cy="2263918"/>
+          </a:xfrm>
+          <a:prstGeom prst="rect">
+            <a:avLst/>
+          </a:prstGeom>
+          <a:noFill/>
+          <a:ln>
+            <a:solidFill>
+              <a:srgbClr val="FF0000"/>
+            </a:solidFill>
+          </a:ln>
+        </p:spPr>
+        <p:style>
+          <a:lnRef idx="2">
+            <a:schemeClr val="accent1">
+              <a:shade val="50000"/>
+            </a:schemeClr>
+          </a:lnRef>
+          <a:fillRef idx="1">
+            <a:schemeClr val="accent1"/>
+          </a:fillRef>
+          <a:effectRef idx="0">
+            <a:schemeClr val="accent1"/>
+          </a:effectRef>
+          <a:fontRef idx="minor">
+            <a:schemeClr val="lt1"/>
+          </a:fontRef>
+        </p:style>
+        <p:txBody>
+          <a:bodyPr rtlCol="0" anchor="ctr"/>
+          <a:lstStyle/>
+          <a:p>
+            <a:pPr algn="ctr"/>
+            <a:endParaRPr lang="en-US" dirty="0"/>
+          </a:p>
+        </p:txBody>
+      </p:sp>
+      <p:sp>
+        <p:nvSpPr>
+          <p:cNvPr id="14" name="Rectangle 13"/>
+          <p:cNvSpPr/>
+          <p:nvPr/>
+        </p:nvSpPr>
+        <p:spPr>
+          <a:xfrm>
+            <a:off x="2079377" y="2416129"/>
+            <a:ext cx="440147" cy="430763"/>
+          </a:xfrm>
+          <a:prstGeom prst="rect">
+            <a:avLst/>
+          </a:prstGeom>
+          <a:noFill/>
+          <a:ln>
+            <a:solidFill>
+              <a:srgbClr val="FF0000"/>
+            </a:solidFill>
+          </a:ln>
+        </p:spPr>
+        <p:style>
+          <a:lnRef idx="2">
+            <a:schemeClr val="accent1">
+              <a:shade val="50000"/>
+            </a:schemeClr>
+          </a:lnRef>
+          <a:fillRef idx="1">
+            <a:schemeClr val="accent1"/>
+          </a:fillRef>
+          <a:effectRef idx="0">
+            <a:schemeClr val="accent1"/>
+          </a:effectRef>
+          <a:fontRef idx="minor">
+            <a:schemeClr val="lt1"/>
+          </a:fontRef>
+        </p:style>
+        <p:txBody>
+          <a:bodyPr rtlCol="0" anchor="ctr"/>
+          <a:lstStyle/>
+          <a:p>
+            <a:pPr algn="ctr"/>
+            <a:endParaRPr lang="en-US" dirty="0"/>
+          </a:p>
+        </p:txBody>
+      </p:sp>
+      <p:cxnSp>
+        <p:nvCxnSpPr>
+          <p:cNvPr id="15" name="Straight Connector 14"/>
+          <p:cNvCxnSpPr/>
+          <p:nvPr/>
+        </p:nvCxnSpPr>
+        <p:spPr>
+          <a:xfrm flipH="1">
+            <a:off x="2350085" y="1726826"/>
+            <a:ext cx="2020553" cy="688266"/>
+          </a:xfrm>
+          <a:prstGeom prst="line">
+            <a:avLst/>
+          </a:prstGeom>
+          <a:ln>
+            <a:solidFill>
+              <a:srgbClr val="FF0000"/>
+            </a:solidFill>
+          </a:ln>
+        </p:spPr>
+        <p:style>
+          <a:lnRef idx="1">
+            <a:schemeClr val="accent1"/>
+          </a:lnRef>
+          <a:fillRef idx="0">
+            <a:schemeClr val="accent1"/>
+          </a:fillRef>
+          <a:effectRef idx="0">
+            <a:schemeClr val="accent1"/>
+          </a:effectRef>
+          <a:fontRef idx="minor">
+            <a:schemeClr val="tx1"/>
+          </a:fontRef>
+        </p:style>
+      </p:cxnSp>
+      <p:sp>
+        <p:nvSpPr>
+          <p:cNvPr id="19" name="TextBox 18"/>
+          <p:cNvSpPr txBox="1"/>
+          <p:nvPr/>
+        </p:nvSpPr>
+        <p:spPr>
+          <a:xfrm>
+            <a:off x="4370638" y="1510897"/>
+            <a:ext cx="5767348" cy="369332"/>
+          </a:xfrm>
+          <a:prstGeom prst="rect">
+            <a:avLst/>
+          </a:prstGeom>
+          <a:noFill/>
+        </p:spPr>
+        <p:txBody>
+          <a:bodyPr wrap="none" rtlCol="0">
+            <a:spAutoFit/>
+          </a:bodyPr>
+          <a:lstStyle/>
+          <a:p>
+            <a:r>
+              <a:rPr lang="en-US" dirty="0">
+                <a:latin typeface="Arial" panose="020B0604020202020204" pitchFamily="34" charset="0"/>
+                <a:cs typeface="Arial" panose="020B0604020202020204" pitchFamily="34" charset="0"/>
+              </a:rPr>
+              <a:t>Yield depends on only shear; no pressure-dependency</a:t>
             </a:r>
           </a:p>
         </p:txBody>
@@ -13864,7 +15469,7 @@
     </p:spTree>
     <p:extLst>
       <p:ext uri="{BB962C8B-B14F-4D97-AF65-F5344CB8AC3E}">
-        <p14:creationId xmlns:p14="http://schemas.microsoft.com/office/powerpoint/2010/main" val="1870349556"/>
+        <p14:creationId xmlns:p14="http://schemas.microsoft.com/office/powerpoint/2010/main" val="109627340"/>
       </p:ext>
     </p:extLst>
   </p:cSld>
@@ -13919,6 +15524,10 @@
               </a:rPr>
               <a:t>Metal Plasticity</a:t>
             </a:r>
+            <a:endParaRPr lang="en-US" dirty="0">
+              <a:latin typeface="Arial" panose="020B0604020202020204" pitchFamily="34" charset="0"/>
+              <a:cs typeface="Arial" panose="020B0604020202020204" pitchFamily="34" charset="0"/>
+            </a:endParaRPr>
           </a:p>
         </p:txBody>
       </p:sp>
@@ -13938,30 +15547,208 @@
             <p:ph idx="1"/>
           </p:nvPr>
         </p:nvSpPr>
-        <p:spPr/>
-        <p:txBody>
-          <a:bodyPr/>
+        <p:spPr>
+          <a:xfrm>
+            <a:off x="613773" y="1098958"/>
+            <a:ext cx="10947421" cy="5047399"/>
+          </a:xfrm>
+        </p:spPr>
+        <p:txBody>
+          <a:bodyPr>
+            <a:normAutofit lnSpcReduction="10000"/>
+          </a:bodyPr>
           <a:lstStyle/>
           <a:p>
-            <a:r>
-              <a:rPr lang="en-US" dirty="0"/>
-              <a:t>Initial yield stress</a:t>
-            </a:r>
-          </a:p>
-          <a:p>
-            <a:endParaRPr lang="en-US" dirty="0"/>
-          </a:p>
-          <a:p>
-            <a:endParaRPr lang="en-US" dirty="0"/>
-          </a:p>
-          <a:p>
-            <a:r>
-              <a:rPr lang="en-US" dirty="0"/>
-              <a:t>Note: this is NOT the uniaxial stress from the tensile specimen!</a:t>
-            </a:r>
-          </a:p>
-        </p:txBody>
-      </p:sp>
+            <a:endParaRPr lang="en-US" dirty="0">
+              <a:latin typeface="Arial" panose="020B0604020202020204" pitchFamily="34" charset="0"/>
+              <a:cs typeface="Arial" panose="020B0604020202020204" pitchFamily="34" charset="0"/>
+            </a:endParaRPr>
+          </a:p>
+          <a:p>
+            <a:r>
+              <a:rPr lang="en-US" dirty="0">
+                <a:latin typeface="Arial" panose="020B0604020202020204" pitchFamily="34" charset="0"/>
+                <a:cs typeface="Arial" panose="020B0604020202020204" pitchFamily="34" charset="0"/>
+              </a:rPr>
+              <a:t>Uniaxial stress</a:t>
+            </a:r>
+          </a:p>
+          <a:p>
+            <a:endParaRPr lang="en-US" dirty="0">
+              <a:latin typeface="Arial" panose="020B0604020202020204" pitchFamily="34" charset="0"/>
+              <a:cs typeface="Arial" panose="020B0604020202020204" pitchFamily="34" charset="0"/>
+            </a:endParaRPr>
+          </a:p>
+          <a:p>
+            <a:r>
+              <a:rPr lang="en-US" dirty="0">
+                <a:latin typeface="Arial" panose="020B0604020202020204" pitchFamily="34" charset="0"/>
+                <a:cs typeface="Arial" panose="020B0604020202020204" pitchFamily="34" charset="0"/>
+              </a:rPr>
+              <a:t>Pressure </a:t>
+            </a:r>
+          </a:p>
+          <a:p>
+            <a:endParaRPr lang="en-US" dirty="0">
+              <a:latin typeface="Arial" panose="020B0604020202020204" pitchFamily="34" charset="0"/>
+              <a:cs typeface="Arial" panose="020B0604020202020204" pitchFamily="34" charset="0"/>
+            </a:endParaRPr>
+          </a:p>
+          <a:p>
+            <a:r>
+              <a:rPr lang="en-US" dirty="0">
+                <a:latin typeface="Arial" panose="020B0604020202020204" pitchFamily="34" charset="0"/>
+                <a:cs typeface="Arial" panose="020B0604020202020204" pitchFamily="34" charset="0"/>
+              </a:rPr>
+              <a:t>Deviatoric stress</a:t>
+            </a:r>
+          </a:p>
+          <a:p>
+            <a:endParaRPr lang="en-US" dirty="0">
+              <a:latin typeface="Arial" panose="020B0604020202020204" pitchFamily="34" charset="0"/>
+              <a:cs typeface="Arial" panose="020B0604020202020204" pitchFamily="34" charset="0"/>
+            </a:endParaRPr>
+          </a:p>
+          <a:p>
+            <a:r>
+              <a:rPr lang="en-US" dirty="0">
+                <a:latin typeface="Arial" panose="020B0604020202020204" pitchFamily="34" charset="0"/>
+                <a:cs typeface="Arial" panose="020B0604020202020204" pitchFamily="34" charset="0"/>
+              </a:rPr>
+              <a:t>Shear stress </a:t>
+            </a:r>
+          </a:p>
+          <a:p>
+            <a:endParaRPr lang="en-US" dirty="0">
+              <a:latin typeface="Arial" panose="020B0604020202020204" pitchFamily="34" charset="0"/>
+              <a:cs typeface="Arial" panose="020B0604020202020204" pitchFamily="34" charset="0"/>
+            </a:endParaRPr>
+          </a:p>
+          <a:p>
+            <a:r>
+              <a:rPr lang="en-US" dirty="0">
+                <a:latin typeface="Arial" panose="020B0604020202020204" pitchFamily="34" charset="0"/>
+                <a:cs typeface="Arial" panose="020B0604020202020204" pitchFamily="34" charset="0"/>
+              </a:rPr>
+              <a:t>If material is yielding, </a:t>
+            </a:r>
+          </a:p>
+          <a:p>
+            <a:endParaRPr lang="en-US" dirty="0">
+              <a:latin typeface="Arial" panose="020B0604020202020204" pitchFamily="34" charset="0"/>
+              <a:cs typeface="Arial" panose="020B0604020202020204" pitchFamily="34" charset="0"/>
+            </a:endParaRPr>
+          </a:p>
+          <a:p>
+            <a:endParaRPr lang="en-US" dirty="0">
+              <a:latin typeface="Arial" panose="020B0604020202020204" pitchFamily="34" charset="0"/>
+              <a:cs typeface="Arial" panose="020B0604020202020204" pitchFamily="34" charset="0"/>
+            </a:endParaRPr>
+          </a:p>
+        </p:txBody>
+      </p:sp>
+      <p:pic>
+        <p:nvPicPr>
+          <p:cNvPr id="11" name="Picture 10"/>
+          <p:cNvPicPr>
+            <a:picLocks noChangeAspect="1"/>
+          </p:cNvPicPr>
+          <p:nvPr>
+            <p:custDataLst>
+              <p:tags r:id="rId1"/>
+            </p:custDataLst>
+          </p:nvPr>
+        </p:nvPicPr>
+        <p:blipFill>
+          <a:blip r:embed="rId8">
+            <a:extLst>
+              <a:ext uri="{28A0092B-C50C-407E-A947-70E740481C1C}">
+                <a14:useLocalDpi xmlns:a14="http://schemas.microsoft.com/office/drawing/2010/main" val="0"/>
+              </a:ext>
+            </a:extLst>
+          </a:blip>
+          <a:stretch>
+            <a:fillRect/>
+          </a:stretch>
+        </p:blipFill>
+        <p:spPr>
+          <a:xfrm>
+            <a:off x="3569429" y="1204777"/>
+            <a:ext cx="2212494" cy="1042509"/>
+          </a:xfrm>
+          <a:prstGeom prst="rect">
+            <a:avLst/>
+          </a:prstGeom>
+        </p:spPr>
+      </p:pic>
+      <p:pic>
+        <p:nvPicPr>
+          <p:cNvPr id="15" name="Picture 14"/>
+          <p:cNvPicPr>
+            <a:picLocks noChangeAspect="1"/>
+          </p:cNvPicPr>
+          <p:nvPr>
+            <p:custDataLst>
+              <p:tags r:id="rId2"/>
+            </p:custDataLst>
+          </p:nvPr>
+        </p:nvPicPr>
+        <p:blipFill>
+          <a:blip r:embed="rId9">
+            <a:extLst>
+              <a:ext uri="{28A0092B-C50C-407E-A947-70E740481C1C}">
+                <a14:useLocalDpi xmlns:a14="http://schemas.microsoft.com/office/drawing/2010/main" val="0"/>
+              </a:ext>
+            </a:extLst>
+          </a:blip>
+          <a:stretch>
+            <a:fillRect/>
+          </a:stretch>
+        </p:blipFill>
+        <p:spPr>
+          <a:xfrm>
+            <a:off x="3995870" y="3035196"/>
+            <a:ext cx="4857856" cy="1023699"/>
+          </a:xfrm>
+          <a:prstGeom prst="rect">
+            <a:avLst/>
+          </a:prstGeom>
+        </p:spPr>
+      </p:pic>
+      <p:pic>
+        <p:nvPicPr>
+          <p:cNvPr id="6" name="Picture 5"/>
+          <p:cNvPicPr>
+            <a:picLocks noChangeAspect="1"/>
+          </p:cNvPicPr>
+          <p:nvPr>
+            <p:custDataLst>
+              <p:tags r:id="rId3"/>
+            </p:custDataLst>
+          </p:nvPr>
+        </p:nvPicPr>
+        <p:blipFill>
+          <a:blip r:embed="rId10">
+            <a:extLst>
+              <a:ext uri="{28A0092B-C50C-407E-A947-70E740481C1C}">
+                <a14:useLocalDpi xmlns:a14="http://schemas.microsoft.com/office/drawing/2010/main" val="0"/>
+              </a:ext>
+            </a:extLst>
+          </a:blip>
+          <a:stretch>
+            <a:fillRect/>
+          </a:stretch>
+        </p:blipFill>
+        <p:spPr>
+          <a:xfrm>
+            <a:off x="2979198" y="2344379"/>
+            <a:ext cx="2802725" cy="593724"/>
+          </a:xfrm>
+          <a:prstGeom prst="rect">
+            <a:avLst/>
+          </a:prstGeom>
+        </p:spPr>
+      </p:pic>
       <p:pic>
         <p:nvPicPr>
           <p:cNvPr id="3" name="Picture 2"/>
@@ -13970,12 +15757,12 @@
           </p:cNvPicPr>
           <p:nvPr>
             <p:custDataLst>
-              <p:tags r:id="rId1"/>
+              <p:tags r:id="rId4"/>
             </p:custDataLst>
           </p:nvPr>
         </p:nvPicPr>
         <p:blipFill>
-          <a:blip r:embed="rId6">
+          <a:blip r:embed="rId11">
             <a:extLst>
               <a:ext uri="{28A0092B-C50C-407E-A947-70E740481C1C}">
                 <a14:useLocalDpi xmlns:a14="http://schemas.microsoft.com/office/drawing/2010/main" val="0"/>
@@ -13988,8 +15775,8 @@
         </p:blipFill>
         <p:spPr>
           <a:xfrm>
-            <a:off x="2165738" y="2237647"/>
-            <a:ext cx="1109627" cy="527378"/>
+            <a:off x="3229723" y="4183524"/>
+            <a:ext cx="4724106" cy="680751"/>
           </a:xfrm>
           <a:prstGeom prst="rect">
             <a:avLst/>
@@ -13998,18 +15785,18 @@
       </p:pic>
       <p:pic>
         <p:nvPicPr>
-          <p:cNvPr id="11" name="Picture 10"/>
+          <p:cNvPr id="8" name="Picture 7"/>
           <p:cNvPicPr>
             <a:picLocks noChangeAspect="1"/>
           </p:cNvPicPr>
           <p:nvPr>
             <p:custDataLst>
-              <p:tags r:id="rId2"/>
+              <p:tags r:id="rId5"/>
             </p:custDataLst>
           </p:nvPr>
         </p:nvPicPr>
         <p:blipFill>
-          <a:blip r:embed="rId7">
+          <a:blip r:embed="rId12">
             <a:extLst>
               <a:ext uri="{28A0092B-C50C-407E-A947-70E740481C1C}">
                 <a14:useLocalDpi xmlns:a14="http://schemas.microsoft.com/office/drawing/2010/main" val="0"/>
@@ -14022,42 +15809,8 @@
         </p:blipFill>
         <p:spPr>
           <a:xfrm>
-            <a:off x="1261123" y="3806327"/>
-            <a:ext cx="3862357" cy="1819912"/>
-          </a:xfrm>
-          <a:prstGeom prst="rect">
-            <a:avLst/>
-          </a:prstGeom>
-        </p:spPr>
-      </p:pic>
-      <p:pic>
-        <p:nvPicPr>
-          <p:cNvPr id="14" name="Picture 13"/>
-          <p:cNvPicPr>
-            <a:picLocks noChangeAspect="1"/>
-          </p:cNvPicPr>
-          <p:nvPr>
-            <p:custDataLst>
-              <p:tags r:id="rId3"/>
-            </p:custDataLst>
-          </p:nvPr>
-        </p:nvPicPr>
-        <p:blipFill>
-          <a:blip r:embed="rId8">
-            <a:extLst>
-              <a:ext uri="{28A0092B-C50C-407E-A947-70E740481C1C}">
-                <a14:useLocalDpi xmlns:a14="http://schemas.microsoft.com/office/drawing/2010/main" val="0"/>
-              </a:ext>
-            </a:extLst>
-          </a:blip>
-          <a:stretch>
-            <a:fillRect/>
-          </a:stretch>
-        </p:blipFill>
-        <p:spPr>
-          <a:xfrm>
-            <a:off x="6087483" y="3806327"/>
-            <a:ext cx="6075515" cy="1819912"/>
+            <a:off x="4523276" y="5380997"/>
+            <a:ext cx="2892765" cy="248637"/>
           </a:xfrm>
           <a:prstGeom prst="rect">
             <a:avLst/>
@@ -14067,7 +15820,7 @@
     </p:spTree>
     <p:extLst>
       <p:ext uri="{BB962C8B-B14F-4D97-AF65-F5344CB8AC3E}">
-        <p14:creationId xmlns:p14="http://schemas.microsoft.com/office/powerpoint/2010/main" val="1700757903"/>
+        <p14:creationId xmlns:p14="http://schemas.microsoft.com/office/powerpoint/2010/main" val="3675158820"/>
       </p:ext>
     </p:extLst>
   </p:cSld>
@@ -14122,18 +15875,16 @@
               </a:rPr>
               <a:t>Metal Plasticity</a:t>
             </a:r>
-          </a:p>
-        </p:txBody>
-      </p:sp>
-      <p:sp>
-        <p:nvSpPr>
-          <p:cNvPr id="5" name="Content Placeholder 4">
-            <a:extLst>
-              <a:ext uri="{FF2B5EF4-FFF2-40B4-BE49-F238E27FC236}">
-                <a16:creationId xmlns:a16="http://schemas.microsoft.com/office/drawing/2014/main" id="{2E48F1C5-477D-4547-95BB-9E8BD09144C0}"/>
-              </a:ext>
-            </a:extLst>
-          </p:cNvPr>
+            <a:endParaRPr lang="en-US" dirty="0">
+              <a:latin typeface="Arial" panose="020B0604020202020204" pitchFamily="34" charset="0"/>
+              <a:cs typeface="Arial" panose="020B0604020202020204" pitchFamily="34" charset="0"/>
+            </a:endParaRPr>
+          </a:p>
+        </p:txBody>
+      </p:sp>
+      <p:sp>
+        <p:nvSpPr>
+          <p:cNvPr id="2" name="Content Placeholder 1"/>
           <p:cNvSpPr>
             <a:spLocks noGrp="1"/>
           </p:cNvSpPr>
@@ -14141,79 +15892,34 @@
             <p:ph idx="1"/>
           </p:nvPr>
         </p:nvSpPr>
-        <p:spPr>
-          <a:xfrm>
-            <a:off x="613773" y="1098958"/>
-            <a:ext cx="10947421" cy="5047399"/>
-          </a:xfrm>
-        </p:spPr>
+        <p:spPr/>
         <p:txBody>
           <a:bodyPr/>
           <a:lstStyle/>
           <a:p>
-            <a:endParaRPr lang="en-US" dirty="0"/>
-          </a:p>
-          <a:p>
             <a:r>
               <a:rPr lang="en-US" dirty="0"/>
-              <a:t>Uniaxial stress</a:t>
-            </a:r>
-          </a:p>
-          <a:p>
-            <a:endParaRPr lang="en-US" dirty="0"/>
+              <a:t>Numerical example (Lesson 5 on GitHub)</a:t>
+            </a:r>
           </a:p>
           <a:p>
             <a:r>
               <a:rPr lang="en-US" dirty="0"/>
-              <a:t>Pressure </a:t>
-            </a:r>
-          </a:p>
-          <a:p>
-            <a:endParaRPr lang="en-US" dirty="0"/>
-          </a:p>
-          <a:p>
-            <a:r>
-              <a:rPr lang="en-US" dirty="0"/>
-              <a:t>Deviatoric stress</a:t>
-            </a:r>
-          </a:p>
-          <a:p>
-            <a:endParaRPr lang="en-US" dirty="0"/>
-          </a:p>
-          <a:p>
-            <a:r>
-              <a:rPr lang="en-US" dirty="0"/>
-              <a:t>Shear stress </a:t>
-            </a:r>
-          </a:p>
-          <a:p>
-            <a:endParaRPr lang="en-US" dirty="0"/>
-          </a:p>
-          <a:p>
-            <a:endParaRPr lang="en-US" dirty="0"/>
-          </a:p>
-          <a:p>
-            <a:endParaRPr lang="en-US" dirty="0"/>
-          </a:p>
-          <a:p>
-            <a:endParaRPr lang="en-US" dirty="0"/>
+              <a:t>Loading protocol:</a:t>
+            </a:r>
           </a:p>
         </p:txBody>
       </p:sp>
       <p:pic>
         <p:nvPicPr>
-          <p:cNvPr id="11" name="Picture 10"/>
+          <p:cNvPr id="10" name="Picture 9"/>
           <p:cNvPicPr>
             <a:picLocks noChangeAspect="1"/>
           </p:cNvPicPr>
-          <p:nvPr>
-            <p:custDataLst>
-              <p:tags r:id="rId1"/>
-            </p:custDataLst>
-          </p:nvPr>
+          <p:nvPr/>
         </p:nvPicPr>
         <p:blipFill>
-          <a:blip r:embed="rId7">
+          <a:blip r:embed="rId9">
             <a:extLst>
               <a:ext uri="{28A0092B-C50C-407E-A947-70E740481C1C}">
                 <a14:useLocalDpi xmlns:a14="http://schemas.microsoft.com/office/drawing/2010/main" val="0"/>
@@ -14226,28 +15932,60 @@
         </p:blipFill>
         <p:spPr>
           <a:xfrm>
-            <a:off x="3195076" y="1319099"/>
-            <a:ext cx="2212494" cy="1042509"/>
+            <a:off x="1373959" y="2883057"/>
+            <a:ext cx="3769541" cy="2615600"/>
           </a:xfrm>
           <a:prstGeom prst="rect">
             <a:avLst/>
           </a:prstGeom>
         </p:spPr>
       </p:pic>
+      <p:sp>
+        <p:nvSpPr>
+          <p:cNvPr id="7" name="TextBox 6"/>
+          <p:cNvSpPr txBox="1"/>
+          <p:nvPr/>
+        </p:nvSpPr>
+        <p:spPr>
+          <a:xfrm>
+            <a:off x="1746598" y="5580909"/>
+            <a:ext cx="2900153" cy="461665"/>
+          </a:xfrm>
+          <a:prstGeom prst="rect">
+            <a:avLst/>
+          </a:prstGeom>
+          <a:noFill/>
+        </p:spPr>
+        <p:txBody>
+          <a:bodyPr wrap="none" rtlCol="0">
+            <a:spAutoFit/>
+          </a:bodyPr>
+          <a:lstStyle/>
+          <a:p>
+            <a:r>
+              <a:rPr lang="en-US" sz="2400" b="1" dirty="0">
+                <a:latin typeface="Arial" panose="020B0604020202020204" pitchFamily="34" charset="0"/>
+                <a:cs typeface="Arial" panose="020B0604020202020204" pitchFamily="34" charset="0"/>
+              </a:rPr>
+              <a:t>Initial confinement</a:t>
+            </a:r>
+          </a:p>
+        </p:txBody>
+      </p:sp>
       <p:pic>
         <p:nvPicPr>
-          <p:cNvPr id="15" name="Picture 14"/>
+          <p:cNvPr id="16" name="Picture 15"/>
           <p:cNvPicPr>
             <a:picLocks noChangeAspect="1"/>
           </p:cNvPicPr>
           <p:nvPr>
             <p:custDataLst>
-              <p:tags r:id="rId2"/>
+              <p:tags r:id="rId1"/>
             </p:custDataLst>
           </p:nvPr>
         </p:nvPicPr>
         <p:blipFill>
-          <a:blip r:embed="rId8">
+          <a:blip r:embed="rId10">
             <a:extLst>
               <a:ext uri="{28A0092B-C50C-407E-A947-70E740481C1C}">
                 <a14:useLocalDpi xmlns:a14="http://schemas.microsoft.com/office/drawing/2010/main" val="0"/>
@@ -14260,8 +15998,8 @@
         </p:blipFill>
         <p:spPr>
           <a:xfrm>
-            <a:off x="3614870" y="3395614"/>
-            <a:ext cx="4857856" cy="1023699"/>
+            <a:off x="1070223" y="4906483"/>
+            <a:ext cx="1224324" cy="360095"/>
           </a:xfrm>
           <a:prstGeom prst="rect">
             <a:avLst/>
@@ -14270,18 +16008,18 @@
       </p:pic>
       <p:pic>
         <p:nvPicPr>
-          <p:cNvPr id="6" name="Picture 5"/>
+          <p:cNvPr id="22" name="Picture 21"/>
           <p:cNvPicPr>
             <a:picLocks noChangeAspect="1"/>
           </p:cNvPicPr>
           <p:nvPr>
             <p:custDataLst>
-              <p:tags r:id="rId3"/>
+              <p:tags r:id="rId2"/>
             </p:custDataLst>
           </p:nvPr>
         </p:nvPicPr>
         <p:blipFill>
-          <a:blip r:embed="rId9">
+          <a:blip r:embed="rId11">
             <a:extLst>
               <a:ext uri="{28A0092B-C50C-407E-A947-70E740481C1C}">
                 <a14:useLocalDpi xmlns:a14="http://schemas.microsoft.com/office/drawing/2010/main" val="0"/>
@@ -14294,8 +16032,8 @@
         </p:blipFill>
         <p:spPr>
           <a:xfrm>
-            <a:off x="2418233" y="2581749"/>
-            <a:ext cx="2802725" cy="593724"/>
+            <a:off x="4143623" y="4893783"/>
+            <a:ext cx="1224324" cy="360095"/>
           </a:xfrm>
           <a:prstGeom prst="rect">
             <a:avLst/>
@@ -14304,18 +16042,18 @@
       </p:pic>
       <p:pic>
         <p:nvPicPr>
-          <p:cNvPr id="18" name="Picture 17"/>
+          <p:cNvPr id="20" name="Picture 19"/>
           <p:cNvPicPr>
             <a:picLocks noChangeAspect="1"/>
           </p:cNvPicPr>
           <p:nvPr>
             <p:custDataLst>
-              <p:tags r:id="rId4"/>
+              <p:tags r:id="rId3"/>
             </p:custDataLst>
           </p:nvPr>
         </p:nvPicPr>
         <p:blipFill>
-          <a:blip r:embed="rId10">
+          <a:blip r:embed="rId12">
             <a:extLst>
               <a:ext uri="{28A0092B-C50C-407E-A947-70E740481C1C}">
                 <a14:useLocalDpi xmlns:a14="http://schemas.microsoft.com/office/drawing/2010/main" val="0"/>
@@ -14328,8 +16066,172 @@
         </p:blipFill>
         <p:spPr>
           <a:xfrm>
-            <a:off x="2899523" y="4516406"/>
-            <a:ext cx="4183962" cy="680751"/>
+            <a:off x="2584513" y="2910377"/>
+            <a:ext cx="1224324" cy="368097"/>
+          </a:xfrm>
+          <a:prstGeom prst="rect">
+            <a:avLst/>
+          </a:prstGeom>
+        </p:spPr>
+      </p:pic>
+      <p:pic>
+        <p:nvPicPr>
+          <p:cNvPr id="23" name="Picture 22"/>
+          <p:cNvPicPr>
+            <a:picLocks noChangeAspect="1"/>
+          </p:cNvPicPr>
+          <p:nvPr/>
+        </p:nvPicPr>
+        <p:blipFill>
+          <a:blip r:embed="rId9">
+            <a:extLst>
+              <a:ext uri="{28A0092B-C50C-407E-A947-70E740481C1C}">
+                <a14:useLocalDpi xmlns:a14="http://schemas.microsoft.com/office/drawing/2010/main" val="0"/>
+              </a:ext>
+            </a:extLst>
+          </a:blip>
+          <a:stretch>
+            <a:fillRect/>
+          </a:stretch>
+        </p:blipFill>
+        <p:spPr>
+          <a:xfrm>
+            <a:off x="7217023" y="2883057"/>
+            <a:ext cx="3769541" cy="2615600"/>
+          </a:xfrm>
+          <a:prstGeom prst="rect">
+            <a:avLst/>
+          </a:prstGeom>
+        </p:spPr>
+      </p:pic>
+      <p:sp>
+        <p:nvSpPr>
+          <p:cNvPr id="24" name="TextBox 23"/>
+          <p:cNvSpPr txBox="1"/>
+          <p:nvPr/>
+        </p:nvSpPr>
+        <p:spPr>
+          <a:xfrm>
+            <a:off x="7589662" y="5580909"/>
+            <a:ext cx="2645917" cy="461665"/>
+          </a:xfrm>
+          <a:prstGeom prst="rect">
+            <a:avLst/>
+          </a:prstGeom>
+          <a:noFill/>
+        </p:spPr>
+        <p:txBody>
+          <a:bodyPr wrap="none" rtlCol="0">
+            <a:spAutoFit/>
+          </a:bodyPr>
+          <a:lstStyle/>
+          <a:p>
+            <a:r>
+              <a:rPr lang="en-US" sz="2400" b="1" dirty="0">
+                <a:latin typeface="Arial" panose="020B0604020202020204" pitchFamily="34" charset="0"/>
+                <a:cs typeface="Arial" panose="020B0604020202020204" pitchFamily="34" charset="0"/>
+              </a:rPr>
+              <a:t>Triaxial Shearing</a:t>
+            </a:r>
+          </a:p>
+        </p:txBody>
+      </p:sp>
+      <p:pic>
+        <p:nvPicPr>
+          <p:cNvPr id="25" name="Picture 24"/>
+          <p:cNvPicPr>
+            <a:picLocks noChangeAspect="1"/>
+          </p:cNvPicPr>
+          <p:nvPr>
+            <p:custDataLst>
+              <p:tags r:id="rId4"/>
+            </p:custDataLst>
+          </p:nvPr>
+        </p:nvPicPr>
+        <p:blipFill>
+          <a:blip r:embed="rId10">
+            <a:extLst>
+              <a:ext uri="{28A0092B-C50C-407E-A947-70E740481C1C}">
+                <a14:useLocalDpi xmlns:a14="http://schemas.microsoft.com/office/drawing/2010/main" val="0"/>
+              </a:ext>
+            </a:extLst>
+          </a:blip>
+          <a:stretch>
+            <a:fillRect/>
+          </a:stretch>
+        </p:blipFill>
+        <p:spPr>
+          <a:xfrm>
+            <a:off x="6913287" y="4906483"/>
+            <a:ext cx="1224324" cy="360095"/>
+          </a:xfrm>
+          <a:prstGeom prst="rect">
+            <a:avLst/>
+          </a:prstGeom>
+        </p:spPr>
+      </p:pic>
+      <p:pic>
+        <p:nvPicPr>
+          <p:cNvPr id="26" name="Picture 25"/>
+          <p:cNvPicPr>
+            <a:picLocks noChangeAspect="1"/>
+          </p:cNvPicPr>
+          <p:nvPr>
+            <p:custDataLst>
+              <p:tags r:id="rId5"/>
+            </p:custDataLst>
+          </p:nvPr>
+        </p:nvPicPr>
+        <p:blipFill>
+          <a:blip r:embed="rId11">
+            <a:extLst>
+              <a:ext uri="{28A0092B-C50C-407E-A947-70E740481C1C}">
+                <a14:useLocalDpi xmlns:a14="http://schemas.microsoft.com/office/drawing/2010/main" val="0"/>
+              </a:ext>
+            </a:extLst>
+          </a:blip>
+          <a:stretch>
+            <a:fillRect/>
+          </a:stretch>
+        </p:blipFill>
+        <p:spPr>
+          <a:xfrm>
+            <a:off x="9986687" y="4893783"/>
+            <a:ext cx="1224324" cy="360095"/>
+          </a:xfrm>
+          <a:prstGeom prst="rect">
+            <a:avLst/>
+          </a:prstGeom>
+        </p:spPr>
+      </p:pic>
+      <p:pic>
+        <p:nvPicPr>
+          <p:cNvPr id="29" name="Picture 28"/>
+          <p:cNvPicPr>
+            <a:picLocks noChangeAspect="1"/>
+          </p:cNvPicPr>
+          <p:nvPr>
+            <p:custDataLst>
+              <p:tags r:id="rId6"/>
+            </p:custDataLst>
+          </p:nvPr>
+        </p:nvPicPr>
+        <p:blipFill>
+          <a:blip r:embed="rId13">
+            <a:extLst>
+              <a:ext uri="{28A0092B-C50C-407E-A947-70E740481C1C}">
+                <a14:useLocalDpi xmlns:a14="http://schemas.microsoft.com/office/drawing/2010/main" val="0"/>
+              </a:ext>
+            </a:extLst>
+          </a:blip>
+          <a:stretch>
+            <a:fillRect/>
+          </a:stretch>
+        </p:blipFill>
+        <p:spPr>
+          <a:xfrm>
+            <a:off x="8427577" y="2910377"/>
+            <a:ext cx="1224324" cy="368097"/>
           </a:xfrm>
           <a:prstGeom prst="rect">
             <a:avLst/>
@@ -14339,7 +16241,384 @@
     </p:spTree>
     <p:extLst>
       <p:ext uri="{BB962C8B-B14F-4D97-AF65-F5344CB8AC3E}">
-        <p14:creationId xmlns:p14="http://schemas.microsoft.com/office/powerpoint/2010/main" val="3675158820"/>
+        <p14:creationId xmlns:p14="http://schemas.microsoft.com/office/powerpoint/2010/main" val="2224285851"/>
+      </p:ext>
+    </p:extLst>
+  </p:cSld>
+  <p:clrMapOvr>
+    <a:masterClrMapping/>
+  </p:clrMapOvr>
+</p:sld>
+</file>
+
+<file path=ppt/slides/slide25.xml><?xml version="1.0" encoding="utf-8"?>
+<p:sld xmlns:a="http://schemas.openxmlformats.org/drawingml/2006/main" xmlns:r="http://schemas.openxmlformats.org/officeDocument/2006/relationships" xmlns:p="http://schemas.openxmlformats.org/presentationml/2006/main">
+  <p:cSld>
+    <p:spTree>
+      <p:nvGrpSpPr>
+        <p:cNvPr id="1" name=""/>
+        <p:cNvGrpSpPr/>
+        <p:nvPr/>
+      </p:nvGrpSpPr>
+      <p:grpSpPr>
+        <a:xfrm>
+          <a:off x="0" y="0"/>
+          <a:ext cx="0" cy="0"/>
+          <a:chOff x="0" y="0"/>
+          <a:chExt cx="0" cy="0"/>
+        </a:xfrm>
+      </p:grpSpPr>
+      <p:sp>
+        <p:nvSpPr>
+          <p:cNvPr id="4" name="Title 3">
+            <a:extLst>
+              <a:ext uri="{FF2B5EF4-FFF2-40B4-BE49-F238E27FC236}">
+                <a16:creationId xmlns:a16="http://schemas.microsoft.com/office/drawing/2014/main" id="{ACDB2F36-C02C-4F0F-B585-37925F729AA5}"/>
+              </a:ext>
+            </a:extLst>
+          </p:cNvPr>
+          <p:cNvSpPr>
+            <a:spLocks noGrp="1"/>
+          </p:cNvSpPr>
+          <p:nvPr>
+            <p:ph type="title"/>
+          </p:nvPr>
+        </p:nvSpPr>
+        <p:spPr>
+          <a:xfrm>
+            <a:off x="613773" y="3146907"/>
+            <a:ext cx="10515600" cy="723569"/>
+          </a:xfrm>
+        </p:spPr>
+        <p:txBody>
+          <a:bodyPr/>
+          <a:lstStyle/>
+          <a:p>
+            <a:r>
+              <a:rPr lang="en-US" dirty="0">
+                <a:latin typeface="Arial" panose="020B0604020202020204" pitchFamily="34" charset="0"/>
+                <a:cs typeface="Arial" panose="020B0604020202020204" pitchFamily="34" charset="0"/>
+              </a:rPr>
+              <a:t>Drucker-Prager</a:t>
+            </a:r>
+          </a:p>
+        </p:txBody>
+      </p:sp>
+    </p:spTree>
+    <p:extLst>
+      <p:ext uri="{BB962C8B-B14F-4D97-AF65-F5344CB8AC3E}">
+        <p14:creationId xmlns:p14="http://schemas.microsoft.com/office/powerpoint/2010/main" val="3840627373"/>
+      </p:ext>
+    </p:extLst>
+  </p:cSld>
+  <p:clrMapOvr>
+    <a:masterClrMapping/>
+  </p:clrMapOvr>
+</p:sld>
+</file>
+
+<file path=ppt/slides/slide26.xml><?xml version="1.0" encoding="utf-8"?>
+<p:sld xmlns:a="http://schemas.openxmlformats.org/drawingml/2006/main" xmlns:r="http://schemas.openxmlformats.org/officeDocument/2006/relationships" xmlns:p="http://schemas.openxmlformats.org/presentationml/2006/main">
+  <p:cSld>
+    <p:spTree>
+      <p:nvGrpSpPr>
+        <p:cNvPr id="1" name=""/>
+        <p:cNvGrpSpPr/>
+        <p:nvPr/>
+      </p:nvGrpSpPr>
+      <p:grpSpPr>
+        <a:xfrm>
+          <a:off x="0" y="0"/>
+          <a:ext cx="0" cy="0"/>
+          <a:chOff x="0" y="0"/>
+          <a:chExt cx="0" cy="0"/>
+        </a:xfrm>
+      </p:grpSpPr>
+      <p:sp>
+        <p:nvSpPr>
+          <p:cNvPr id="4" name="Title 3">
+            <a:extLst>
+              <a:ext uri="{FF2B5EF4-FFF2-40B4-BE49-F238E27FC236}">
+                <a16:creationId xmlns:a16="http://schemas.microsoft.com/office/drawing/2014/main" id="{ACDB2F36-C02C-4F0F-B585-37925F729AA5}"/>
+              </a:ext>
+            </a:extLst>
+          </p:cNvPr>
+          <p:cNvSpPr>
+            <a:spLocks noGrp="1"/>
+          </p:cNvSpPr>
+          <p:nvPr>
+            <p:ph type="title"/>
+          </p:nvPr>
+        </p:nvSpPr>
+        <p:spPr/>
+        <p:txBody>
+          <a:bodyPr/>
+          <a:lstStyle/>
+          <a:p>
+            <a:r>
+              <a:rPr lang="en-US" dirty="0">
+                <a:latin typeface="Arial" panose="020B0604020202020204" pitchFamily="34" charset="0"/>
+                <a:cs typeface="Arial" panose="020B0604020202020204" pitchFamily="34" charset="0"/>
+              </a:rPr>
+              <a:t>Drucker-Prager</a:t>
+            </a:r>
+            <a:endParaRPr lang="en-US" dirty="0">
+              <a:latin typeface="Arial" panose="020B0604020202020204" pitchFamily="34" charset="0"/>
+              <a:cs typeface="Arial" panose="020B0604020202020204" pitchFamily="34" charset="0"/>
+            </a:endParaRPr>
+          </a:p>
+        </p:txBody>
+      </p:sp>
+      <p:sp>
+        <p:nvSpPr>
+          <p:cNvPr id="5" name="Content Placeholder 4">
+            <a:extLst>
+              <a:ext uri="{FF2B5EF4-FFF2-40B4-BE49-F238E27FC236}">
+                <a16:creationId xmlns:a16="http://schemas.microsoft.com/office/drawing/2014/main" id="{2E48F1C5-477D-4547-95BB-9E8BD09144C0}"/>
+              </a:ext>
+            </a:extLst>
+          </p:cNvPr>
+          <p:cNvSpPr>
+            <a:spLocks noGrp="1"/>
+          </p:cNvSpPr>
+          <p:nvPr>
+            <p:ph idx="1"/>
+          </p:nvPr>
+        </p:nvSpPr>
+        <p:spPr/>
+        <p:txBody>
+          <a:bodyPr/>
+          <a:lstStyle/>
+          <a:p>
+            <a:r>
+              <a:rPr lang="en-US" dirty="0">
+                <a:latin typeface="Arial" panose="020B0604020202020204" pitchFamily="34" charset="0"/>
+                <a:cs typeface="Arial" panose="020B0604020202020204" pitchFamily="34" charset="0"/>
+              </a:rPr>
+              <a:t>Prototypical “granular” or “soil” model. Simplest pressure-dependent material.</a:t>
+            </a:r>
+          </a:p>
+          <a:p>
+            <a:endParaRPr lang="en-US" dirty="0">
+              <a:latin typeface="Arial" panose="020B0604020202020204" pitchFamily="34" charset="0"/>
+              <a:cs typeface="Arial" panose="020B0604020202020204" pitchFamily="34" charset="0"/>
+            </a:endParaRPr>
+          </a:p>
+          <a:p>
+            <a:r>
+              <a:rPr lang="en-US" dirty="0">
+                <a:latin typeface="Arial" panose="020B0604020202020204" pitchFamily="34" charset="0"/>
+                <a:cs typeface="Arial" panose="020B0604020202020204" pitchFamily="34" charset="0"/>
+              </a:rPr>
+              <a:t>Yield function</a:t>
+            </a:r>
+          </a:p>
+          <a:p>
+            <a:endParaRPr lang="en-US" dirty="0">
+              <a:latin typeface="Arial" panose="020B0604020202020204" pitchFamily="34" charset="0"/>
+              <a:cs typeface="Arial" panose="020B0604020202020204" pitchFamily="34" charset="0"/>
+            </a:endParaRPr>
+          </a:p>
+          <a:p>
+            <a:endParaRPr lang="en-US" dirty="0">
+              <a:latin typeface="Arial" panose="020B0604020202020204" pitchFamily="34" charset="0"/>
+              <a:cs typeface="Arial" panose="020B0604020202020204" pitchFamily="34" charset="0"/>
+            </a:endParaRPr>
+          </a:p>
+          <a:p>
+            <a:r>
+              <a:rPr lang="en-US" dirty="0">
+                <a:latin typeface="Arial" panose="020B0604020202020204" pitchFamily="34" charset="0"/>
+                <a:cs typeface="Arial" panose="020B0604020202020204" pitchFamily="34" charset="0"/>
+              </a:rPr>
+              <a:t>Isotropic hardening</a:t>
+            </a:r>
+          </a:p>
+        </p:txBody>
+      </p:sp>
+    </p:spTree>
+    <p:extLst>
+      <p:ext uri="{BB962C8B-B14F-4D97-AF65-F5344CB8AC3E}">
+        <p14:creationId xmlns:p14="http://schemas.microsoft.com/office/powerpoint/2010/main" val="2527614711"/>
+      </p:ext>
+    </p:extLst>
+  </p:cSld>
+  <p:clrMapOvr>
+    <a:masterClrMapping/>
+  </p:clrMapOvr>
+</p:sld>
+</file>
+
+<file path=ppt/slides/slide27.xml><?xml version="1.0" encoding="utf-8"?>
+<p:sld xmlns:a="http://schemas.openxmlformats.org/drawingml/2006/main" xmlns:r="http://schemas.openxmlformats.org/officeDocument/2006/relationships" xmlns:p="http://schemas.openxmlformats.org/presentationml/2006/main">
+  <p:cSld>
+    <p:spTree>
+      <p:nvGrpSpPr>
+        <p:cNvPr id="1" name=""/>
+        <p:cNvGrpSpPr/>
+        <p:nvPr/>
+      </p:nvGrpSpPr>
+      <p:grpSpPr>
+        <a:xfrm>
+          <a:off x="0" y="0"/>
+          <a:ext cx="0" cy="0"/>
+          <a:chOff x="0" y="0"/>
+          <a:chExt cx="0" cy="0"/>
+        </a:xfrm>
+      </p:grpSpPr>
+      <p:sp>
+        <p:nvSpPr>
+          <p:cNvPr id="4" name="Title 3">
+            <a:extLst>
+              <a:ext uri="{FF2B5EF4-FFF2-40B4-BE49-F238E27FC236}">
+                <a16:creationId xmlns:a16="http://schemas.microsoft.com/office/drawing/2014/main" id="{ACDB2F36-C02C-4F0F-B585-37925F729AA5}"/>
+              </a:ext>
+            </a:extLst>
+          </p:cNvPr>
+          <p:cNvSpPr>
+            <a:spLocks noGrp="1"/>
+          </p:cNvSpPr>
+          <p:nvPr>
+            <p:ph type="title"/>
+          </p:nvPr>
+        </p:nvSpPr>
+        <p:spPr>
+          <a:xfrm>
+            <a:off x="613773" y="3146907"/>
+            <a:ext cx="10515600" cy="723569"/>
+          </a:xfrm>
+        </p:spPr>
+        <p:txBody>
+          <a:bodyPr/>
+          <a:lstStyle/>
+          <a:p>
+            <a:r>
+              <a:rPr lang="en-US" dirty="0">
+                <a:latin typeface="Arial" panose="020B0604020202020204" pitchFamily="34" charset="0"/>
+                <a:cs typeface="Arial" panose="020B0604020202020204" pitchFamily="34" charset="0"/>
+              </a:rPr>
+              <a:t>Concrete</a:t>
+            </a:r>
+          </a:p>
+        </p:txBody>
+      </p:sp>
+    </p:spTree>
+    <p:extLst>
+      <p:ext uri="{BB962C8B-B14F-4D97-AF65-F5344CB8AC3E}">
+        <p14:creationId xmlns:p14="http://schemas.microsoft.com/office/powerpoint/2010/main" val="136414845"/>
+      </p:ext>
+    </p:extLst>
+  </p:cSld>
+  <p:clrMapOvr>
+    <a:masterClrMapping/>
+  </p:clrMapOvr>
+</p:sld>
+</file>
+
+<file path=ppt/slides/slide28.xml><?xml version="1.0" encoding="utf-8"?>
+<p:sld xmlns:a="http://schemas.openxmlformats.org/drawingml/2006/main" xmlns:r="http://schemas.openxmlformats.org/officeDocument/2006/relationships" xmlns:p="http://schemas.openxmlformats.org/presentationml/2006/main">
+  <p:cSld>
+    <p:spTree>
+      <p:nvGrpSpPr>
+        <p:cNvPr id="1" name=""/>
+        <p:cNvGrpSpPr/>
+        <p:nvPr/>
+      </p:nvGrpSpPr>
+      <p:grpSpPr>
+        <a:xfrm>
+          <a:off x="0" y="0"/>
+          <a:ext cx="0" cy="0"/>
+          <a:chOff x="0" y="0"/>
+          <a:chExt cx="0" cy="0"/>
+        </a:xfrm>
+      </p:grpSpPr>
+      <p:sp>
+        <p:nvSpPr>
+          <p:cNvPr id="4" name="Title 3">
+            <a:extLst>
+              <a:ext uri="{FF2B5EF4-FFF2-40B4-BE49-F238E27FC236}">
+                <a16:creationId xmlns:a16="http://schemas.microsoft.com/office/drawing/2014/main" id="{ACDB2F36-C02C-4F0F-B585-37925F729AA5}"/>
+              </a:ext>
+            </a:extLst>
+          </p:cNvPr>
+          <p:cNvSpPr>
+            <a:spLocks noGrp="1"/>
+          </p:cNvSpPr>
+          <p:nvPr>
+            <p:ph type="title"/>
+          </p:nvPr>
+        </p:nvSpPr>
+        <p:spPr/>
+        <p:txBody>
+          <a:bodyPr/>
+          <a:lstStyle/>
+          <a:p>
+            <a:r>
+              <a:rPr lang="en-US" dirty="0">
+                <a:latin typeface="Arial" panose="020B0604020202020204" pitchFamily="34" charset="0"/>
+                <a:cs typeface="Arial" panose="020B0604020202020204" pitchFamily="34" charset="0"/>
+              </a:rPr>
+              <a:t>Concrete</a:t>
+            </a:r>
+          </a:p>
+        </p:txBody>
+      </p:sp>
+      <p:sp>
+        <p:nvSpPr>
+          <p:cNvPr id="5" name="Content Placeholder 4">
+            <a:extLst>
+              <a:ext uri="{FF2B5EF4-FFF2-40B4-BE49-F238E27FC236}">
+                <a16:creationId xmlns:a16="http://schemas.microsoft.com/office/drawing/2014/main" id="{2E48F1C5-477D-4547-95BB-9E8BD09144C0}"/>
+              </a:ext>
+            </a:extLst>
+          </p:cNvPr>
+          <p:cNvSpPr>
+            <a:spLocks noGrp="1"/>
+          </p:cNvSpPr>
+          <p:nvPr>
+            <p:ph idx="1"/>
+          </p:nvPr>
+        </p:nvSpPr>
+        <p:spPr/>
+        <p:txBody>
+          <a:bodyPr/>
+          <a:lstStyle/>
+          <a:p>
+            <a:r>
+              <a:rPr lang="en-US" dirty="0">
+                <a:latin typeface="Arial" panose="020B0604020202020204" pitchFamily="34" charset="0"/>
+                <a:cs typeface="Arial" panose="020B0604020202020204" pitchFamily="34" charset="0"/>
+              </a:rPr>
+              <a:t>Yield function</a:t>
+            </a:r>
+          </a:p>
+          <a:p>
+            <a:endParaRPr lang="en-US" dirty="0">
+              <a:latin typeface="Arial" panose="020B0604020202020204" pitchFamily="34" charset="0"/>
+              <a:cs typeface="Arial" panose="020B0604020202020204" pitchFamily="34" charset="0"/>
+            </a:endParaRPr>
+          </a:p>
+          <a:p>
+            <a:endParaRPr lang="en-US" dirty="0">
+              <a:latin typeface="Arial" panose="020B0604020202020204" pitchFamily="34" charset="0"/>
+              <a:cs typeface="Arial" panose="020B0604020202020204" pitchFamily="34" charset="0"/>
+            </a:endParaRPr>
+          </a:p>
+          <a:p>
+            <a:r>
+              <a:rPr lang="en-US" dirty="0">
+                <a:latin typeface="Arial" panose="020B0604020202020204" pitchFamily="34" charset="0"/>
+                <a:cs typeface="Arial" panose="020B0604020202020204" pitchFamily="34" charset="0"/>
+              </a:rPr>
+              <a:t>Isotropic hardening</a:t>
+            </a:r>
+          </a:p>
+        </p:txBody>
+      </p:sp>
+    </p:spTree>
+    <p:extLst>
+      <p:ext uri="{BB962C8B-B14F-4D97-AF65-F5344CB8AC3E}">
+        <p14:creationId xmlns:p14="http://schemas.microsoft.com/office/powerpoint/2010/main" val="1870349556"/>
       </p:ext>
     </p:extLst>
   </p:cSld>
@@ -14497,7 +16776,7 @@
                 <a:latin typeface="Arial" panose="020B0604020202020204" pitchFamily="34" charset="0"/>
                 <a:cs typeface="Arial" panose="020B0604020202020204" pitchFamily="34" charset="0"/>
               </a:rPr>
-              <a:t>Will find way to migrate to SGH internal server (</a:t>
+              <a:t>Find way to migrate to SGH internal server (</a:t>
             </a:r>
             <a:r>
               <a:rPr lang="en-US" dirty="0" err="1">
@@ -15954,12 +18233,12 @@
 <file path=ppt/tags/tag10.xml><?xml version="1.0" encoding="utf-8"?>
 <p:tagLst xmlns:a="http://schemas.openxmlformats.org/drawingml/2006/main" xmlns:r="http://schemas.openxmlformats.org/officeDocument/2006/relationships" xmlns:p="http://schemas.openxmlformats.org/presentationml/2006/main">
   <p:tag name="OUTPUTDPI" val="1200"/>
-  <p:tag name="ORIGINALHEIGHT" val="141.0197"/>
-  <p:tag name="ORIGINALWIDTH" val="795.111"/>
-  <p:tag name="LATEXADDIN" val="\documentclass{article}&#10;\usepackage{amsmath}&#10;\pagestyle{empty}&#10;\begin{document}&#10;&#10;\begin{equation*}&#10;F = q - \sigma_y(\epsilon_p^s)&#10;\end{equation*}&#10;&#10;&#10;\end{document}"/>
+  <p:tag name="ORIGINALHEIGHT" val="101.2641"/>
+  <p:tag name="ORIGINALWIDTH" val="344.298"/>
+  <p:tag name="LATEXADDIN" val="\documentclass{article}&#10;\usepackage{amsmath}&#10;\pagestyle{empty}&#10;\begin{document}&#10;&#10;\begin{equation*}&#10;\sigma_2 = 5&#10;\end{equation*}&#10;&#10;&#10;\end{document}"/>
   <p:tag name="IGUANATEXSIZE" val="40"/>
-  <p:tag name="IGUANATEXCURSOR" val="129"/>
-  <p:tag name="TRANSPARENCY" val="True"/>
+  <p:tag name="IGUANATEXCURSOR" val="107"/>
+  <p:tag name="TRANSPARENCY" val="False"/>
   <p:tag name="FILENAME" val=""/>
   <p:tag name="LATEXENGINEID" val="1"/>
   <p:tag name="TEMPFOLDER" val="c:\temp\"/>
@@ -15973,12 +18252,12 @@
 <file path=ppt/tags/tag11.xml><?xml version="1.0" encoding="utf-8"?>
 <p:tagLst xmlns:a="http://schemas.openxmlformats.org/drawingml/2006/main" xmlns:r="http://schemas.openxmlformats.org/officeDocument/2006/relationships" xmlns:p="http://schemas.openxmlformats.org/presentationml/2006/main">
   <p:tag name="OUTPUTDPI" val="1200"/>
-  <p:tag name="ORIGINALHEIGHT" val="141.0197"/>
-  <p:tag name="ORIGINALWIDTH" val="1042.646"/>
-  <p:tag name="LATEXADDIN" val="\documentclass{article}&#10;\usepackage{amsmath}&#10;\pagestyle{empty}&#10;\begin{document}&#10;&#10;\begin{equation*}&#10;\sigma_y(\epsilon_p^s) = \sigma_{y0} + H\epsilon_p^s&#10;\end{equation*}&#10;&#10;&#10;\end{document}"/>
+  <p:tag name="ORIGINALHEIGHT" val="103.5144"/>
+  <p:tag name="ORIGINALWIDTH" val="344.298"/>
+  <p:tag name="LATEXADDIN" val="\documentclass{article}&#10;\usepackage{amsmath}&#10;\pagestyle{empty}&#10;\begin{document}&#10;&#10;\begin{equation*}&#10;\sigma_3 &gt; 5&#10;\end{equation*}&#10;&#10;&#10;\end{document}"/>
   <p:tag name="IGUANATEXSIZE" val="40"/>
-  <p:tag name="IGUANATEXCURSOR" val="151"/>
-  <p:tag name="TRANSPARENCY" val="True"/>
+  <p:tag name="IGUANATEXCURSOR" val="109"/>
+  <p:tag name="TRANSPARENCY" val="False"/>
   <p:tag name="FILENAME" val=""/>
   <p:tag name="LATEXENGINEID" val="1"/>
   <p:tag name="TEMPFOLDER" val="c:\temp\"/>
@@ -15992,12 +18271,12 @@
 <file path=ppt/tags/tag12.xml><?xml version="1.0" encoding="utf-8"?>
 <p:tagLst xmlns:a="http://schemas.openxmlformats.org/drawingml/2006/main" xmlns:r="http://schemas.openxmlformats.org/officeDocument/2006/relationships" xmlns:p="http://schemas.openxmlformats.org/presentationml/2006/main">
   <p:tag name="OUTPUTDPI" val="1200"/>
-  <p:tag name="ORIGINALHEIGHT" val="503.3203"/>
-  <p:tag name="ORIGINALWIDTH" val="644.3399"/>
-  <p:tag name="LATEXADDIN" val="\documentclass{article}&#10;\usepackage{amsmath}&#10;\pagestyle{empty}&#10;\begin{document}&#10;&#10;\begin{align*}&#10;&amp;\text{*PLASTIC}\\&#10;&amp;\sigma_{y0},0.0\\&#10;&amp;\sigma_{y0}+H,1.0&#10;\end{align*}&#10;&#10;&#10;\end{document}"/>
-  <p:tag name="IGUANATEXSIZE" val="24"/>
-  <p:tag name="IGUANATEXCURSOR" val="148"/>
-  <p:tag name="TRANSPARENCY" val="True"/>
+  <p:tag name="ORIGINALHEIGHT" val="101.2641"/>
+  <p:tag name="ORIGINALWIDTH" val="344.298"/>
+  <p:tag name="LATEXADDIN" val="\documentclass{article}&#10;\usepackage{amsmath}&#10;\pagestyle{empty}&#10;\begin{document}&#10;&#10;\begin{equation*}&#10;\sigma_1 = 5&#10;\end{equation*}&#10;&#10;&#10;\end{document}"/>
+  <p:tag name="IGUANATEXSIZE" val="40"/>
+  <p:tag name="IGUANATEXCURSOR" val="110"/>
+  <p:tag name="TRANSPARENCY" val="False"/>
   <p:tag name="FILENAME" val=""/>
   <p:tag name="LATEXENGINEID" val="1"/>
   <p:tag name="TEMPFOLDER" val="c:\temp\"/>
@@ -16011,12 +18290,12 @@
 <file path=ppt/tags/tag13.xml><?xml version="1.0" encoding="utf-8"?>
 <p:tagLst xmlns:a="http://schemas.openxmlformats.org/drawingml/2006/main" xmlns:r="http://schemas.openxmlformats.org/officeDocument/2006/relationships" xmlns:p="http://schemas.openxmlformats.org/presentationml/2006/main">
   <p:tag name="OUTPUTDPI" val="1200"/>
-  <p:tag name="ORIGINALHEIGHT" val="129.7681"/>
-  <p:tag name="ORIGINALWIDTH" val="273.0381"/>
-  <p:tag name="LATEXADDIN" val="\documentclass{article}&#10;\usepackage{amsmath}&#10;\pagestyle{empty}&#10;\begin{document}&#10;&#10;\begin{equation*}&#10;\sigma_y(0)&#10;\end{equation*}&#10;&#10;&#10;\end{document}"/>
+  <p:tag name="ORIGINALHEIGHT" val="101.2641"/>
+  <p:tag name="ORIGINALWIDTH" val="344.298"/>
+  <p:tag name="LATEXADDIN" val="\documentclass{article}&#10;\usepackage{amsmath}&#10;\pagestyle{empty}&#10;\begin{document}&#10;&#10;\begin{equation*}&#10;\sigma_2 = 5&#10;\end{equation*}&#10;&#10;&#10;\end{document}"/>
   <p:tag name="IGUANATEXSIZE" val="40"/>
-  <p:tag name="IGUANATEXCURSOR" val="110"/>
-  <p:tag name="TRANSPARENCY" val="True"/>
+  <p:tag name="IGUANATEXCURSOR" val="107"/>
+  <p:tag name="TRANSPARENCY" val="False"/>
   <p:tag name="FILENAME" val=""/>
   <p:tag name="LATEXENGINEID" val="1"/>
   <p:tag name="TEMPFOLDER" val="c:\temp\"/>
@@ -16030,12 +18309,12 @@
 <file path=ppt/tags/tag14.xml><?xml version="1.0" encoding="utf-8"?>
 <p:tagLst xmlns:a="http://schemas.openxmlformats.org/drawingml/2006/main" xmlns:r="http://schemas.openxmlformats.org/officeDocument/2006/relationships" xmlns:p="http://schemas.openxmlformats.org/presentationml/2006/main">
   <p:tag name="OUTPUTDPI" val="1200"/>
-  <p:tag name="ORIGINALHEIGHT" val="447.8125"/>
-  <p:tag name="ORIGINALWIDTH" val="950.3826"/>
-  <p:tag name="LATEXADDIN" val="\documentclass{article}&#10;\usepackage{amsmath}&#10;\pagestyle{empty}&#10;\begin{document}&#10;&#10;\begin{equation*}&#10;\boldsymbol{\sigma}=&#10;\left[&#10;\begin{array}{ccc}&#10;\sigma &amp; 0 &amp; 0\\&#10;0 &amp; 0 &amp; 0\\&#10;0 &amp; 0 &amp; 0&#10;\end{array}&#10;\right]&#10;\end{equation*}&#10;&#10;&#10;\end{document}"/>
+  <p:tag name="ORIGINALHEIGHT" val="103.5144"/>
+  <p:tag name="ORIGINALWIDTH" val="344.298"/>
+  <p:tag name="LATEXADDIN" val="\documentclass{article}&#10;\usepackage{amsmath}&#10;\pagestyle{empty}&#10;\begin{document}&#10;&#10;\begin{equation*}&#10;\sigma_3 = 5&#10;\end{equation*}&#10;&#10;&#10;\end{document}"/>
   <p:tag name="IGUANATEXSIZE" val="40"/>
-  <p:tag name="IGUANATEXCURSOR" val="119"/>
-  <p:tag name="TRANSPARENCY" val="True"/>
+  <p:tag name="IGUANATEXCURSOR" val="107"/>
+  <p:tag name="TRANSPARENCY" val="False"/>
   <p:tag name="FILENAME" val=""/>
   <p:tag name="LATEXENGINEID" val="1"/>
   <p:tag name="TEMPFOLDER" val="c:\temp\"/>
@@ -16049,12 +18328,12 @@
 <file path=ppt/tags/tag15.xml><?xml version="1.0" encoding="utf-8"?>
 <p:tagLst xmlns:a="http://schemas.openxmlformats.org/drawingml/2006/main" xmlns:r="http://schemas.openxmlformats.org/officeDocument/2006/relationships" xmlns:p="http://schemas.openxmlformats.org/presentationml/2006/main">
   <p:tag name="OUTPUTDPI" val="1200"/>
-  <p:tag name="ORIGINALHEIGHT" val="447.8125"/>
-  <p:tag name="ORIGINALWIDTH" val="1494.959"/>
-  <p:tag name="LATEXADDIN" val="\documentclass{article}&#10;\usepackage{amsmath}&#10;\pagestyle{empty}&#10;\begin{document}&#10;&#10;\begin{equation*}&#10;\boldsymbol{\sigma}=\boldsymbol{\sigma}-p\boldsymbol{I}=&#10;\left[&#10;\begin{array}{ccc}&#10;\sigma &amp; 0 &amp; 0\\&#10;0 &amp; 0 &amp; 0\\&#10;0 &amp; 0 &amp; 0&#10;\end{array}&#10;\right]&#10;\end{equation*}&#10;&#10;&#10;\end{document}"/>
+  <p:tag name="ORIGINALHEIGHT" val="101.2641"/>
+  <p:tag name="ORIGINALWIDTH" val="344.298"/>
+  <p:tag name="LATEXADDIN" val="\documentclass{article}&#10;\usepackage{amsmath}&#10;\pagestyle{empty}&#10;\begin{document}&#10;&#10;\begin{equation*}&#10;\sigma_1 &gt; 5&#10;\end{equation*}&#10;&#10;&#10;\end{document}"/>
   <p:tag name="IGUANATEXSIZE" val="40"/>
-  <p:tag name="IGUANATEXCURSOR" val="90"/>
-  <p:tag name="TRANSPARENCY" val="True"/>
+  <p:tag name="IGUANATEXCURSOR" val="109"/>
+  <p:tag name="TRANSPARENCY" val="False"/>
   <p:tag name="FILENAME" val=""/>
   <p:tag name="LATEXENGINEID" val="1"/>
   <p:tag name="TEMPFOLDER" val="c:\temp\"/>
@@ -16068,12 +18347,12 @@
 <file path=ppt/tags/tag16.xml><?xml version="1.0" encoding="utf-8"?>
 <p:tagLst xmlns:a="http://schemas.openxmlformats.org/drawingml/2006/main" xmlns:r="http://schemas.openxmlformats.org/officeDocument/2006/relationships" xmlns:p="http://schemas.openxmlformats.org/presentationml/2006/main">
   <p:tag name="OUTPUTDPI" val="1200"/>
-  <p:tag name="ORIGINALHEIGHT" val="447.8125"/>
-  <p:tag name="ORIGINALWIDTH" val="950.3826"/>
-  <p:tag name="LATEXADDIN" val="\documentclass{article}&#10;\usepackage{amsmath}&#10;\pagestyle{empty}&#10;\begin{document}&#10;&#10;\begin{equation*}&#10;\boldsymbol{\sigma}=&#10;\left[&#10;\begin{array}{ccc}&#10;\sigma &amp; 0 &amp; 0\\&#10;0 &amp; 0 &amp; 0\\&#10;0 &amp; 0 &amp; 0&#10;\end{array}&#10;\right]&#10;\end{equation*}&#10;&#10;&#10;\end{document}"/>
+  <p:tag name="ORIGINALHEIGHT" val="101.2641"/>
+  <p:tag name="ORIGINALWIDTH" val="344.298"/>
+  <p:tag name="LATEXADDIN" val="\documentclass{article}&#10;\usepackage{amsmath}&#10;\pagestyle{empty}&#10;\begin{document}&#10;&#10;\begin{equation*}&#10;\sigma_2 &gt; 5&#10;\end{equation*}&#10;&#10;&#10;\end{document}"/>
   <p:tag name="IGUANATEXSIZE" val="40"/>
-  <p:tag name="IGUANATEXCURSOR" val="119"/>
-  <p:tag name="TRANSPARENCY" val="True"/>
+  <p:tag name="IGUANATEXCURSOR" val="99"/>
+  <p:tag name="TRANSPARENCY" val="False"/>
   <p:tag name="FILENAME" val=""/>
   <p:tag name="LATEXENGINEID" val="1"/>
   <p:tag name="TEMPFOLDER" val="c:\temp\"/>
@@ -16087,12 +18366,12 @@
 <file path=ppt/tags/tag17.xml><?xml version="1.0" encoding="utf-8"?>
 <p:tagLst xmlns:a="http://schemas.openxmlformats.org/drawingml/2006/main" xmlns:r="http://schemas.openxmlformats.org/officeDocument/2006/relationships" xmlns:p="http://schemas.openxmlformats.org/presentationml/2006/main">
   <p:tag name="OUTPUTDPI" val="1200"/>
-  <p:tag name="ORIGINALHEIGHT" val="447.8125"/>
-  <p:tag name="ORIGINALWIDTH" val="2125.047"/>
-  <p:tag name="LATEXADDIN" val="\documentclass{article}&#10;\usepackage{amsmath}&#10;\pagestyle{empty}&#10;\begin{document}&#10;&#10;\begin{equation*}&#10;\boldsymbol{s}=\boldsymbol{\sigma}-p\boldsymbol{I}=&#10;\left[&#10;\begin{array}{ccc}&#10;2\sigma/3 &amp; 0 &amp; 0\\&#10;0 &amp; -\sigma/3 &amp; 0\\&#10;0 &amp; 0 &amp; -\sigma/3&#10;\end{array}&#10;\right]&#10;\end{equation*}&#10;&#10;&#10;\end{document}"/>
+  <p:tag name="ORIGINALHEIGHT" val="103.5144"/>
+  <p:tag name="ORIGINALWIDTH" val="344.298"/>
+  <p:tag name="LATEXADDIN" val="\documentclass{article}&#10;\usepackage{amsmath}&#10;\pagestyle{empty}&#10;\begin{document}&#10;&#10;\begin{equation*}&#10;\sigma_3 = 5&#10;\end{equation*}&#10;&#10;&#10;\end{document}"/>
   <p:tag name="IGUANATEXSIZE" val="40"/>
-  <p:tag name="IGUANATEXCURSOR" val="112"/>
-  <p:tag name="TRANSPARENCY" val="True"/>
+  <p:tag name="IGUANATEXCURSOR" val="109"/>
+  <p:tag name="TRANSPARENCY" val="False"/>
   <p:tag name="FILENAME" val=""/>
   <p:tag name="LATEXENGINEID" val="1"/>
   <p:tag name="TEMPFOLDER" val="c:\temp\"/>
@@ -16106,12 +18385,12 @@
 <file path=ppt/tags/tag18.xml><?xml version="1.0" encoding="utf-8"?>
 <p:tagLst xmlns:a="http://schemas.openxmlformats.org/drawingml/2006/main" xmlns:r="http://schemas.openxmlformats.org/officeDocument/2006/relationships" xmlns:p="http://schemas.openxmlformats.org/presentationml/2006/main">
   <p:tag name="OUTPUTDPI" val="1200"/>
-  <p:tag name="ORIGINALHEIGHT" val="255.0356"/>
-  <p:tag name="ORIGINALWIDTH" val="1203.918"/>
-  <p:tag name="LATEXADDIN" val="\documentclass{article}&#10;\usepackage{amsmath}&#10;\pagestyle{empty}&#10;\begin{document}&#10;&#10;\begin{equation*}&#10;p = \frac{1}{3}\left(\sigma + 0 + 0\right) = \frac{\sigma}{3}&#10;\end{equation*}&#10;&#10;&#10;\end{document}"/>
+  <p:tag name="ORIGINALHEIGHT" val="101.2641"/>
+  <p:tag name="ORIGINALWIDTH" val="345.7983"/>
+  <p:tag name="LATEXADDIN" val="\documentclass{article}&#10;\usepackage{amsmath}&#10;\pagestyle{empty}&#10;\begin{document}&#10;&#10;\begin{equation*}&#10;\sigma_1 = 0&#10;\end{equation*}&#10;&#10;&#10;\end{document}"/>
   <p:tag name="IGUANATEXSIZE" val="40"/>
-  <p:tag name="IGUANATEXCURSOR" val="156"/>
-  <p:tag name="TRANSPARENCY" val="True"/>
+  <p:tag name="IGUANATEXCURSOR" val="111"/>
+  <p:tag name="TRANSPARENCY" val="False"/>
   <p:tag name="FILENAME" val=""/>
   <p:tag name="LATEXENGINEID" val="1"/>
   <p:tag name="TEMPFOLDER" val="c:\temp\"/>
@@ -16125,12 +18404,12 @@
 <file path=ppt/tags/tag19.xml><?xml version="1.0" encoding="utf-8"?>
 <p:tagLst xmlns:a="http://schemas.openxmlformats.org/drawingml/2006/main" xmlns:r="http://schemas.openxmlformats.org/officeDocument/2006/relationships" xmlns:p="http://schemas.openxmlformats.org/presentationml/2006/main">
   <p:tag name="OUTPUTDPI" val="1200"/>
-  <p:tag name="ORIGINALHEIGHT" val="297.7916"/>
-  <p:tag name="ORIGINALWIDTH" val="1830.255"/>
-  <p:tag name="LATEXADDIN" val="\documentclass{article}&#10;\usepackage{amsmath}&#10;\pagestyle{empty}&#10;\begin{document}&#10;&#10;\begin{equation*}&#10;q=\sqrt{3J_2}=\sqrt{\frac{3}{2}\left(s_{11}^2+s_{22}^2+s_{33}^2\right)}&#10;\end{equation*}&#10;&#10;&#10;\end{document}"/>
+  <p:tag name="ORIGINALHEIGHT" val="101.2641"/>
+  <p:tag name="ORIGINALWIDTH" val="345.7983"/>
+  <p:tag name="LATEXADDIN" val="\documentclass{article}&#10;\usepackage{amsmath}&#10;\pagestyle{empty}&#10;\begin{document}&#10;&#10;\begin{equation*}&#10;\sigma_2 = 0&#10;\end{equation*}&#10;&#10;&#10;\end{document}"/>
   <p:tag name="IGUANATEXSIZE" val="40"/>
-  <p:tag name="IGUANATEXCURSOR" val="150"/>
-  <p:tag name="TRANSPARENCY" val="True"/>
+  <p:tag name="IGUANATEXCURSOR" val="111"/>
+  <p:tag name="TRANSPARENCY" val="False"/>
   <p:tag name="FILENAME" val=""/>
   <p:tag name="LATEXENGINEID" val="1"/>
   <p:tag name="TEMPFOLDER" val="c:\temp\"/>
@@ -16160,15 +18439,15 @@
 </p:tagLst>
 </file>
 
-<file path=ppt/tags/tag3.xml><?xml version="1.0" encoding="utf-8"?>
+<file path=ppt/tags/tag20.xml><?xml version="1.0" encoding="utf-8"?>
 <p:tagLst xmlns:a="http://schemas.openxmlformats.org/drawingml/2006/main" xmlns:r="http://schemas.openxmlformats.org/officeDocument/2006/relationships" xmlns:p="http://schemas.openxmlformats.org/presentationml/2006/main">
   <p:tag name="OUTPUTDPI" val="1200"/>
-  <p:tag name="ORIGINALHEIGHT" val="74.26039"/>
-  <p:tag name="ORIGINALWIDTH" val="111.0155"/>
-  <p:tag name="LATEXADDIN" val="\documentclass{article}&#10;\usepackage{amsmath}&#10;\pagestyle{empty}&#10;\begin{document}&#10;&#10;\begin{equation*}&#10;\sigma_3&#10;\end{equation*}&#10;&#10;&#10;\end{document}"/>
+  <p:tag name="ORIGINALHEIGHT" val="115.5161"/>
+  <p:tag name="ORIGINALWIDTH" val="345.7983"/>
+  <p:tag name="LATEXADDIN" val="\documentclass{article}&#10;\usepackage{amsmath}&#10;\pagestyle{empty}&#10;\begin{document}&#10;&#10;\begin{equation*}&#10;\sigma_3 \ne 0&#10;\end{equation*}&#10;&#10;&#10;\end{document}"/>
   <p:tag name="IGUANATEXSIZE" val="40"/>
-  <p:tag name="IGUANATEXCURSOR" val="122"/>
-  <p:tag name="TRANSPARENCY" val="True"/>
+  <p:tag name="IGUANATEXCURSOR" val="113"/>
+  <p:tag name="TRANSPARENCY" val="False"/>
   <p:tag name="FILENAME" val=""/>
   <p:tag name="LATEXENGINEID" val="1"/>
   <p:tag name="TEMPFOLDER" val="c:\temp\"/>
@@ -16179,26 +18458,7 @@
 </p:tagLst>
 </file>
 
-<file path=ppt/tags/tag4.xml><?xml version="1.0" encoding="utf-8"?>
-<p:tagLst xmlns:a="http://schemas.openxmlformats.org/drawingml/2006/main" xmlns:r="http://schemas.openxmlformats.org/officeDocument/2006/relationships" xmlns:p="http://schemas.openxmlformats.org/presentationml/2006/main">
-  <p:tag name="OUTPUTDPI" val="1200"/>
-  <p:tag name="ORIGINALHEIGHT" val="72.01008"/>
-  <p:tag name="ORIGINALWIDTH" val="403.5563"/>
-  <p:tag name="LATEXADDIN" val="\documentclass{article}&#10;\usepackage{amsmath}&#10;\pagestyle{empty}&#10;\begin{document}&#10;&#10;\begin{equation*}&#10;\sigma_1 = \sigma_2&#10;\end{equation*}&#10;&#10;&#10;\end{document}"/>
-  <p:tag name="IGUANATEXSIZE" val="40"/>
-  <p:tag name="IGUANATEXCURSOR" val="118"/>
-  <p:tag name="TRANSPARENCY" val="True"/>
-  <p:tag name="FILENAME" val=""/>
-  <p:tag name="LATEXENGINEID" val="1"/>
-  <p:tag name="TEMPFOLDER" val="c:\temp\"/>
-  <p:tag name="LATEXFORMHEIGHT" val="312"/>
-  <p:tag name="LATEXFORMWIDTH" val="384"/>
-  <p:tag name="LATEXFORMWRAP" val="True"/>
-  <p:tag name="BITMAPVECTOR" val="0"/>
-</p:tagLst>
-</file>
-
-<file path=ppt/tags/tag5.xml><?xml version="1.0" encoding="utf-8"?>
+<file path=ppt/tags/tag21.xml><?xml version="1.0" encoding="utf-8"?>
 <p:tagLst xmlns:a="http://schemas.openxmlformats.org/drawingml/2006/main" xmlns:r="http://schemas.openxmlformats.org/officeDocument/2006/relationships" xmlns:p="http://schemas.openxmlformats.org/presentationml/2006/main">
   <p:tag name="OUTPUTDPI" val="1200"/>
   <p:tag name="ORIGINALHEIGHT" val="78.76102"/>
@@ -16217,7 +18477,7 @@
 </p:tagLst>
 </file>
 
-<file path=ppt/tags/tag6.xml><?xml version="1.0" encoding="utf-8"?>
+<file path=ppt/tags/tag22.xml><?xml version="1.0" encoding="utf-8"?>
 <p:tagLst xmlns:a="http://schemas.openxmlformats.org/drawingml/2006/main" xmlns:r="http://schemas.openxmlformats.org/officeDocument/2006/relationships" xmlns:p="http://schemas.openxmlformats.org/presentationml/2006/main">
   <p:tag name="OUTPUTDPI" val="1200"/>
   <p:tag name="ORIGINALHEIGHT" val="255.0356"/>
@@ -16236,7 +18496,7 @@
 </p:tagLst>
 </file>
 
-<file path=ppt/tags/tag7.xml><?xml version="1.0" encoding="utf-8"?>
+<file path=ppt/tags/tag23.xml><?xml version="1.0" encoding="utf-8"?>
 <p:tagLst xmlns:a="http://schemas.openxmlformats.org/drawingml/2006/main" xmlns:r="http://schemas.openxmlformats.org/officeDocument/2006/relationships" xmlns:p="http://schemas.openxmlformats.org/presentationml/2006/main">
   <p:tag name="OUTPUTDPI" val="1200"/>
   <p:tag name="ORIGINALHEIGHT" val="276.0385"/>
@@ -16255,7 +18515,7 @@
 </p:tagLst>
 </file>
 
-<file path=ppt/tags/tag8.xml><?xml version="1.0" encoding="utf-8"?>
+<file path=ppt/tags/tag24.xml><?xml version="1.0" encoding="utf-8"?>
 <p:tagLst xmlns:a="http://schemas.openxmlformats.org/drawingml/2006/main" xmlns:r="http://schemas.openxmlformats.org/officeDocument/2006/relationships" xmlns:p="http://schemas.openxmlformats.org/presentationml/2006/main">
   <p:tag name="OUTPUTDPI" val="1200"/>
   <p:tag name="ORIGINALHEIGHT" val="447.8125"/>
@@ -16274,7 +18534,7 @@
 </p:tagLst>
 </file>
 
-<file path=ppt/tags/tag9.xml><?xml version="1.0" encoding="utf-8"?>
+<file path=ppt/tags/tag25.xml><?xml version="1.0" encoding="utf-8"?>
 <p:tagLst xmlns:a="http://schemas.openxmlformats.org/drawingml/2006/main" xmlns:r="http://schemas.openxmlformats.org/officeDocument/2006/relationships" xmlns:p="http://schemas.openxmlformats.org/presentationml/2006/main">
   <p:tag name="OUTPUTDPI" val="1200"/>
   <p:tag name="ORIGINALHEIGHT" val="282.7895"/>
@@ -16283,6 +18543,405 @@
   <p:tag name="IGUANATEXSIZE" val="40"/>
   <p:tag name="IGUANATEXCURSOR" val="128"/>
   <p:tag name="TRANSPARENCY" val="True"/>
+  <p:tag name="FILENAME" val=""/>
+  <p:tag name="LATEXENGINEID" val="1"/>
+  <p:tag name="TEMPFOLDER" val="c:\temp\"/>
+  <p:tag name="LATEXFORMHEIGHT" val="312"/>
+  <p:tag name="LATEXFORMWIDTH" val="384"/>
+  <p:tag name="LATEXFORMWRAP" val="True"/>
+  <p:tag name="BITMAPVECTOR" val="0"/>
+</p:tagLst>
+</file>
+
+<file path=ppt/tags/tag26.xml><?xml version="1.0" encoding="utf-8"?>
+<p:tagLst xmlns:a="http://schemas.openxmlformats.org/drawingml/2006/main" xmlns:r="http://schemas.openxmlformats.org/officeDocument/2006/relationships" xmlns:p="http://schemas.openxmlformats.org/presentationml/2006/main">
+  <p:tag name="OUTPUTDPI" val="1200"/>
+  <p:tag name="ORIGINALHEIGHT" val="141.0197"/>
+  <p:tag name="ORIGINALWIDTH" val="795.111"/>
+  <p:tag name="LATEXADDIN" val="\documentclass{article}&#10;\usepackage{amsmath}&#10;\pagestyle{empty}&#10;\begin{document}&#10;&#10;\begin{equation*}&#10;F = q - \sigma_y(\epsilon_p^s)&#10;\end{equation*}&#10;&#10;&#10;\end{document}"/>
+  <p:tag name="IGUANATEXSIZE" val="40"/>
+  <p:tag name="IGUANATEXCURSOR" val="129"/>
+  <p:tag name="TRANSPARENCY" val="True"/>
+  <p:tag name="FILENAME" val=""/>
+  <p:tag name="LATEXENGINEID" val="1"/>
+  <p:tag name="TEMPFOLDER" val="c:\temp\"/>
+  <p:tag name="LATEXFORMHEIGHT" val="312"/>
+  <p:tag name="LATEXFORMWIDTH" val="384"/>
+  <p:tag name="LATEXFORMWRAP" val="True"/>
+  <p:tag name="BITMAPVECTOR" val="0"/>
+</p:tagLst>
+</file>
+
+<file path=ppt/tags/tag27.xml><?xml version="1.0" encoding="utf-8"?>
+<p:tagLst xmlns:a="http://schemas.openxmlformats.org/drawingml/2006/main" xmlns:r="http://schemas.openxmlformats.org/officeDocument/2006/relationships" xmlns:p="http://schemas.openxmlformats.org/presentationml/2006/main">
+  <p:tag name="OUTPUTDPI" val="1200"/>
+  <p:tag name="ORIGINALHEIGHT" val="141.0197"/>
+  <p:tag name="ORIGINALWIDTH" val="1042.646"/>
+  <p:tag name="LATEXADDIN" val="\documentclass{article}&#10;\usepackage{amsmath}&#10;\pagestyle{empty}&#10;\begin{document}&#10;&#10;\begin{equation*}&#10;\sigma_y(\epsilon_p^s) = \sigma_{y0} + H\epsilon_p^s&#10;\end{equation*}&#10;&#10;&#10;\end{document}"/>
+  <p:tag name="IGUANATEXSIZE" val="40"/>
+  <p:tag name="IGUANATEXCURSOR" val="151"/>
+  <p:tag name="TRANSPARENCY" val="True"/>
+  <p:tag name="FILENAME" val=""/>
+  <p:tag name="LATEXENGINEID" val="1"/>
+  <p:tag name="TEMPFOLDER" val="c:\temp\"/>
+  <p:tag name="LATEXFORMHEIGHT" val="312"/>
+  <p:tag name="LATEXFORMWIDTH" val="384"/>
+  <p:tag name="LATEXFORMWRAP" val="True"/>
+  <p:tag name="BITMAPVECTOR" val="0"/>
+</p:tagLst>
+</file>
+
+<file path=ppt/tags/tag28.xml><?xml version="1.0" encoding="utf-8"?>
+<p:tagLst xmlns:a="http://schemas.openxmlformats.org/drawingml/2006/main" xmlns:r="http://schemas.openxmlformats.org/officeDocument/2006/relationships" xmlns:p="http://schemas.openxmlformats.org/presentationml/2006/main">
+  <p:tag name="OUTPUTDPI" val="1200"/>
+  <p:tag name="ORIGINALHEIGHT" val="503.3203"/>
+  <p:tag name="ORIGINALWIDTH" val="644.3399"/>
+  <p:tag name="LATEXADDIN" val="\documentclass{article}&#10;\usepackage{amsmath}&#10;\pagestyle{empty}&#10;\begin{document}&#10;&#10;\begin{align*}&#10;&amp;\text{*PLASTIC}\\&#10;&amp;\sigma_{y0},0.0\\&#10;&amp;\sigma_{y0}+H,1.0&#10;\end{align*}&#10;&#10;&#10;\end{document}"/>
+  <p:tag name="IGUANATEXSIZE" val="24"/>
+  <p:tag name="IGUANATEXCURSOR" val="148"/>
+  <p:tag name="TRANSPARENCY" val="True"/>
+  <p:tag name="FILENAME" val=""/>
+  <p:tag name="LATEXENGINEID" val="1"/>
+  <p:tag name="TEMPFOLDER" val="c:\temp\"/>
+  <p:tag name="LATEXFORMHEIGHT" val="312"/>
+  <p:tag name="LATEXFORMWIDTH" val="384"/>
+  <p:tag name="LATEXFORMWRAP" val="True"/>
+  <p:tag name="BITMAPVECTOR" val="0"/>
+</p:tagLst>
+</file>
+
+<file path=ppt/tags/tag29.xml><?xml version="1.0" encoding="utf-8"?>
+<p:tagLst xmlns:a="http://schemas.openxmlformats.org/drawingml/2006/main" xmlns:r="http://schemas.openxmlformats.org/officeDocument/2006/relationships" xmlns:p="http://schemas.openxmlformats.org/presentationml/2006/main">
+  <p:tag name="OUTPUTDPI" val="1200"/>
+  <p:tag name="ORIGINALHEIGHT" val="447.8125"/>
+  <p:tag name="ORIGINALWIDTH" val="950.3826"/>
+  <p:tag name="LATEXADDIN" val="\documentclass{article}&#10;\usepackage{amsmath}&#10;\pagestyle{empty}&#10;\begin{document}&#10;&#10;\begin{equation*}&#10;\boldsymbol{\sigma}=&#10;\left[&#10;\begin{array}{ccc}&#10;\sigma &amp; 0 &amp; 0\\&#10;0 &amp; 0 &amp; 0\\&#10;0 &amp; 0 &amp; 0&#10;\end{array}&#10;\right]&#10;\end{equation*}&#10;&#10;&#10;\end{document}"/>
+  <p:tag name="IGUANATEXSIZE" val="40"/>
+  <p:tag name="IGUANATEXCURSOR" val="119"/>
+  <p:tag name="TRANSPARENCY" val="True"/>
+  <p:tag name="FILENAME" val=""/>
+  <p:tag name="LATEXENGINEID" val="1"/>
+  <p:tag name="TEMPFOLDER" val="c:\temp\"/>
+  <p:tag name="LATEXFORMHEIGHT" val="312"/>
+  <p:tag name="LATEXFORMWIDTH" val="384"/>
+  <p:tag name="LATEXFORMWRAP" val="True"/>
+  <p:tag name="BITMAPVECTOR" val="0"/>
+</p:tagLst>
+</file>
+
+<file path=ppt/tags/tag3.xml><?xml version="1.0" encoding="utf-8"?>
+<p:tagLst xmlns:a="http://schemas.openxmlformats.org/drawingml/2006/main" xmlns:r="http://schemas.openxmlformats.org/officeDocument/2006/relationships" xmlns:p="http://schemas.openxmlformats.org/presentationml/2006/main">
+  <p:tag name="OUTPUTDPI" val="1200"/>
+  <p:tag name="ORIGINALHEIGHT" val="72.01008"/>
+  <p:tag name="ORIGINALWIDTH" val="107.265"/>
+  <p:tag name="LATEXADDIN" val="\documentclass{article}&#10;\usepackage{amsmath}&#10;\pagestyle{empty}&#10;\begin{document}&#10;&#10;\begin{equation*}&#10;\sigma_1&#10;\end{equation*}&#10;&#10;&#10;\end{document}"/>
+  <p:tag name="IGUANATEXSIZE" val="40"/>
+  <p:tag name="IGUANATEXCURSOR" val="108"/>
+  <p:tag name="TRANSPARENCY" val="False"/>
+  <p:tag name="FILENAME" val=""/>
+  <p:tag name="LATEXENGINEID" val="1"/>
+  <p:tag name="TEMPFOLDER" val="c:\temp\"/>
+  <p:tag name="LATEXFORMHEIGHT" val="312"/>
+  <p:tag name="LATEXFORMWIDTH" val="384"/>
+  <p:tag name="LATEXFORMWRAP" val="True"/>
+  <p:tag name="BITMAPVECTOR" val="0"/>
+</p:tagLst>
+</file>
+
+<file path=ppt/tags/tag30.xml><?xml version="1.0" encoding="utf-8"?>
+<p:tagLst xmlns:a="http://schemas.openxmlformats.org/drawingml/2006/main" xmlns:r="http://schemas.openxmlformats.org/officeDocument/2006/relationships" xmlns:p="http://schemas.openxmlformats.org/presentationml/2006/main">
+  <p:tag name="OUTPUTDPI" val="1200"/>
+  <p:tag name="ORIGINALHEIGHT" val="447.8125"/>
+  <p:tag name="ORIGINALWIDTH" val="2125.047"/>
+  <p:tag name="LATEXADDIN" val="\documentclass{article}&#10;\usepackage{amsmath}&#10;\pagestyle{empty}&#10;\begin{document}&#10;&#10;\begin{equation*}&#10;\boldsymbol{s}=\boldsymbol{\sigma}-p\boldsymbol{I}=&#10;\left[&#10;\begin{array}{ccc}&#10;2\sigma/3 &amp; 0 &amp; 0\\&#10;0 &amp; -\sigma/3 &amp; 0\\&#10;0 &amp; 0 &amp; -\sigma/3&#10;\end{array}&#10;\right]&#10;\end{equation*}&#10;&#10;&#10;\end{document}"/>
+  <p:tag name="IGUANATEXSIZE" val="40"/>
+  <p:tag name="IGUANATEXCURSOR" val="112"/>
+  <p:tag name="TRANSPARENCY" val="True"/>
+  <p:tag name="FILENAME" val=""/>
+  <p:tag name="LATEXENGINEID" val="1"/>
+  <p:tag name="TEMPFOLDER" val="c:\temp\"/>
+  <p:tag name="LATEXFORMHEIGHT" val="312"/>
+  <p:tag name="LATEXFORMWIDTH" val="384"/>
+  <p:tag name="LATEXFORMWRAP" val="True"/>
+  <p:tag name="BITMAPVECTOR" val="0"/>
+</p:tagLst>
+</file>
+
+<file path=ppt/tags/tag31.xml><?xml version="1.0" encoding="utf-8"?>
+<p:tagLst xmlns:a="http://schemas.openxmlformats.org/drawingml/2006/main" xmlns:r="http://schemas.openxmlformats.org/officeDocument/2006/relationships" xmlns:p="http://schemas.openxmlformats.org/presentationml/2006/main">
+  <p:tag name="OUTPUTDPI" val="1200"/>
+  <p:tag name="ORIGINALHEIGHT" val="255.0356"/>
+  <p:tag name="ORIGINALWIDTH" val="1203.918"/>
+  <p:tag name="LATEXADDIN" val="\documentclass{article}&#10;\usepackage{amsmath}&#10;\pagestyle{empty}&#10;\begin{document}&#10;&#10;\begin{equation*}&#10;p = \frac{1}{3}\left(\sigma + 0 + 0\right) = \frac{\sigma}{3}&#10;\end{equation*}&#10;&#10;&#10;\end{document}"/>
+  <p:tag name="IGUANATEXSIZE" val="40"/>
+  <p:tag name="IGUANATEXCURSOR" val="156"/>
+  <p:tag name="TRANSPARENCY" val="True"/>
+  <p:tag name="FILENAME" val=""/>
+  <p:tag name="LATEXENGINEID" val="1"/>
+  <p:tag name="TEMPFOLDER" val="c:\temp\"/>
+  <p:tag name="LATEXFORMHEIGHT" val="312"/>
+  <p:tag name="LATEXFORMWIDTH" val="384"/>
+  <p:tag name="LATEXFORMWRAP" val="True"/>
+  <p:tag name="BITMAPVECTOR" val="0"/>
+</p:tagLst>
+</file>
+
+<file path=ppt/tags/tag32.xml><?xml version="1.0" encoding="utf-8"?>
+<p:tagLst xmlns:a="http://schemas.openxmlformats.org/drawingml/2006/main" xmlns:r="http://schemas.openxmlformats.org/officeDocument/2006/relationships" xmlns:p="http://schemas.openxmlformats.org/presentationml/2006/main">
+  <p:tag name="OUTPUTDPI" val="1200"/>
+  <p:tag name="ORIGINALHEIGHT" val="297.7916"/>
+  <p:tag name="ORIGINALWIDTH" val="2066.538"/>
+  <p:tag name="LATEXADDIN" val="\documentclass{article}&#10;\usepackage{amsmath}&#10;\pagestyle{empty}&#10;\begin{document}&#10;&#10;\begin{equation*}&#10;q=\sqrt{3J_2}=\sqrt{\frac{3}{2}\left(s_{11}^2+s_{22}^2+s_{33}^2\right)}=\sigma&#10;\end{equation*}&#10;&#10;&#10;\end{document}"/>
+  <p:tag name="IGUANATEXSIZE" val="40"/>
+  <p:tag name="IGUANATEXCURSOR" val="177"/>
+  <p:tag name="TRANSPARENCY" val="True"/>
+  <p:tag name="FILENAME" val=""/>
+  <p:tag name="LATEXENGINEID" val="1"/>
+  <p:tag name="TEMPFOLDER" val="c:\temp\"/>
+  <p:tag name="LATEXFORMHEIGHT" val="312"/>
+  <p:tag name="LATEXFORMWIDTH" val="384"/>
+  <p:tag name="LATEXFORMWRAP" val="True"/>
+  <p:tag name="BITMAPVECTOR" val="0"/>
+</p:tagLst>
+</file>
+
+<file path=ppt/tags/tag33.xml><?xml version="1.0" encoding="utf-8"?>
+<p:tagLst xmlns:a="http://schemas.openxmlformats.org/drawingml/2006/main" xmlns:r="http://schemas.openxmlformats.org/officeDocument/2006/relationships" xmlns:p="http://schemas.openxmlformats.org/presentationml/2006/main">
+  <p:tag name="OUTPUTDPI" val="1200"/>
+  <p:tag name="ORIGINALHEIGHT" val="108.7652"/>
+  <p:tag name="ORIGINALWIDTH" val="1265.427"/>
+  <p:tag name="LATEXADDIN" val="\documentclass{article}&#10;\usepackage{amsmath}&#10;\pagestyle{empty}&#10;\begin{document}&#10;&#10;\begin{equation*}&#10;q=\sigma \rightarrow F=q-\sigma=0&#10;\end{equation*}&#10;&#10;&#10;\end{document}"/>
+  <p:tag name="IGUANATEXSIZE" val="40"/>
+  <p:tag name="IGUANATEXCURSOR" val="132"/>
+  <p:tag name="TRANSPARENCY" val="True"/>
+  <p:tag name="FILENAME" val=""/>
+  <p:tag name="LATEXENGINEID" val="1"/>
+  <p:tag name="TEMPFOLDER" val="c:\temp\"/>
+  <p:tag name="LATEXFORMHEIGHT" val="312"/>
+  <p:tag name="LATEXFORMWIDTH" val="384"/>
+  <p:tag name="LATEXFORMWRAP" val="True"/>
+  <p:tag name="BITMAPVECTOR" val="0"/>
+</p:tagLst>
+</file>
+
+<file path=ppt/tags/tag34.xml><?xml version="1.0" encoding="utf-8"?>
+<p:tagLst xmlns:a="http://schemas.openxmlformats.org/drawingml/2006/main" xmlns:r="http://schemas.openxmlformats.org/officeDocument/2006/relationships" xmlns:p="http://schemas.openxmlformats.org/presentationml/2006/main">
+  <p:tag name="OUTPUTDPI" val="1200"/>
+  <p:tag name="ORIGINALHEIGHT" val="101.2641"/>
+  <p:tag name="ORIGINALWIDTH" val="344.298"/>
+  <p:tag name="LATEXADDIN" val="\documentclass{article}&#10;\usepackage{amsmath}&#10;\pagestyle{empty}&#10;\begin{document}&#10;&#10;\begin{equation*}&#10;\sigma_1 = 5&#10;\end{equation*}&#10;&#10;&#10;\end{document}"/>
+  <p:tag name="IGUANATEXSIZE" val="40"/>
+  <p:tag name="IGUANATEXCURSOR" val="110"/>
+  <p:tag name="TRANSPARENCY" val="False"/>
+  <p:tag name="FILENAME" val=""/>
+  <p:tag name="LATEXENGINEID" val="1"/>
+  <p:tag name="TEMPFOLDER" val="c:\temp\"/>
+  <p:tag name="LATEXFORMHEIGHT" val="312"/>
+  <p:tag name="LATEXFORMWIDTH" val="384"/>
+  <p:tag name="LATEXFORMWRAP" val="True"/>
+  <p:tag name="BITMAPVECTOR" val="0"/>
+</p:tagLst>
+</file>
+
+<file path=ppt/tags/tag35.xml><?xml version="1.0" encoding="utf-8"?>
+<p:tagLst xmlns:a="http://schemas.openxmlformats.org/drawingml/2006/main" xmlns:r="http://schemas.openxmlformats.org/officeDocument/2006/relationships" xmlns:p="http://schemas.openxmlformats.org/presentationml/2006/main">
+  <p:tag name="OUTPUTDPI" val="1200"/>
+  <p:tag name="ORIGINALHEIGHT" val="101.2641"/>
+  <p:tag name="ORIGINALWIDTH" val="344.298"/>
+  <p:tag name="LATEXADDIN" val="\documentclass{article}&#10;\usepackage{amsmath}&#10;\pagestyle{empty}&#10;\begin{document}&#10;&#10;\begin{equation*}&#10;\sigma_2 = 5&#10;\end{equation*}&#10;&#10;&#10;\end{document}"/>
+  <p:tag name="IGUANATEXSIZE" val="40"/>
+  <p:tag name="IGUANATEXCURSOR" val="107"/>
+  <p:tag name="TRANSPARENCY" val="False"/>
+  <p:tag name="FILENAME" val=""/>
+  <p:tag name="LATEXENGINEID" val="1"/>
+  <p:tag name="TEMPFOLDER" val="c:\temp\"/>
+  <p:tag name="LATEXFORMHEIGHT" val="312"/>
+  <p:tag name="LATEXFORMWIDTH" val="384"/>
+  <p:tag name="LATEXFORMWRAP" val="True"/>
+  <p:tag name="BITMAPVECTOR" val="0"/>
+</p:tagLst>
+</file>
+
+<file path=ppt/tags/tag36.xml><?xml version="1.0" encoding="utf-8"?>
+<p:tagLst xmlns:a="http://schemas.openxmlformats.org/drawingml/2006/main" xmlns:r="http://schemas.openxmlformats.org/officeDocument/2006/relationships" xmlns:p="http://schemas.openxmlformats.org/presentationml/2006/main">
+  <p:tag name="OUTPUTDPI" val="1200"/>
+  <p:tag name="ORIGINALHEIGHT" val="103.5144"/>
+  <p:tag name="ORIGINALWIDTH" val="344.298"/>
+  <p:tag name="LATEXADDIN" val="\documentclass{article}&#10;\usepackage{amsmath}&#10;\pagestyle{empty}&#10;\begin{document}&#10;&#10;\begin{equation*}&#10;\sigma_3 = 5&#10;\end{equation*}&#10;&#10;&#10;\end{document}"/>
+  <p:tag name="IGUANATEXSIZE" val="40"/>
+  <p:tag name="IGUANATEXCURSOR" val="107"/>
+  <p:tag name="TRANSPARENCY" val="False"/>
+  <p:tag name="FILENAME" val=""/>
+  <p:tag name="LATEXENGINEID" val="1"/>
+  <p:tag name="TEMPFOLDER" val="c:\temp\"/>
+  <p:tag name="LATEXFORMHEIGHT" val="312"/>
+  <p:tag name="LATEXFORMWIDTH" val="384"/>
+  <p:tag name="LATEXFORMWRAP" val="True"/>
+  <p:tag name="BITMAPVECTOR" val="0"/>
+</p:tagLst>
+</file>
+
+<file path=ppt/tags/tag37.xml><?xml version="1.0" encoding="utf-8"?>
+<p:tagLst xmlns:a="http://schemas.openxmlformats.org/drawingml/2006/main" xmlns:r="http://schemas.openxmlformats.org/officeDocument/2006/relationships" xmlns:p="http://schemas.openxmlformats.org/presentationml/2006/main">
+  <p:tag name="OUTPUTDPI" val="1200"/>
+  <p:tag name="ORIGINALHEIGHT" val="101.2641"/>
+  <p:tag name="ORIGINALWIDTH" val="344.298"/>
+  <p:tag name="LATEXADDIN" val="\documentclass{article}&#10;\usepackage{amsmath}&#10;\pagestyle{empty}&#10;\begin{document}&#10;&#10;\begin{equation*}&#10;\sigma_1 = 5&#10;\end{equation*}&#10;&#10;&#10;\end{document}"/>
+  <p:tag name="IGUANATEXSIZE" val="40"/>
+  <p:tag name="IGUANATEXCURSOR" val="110"/>
+  <p:tag name="TRANSPARENCY" val="False"/>
+  <p:tag name="FILENAME" val=""/>
+  <p:tag name="LATEXENGINEID" val="1"/>
+  <p:tag name="TEMPFOLDER" val="c:\temp\"/>
+  <p:tag name="LATEXFORMHEIGHT" val="312"/>
+  <p:tag name="LATEXFORMWIDTH" val="384"/>
+  <p:tag name="LATEXFORMWRAP" val="True"/>
+  <p:tag name="BITMAPVECTOR" val="0"/>
+</p:tagLst>
+</file>
+
+<file path=ppt/tags/tag38.xml><?xml version="1.0" encoding="utf-8"?>
+<p:tagLst xmlns:a="http://schemas.openxmlformats.org/drawingml/2006/main" xmlns:r="http://schemas.openxmlformats.org/officeDocument/2006/relationships" xmlns:p="http://schemas.openxmlformats.org/presentationml/2006/main">
+  <p:tag name="OUTPUTDPI" val="1200"/>
+  <p:tag name="ORIGINALHEIGHT" val="101.2641"/>
+  <p:tag name="ORIGINALWIDTH" val="344.298"/>
+  <p:tag name="LATEXADDIN" val="\documentclass{article}&#10;\usepackage{amsmath}&#10;\pagestyle{empty}&#10;\begin{document}&#10;&#10;\begin{equation*}&#10;\sigma_2 = 5&#10;\end{equation*}&#10;&#10;&#10;\end{document}"/>
+  <p:tag name="IGUANATEXSIZE" val="40"/>
+  <p:tag name="IGUANATEXCURSOR" val="107"/>
+  <p:tag name="TRANSPARENCY" val="False"/>
+  <p:tag name="FILENAME" val=""/>
+  <p:tag name="LATEXENGINEID" val="1"/>
+  <p:tag name="TEMPFOLDER" val="c:\temp\"/>
+  <p:tag name="LATEXFORMHEIGHT" val="312"/>
+  <p:tag name="LATEXFORMWIDTH" val="384"/>
+  <p:tag name="LATEXFORMWRAP" val="True"/>
+  <p:tag name="BITMAPVECTOR" val="0"/>
+</p:tagLst>
+</file>
+
+<file path=ppt/tags/tag39.xml><?xml version="1.0" encoding="utf-8"?>
+<p:tagLst xmlns:a="http://schemas.openxmlformats.org/drawingml/2006/main" xmlns:r="http://schemas.openxmlformats.org/officeDocument/2006/relationships" xmlns:p="http://schemas.openxmlformats.org/presentationml/2006/main">
+  <p:tag name="OUTPUTDPI" val="1200"/>
+  <p:tag name="ORIGINALHEIGHT" val="103.5144"/>
+  <p:tag name="ORIGINALWIDTH" val="344.298"/>
+  <p:tag name="LATEXADDIN" val="\documentclass{article}&#10;\usepackage{amsmath}&#10;\pagestyle{empty}&#10;\begin{document}&#10;&#10;\begin{equation*}&#10;\sigma_3 &gt; 5&#10;\end{equation*}&#10;&#10;&#10;\end{document}"/>
+  <p:tag name="IGUANATEXSIZE" val="40"/>
+  <p:tag name="IGUANATEXCURSOR" val="109"/>
+  <p:tag name="TRANSPARENCY" val="False"/>
+  <p:tag name="FILENAME" val=""/>
+  <p:tag name="LATEXENGINEID" val="1"/>
+  <p:tag name="TEMPFOLDER" val="c:\temp\"/>
+  <p:tag name="LATEXFORMHEIGHT" val="312"/>
+  <p:tag name="LATEXFORMWIDTH" val="384"/>
+  <p:tag name="LATEXFORMWRAP" val="True"/>
+  <p:tag name="BITMAPVECTOR" val="0"/>
+</p:tagLst>
+</file>
+
+<file path=ppt/tags/tag4.xml><?xml version="1.0" encoding="utf-8"?>
+<p:tagLst xmlns:a="http://schemas.openxmlformats.org/drawingml/2006/main" xmlns:r="http://schemas.openxmlformats.org/officeDocument/2006/relationships" xmlns:p="http://schemas.openxmlformats.org/presentationml/2006/main">
+  <p:tag name="OUTPUTDPI" val="1200"/>
+  <p:tag name="ORIGINALHEIGHT" val="72.01008"/>
+  <p:tag name="ORIGINALWIDTH" val="110.2654"/>
+  <p:tag name="LATEXADDIN" val="\documentclass{article}&#10;\usepackage{amsmath}&#10;\pagestyle{empty}&#10;\begin{document}&#10;&#10;\begin{equation*}&#10;\sigma_2&#10;\end{equation*}&#10;&#10;&#10;\end{document}"/>
+  <p:tag name="IGUANATEXSIZE" val="40"/>
+  <p:tag name="IGUANATEXCURSOR" val="108"/>
+  <p:tag name="TRANSPARENCY" val="False"/>
+  <p:tag name="FILENAME" val=""/>
+  <p:tag name="LATEXENGINEID" val="1"/>
+  <p:tag name="TEMPFOLDER" val="c:\temp\"/>
+  <p:tag name="LATEXFORMHEIGHT" val="312"/>
+  <p:tag name="LATEXFORMWIDTH" val="384"/>
+  <p:tag name="LATEXFORMWRAP" val="True"/>
+  <p:tag name="BITMAPVECTOR" val="0"/>
+</p:tagLst>
+</file>
+
+<file path=ppt/tags/tag5.xml><?xml version="1.0" encoding="utf-8"?>
+<p:tagLst xmlns:a="http://schemas.openxmlformats.org/drawingml/2006/main" xmlns:r="http://schemas.openxmlformats.org/officeDocument/2006/relationships" xmlns:p="http://schemas.openxmlformats.org/presentationml/2006/main">
+  <p:tag name="OUTPUTDPI" val="1200"/>
+  <p:tag name="ORIGINALHEIGHT" val="74.26039"/>
+  <p:tag name="ORIGINALWIDTH" val="111.0155"/>
+  <p:tag name="LATEXADDIN" val="\documentclass{article}&#10;\usepackage{amsmath}&#10;\pagestyle{empty}&#10;\begin{document}&#10;&#10;\begin{equation*}&#10;\sigma_3&#10;\end{equation*}&#10;&#10;&#10;\end{document}"/>
+  <p:tag name="IGUANATEXSIZE" val="40"/>
+  <p:tag name="IGUANATEXCURSOR" val="108"/>
+  <p:tag name="TRANSPARENCY" val="False"/>
+  <p:tag name="FILENAME" val=""/>
+  <p:tag name="LATEXENGINEID" val="1"/>
+  <p:tag name="TEMPFOLDER" val="c:\temp\"/>
+  <p:tag name="LATEXFORMHEIGHT" val="312"/>
+  <p:tag name="LATEXFORMWIDTH" val="384"/>
+  <p:tag name="LATEXFORMWRAP" val="True"/>
+  <p:tag name="BITMAPVECTOR" val="0"/>
+</p:tagLst>
+</file>
+
+<file path=ppt/tags/tag6.xml><?xml version="1.0" encoding="utf-8"?>
+<p:tagLst xmlns:a="http://schemas.openxmlformats.org/drawingml/2006/main" xmlns:r="http://schemas.openxmlformats.org/officeDocument/2006/relationships" xmlns:p="http://schemas.openxmlformats.org/presentationml/2006/main">
+  <p:tag name="OUTPUTDPI" val="1200"/>
+  <p:tag name="ORIGINALHEIGHT" val="101.2641"/>
+  <p:tag name="ORIGINALWIDTH" val="344.298"/>
+  <p:tag name="LATEXADDIN" val="\documentclass{article}&#10;\usepackage{amsmath}&#10;\pagestyle{empty}&#10;\begin{document}&#10;&#10;\begin{equation*}&#10;\sigma_1 = 5&#10;\end{equation*}&#10;&#10;&#10;\end{document}"/>
+  <p:tag name="IGUANATEXSIZE" val="40"/>
+  <p:tag name="IGUANATEXCURSOR" val="110"/>
+  <p:tag name="TRANSPARENCY" val="False"/>
+  <p:tag name="FILENAME" val=""/>
+  <p:tag name="LATEXENGINEID" val="1"/>
+  <p:tag name="TEMPFOLDER" val="c:\temp\"/>
+  <p:tag name="LATEXFORMHEIGHT" val="312"/>
+  <p:tag name="LATEXFORMWIDTH" val="384"/>
+  <p:tag name="LATEXFORMWRAP" val="True"/>
+  <p:tag name="BITMAPVECTOR" val="0"/>
+</p:tagLst>
+</file>
+
+<file path=ppt/tags/tag7.xml><?xml version="1.0" encoding="utf-8"?>
+<p:tagLst xmlns:a="http://schemas.openxmlformats.org/drawingml/2006/main" xmlns:r="http://schemas.openxmlformats.org/officeDocument/2006/relationships" xmlns:p="http://schemas.openxmlformats.org/presentationml/2006/main">
+  <p:tag name="OUTPUTDPI" val="1200"/>
+  <p:tag name="ORIGINALHEIGHT" val="101.2641"/>
+  <p:tag name="ORIGINALWIDTH" val="344.298"/>
+  <p:tag name="LATEXADDIN" val="\documentclass{article}&#10;\usepackage{amsmath}&#10;\pagestyle{empty}&#10;\begin{document}&#10;&#10;\begin{equation*}&#10;\sigma_2 = 5&#10;\end{equation*}&#10;&#10;&#10;\end{document}"/>
+  <p:tag name="IGUANATEXSIZE" val="40"/>
+  <p:tag name="IGUANATEXCURSOR" val="107"/>
+  <p:tag name="TRANSPARENCY" val="False"/>
+  <p:tag name="FILENAME" val=""/>
+  <p:tag name="LATEXENGINEID" val="1"/>
+  <p:tag name="TEMPFOLDER" val="c:\temp\"/>
+  <p:tag name="LATEXFORMHEIGHT" val="312"/>
+  <p:tag name="LATEXFORMWIDTH" val="384"/>
+  <p:tag name="LATEXFORMWRAP" val="True"/>
+  <p:tag name="BITMAPVECTOR" val="0"/>
+</p:tagLst>
+</file>
+
+<file path=ppt/tags/tag8.xml><?xml version="1.0" encoding="utf-8"?>
+<p:tagLst xmlns:a="http://schemas.openxmlformats.org/drawingml/2006/main" xmlns:r="http://schemas.openxmlformats.org/officeDocument/2006/relationships" xmlns:p="http://schemas.openxmlformats.org/presentationml/2006/main">
+  <p:tag name="OUTPUTDPI" val="1200"/>
+  <p:tag name="ORIGINALHEIGHT" val="103.5144"/>
+  <p:tag name="ORIGINALWIDTH" val="344.298"/>
+  <p:tag name="LATEXADDIN" val="\documentclass{article}&#10;\usepackage{amsmath}&#10;\pagestyle{empty}&#10;\begin{document}&#10;&#10;\begin{equation*}&#10;\sigma_3 = 5&#10;\end{equation*}&#10;&#10;&#10;\end{document}"/>
+  <p:tag name="IGUANATEXSIZE" val="40"/>
+  <p:tag name="IGUANATEXCURSOR" val="107"/>
+  <p:tag name="TRANSPARENCY" val="False"/>
+  <p:tag name="FILENAME" val=""/>
+  <p:tag name="LATEXENGINEID" val="1"/>
+  <p:tag name="TEMPFOLDER" val="c:\temp\"/>
+  <p:tag name="LATEXFORMHEIGHT" val="312"/>
+  <p:tag name="LATEXFORMWIDTH" val="384"/>
+  <p:tag name="LATEXFORMWRAP" val="True"/>
+  <p:tag name="BITMAPVECTOR" val="0"/>
+</p:tagLst>
+</file>
+
+<file path=ppt/tags/tag9.xml><?xml version="1.0" encoding="utf-8"?>
+<p:tagLst xmlns:a="http://schemas.openxmlformats.org/drawingml/2006/main" xmlns:r="http://schemas.openxmlformats.org/officeDocument/2006/relationships" xmlns:p="http://schemas.openxmlformats.org/presentationml/2006/main">
+  <p:tag name="OUTPUTDPI" val="1200"/>
+  <p:tag name="ORIGINALHEIGHT" val="101.2641"/>
+  <p:tag name="ORIGINALWIDTH" val="344.298"/>
+  <p:tag name="LATEXADDIN" val="\documentclass{article}&#10;\usepackage{amsmath}&#10;\pagestyle{empty}&#10;\begin{document}&#10;&#10;\begin{equation*}&#10;\sigma_1 = 5&#10;\end{equation*}&#10;&#10;&#10;\end{document}"/>
+  <p:tag name="IGUANATEXSIZE" val="40"/>
+  <p:tag name="IGUANATEXCURSOR" val="110"/>
+  <p:tag name="TRANSPARENCY" val="False"/>
   <p:tag name="FILENAME" val=""/>
   <p:tag name="LATEXENGINEID" val="1"/>
   <p:tag name="TEMPFOLDER" val="c:\temp\"/>

--- a/Training.pptx
+++ b/Training.pptx
@@ -5,10 +5,10 @@
     <p:sldMasterId id="2147483648" r:id="rId1"/>
   </p:sldMasterIdLst>
   <p:notesMasterIdLst>
-    <p:notesMasterId r:id="rId30"/>
+    <p:notesMasterId r:id="rId31"/>
   </p:notesMasterIdLst>
   <p:handoutMasterIdLst>
-    <p:handoutMasterId r:id="rId31"/>
+    <p:handoutMasterId r:id="rId32"/>
   </p:handoutMasterIdLst>
   <p:sldIdLst>
     <p:sldId id="292" r:id="rId2"/>
@@ -24,21 +24,22 @@
     <p:sldId id="317" r:id="rId12"/>
     <p:sldId id="318" r:id="rId13"/>
     <p:sldId id="295" r:id="rId14"/>
-    <p:sldId id="293" r:id="rId15"/>
-    <p:sldId id="312" r:id="rId16"/>
-    <p:sldId id="321" r:id="rId17"/>
-    <p:sldId id="322" r:id="rId18"/>
-    <p:sldId id="311" r:id="rId19"/>
-    <p:sldId id="313" r:id="rId20"/>
-    <p:sldId id="298" r:id="rId21"/>
-    <p:sldId id="301" r:id="rId22"/>
-    <p:sldId id="296" r:id="rId23"/>
-    <p:sldId id="316" r:id="rId24"/>
-    <p:sldId id="319" r:id="rId25"/>
-    <p:sldId id="302" r:id="rId26"/>
-    <p:sldId id="303" r:id="rId27"/>
-    <p:sldId id="304" r:id="rId28"/>
-    <p:sldId id="305" r:id="rId29"/>
+    <p:sldId id="323" r:id="rId15"/>
+    <p:sldId id="293" r:id="rId16"/>
+    <p:sldId id="312" r:id="rId17"/>
+    <p:sldId id="321" r:id="rId18"/>
+    <p:sldId id="322" r:id="rId19"/>
+    <p:sldId id="311" r:id="rId20"/>
+    <p:sldId id="313" r:id="rId21"/>
+    <p:sldId id="298" r:id="rId22"/>
+    <p:sldId id="301" r:id="rId23"/>
+    <p:sldId id="296" r:id="rId24"/>
+    <p:sldId id="316" r:id="rId25"/>
+    <p:sldId id="319" r:id="rId26"/>
+    <p:sldId id="302" r:id="rId27"/>
+    <p:sldId id="303" r:id="rId28"/>
+    <p:sldId id="304" r:id="rId29"/>
+    <p:sldId id="305" r:id="rId30"/>
   </p:sldIdLst>
   <p:sldSz cx="12192000" cy="6858000"/>
   <p:notesSz cx="6858000" cy="9144000"/>
@@ -1096,7 +1097,7 @@
     </p:spTree>
     <p:extLst>
       <p:ext uri="{BB962C8B-B14F-4D97-AF65-F5344CB8AC3E}">
-        <p14:creationId xmlns:p14="http://schemas.microsoft.com/office/powerpoint/2010/main" val="2570388187"/>
+        <p14:creationId xmlns:p14="http://schemas.microsoft.com/office/powerpoint/2010/main" val="1816411547"/>
       </p:ext>
     </p:extLst>
   </p:cSld>
@@ -1180,7 +1181,7 @@
     </p:spTree>
     <p:extLst>
       <p:ext uri="{BB962C8B-B14F-4D97-AF65-F5344CB8AC3E}">
-        <p14:creationId xmlns:p14="http://schemas.microsoft.com/office/powerpoint/2010/main" val="752577176"/>
+        <p14:creationId xmlns:p14="http://schemas.microsoft.com/office/powerpoint/2010/main" val="2570388187"/>
       </p:ext>
     </p:extLst>
   </p:cSld>
@@ -1264,7 +1265,7 @@
     </p:spTree>
     <p:extLst>
       <p:ext uri="{BB962C8B-B14F-4D97-AF65-F5344CB8AC3E}">
-        <p14:creationId xmlns:p14="http://schemas.microsoft.com/office/powerpoint/2010/main" val="2884031066"/>
+        <p14:creationId xmlns:p14="http://schemas.microsoft.com/office/powerpoint/2010/main" val="752577176"/>
       </p:ext>
     </p:extLst>
   </p:cSld>
@@ -1348,7 +1349,7 @@
     </p:spTree>
     <p:extLst>
       <p:ext uri="{BB962C8B-B14F-4D97-AF65-F5344CB8AC3E}">
-        <p14:creationId xmlns:p14="http://schemas.microsoft.com/office/powerpoint/2010/main" val="1065818489"/>
+        <p14:creationId xmlns:p14="http://schemas.microsoft.com/office/powerpoint/2010/main" val="2884031066"/>
       </p:ext>
     </p:extLst>
   </p:cSld>
@@ -1432,7 +1433,7 @@
     </p:spTree>
     <p:extLst>
       <p:ext uri="{BB962C8B-B14F-4D97-AF65-F5344CB8AC3E}">
-        <p14:creationId xmlns:p14="http://schemas.microsoft.com/office/powerpoint/2010/main" val="537319405"/>
+        <p14:creationId xmlns:p14="http://schemas.microsoft.com/office/powerpoint/2010/main" val="1065818489"/>
       </p:ext>
     </p:extLst>
   </p:cSld>
@@ -1516,7 +1517,7 @@
     </p:spTree>
     <p:extLst>
       <p:ext uri="{BB962C8B-B14F-4D97-AF65-F5344CB8AC3E}">
-        <p14:creationId xmlns:p14="http://schemas.microsoft.com/office/powerpoint/2010/main" val="4169746445"/>
+        <p14:creationId xmlns:p14="http://schemas.microsoft.com/office/powerpoint/2010/main" val="537319405"/>
       </p:ext>
     </p:extLst>
   </p:cSld>
@@ -1600,7 +1601,7 @@
     </p:spTree>
     <p:extLst>
       <p:ext uri="{BB962C8B-B14F-4D97-AF65-F5344CB8AC3E}">
-        <p14:creationId xmlns:p14="http://schemas.microsoft.com/office/powerpoint/2010/main" val="325896074"/>
+        <p14:creationId xmlns:p14="http://schemas.microsoft.com/office/powerpoint/2010/main" val="4169746445"/>
       </p:ext>
     </p:extLst>
   </p:cSld>
@@ -1768,7 +1769,7 @@
     </p:spTree>
     <p:extLst>
       <p:ext uri="{BB962C8B-B14F-4D97-AF65-F5344CB8AC3E}">
-        <p14:creationId xmlns:p14="http://schemas.microsoft.com/office/powerpoint/2010/main" val="3921011797"/>
+        <p14:creationId xmlns:p14="http://schemas.microsoft.com/office/powerpoint/2010/main" val="325896074"/>
       </p:ext>
     </p:extLst>
   </p:cSld>
@@ -1852,7 +1853,7 @@
     </p:spTree>
     <p:extLst>
       <p:ext uri="{BB962C8B-B14F-4D97-AF65-F5344CB8AC3E}">
-        <p14:creationId xmlns:p14="http://schemas.microsoft.com/office/powerpoint/2010/main" val="1559093554"/>
+        <p14:creationId xmlns:p14="http://schemas.microsoft.com/office/powerpoint/2010/main" val="3921011797"/>
       </p:ext>
     </p:extLst>
   </p:cSld>
@@ -1936,7 +1937,7 @@
     </p:spTree>
     <p:extLst>
       <p:ext uri="{BB962C8B-B14F-4D97-AF65-F5344CB8AC3E}">
-        <p14:creationId xmlns:p14="http://schemas.microsoft.com/office/powerpoint/2010/main" val="1259249601"/>
+        <p14:creationId xmlns:p14="http://schemas.microsoft.com/office/powerpoint/2010/main" val="1559093554"/>
       </p:ext>
     </p:extLst>
   </p:cSld>
@@ -2020,7 +2021,7 @@
     </p:spTree>
     <p:extLst>
       <p:ext uri="{BB962C8B-B14F-4D97-AF65-F5344CB8AC3E}">
-        <p14:creationId xmlns:p14="http://schemas.microsoft.com/office/powerpoint/2010/main" val="3147957584"/>
+        <p14:creationId xmlns:p14="http://schemas.microsoft.com/office/powerpoint/2010/main" val="1259249601"/>
       </p:ext>
     </p:extLst>
   </p:cSld>
@@ -2104,7 +2105,7 @@
     </p:spTree>
     <p:extLst>
       <p:ext uri="{BB962C8B-B14F-4D97-AF65-F5344CB8AC3E}">
-        <p14:creationId xmlns:p14="http://schemas.microsoft.com/office/powerpoint/2010/main" val="2036527964"/>
+        <p14:creationId xmlns:p14="http://schemas.microsoft.com/office/powerpoint/2010/main" val="3147957584"/>
       </p:ext>
     </p:extLst>
   </p:cSld>
@@ -2188,7 +2189,7 @@
     </p:spTree>
     <p:extLst>
       <p:ext uri="{BB962C8B-B14F-4D97-AF65-F5344CB8AC3E}">
-        <p14:creationId xmlns:p14="http://schemas.microsoft.com/office/powerpoint/2010/main" val="24105951"/>
+        <p14:creationId xmlns:p14="http://schemas.microsoft.com/office/powerpoint/2010/main" val="2036527964"/>
       </p:ext>
     </p:extLst>
   </p:cSld>
@@ -2272,7 +2273,7 @@
     </p:spTree>
     <p:extLst>
       <p:ext uri="{BB962C8B-B14F-4D97-AF65-F5344CB8AC3E}">
-        <p14:creationId xmlns:p14="http://schemas.microsoft.com/office/powerpoint/2010/main" val="900561916"/>
+        <p14:creationId xmlns:p14="http://schemas.microsoft.com/office/powerpoint/2010/main" val="24105951"/>
       </p:ext>
     </p:extLst>
   </p:cSld>
@@ -2348,6 +2349,90 @@
             <a:fld id="{038396DC-5B17-4BDC-9518-BAF07A76ECE3}" type="slidenum">
               <a:rPr lang="en-US" smtClean="0"/>
               <a:t>28</a:t>
+            </a:fld>
+            <a:endParaRPr lang="en-US"/>
+          </a:p>
+        </p:txBody>
+      </p:sp>
+    </p:spTree>
+    <p:extLst>
+      <p:ext uri="{BB962C8B-B14F-4D97-AF65-F5344CB8AC3E}">
+        <p14:creationId xmlns:p14="http://schemas.microsoft.com/office/powerpoint/2010/main" val="900561916"/>
+      </p:ext>
+    </p:extLst>
+  </p:cSld>
+  <p:clrMapOvr>
+    <a:masterClrMapping/>
+  </p:clrMapOvr>
+</p:notes>
+</file>
+
+<file path=ppt/notesSlides/notesSlide28.xml><?xml version="1.0" encoding="utf-8"?>
+<p:notes xmlns:a="http://schemas.openxmlformats.org/drawingml/2006/main" xmlns:r="http://schemas.openxmlformats.org/officeDocument/2006/relationships" xmlns:p="http://schemas.openxmlformats.org/presentationml/2006/main">
+  <p:cSld>
+    <p:spTree>
+      <p:nvGrpSpPr>
+        <p:cNvPr id="1" name=""/>
+        <p:cNvGrpSpPr/>
+        <p:nvPr/>
+      </p:nvGrpSpPr>
+      <p:grpSpPr>
+        <a:xfrm>
+          <a:off x="0" y="0"/>
+          <a:ext cx="0" cy="0"/>
+          <a:chOff x="0" y="0"/>
+          <a:chExt cx="0" cy="0"/>
+        </a:xfrm>
+      </p:grpSpPr>
+      <p:sp>
+        <p:nvSpPr>
+          <p:cNvPr id="2" name="Slide Image Placeholder 1"/>
+          <p:cNvSpPr>
+            <a:spLocks noGrp="1" noRot="1" noChangeAspect="1"/>
+          </p:cNvSpPr>
+          <p:nvPr>
+            <p:ph type="sldImg"/>
+          </p:nvPr>
+        </p:nvSpPr>
+        <p:spPr/>
+      </p:sp>
+      <p:sp>
+        <p:nvSpPr>
+          <p:cNvPr id="3" name="Notes Placeholder 2"/>
+          <p:cNvSpPr>
+            <a:spLocks noGrp="1"/>
+          </p:cNvSpPr>
+          <p:nvPr>
+            <p:ph type="body" idx="1"/>
+          </p:nvPr>
+        </p:nvSpPr>
+        <p:spPr/>
+        <p:txBody>
+          <a:bodyPr/>
+          <a:lstStyle/>
+          <a:p>
+            <a:endParaRPr lang="en-US" dirty="0"/>
+          </a:p>
+        </p:txBody>
+      </p:sp>
+      <p:sp>
+        <p:nvSpPr>
+          <p:cNvPr id="4" name="Slide Number Placeholder 3"/>
+          <p:cNvSpPr>
+            <a:spLocks noGrp="1"/>
+          </p:cNvSpPr>
+          <p:nvPr>
+            <p:ph type="sldNum" sz="quarter" idx="10"/>
+          </p:nvPr>
+        </p:nvSpPr>
+        <p:spPr/>
+        <p:txBody>
+          <a:bodyPr/>
+          <a:lstStyle/>
+          <a:p>
+            <a:fld id="{038396DC-5B17-4BDC-9518-BAF07A76ECE3}" type="slidenum">
+              <a:rPr lang="en-US" smtClean="0"/>
+              <a:t>29</a:t>
             </a:fld>
             <a:endParaRPr lang="en-US"/>
           </a:p>
@@ -12149,18 +12234,40 @@
           <a:lstStyle/>
           <a:p>
             <a:r>
-              <a:rPr lang="en-US" dirty="0"/>
+              <a:rPr lang="en-US" dirty="0">
+                <a:latin typeface="Arial" panose="020B0604020202020204" pitchFamily="34" charset="0"/>
+                <a:cs typeface="Arial" panose="020B0604020202020204" pitchFamily="34" charset="0"/>
+              </a:rPr>
               <a:t>You take the </a:t>
             </a:r>
             <a:r>
-              <a:rPr lang="en-US" b="1" dirty="0"/>
+              <a:rPr lang="en-US" b="1" dirty="0">
+                <a:latin typeface="Arial" panose="020B0604020202020204" pitchFamily="34" charset="0"/>
+                <a:cs typeface="Arial" panose="020B0604020202020204" pitchFamily="34" charset="0"/>
+              </a:rPr>
               <a:t>red pill</a:t>
             </a:r>
             <a:r>
-              <a:rPr lang="en-US" dirty="0"/>
-              <a:t>—I show you how deep the rabbit hole goes. Remember: all I'm offering is the truth. Nothing more.</a:t>
-            </a:r>
-            <a:endParaRPr lang="en-US" dirty="0"/>
+              <a:rPr lang="en-US" dirty="0">
+                <a:latin typeface="Arial" panose="020B0604020202020204" pitchFamily="34" charset="0"/>
+                <a:cs typeface="Arial" panose="020B0604020202020204" pitchFamily="34" charset="0"/>
+              </a:rPr>
+              <a:t>—Your material model may be the </a:t>
+            </a:r>
+            <a:r>
+              <a:rPr lang="en-US" u="sng" dirty="0">
+                <a:latin typeface="Arial" panose="020B0604020202020204" pitchFamily="34" charset="0"/>
+                <a:cs typeface="Arial" panose="020B0604020202020204" pitchFamily="34" charset="0"/>
+              </a:rPr>
+              <a:t>weakest link</a:t>
+            </a:r>
+            <a:r>
+              <a:rPr lang="en-US" dirty="0">
+                <a:latin typeface="Arial" panose="020B0604020202020204" pitchFamily="34" charset="0"/>
+                <a:cs typeface="Arial" panose="020B0604020202020204" pitchFamily="34" charset="0"/>
+              </a:rPr>
+              <a:t> and your model may have no predictive power at all.</a:t>
+            </a:r>
           </a:p>
         </p:txBody>
       </p:sp>
@@ -12186,26 +12293,40 @@
           <a:lstStyle/>
           <a:p>
             <a:r>
-              <a:rPr lang="en-US" dirty="0"/>
+              <a:rPr lang="en-US" dirty="0">
+                <a:latin typeface="Arial" panose="020B0604020202020204" pitchFamily="34" charset="0"/>
+                <a:cs typeface="Arial" panose="020B0604020202020204" pitchFamily="34" charset="0"/>
+              </a:rPr>
               <a:t>You take the </a:t>
             </a:r>
             <a:r>
-              <a:rPr lang="en-US" b="1" dirty="0"/>
+              <a:rPr lang="en-US" b="1" dirty="0">
+                <a:latin typeface="Arial" panose="020B0604020202020204" pitchFamily="34" charset="0"/>
+                <a:cs typeface="Arial" panose="020B0604020202020204" pitchFamily="34" charset="0"/>
+              </a:rPr>
               <a:t>blue pill</a:t>
             </a:r>
             <a:r>
-              <a:rPr lang="en-US" dirty="0"/>
-              <a:t>—you keep making the most complicated-looking model, </a:t>
-            </a:r>
-            <a:r>
-              <a:rPr lang="en-US" dirty="0" err="1"/>
+              <a:rPr lang="en-US" dirty="0">
+                <a:latin typeface="Arial" panose="020B0604020202020204" pitchFamily="34" charset="0"/>
+                <a:cs typeface="Arial" panose="020B0604020202020204" pitchFamily="34" charset="0"/>
+              </a:rPr>
+              <a:t>—you keep making the most complicated-looking model (</a:t>
+            </a:r>
+            <a:r>
+              <a:rPr lang="en-US" dirty="0" err="1">
+                <a:latin typeface="Arial" panose="020B0604020202020204" pitchFamily="34" charset="0"/>
+                <a:cs typeface="Arial" panose="020B0604020202020204" pitchFamily="34" charset="0"/>
+              </a:rPr>
               <a:t>meshwise</a:t>
             </a:r>
             <a:r>
-              <a:rPr lang="en-US" dirty="0"/>
-              <a:t>, and believe whatever you want to believe.</a:t>
-            </a:r>
-            <a:endParaRPr lang="en-US" dirty="0"/>
+              <a:rPr lang="en-US" dirty="0">
+                <a:latin typeface="Arial" panose="020B0604020202020204" pitchFamily="34" charset="0"/>
+                <a:cs typeface="Arial" panose="020B0604020202020204" pitchFamily="34" charset="0"/>
+              </a:rPr>
+              <a:t>) and believe whatever you want to believe.</a:t>
+            </a:r>
           </a:p>
         </p:txBody>
       </p:sp>
@@ -12286,7 +12407,12 @@
             <p:ph idx="1"/>
           </p:nvPr>
         </p:nvSpPr>
-        <p:spPr/>
+        <p:spPr>
+          <a:xfrm>
+            <a:off x="613773" y="1168400"/>
+            <a:ext cx="10947421" cy="2525577"/>
+          </a:xfrm>
+        </p:spPr>
         <p:txBody>
           <a:bodyPr>
             <a:normAutofit/>
@@ -12317,60 +12443,29 @@
             </a:r>
           </a:p>
           <a:p>
-            <a:pPr lvl="2"/>
+            <a:pPr lvl="2">
+              <a:buFontTx/>
+              <a:buChar char="-"/>
+            </a:pPr>
             <a:r>
               <a:rPr lang="en-US" sz="2800" dirty="0">
                 <a:latin typeface="Arial" panose="020B0604020202020204" pitchFamily="34" charset="0"/>
                 <a:cs typeface="Arial" panose="020B0604020202020204" pitchFamily="34" charset="0"/>
               </a:rPr>
-              <a:t>Avoid making weak analogies to pseudo, imaginary materials (e.g., “non-linear spring”), which is grossly inaccurate</a:t>
-            </a:r>
-          </a:p>
-          <a:p>
-            <a:pPr lvl="2"/>
+              <a:t>Avoid making weak analogies to pseudo, imaginary materials (“nonlinear”), which is grossly inaccurate</a:t>
+            </a:r>
+          </a:p>
+          <a:p>
+            <a:pPr lvl="2">
+              <a:buFontTx/>
+              <a:buChar char="-"/>
+            </a:pPr>
             <a:r>
               <a:rPr lang="en-US" sz="2800" dirty="0">
                 <a:latin typeface="Arial" panose="020B0604020202020204" pitchFamily="34" charset="0"/>
                 <a:cs typeface="Arial" panose="020B0604020202020204" pitchFamily="34" charset="0"/>
               </a:rPr>
-              <a:t>Qualitative terms (e.g., “soft”, “weak”, etc.) are </a:t>
-            </a:r>
-            <a:r>
-              <a:rPr lang="en-US" sz="2800" u="sng" dirty="0">
-                <a:latin typeface="Arial" panose="020B0604020202020204" pitchFamily="34" charset="0"/>
-                <a:cs typeface="Arial" panose="020B0604020202020204" pitchFamily="34" charset="0"/>
-              </a:rPr>
-              <a:t>meaningless</a:t>
-            </a:r>
-          </a:p>
-          <a:p>
-            <a:pPr lvl="2"/>
-            <a:r>
-              <a:rPr lang="en-US" sz="2800" dirty="0">
-                <a:latin typeface="Arial" panose="020B0604020202020204" pitchFamily="34" charset="0"/>
-                <a:cs typeface="Arial" panose="020B0604020202020204" pitchFamily="34" charset="0"/>
-              </a:rPr>
-              <a:t>“Nonlinear”:</a:t>
-            </a:r>
-          </a:p>
-          <a:p>
-            <a:pPr lvl="3"/>
-            <a:r>
-              <a:rPr lang="en-US" sz="2800" dirty="0">
-                <a:latin typeface="Arial" panose="020B0604020202020204" pitchFamily="34" charset="0"/>
-                <a:cs typeface="Arial" panose="020B0604020202020204" pitchFamily="34" charset="0"/>
-              </a:rPr>
-              <a:t>Not a straight line</a:t>
-            </a:r>
-          </a:p>
-          <a:p>
-            <a:pPr lvl="3"/>
-            <a:r>
-              <a:rPr lang="en-US" sz="2800" dirty="0">
-                <a:latin typeface="Arial" panose="020B0604020202020204" pitchFamily="34" charset="0"/>
-                <a:cs typeface="Arial" panose="020B0604020202020204" pitchFamily="34" charset="0"/>
-              </a:rPr>
-              <a:t>I (or we) don’t know what it is</a:t>
+              <a:t>Qualitative terms (“nonlinear”, “soft”, “weak”, etc.) are meaningless</a:t>
             </a:r>
           </a:p>
           <a:p>
@@ -12420,6 +12515,133 @@
           </a:p>
           <a:p>
             <a:endParaRPr lang="en-US" dirty="0">
+              <a:latin typeface="Arial" panose="020B0604020202020204" pitchFamily="34" charset="0"/>
+              <a:cs typeface="Arial" panose="020B0604020202020204" pitchFamily="34" charset="0"/>
+            </a:endParaRPr>
+          </a:p>
+        </p:txBody>
+      </p:sp>
+      <p:pic>
+        <p:nvPicPr>
+          <p:cNvPr id="3" name="Picture 2"/>
+          <p:cNvPicPr>
+            <a:picLocks noChangeAspect="1"/>
+          </p:cNvPicPr>
+          <p:nvPr/>
+        </p:nvPicPr>
+        <p:blipFill>
+          <a:blip r:embed="rId3">
+            <a:extLst>
+              <a:ext uri="{28A0092B-C50C-407E-A947-70E740481C1C}">
+                <a14:useLocalDpi xmlns:a14="http://schemas.microsoft.com/office/drawing/2010/main" val="0"/>
+              </a:ext>
+            </a:extLst>
+          </a:blip>
+          <a:stretch>
+            <a:fillRect/>
+          </a:stretch>
+        </p:blipFill>
+        <p:spPr>
+          <a:xfrm>
+            <a:off x="9470571" y="4005655"/>
+            <a:ext cx="1583684" cy="2159569"/>
+          </a:xfrm>
+          <a:prstGeom prst="rect">
+            <a:avLst/>
+          </a:prstGeom>
+        </p:spPr>
+      </p:pic>
+      <p:sp>
+        <p:nvSpPr>
+          <p:cNvPr id="6" name="Rectangle 5"/>
+          <p:cNvSpPr/>
+          <p:nvPr/>
+        </p:nvSpPr>
+        <p:spPr>
+          <a:xfrm>
+            <a:off x="1088571" y="4005655"/>
+            <a:ext cx="8382000" cy="2215991"/>
+          </a:xfrm>
+          <a:prstGeom prst="rect">
+            <a:avLst/>
+          </a:prstGeom>
+        </p:spPr>
+        <p:txBody>
+          <a:bodyPr wrap="square">
+            <a:spAutoFit/>
+          </a:bodyPr>
+          <a:lstStyle/>
+          <a:p>
+            <a:r>
+              <a:rPr lang="en-US" sz="2800" i="1" dirty="0">
+                <a:latin typeface="Arial" panose="020B0604020202020204" pitchFamily="34" charset="0"/>
+                <a:cs typeface="Arial" panose="020B0604020202020204" pitchFamily="34" charset="0"/>
+              </a:rPr>
+              <a:t>“Nonlinear”</a:t>
+            </a:r>
+          </a:p>
+          <a:p>
+            <a:pPr lvl="1"/>
+            <a:r>
+              <a:rPr lang="en-US" sz="2800" i="1" dirty="0">
+                <a:latin typeface="Arial" panose="020B0604020202020204" pitchFamily="34" charset="0"/>
+                <a:cs typeface="Arial" panose="020B0604020202020204" pitchFamily="34" charset="0"/>
+              </a:rPr>
+              <a:t>- Not a straight line</a:t>
+            </a:r>
+          </a:p>
+          <a:p>
+            <a:pPr lvl="1"/>
+            <a:r>
+              <a:rPr lang="en-US" sz="2800" i="1" dirty="0">
+                <a:latin typeface="Arial" panose="020B0604020202020204" pitchFamily="34" charset="0"/>
+                <a:cs typeface="Arial" panose="020B0604020202020204" pitchFamily="34" charset="0"/>
+              </a:rPr>
+              <a:t>- I don’t know what it is, and you don’t know too</a:t>
+            </a:r>
+          </a:p>
+          <a:p>
+            <a:endParaRPr lang="en-US" i="1" dirty="0">
+              <a:latin typeface="Arial" panose="020B0604020202020204" pitchFamily="34" charset="0"/>
+              <a:cs typeface="Arial" panose="020B0604020202020204" pitchFamily="34" charset="0"/>
+            </a:endParaRPr>
+          </a:p>
+          <a:p>
+            <a:r>
+              <a:rPr lang="en-US" i="1" dirty="0">
+                <a:latin typeface="Arial" panose="020B0604020202020204" pitchFamily="34" charset="0"/>
+                <a:cs typeface="Arial" panose="020B0604020202020204" pitchFamily="34" charset="0"/>
+              </a:rPr>
+              <a:t>John Doyle, Professor of Control and Dynamical Systems</a:t>
+            </a:r>
+            <a:br>
+              <a:rPr lang="en-US" i="1" dirty="0">
+                <a:latin typeface="Arial" panose="020B0604020202020204" pitchFamily="34" charset="0"/>
+                <a:cs typeface="Arial" panose="020B0604020202020204" pitchFamily="34" charset="0"/>
+              </a:rPr>
+            </a:br>
+            <a:r>
+              <a:rPr lang="en-US" i="1" dirty="0">
+                <a:latin typeface="Arial" panose="020B0604020202020204" pitchFamily="34" charset="0"/>
+                <a:cs typeface="Arial" panose="020B0604020202020204" pitchFamily="34" charset="0"/>
+              </a:rPr>
+              <a:t>Electrical Engineering, and </a:t>
+            </a:r>
+            <a:r>
+              <a:rPr lang="en-US" i="1" dirty="0" err="1">
+                <a:latin typeface="Arial" panose="020B0604020202020204" pitchFamily="34" charset="0"/>
+                <a:cs typeface="Arial" panose="020B0604020202020204" pitchFamily="34" charset="0"/>
+              </a:rPr>
+              <a:t>BioEngineering</a:t>
+            </a:r>
+            <a:r>
+              <a:rPr lang="en-US" i="1" dirty="0">
+                <a:latin typeface="Arial" panose="020B0604020202020204" pitchFamily="34" charset="0"/>
+                <a:cs typeface="Arial" panose="020B0604020202020204" pitchFamily="34" charset="0"/>
+              </a:rPr>
+              <a:t>, Caltech</a:t>
+            </a:r>
+            <a:endParaRPr lang="en-US" i="1" dirty="0">
               <a:latin typeface="Arial" panose="020B0604020202020204" pitchFamily="34" charset="0"/>
               <a:cs typeface="Arial" panose="020B0604020202020204" pitchFamily="34" charset="0"/>
             </a:endParaRPr>
@@ -12503,7 +12725,12 @@
             <p:ph idx="1"/>
           </p:nvPr>
         </p:nvSpPr>
-        <p:spPr/>
+        <p:spPr>
+          <a:xfrm>
+            <a:off x="613773" y="1132114"/>
+            <a:ext cx="10947421" cy="5014243"/>
+          </a:xfrm>
+        </p:spPr>
         <p:txBody>
           <a:bodyPr>
             <a:normAutofit/>
@@ -12515,7 +12742,7 @@
                 <a:latin typeface="Arial" panose="020B0604020202020204" pitchFamily="34" charset="0"/>
                 <a:cs typeface="Arial" panose="020B0604020202020204" pitchFamily="34" charset="0"/>
               </a:rPr>
-              <a:t>Common test used for probing stress-strain response:</a:t>
+              <a:t>Common test used for probing stress-strain response in:</a:t>
             </a:r>
           </a:p>
           <a:p>
@@ -12525,7 +12752,7 @@
                 <a:latin typeface="Arial" panose="020B0604020202020204" pitchFamily="34" charset="0"/>
                 <a:cs typeface="Arial" panose="020B0604020202020204" pitchFamily="34" charset="0"/>
               </a:rPr>
-              <a:t>Metals – uniaxial compression, uniaxial tension</a:t>
+              <a:t>Metals</a:t>
             </a:r>
           </a:p>
           <a:p>
@@ -12535,7 +12762,7 @@
                 <a:latin typeface="Arial" panose="020B0604020202020204" pitchFamily="34" charset="0"/>
                 <a:cs typeface="Arial" panose="020B0604020202020204" pitchFamily="34" charset="0"/>
               </a:rPr>
-              <a:t>Soil – confined triaxial extension/compression</a:t>
+              <a:t>Soil </a:t>
             </a:r>
           </a:p>
           <a:p>
@@ -12545,7 +12772,7 @@
                 <a:latin typeface="Arial" panose="020B0604020202020204" pitchFamily="34" charset="0"/>
                 <a:cs typeface="Arial" panose="020B0604020202020204" pitchFamily="34" charset="0"/>
               </a:rPr>
-              <a:t>Concrete – uniaxial compression, uniaxial tension</a:t>
+              <a:t>Concrete</a:t>
             </a:r>
           </a:p>
           <a:p>
@@ -12561,21 +12788,36 @@
                 <a:latin typeface="Arial" panose="020B0604020202020204" pitchFamily="34" charset="0"/>
                 <a:cs typeface="Arial" panose="020B0604020202020204" pitchFamily="34" charset="0"/>
               </a:rPr>
-              <a:t>Not the only </a:t>
+              <a:t>Provides a </a:t>
+            </a:r>
+            <a:r>
+              <a:rPr lang="en-US" u="sng" dirty="0">
+                <a:latin typeface="Arial" panose="020B0604020202020204" pitchFamily="34" charset="0"/>
+                <a:cs typeface="Arial" panose="020B0604020202020204" pitchFamily="34" charset="0"/>
+              </a:rPr>
+              <a:t>homogeneous</a:t>
             </a:r>
             <a:r>
               <a:rPr lang="en-US" dirty="0">
                 <a:latin typeface="Arial" panose="020B0604020202020204" pitchFamily="34" charset="0"/>
                 <a:cs typeface="Arial" panose="020B0604020202020204" pitchFamily="34" charset="0"/>
               </a:rPr>
-              <a:t>possible </a:t>
-            </a:r>
+              <a:t> stress-state for elemental response (before failure)</a:t>
+            </a:r>
+          </a:p>
+          <a:p>
+            <a:endParaRPr lang="en-US" dirty="0">
+              <a:latin typeface="Arial" panose="020B0604020202020204" pitchFamily="34" charset="0"/>
+              <a:cs typeface="Arial" panose="020B0604020202020204" pitchFamily="34" charset="0"/>
+            </a:endParaRPr>
+          </a:p>
+          <a:p>
             <a:r>
               <a:rPr lang="en-US" dirty="0">
                 <a:latin typeface="Arial" panose="020B0604020202020204" pitchFamily="34" charset="0"/>
                 <a:cs typeface="Arial" panose="020B0604020202020204" pitchFamily="34" charset="0"/>
               </a:rPr>
-              <a:t>stress-state</a:t>
+              <a:t>Not the only possible stress-state</a:t>
             </a:r>
           </a:p>
           <a:p>
@@ -12618,6 +12860,446 @@
 </file>
 
 <file path=ppt/slides/slide14.xml><?xml version="1.0" encoding="utf-8"?>
+<p:sld xmlns:a="http://schemas.openxmlformats.org/drawingml/2006/main" xmlns:r="http://schemas.openxmlformats.org/officeDocument/2006/relationships" xmlns:p="http://schemas.openxmlformats.org/presentationml/2006/main">
+  <p:cSld>
+    <p:spTree>
+      <p:nvGrpSpPr>
+        <p:cNvPr id="1" name=""/>
+        <p:cNvGrpSpPr/>
+        <p:nvPr/>
+      </p:nvGrpSpPr>
+      <p:grpSpPr>
+        <a:xfrm>
+          <a:off x="0" y="0"/>
+          <a:ext cx="0" cy="0"/>
+          <a:chOff x="0" y="0"/>
+          <a:chExt cx="0" cy="0"/>
+        </a:xfrm>
+      </p:grpSpPr>
+      <p:sp>
+        <p:nvSpPr>
+          <p:cNvPr id="4" name="Title 3">
+            <a:extLst>
+              <a:ext uri="{FF2B5EF4-FFF2-40B4-BE49-F238E27FC236}">
+                <a16:creationId xmlns:a16="http://schemas.microsoft.com/office/drawing/2014/main" id="{ACDB2F36-C02C-4F0F-B585-37925F729AA5}"/>
+              </a:ext>
+            </a:extLst>
+          </p:cNvPr>
+          <p:cNvSpPr>
+            <a:spLocks noGrp="1"/>
+          </p:cNvSpPr>
+          <p:nvPr>
+            <p:ph type="title"/>
+          </p:nvPr>
+        </p:nvSpPr>
+        <p:spPr/>
+        <p:txBody>
+          <a:bodyPr/>
+          <a:lstStyle/>
+          <a:p>
+            <a:r>
+              <a:rPr lang="en-US" dirty="0">
+                <a:latin typeface="Arial" panose="020B0604020202020204" pitchFamily="34" charset="0"/>
+                <a:cs typeface="Arial" panose="020B0604020202020204" pitchFamily="34" charset="0"/>
+              </a:rPr>
+              <a:t>Side</a:t>
+            </a:r>
+          </a:p>
+        </p:txBody>
+      </p:sp>
+      <p:pic>
+        <p:nvPicPr>
+          <p:cNvPr id="6" name="Picture 5"/>
+          <p:cNvPicPr>
+            <a:picLocks noChangeAspect="1"/>
+          </p:cNvPicPr>
+          <p:nvPr/>
+        </p:nvPicPr>
+        <p:blipFill rotWithShape="1">
+          <a:blip r:embed="rId3">
+            <a:extLst>
+              <a:ext uri="{28A0092B-C50C-407E-A947-70E740481C1C}">
+                <a14:useLocalDpi xmlns:a14="http://schemas.microsoft.com/office/drawing/2010/main" val="0"/>
+              </a:ext>
+            </a:extLst>
+          </a:blip>
+          <a:srcRect r="30082"/>
+          <a:stretch/>
+        </p:blipFill>
+        <p:spPr>
+          <a:xfrm>
+            <a:off x="524123" y="1254125"/>
+            <a:ext cx="5660777" cy="4933950"/>
+          </a:xfrm>
+          <a:prstGeom prst="rect">
+            <a:avLst/>
+          </a:prstGeom>
+        </p:spPr>
+      </p:pic>
+      <p:cxnSp>
+        <p:nvCxnSpPr>
+          <p:cNvPr id="9" name="Straight Arrow Connector 8"/>
+          <p:cNvCxnSpPr/>
+          <p:nvPr/>
+        </p:nvCxnSpPr>
+        <p:spPr>
+          <a:xfrm flipH="1" flipV="1">
+            <a:off x="6887407" y="3335338"/>
+            <a:ext cx="102146" cy="1142996"/>
+          </a:xfrm>
+          <a:prstGeom prst="straightConnector1">
+            <a:avLst/>
+          </a:prstGeom>
+          <a:ln>
+            <a:solidFill>
+              <a:srgbClr val="FF0000"/>
+            </a:solidFill>
+            <a:tailEnd type="triangle"/>
+          </a:ln>
+        </p:spPr>
+        <p:style>
+          <a:lnRef idx="1">
+            <a:schemeClr val="accent1"/>
+          </a:lnRef>
+          <a:fillRef idx="0">
+            <a:schemeClr val="accent1"/>
+          </a:fillRef>
+          <a:effectRef idx="0">
+            <a:schemeClr val="accent1"/>
+          </a:effectRef>
+          <a:fontRef idx="minor">
+            <a:schemeClr val="tx1"/>
+          </a:fontRef>
+        </p:style>
+      </p:cxnSp>
+      <p:sp>
+        <p:nvSpPr>
+          <p:cNvPr id="10" name="TextBox 9"/>
+          <p:cNvSpPr txBox="1"/>
+          <p:nvPr/>
+        </p:nvSpPr>
+        <p:spPr>
+          <a:xfrm>
+            <a:off x="6350000" y="4356100"/>
+            <a:ext cx="4940299" cy="1938992"/>
+          </a:xfrm>
+          <a:prstGeom prst="rect">
+            <a:avLst/>
+          </a:prstGeom>
+          <a:noFill/>
+        </p:spPr>
+        <p:txBody>
+          <a:bodyPr wrap="square" rtlCol="0">
+            <a:spAutoFit/>
+          </a:bodyPr>
+          <a:lstStyle/>
+          <a:p>
+            <a:r>
+              <a:rPr lang="en-US" sz="2000" dirty="0">
+                <a:latin typeface="Arial" panose="020B0604020202020204" pitchFamily="34" charset="0"/>
+                <a:cs typeface="Arial" panose="020B0604020202020204" pitchFamily="34" charset="0"/>
+              </a:rPr>
+              <a:t>Micro-structural changes (dislocations) during necking, resulting in an inhomogeneous stress state</a:t>
+            </a:r>
+          </a:p>
+          <a:p>
+            <a:endParaRPr lang="en-US" sz="2000" dirty="0">
+              <a:latin typeface="Arial" panose="020B0604020202020204" pitchFamily="34" charset="0"/>
+              <a:cs typeface="Arial" panose="020B0604020202020204" pitchFamily="34" charset="0"/>
+            </a:endParaRPr>
+          </a:p>
+          <a:p>
+            <a:r>
+              <a:rPr lang="en-US" sz="2000" dirty="0">
+                <a:latin typeface="Arial" panose="020B0604020202020204" pitchFamily="34" charset="0"/>
+                <a:cs typeface="Arial" panose="020B0604020202020204" pitchFamily="34" charset="0"/>
+              </a:rPr>
+              <a:t>Post-peak test data are </a:t>
+            </a:r>
+            <a:r>
+              <a:rPr lang="en-US" sz="2000" u="sng" dirty="0">
+                <a:latin typeface="Arial" panose="020B0604020202020204" pitchFamily="34" charset="0"/>
+                <a:cs typeface="Arial" panose="020B0604020202020204" pitchFamily="34" charset="0"/>
+              </a:rPr>
+              <a:t>not</a:t>
+            </a:r>
+            <a:r>
+              <a:rPr lang="en-US" sz="2000" dirty="0">
+                <a:latin typeface="Arial" panose="020B0604020202020204" pitchFamily="34" charset="0"/>
+                <a:cs typeface="Arial" panose="020B0604020202020204" pitchFamily="34" charset="0"/>
+              </a:rPr>
+              <a:t> supposed to be used as input into a FE model</a:t>
+            </a:r>
+          </a:p>
+        </p:txBody>
+      </p:sp>
+      <p:pic>
+        <p:nvPicPr>
+          <p:cNvPr id="15" name="Picture 14"/>
+          <p:cNvPicPr>
+            <a:picLocks noChangeAspect="1"/>
+          </p:cNvPicPr>
+          <p:nvPr/>
+        </p:nvPicPr>
+        <p:blipFill>
+          <a:blip r:embed="rId4">
+            <a:extLst>
+              <a:ext uri="{28A0092B-C50C-407E-A947-70E740481C1C}">
+                <a14:useLocalDpi xmlns:a14="http://schemas.microsoft.com/office/drawing/2010/main" val="0"/>
+              </a:ext>
+            </a:extLst>
+          </a:blip>
+          <a:stretch>
+            <a:fillRect/>
+          </a:stretch>
+        </p:blipFill>
+        <p:spPr>
+          <a:xfrm>
+            <a:off x="7735963" y="1246200"/>
+            <a:ext cx="3117287" cy="3024035"/>
+          </a:xfrm>
+          <a:prstGeom prst="rect">
+            <a:avLst/>
+          </a:prstGeom>
+        </p:spPr>
+      </p:pic>
+      <p:sp>
+        <p:nvSpPr>
+          <p:cNvPr id="17" name="Freeform: Shape 16"/>
+          <p:cNvSpPr/>
+          <p:nvPr/>
+        </p:nvSpPr>
+        <p:spPr>
+          <a:xfrm>
+            <a:off x="5689600" y="2857500"/>
+            <a:ext cx="1854200" cy="1168400"/>
+          </a:xfrm>
+          <a:custGeom>
+            <a:avLst/>
+            <a:gdLst>
+              <a:gd name="connsiteX0" fmla="*/ 0 w 1854200"/>
+              <a:gd name="connsiteY0" fmla="*/ 0 h 1168400"/>
+              <a:gd name="connsiteX1" fmla="*/ 1016000 w 1854200"/>
+              <a:gd name="connsiteY1" fmla="*/ 330200 h 1168400"/>
+              <a:gd name="connsiteX2" fmla="*/ 1663700 w 1854200"/>
+              <a:gd name="connsiteY2" fmla="*/ 876300 h 1168400"/>
+              <a:gd name="connsiteX3" fmla="*/ 1854200 w 1854200"/>
+              <a:gd name="connsiteY3" fmla="*/ 1168400 h 1168400"/>
+            </a:gdLst>
+            <a:ahLst/>
+            <a:cxnLst>
+              <a:cxn ang="0">
+                <a:pos x="connsiteX0" y="connsiteY0"/>
+              </a:cxn>
+              <a:cxn ang="0">
+                <a:pos x="connsiteX1" y="connsiteY1"/>
+              </a:cxn>
+              <a:cxn ang="0">
+                <a:pos x="connsiteX2" y="connsiteY2"/>
+              </a:cxn>
+              <a:cxn ang="0">
+                <a:pos x="connsiteX3" y="connsiteY3"/>
+              </a:cxn>
+            </a:cxnLst>
+            <a:rect l="l" t="t" r="r" b="b"/>
+            <a:pathLst>
+              <a:path w="1854200" h="1168400">
+                <a:moveTo>
+                  <a:pt x="0" y="0"/>
+                </a:moveTo>
+                <a:cubicBezTo>
+                  <a:pt x="369358" y="92075"/>
+                  <a:pt x="738717" y="184150"/>
+                  <a:pt x="1016000" y="330200"/>
+                </a:cubicBezTo>
+                <a:cubicBezTo>
+                  <a:pt x="1293283" y="476250"/>
+                  <a:pt x="1524000" y="736600"/>
+                  <a:pt x="1663700" y="876300"/>
+                </a:cubicBezTo>
+                <a:cubicBezTo>
+                  <a:pt x="1803400" y="1016000"/>
+                  <a:pt x="1828800" y="1092200"/>
+                  <a:pt x="1854200" y="1168400"/>
+                </a:cubicBezTo>
+              </a:path>
+            </a:pathLst>
+          </a:custGeom>
+          <a:noFill/>
+          <a:ln w="76200">
+            <a:solidFill>
+              <a:srgbClr val="FF0000"/>
+            </a:solidFill>
+            <a:prstDash val="sysDash"/>
+          </a:ln>
+        </p:spPr>
+        <p:style>
+          <a:lnRef idx="2">
+            <a:schemeClr val="accent1">
+              <a:shade val="50000"/>
+            </a:schemeClr>
+          </a:lnRef>
+          <a:fillRef idx="1">
+            <a:schemeClr val="accent1"/>
+          </a:fillRef>
+          <a:effectRef idx="0">
+            <a:schemeClr val="accent1"/>
+          </a:effectRef>
+          <a:fontRef idx="minor">
+            <a:schemeClr val="lt1"/>
+          </a:fontRef>
+        </p:style>
+        <p:txBody>
+          <a:bodyPr rtlCol="0" anchor="ctr"/>
+          <a:lstStyle/>
+          <a:p>
+            <a:pPr algn="ctr"/>
+            <a:endParaRPr lang="en-US"/>
+          </a:p>
+        </p:txBody>
+      </p:sp>
+      <p:sp>
+        <p:nvSpPr>
+          <p:cNvPr id="20" name="TextBox 19"/>
+          <p:cNvSpPr txBox="1"/>
+          <p:nvPr/>
+        </p:nvSpPr>
+        <p:spPr>
+          <a:xfrm>
+            <a:off x="5733168" y="2511425"/>
+            <a:ext cx="356188" cy="461665"/>
+          </a:xfrm>
+          <a:prstGeom prst="rect">
+            <a:avLst/>
+          </a:prstGeom>
+          <a:noFill/>
+        </p:spPr>
+        <p:txBody>
+          <a:bodyPr wrap="none" rtlCol="0">
+            <a:spAutoFit/>
+          </a:bodyPr>
+          <a:lstStyle/>
+          <a:p>
+            <a:r>
+              <a:rPr lang="en-US" sz="2400" b="1" dirty="0">
+                <a:latin typeface="Arial" panose="020B0604020202020204" pitchFamily="34" charset="0"/>
+                <a:cs typeface="Arial" panose="020B0604020202020204" pitchFamily="34" charset="0"/>
+              </a:rPr>
+              <a:t>1</a:t>
+            </a:r>
+          </a:p>
+        </p:txBody>
+      </p:sp>
+      <p:sp>
+        <p:nvSpPr>
+          <p:cNvPr id="23" name="TextBox 22"/>
+          <p:cNvSpPr txBox="1"/>
+          <p:nvPr/>
+        </p:nvSpPr>
+        <p:spPr>
+          <a:xfrm>
+            <a:off x="6377063" y="2700631"/>
+            <a:ext cx="356188" cy="461665"/>
+          </a:xfrm>
+          <a:prstGeom prst="rect">
+            <a:avLst/>
+          </a:prstGeom>
+          <a:noFill/>
+        </p:spPr>
+        <p:txBody>
+          <a:bodyPr wrap="none" rtlCol="0">
+            <a:spAutoFit/>
+          </a:bodyPr>
+          <a:lstStyle/>
+          <a:p>
+            <a:r>
+              <a:rPr lang="en-US" sz="2400" b="1" dirty="0">
+                <a:latin typeface="Arial" panose="020B0604020202020204" pitchFamily="34" charset="0"/>
+                <a:cs typeface="Arial" panose="020B0604020202020204" pitchFamily="34" charset="0"/>
+              </a:rPr>
+              <a:t>2</a:t>
+            </a:r>
+          </a:p>
+        </p:txBody>
+      </p:sp>
+      <p:sp>
+        <p:nvSpPr>
+          <p:cNvPr id="24" name="TextBox 23"/>
+          <p:cNvSpPr txBox="1"/>
+          <p:nvPr/>
+        </p:nvSpPr>
+        <p:spPr>
+          <a:xfrm>
+            <a:off x="6897763" y="2980035"/>
+            <a:ext cx="356188" cy="461665"/>
+          </a:xfrm>
+          <a:prstGeom prst="rect">
+            <a:avLst/>
+          </a:prstGeom>
+          <a:noFill/>
+        </p:spPr>
+        <p:txBody>
+          <a:bodyPr wrap="none" rtlCol="0">
+            <a:spAutoFit/>
+          </a:bodyPr>
+          <a:lstStyle/>
+          <a:p>
+            <a:r>
+              <a:rPr lang="en-US" sz="2400" b="1" dirty="0">
+                <a:latin typeface="Arial" panose="020B0604020202020204" pitchFamily="34" charset="0"/>
+                <a:cs typeface="Arial" panose="020B0604020202020204" pitchFamily="34" charset="0"/>
+              </a:rPr>
+              <a:t>3</a:t>
+            </a:r>
+          </a:p>
+        </p:txBody>
+      </p:sp>
+      <p:sp>
+        <p:nvSpPr>
+          <p:cNvPr id="25" name="TextBox 24"/>
+          <p:cNvSpPr txBox="1"/>
+          <p:nvPr/>
+        </p:nvSpPr>
+        <p:spPr>
+          <a:xfrm>
+            <a:off x="7423948" y="3528365"/>
+            <a:ext cx="356188" cy="461665"/>
+          </a:xfrm>
+          <a:prstGeom prst="rect">
+            <a:avLst/>
+          </a:prstGeom>
+          <a:noFill/>
+        </p:spPr>
+        <p:txBody>
+          <a:bodyPr wrap="none" rtlCol="0">
+            <a:spAutoFit/>
+          </a:bodyPr>
+          <a:lstStyle/>
+          <a:p>
+            <a:r>
+              <a:rPr lang="en-US" sz="2400" b="1" dirty="0">
+                <a:latin typeface="Arial" panose="020B0604020202020204" pitchFamily="34" charset="0"/>
+                <a:cs typeface="Arial" panose="020B0604020202020204" pitchFamily="34" charset="0"/>
+              </a:rPr>
+              <a:t>4</a:t>
+            </a:r>
+          </a:p>
+        </p:txBody>
+      </p:sp>
+    </p:spTree>
+    <p:extLst>
+      <p:ext uri="{BB962C8B-B14F-4D97-AF65-F5344CB8AC3E}">
+        <p14:creationId xmlns:p14="http://schemas.microsoft.com/office/powerpoint/2010/main" val="1515264892"/>
+      </p:ext>
+    </p:extLst>
+  </p:cSld>
+  <p:clrMapOvr>
+    <a:masterClrMapping/>
+  </p:clrMapOvr>
+</p:sld>
+</file>
+
+<file path=ppt/slides/slide15.xml><?xml version="1.0" encoding="utf-8"?>
 <p:sld xmlns:a="http://schemas.openxmlformats.org/drawingml/2006/main" xmlns:r="http://schemas.openxmlformats.org/officeDocument/2006/relationships" xmlns:p="http://schemas.openxmlformats.org/presentationml/2006/main">
   <p:cSld>
     <p:spTree>
@@ -12955,477 +13637,6 @@
 </p:sld>
 </file>
 
-<file path=ppt/slides/slide15.xml><?xml version="1.0" encoding="utf-8"?>
-<p:sld xmlns:a="http://schemas.openxmlformats.org/drawingml/2006/main" xmlns:r="http://schemas.openxmlformats.org/officeDocument/2006/relationships" xmlns:p="http://schemas.openxmlformats.org/presentationml/2006/main">
-  <p:cSld>
-    <p:spTree>
-      <p:nvGrpSpPr>
-        <p:cNvPr id="1" name=""/>
-        <p:cNvGrpSpPr/>
-        <p:nvPr/>
-      </p:nvGrpSpPr>
-      <p:grpSpPr>
-        <a:xfrm>
-          <a:off x="0" y="0"/>
-          <a:ext cx="0" cy="0"/>
-          <a:chOff x="0" y="0"/>
-          <a:chExt cx="0" cy="0"/>
-        </a:xfrm>
-      </p:grpSpPr>
-      <p:sp>
-        <p:nvSpPr>
-          <p:cNvPr id="4" name="Title 3">
-            <a:extLst>
-              <a:ext uri="{FF2B5EF4-FFF2-40B4-BE49-F238E27FC236}">
-                <a16:creationId xmlns:a16="http://schemas.microsoft.com/office/drawing/2014/main" id="{ACDB2F36-C02C-4F0F-B585-37925F729AA5}"/>
-              </a:ext>
-            </a:extLst>
-          </p:cNvPr>
-          <p:cNvSpPr>
-            <a:spLocks noGrp="1"/>
-          </p:cNvSpPr>
-          <p:nvPr>
-            <p:ph type="title"/>
-          </p:nvPr>
-        </p:nvSpPr>
-        <p:spPr/>
-        <p:txBody>
-          <a:bodyPr/>
-          <a:lstStyle/>
-          <a:p>
-            <a:r>
-              <a:rPr lang="en-US" dirty="0">
-                <a:latin typeface="Arial" panose="020B0604020202020204" pitchFamily="34" charset="0"/>
-                <a:cs typeface="Arial" panose="020B0604020202020204" pitchFamily="34" charset="0"/>
-              </a:rPr>
-              <a:t>Triaxial stress state (cont’d)</a:t>
-            </a:r>
-          </a:p>
-        </p:txBody>
-      </p:sp>
-      <p:sp>
-        <p:nvSpPr>
-          <p:cNvPr id="5" name="Content Placeholder 4">
-            <a:extLst>
-              <a:ext uri="{FF2B5EF4-FFF2-40B4-BE49-F238E27FC236}">
-                <a16:creationId xmlns:a16="http://schemas.microsoft.com/office/drawing/2014/main" id="{2E48F1C5-477D-4547-95BB-9E8BD09144C0}"/>
-              </a:ext>
-            </a:extLst>
-          </p:cNvPr>
-          <p:cNvSpPr>
-            <a:spLocks noGrp="1"/>
-          </p:cNvSpPr>
-          <p:nvPr>
-            <p:ph idx="1"/>
-          </p:nvPr>
-        </p:nvSpPr>
-        <p:spPr>
-          <a:xfrm>
-            <a:off x="613773" y="1231900"/>
-            <a:ext cx="10947421" cy="4914457"/>
-          </a:xfrm>
-        </p:spPr>
-        <p:txBody>
-          <a:bodyPr/>
-          <a:lstStyle/>
-          <a:p>
-            <a:r>
-              <a:rPr lang="en-US" dirty="0">
-                <a:latin typeface="Arial" panose="020B0604020202020204" pitchFamily="34" charset="0"/>
-                <a:cs typeface="Arial" panose="020B0604020202020204" pitchFamily="34" charset="0"/>
-              </a:rPr>
-              <a:t>Triaxial compression (TXC)</a:t>
-            </a:r>
-          </a:p>
-        </p:txBody>
-      </p:sp>
-      <p:sp>
-        <p:nvSpPr>
-          <p:cNvPr id="19" name="Rectangle 18"/>
-          <p:cNvSpPr/>
-          <p:nvPr/>
-        </p:nvSpPr>
-        <p:spPr>
-          <a:xfrm>
-            <a:off x="899886" y="1171309"/>
-            <a:ext cx="4412343" cy="572051"/>
-          </a:xfrm>
-          <a:prstGeom prst="rect">
-            <a:avLst/>
-          </a:prstGeom>
-          <a:noFill/>
-          <a:ln>
-            <a:solidFill>
-              <a:srgbClr val="FF0000"/>
-            </a:solidFill>
-          </a:ln>
-        </p:spPr>
-        <p:style>
-          <a:lnRef idx="2">
-            <a:schemeClr val="accent1">
-              <a:shade val="50000"/>
-            </a:schemeClr>
-          </a:lnRef>
-          <a:fillRef idx="1">
-            <a:schemeClr val="accent1"/>
-          </a:fillRef>
-          <a:effectRef idx="0">
-            <a:schemeClr val="accent1"/>
-          </a:effectRef>
-          <a:fontRef idx="minor">
-            <a:schemeClr val="lt1"/>
-          </a:fontRef>
-        </p:style>
-        <p:txBody>
-          <a:bodyPr rtlCol="0" anchor="ctr"/>
-          <a:lstStyle/>
-          <a:p>
-            <a:pPr algn="ctr"/>
-            <a:endParaRPr lang="en-US" dirty="0"/>
-          </a:p>
-        </p:txBody>
-      </p:sp>
-      <p:pic>
-        <p:nvPicPr>
-          <p:cNvPr id="24" name="Picture 23"/>
-          <p:cNvPicPr>
-            <a:picLocks noChangeAspect="1"/>
-          </p:cNvPicPr>
-          <p:nvPr/>
-        </p:nvPicPr>
-        <p:blipFill>
-          <a:blip r:embed="rId9">
-            <a:extLst>
-              <a:ext uri="{28A0092B-C50C-407E-A947-70E740481C1C}">
-                <a14:useLocalDpi xmlns:a14="http://schemas.microsoft.com/office/drawing/2010/main" val="0"/>
-              </a:ext>
-            </a:extLst>
-          </a:blip>
-          <a:stretch>
-            <a:fillRect/>
-          </a:stretch>
-        </p:blipFill>
-        <p:spPr>
-          <a:xfrm>
-            <a:off x="1373959" y="2375057"/>
-            <a:ext cx="3769541" cy="2615600"/>
-          </a:xfrm>
-          <a:prstGeom prst="rect">
-            <a:avLst/>
-          </a:prstGeom>
-        </p:spPr>
-      </p:pic>
-      <p:sp>
-        <p:nvSpPr>
-          <p:cNvPr id="25" name="TextBox 24"/>
-          <p:cNvSpPr txBox="1"/>
-          <p:nvPr/>
-        </p:nvSpPr>
-        <p:spPr>
-          <a:xfrm>
-            <a:off x="1746598" y="5072909"/>
-            <a:ext cx="2900153" cy="461665"/>
-          </a:xfrm>
-          <a:prstGeom prst="rect">
-            <a:avLst/>
-          </a:prstGeom>
-          <a:noFill/>
-        </p:spPr>
-        <p:txBody>
-          <a:bodyPr wrap="none" rtlCol="0">
-            <a:spAutoFit/>
-          </a:bodyPr>
-          <a:lstStyle/>
-          <a:p>
-            <a:r>
-              <a:rPr lang="en-US" sz="2400" b="1" dirty="0">
-                <a:latin typeface="Arial" panose="020B0604020202020204" pitchFamily="34" charset="0"/>
-                <a:cs typeface="Arial" panose="020B0604020202020204" pitchFamily="34" charset="0"/>
-              </a:rPr>
-              <a:t>Initial confinement</a:t>
-            </a:r>
-          </a:p>
-        </p:txBody>
-      </p:sp>
-      <p:pic>
-        <p:nvPicPr>
-          <p:cNvPr id="26" name="Picture 25"/>
-          <p:cNvPicPr>
-            <a:picLocks noChangeAspect="1"/>
-          </p:cNvPicPr>
-          <p:nvPr>
-            <p:custDataLst>
-              <p:tags r:id="rId1"/>
-            </p:custDataLst>
-          </p:nvPr>
-        </p:nvPicPr>
-        <p:blipFill>
-          <a:blip r:embed="rId10">
-            <a:extLst>
-              <a:ext uri="{28A0092B-C50C-407E-A947-70E740481C1C}">
-                <a14:useLocalDpi xmlns:a14="http://schemas.microsoft.com/office/drawing/2010/main" val="0"/>
-              </a:ext>
-            </a:extLst>
-          </a:blip>
-          <a:stretch>
-            <a:fillRect/>
-          </a:stretch>
-        </p:blipFill>
-        <p:spPr>
-          <a:xfrm>
-            <a:off x="1070223" y="4398483"/>
-            <a:ext cx="1224324" cy="360095"/>
-          </a:xfrm>
-          <a:prstGeom prst="rect">
-            <a:avLst/>
-          </a:prstGeom>
-        </p:spPr>
-      </p:pic>
-      <p:pic>
-        <p:nvPicPr>
-          <p:cNvPr id="27" name="Picture 26"/>
-          <p:cNvPicPr>
-            <a:picLocks noChangeAspect="1"/>
-          </p:cNvPicPr>
-          <p:nvPr>
-            <p:custDataLst>
-              <p:tags r:id="rId2"/>
-            </p:custDataLst>
-          </p:nvPr>
-        </p:nvPicPr>
-        <p:blipFill>
-          <a:blip r:embed="rId11">
-            <a:extLst>
-              <a:ext uri="{28A0092B-C50C-407E-A947-70E740481C1C}">
-                <a14:useLocalDpi xmlns:a14="http://schemas.microsoft.com/office/drawing/2010/main" val="0"/>
-              </a:ext>
-            </a:extLst>
-          </a:blip>
-          <a:stretch>
-            <a:fillRect/>
-          </a:stretch>
-        </p:blipFill>
-        <p:spPr>
-          <a:xfrm>
-            <a:off x="4100081" y="4371269"/>
-            <a:ext cx="1224324" cy="360095"/>
-          </a:xfrm>
-          <a:prstGeom prst="rect">
-            <a:avLst/>
-          </a:prstGeom>
-        </p:spPr>
-      </p:pic>
-      <p:pic>
-        <p:nvPicPr>
-          <p:cNvPr id="28" name="Picture 27"/>
-          <p:cNvPicPr>
-            <a:picLocks noChangeAspect="1"/>
-          </p:cNvPicPr>
-          <p:nvPr>
-            <p:custDataLst>
-              <p:tags r:id="rId3"/>
-            </p:custDataLst>
-          </p:nvPr>
-        </p:nvPicPr>
-        <p:blipFill>
-          <a:blip r:embed="rId12">
-            <a:extLst>
-              <a:ext uri="{28A0092B-C50C-407E-A947-70E740481C1C}">
-                <a14:useLocalDpi xmlns:a14="http://schemas.microsoft.com/office/drawing/2010/main" val="0"/>
-              </a:ext>
-            </a:extLst>
-          </a:blip>
-          <a:stretch>
-            <a:fillRect/>
-          </a:stretch>
-        </p:blipFill>
-        <p:spPr>
-          <a:xfrm>
-            <a:off x="2584513" y="2402377"/>
-            <a:ext cx="1224324" cy="368097"/>
-          </a:xfrm>
-          <a:prstGeom prst="rect">
-            <a:avLst/>
-          </a:prstGeom>
-        </p:spPr>
-      </p:pic>
-      <p:pic>
-        <p:nvPicPr>
-          <p:cNvPr id="29" name="Picture 28"/>
-          <p:cNvPicPr>
-            <a:picLocks noChangeAspect="1"/>
-          </p:cNvPicPr>
-          <p:nvPr/>
-        </p:nvPicPr>
-        <p:blipFill>
-          <a:blip r:embed="rId9">
-            <a:extLst>
-              <a:ext uri="{28A0092B-C50C-407E-A947-70E740481C1C}">
-                <a14:useLocalDpi xmlns:a14="http://schemas.microsoft.com/office/drawing/2010/main" val="0"/>
-              </a:ext>
-            </a:extLst>
-          </a:blip>
-          <a:stretch>
-            <a:fillRect/>
-          </a:stretch>
-        </p:blipFill>
-        <p:spPr>
-          <a:xfrm>
-            <a:off x="7217023" y="2375057"/>
-            <a:ext cx="3769541" cy="2615600"/>
-          </a:xfrm>
-          <a:prstGeom prst="rect">
-            <a:avLst/>
-          </a:prstGeom>
-        </p:spPr>
-      </p:pic>
-      <p:sp>
-        <p:nvSpPr>
-          <p:cNvPr id="30" name="TextBox 29"/>
-          <p:cNvSpPr txBox="1"/>
-          <p:nvPr/>
-        </p:nvSpPr>
-        <p:spPr>
-          <a:xfrm>
-            <a:off x="7589662" y="5072909"/>
-            <a:ext cx="2645917" cy="461665"/>
-          </a:xfrm>
-          <a:prstGeom prst="rect">
-            <a:avLst/>
-          </a:prstGeom>
-          <a:noFill/>
-        </p:spPr>
-        <p:txBody>
-          <a:bodyPr wrap="none" rtlCol="0">
-            <a:spAutoFit/>
-          </a:bodyPr>
-          <a:lstStyle/>
-          <a:p>
-            <a:r>
-              <a:rPr lang="en-US" sz="2400" b="1" dirty="0">
-                <a:latin typeface="Arial" panose="020B0604020202020204" pitchFamily="34" charset="0"/>
-                <a:cs typeface="Arial" panose="020B0604020202020204" pitchFamily="34" charset="0"/>
-              </a:rPr>
-              <a:t>Triaxial Shearing</a:t>
-            </a:r>
-          </a:p>
-        </p:txBody>
-      </p:sp>
-      <p:pic>
-        <p:nvPicPr>
-          <p:cNvPr id="31" name="Picture 30"/>
-          <p:cNvPicPr>
-            <a:picLocks noChangeAspect="1"/>
-          </p:cNvPicPr>
-          <p:nvPr>
-            <p:custDataLst>
-              <p:tags r:id="rId4"/>
-            </p:custDataLst>
-          </p:nvPr>
-        </p:nvPicPr>
-        <p:blipFill>
-          <a:blip r:embed="rId10">
-            <a:extLst>
-              <a:ext uri="{28A0092B-C50C-407E-A947-70E740481C1C}">
-                <a14:useLocalDpi xmlns:a14="http://schemas.microsoft.com/office/drawing/2010/main" val="0"/>
-              </a:ext>
-            </a:extLst>
-          </a:blip>
-          <a:stretch>
-            <a:fillRect/>
-          </a:stretch>
-        </p:blipFill>
-        <p:spPr>
-          <a:xfrm>
-            <a:off x="6913287" y="4398483"/>
-            <a:ext cx="1224324" cy="360095"/>
-          </a:xfrm>
-          <a:prstGeom prst="rect">
-            <a:avLst/>
-          </a:prstGeom>
-        </p:spPr>
-      </p:pic>
-      <p:pic>
-        <p:nvPicPr>
-          <p:cNvPr id="32" name="Picture 31"/>
-          <p:cNvPicPr>
-            <a:picLocks noChangeAspect="1"/>
-          </p:cNvPicPr>
-          <p:nvPr>
-            <p:custDataLst>
-              <p:tags r:id="rId5"/>
-            </p:custDataLst>
-          </p:nvPr>
-        </p:nvPicPr>
-        <p:blipFill>
-          <a:blip r:embed="rId11">
-            <a:extLst>
-              <a:ext uri="{28A0092B-C50C-407E-A947-70E740481C1C}">
-                <a14:useLocalDpi xmlns:a14="http://schemas.microsoft.com/office/drawing/2010/main" val="0"/>
-              </a:ext>
-            </a:extLst>
-          </a:blip>
-          <a:stretch>
-            <a:fillRect/>
-          </a:stretch>
-        </p:blipFill>
-        <p:spPr>
-          <a:xfrm>
-            <a:off x="9986687" y="4385783"/>
-            <a:ext cx="1224324" cy="360095"/>
-          </a:xfrm>
-          <a:prstGeom prst="rect">
-            <a:avLst/>
-          </a:prstGeom>
-        </p:spPr>
-      </p:pic>
-      <p:pic>
-        <p:nvPicPr>
-          <p:cNvPr id="33" name="Picture 32"/>
-          <p:cNvPicPr>
-            <a:picLocks noChangeAspect="1"/>
-          </p:cNvPicPr>
-          <p:nvPr>
-            <p:custDataLst>
-              <p:tags r:id="rId6"/>
-            </p:custDataLst>
-          </p:nvPr>
-        </p:nvPicPr>
-        <p:blipFill>
-          <a:blip r:embed="rId13">
-            <a:extLst>
-              <a:ext uri="{28A0092B-C50C-407E-A947-70E740481C1C}">
-                <a14:useLocalDpi xmlns:a14="http://schemas.microsoft.com/office/drawing/2010/main" val="0"/>
-              </a:ext>
-            </a:extLst>
-          </a:blip>
-          <a:stretch>
-            <a:fillRect/>
-          </a:stretch>
-        </p:blipFill>
-        <p:spPr>
-          <a:xfrm>
-            <a:off x="8427577" y="2402377"/>
-            <a:ext cx="1224324" cy="368097"/>
-          </a:xfrm>
-          <a:prstGeom prst="rect">
-            <a:avLst/>
-          </a:prstGeom>
-        </p:spPr>
-      </p:pic>
-    </p:spTree>
-    <p:extLst>
-      <p:ext uri="{BB962C8B-B14F-4D97-AF65-F5344CB8AC3E}">
-        <p14:creationId xmlns:p14="http://schemas.microsoft.com/office/powerpoint/2010/main" val="2113455083"/>
-      </p:ext>
-    </p:extLst>
-  </p:cSld>
-  <p:clrMapOvr>
-    <a:masterClrMapping/>
-  </p:clrMapOvr>
-</p:sld>
-</file>
-
 <file path=ppt/slides/slide16.xml><?xml version="1.0" encoding="utf-8"?>
 <p:sld xmlns:a="http://schemas.openxmlformats.org/drawingml/2006/main" xmlns:r="http://schemas.openxmlformats.org/officeDocument/2006/relationships" xmlns:p="http://schemas.openxmlformats.org/presentationml/2006/main">
   <p:cSld>
@@ -13505,8 +13716,54 @@
                 <a:latin typeface="Arial" panose="020B0604020202020204" pitchFamily="34" charset="0"/>
                 <a:cs typeface="Arial" panose="020B0604020202020204" pitchFamily="34" charset="0"/>
               </a:rPr>
-              <a:t>Triaxial extension (TXC) (think “squeezing”)</a:t>
-            </a:r>
+              <a:t>Triaxial compression (TXC)</a:t>
+            </a:r>
+          </a:p>
+        </p:txBody>
+      </p:sp>
+      <p:sp>
+        <p:nvSpPr>
+          <p:cNvPr id="19" name="Rectangle 18"/>
+          <p:cNvSpPr/>
+          <p:nvPr/>
+        </p:nvSpPr>
+        <p:spPr>
+          <a:xfrm>
+            <a:off x="899886" y="1171309"/>
+            <a:ext cx="4412343" cy="572051"/>
+          </a:xfrm>
+          <a:prstGeom prst="rect">
+            <a:avLst/>
+          </a:prstGeom>
+          <a:noFill/>
+          <a:ln>
+            <a:solidFill>
+              <a:srgbClr val="FF0000"/>
+            </a:solidFill>
+          </a:ln>
+        </p:spPr>
+        <p:style>
+          <a:lnRef idx="2">
+            <a:schemeClr val="accent1">
+              <a:shade val="50000"/>
+            </a:schemeClr>
+          </a:lnRef>
+          <a:fillRef idx="1">
+            <a:schemeClr val="accent1"/>
+          </a:fillRef>
+          <a:effectRef idx="0">
+            <a:schemeClr val="accent1"/>
+          </a:effectRef>
+          <a:fontRef idx="minor">
+            <a:schemeClr val="lt1"/>
+          </a:fontRef>
+        </p:style>
+        <p:txBody>
+          <a:bodyPr rtlCol="0" anchor="ctr"/>
+          <a:lstStyle/>
+          <a:p>
+            <a:pPr algn="ctr"/>
+            <a:endParaRPr lang="en-US" dirty="0"/>
           </a:p>
         </p:txBody>
       </p:sp>
@@ -13738,7 +13995,7 @@
       </p:sp>
       <p:pic>
         <p:nvPicPr>
-          <p:cNvPr id="9" name="Picture 8"/>
+          <p:cNvPr id="31" name="Picture 30"/>
           <p:cNvPicPr>
             <a:picLocks noChangeAspect="1"/>
           </p:cNvPicPr>
@@ -13749,7 +14006,7 @@
           </p:nvPr>
         </p:nvPicPr>
         <p:blipFill>
-          <a:blip r:embed="rId13">
+          <a:blip r:embed="rId10">
             <a:extLst>
               <a:ext uri="{28A0092B-C50C-407E-A947-70E740481C1C}">
                 <a14:useLocalDpi xmlns:a14="http://schemas.microsoft.com/office/drawing/2010/main" val="0"/>
@@ -13762,7 +14019,7 @@
         </p:blipFill>
         <p:spPr>
           <a:xfrm>
-            <a:off x="6913287" y="4398484"/>
+            <a:off x="6913287" y="4398483"/>
             <a:ext cx="1224324" cy="360095"/>
           </a:xfrm>
           <a:prstGeom prst="rect">
@@ -13772,7 +14029,7 @@
       </p:pic>
       <p:pic>
         <p:nvPicPr>
-          <p:cNvPr id="7" name="Picture 6"/>
+          <p:cNvPr id="32" name="Picture 31"/>
           <p:cNvPicPr>
             <a:picLocks noChangeAspect="1"/>
           </p:cNvPicPr>
@@ -13783,7 +14040,7 @@
           </p:nvPr>
         </p:nvPicPr>
         <p:blipFill>
-          <a:blip r:embed="rId14">
+          <a:blip r:embed="rId11">
             <a:extLst>
               <a:ext uri="{28A0092B-C50C-407E-A947-70E740481C1C}">
                 <a14:useLocalDpi xmlns:a14="http://schemas.microsoft.com/office/drawing/2010/main" val="0"/>
@@ -13796,7 +14053,7 @@
         </p:blipFill>
         <p:spPr>
           <a:xfrm>
-            <a:off x="9986687" y="4385784"/>
+            <a:off x="9986687" y="4385783"/>
             <a:ext cx="1224324" cy="360095"/>
           </a:xfrm>
           <a:prstGeom prst="rect">
@@ -13806,7 +14063,7 @@
       </p:pic>
       <p:pic>
         <p:nvPicPr>
-          <p:cNvPr id="3" name="Picture 2"/>
+          <p:cNvPr id="33" name="Picture 32"/>
           <p:cNvPicPr>
             <a:picLocks noChangeAspect="1"/>
           </p:cNvPicPr>
@@ -13817,7 +14074,7 @@
           </p:nvPr>
         </p:nvPicPr>
         <p:blipFill>
-          <a:blip r:embed="rId15">
+          <a:blip r:embed="rId13">
             <a:extLst>
               <a:ext uri="{28A0092B-C50C-407E-A947-70E740481C1C}">
                 <a14:useLocalDpi xmlns:a14="http://schemas.microsoft.com/office/drawing/2010/main" val="0"/>
@@ -13841,7 +14098,7 @@
     </p:spTree>
     <p:extLst>
       <p:ext uri="{BB962C8B-B14F-4D97-AF65-F5344CB8AC3E}">
-        <p14:creationId xmlns:p14="http://schemas.microsoft.com/office/powerpoint/2010/main" val="1506496838"/>
+        <p14:creationId xmlns:p14="http://schemas.microsoft.com/office/powerpoint/2010/main" val="2113455083"/>
       </p:ext>
     </p:extLst>
   </p:cSld>
@@ -13930,7 +14187,7 @@
                 <a:latin typeface="Arial" panose="020B0604020202020204" pitchFamily="34" charset="0"/>
                 <a:cs typeface="Arial" panose="020B0604020202020204" pitchFamily="34" charset="0"/>
               </a:rPr>
-              <a:t>Uniaxial</a:t>
+              <a:t>Triaxial extension (TXC) (think “squeezing”)</a:t>
             </a:r>
           </a:p>
         </p:txBody>
@@ -13944,7 +14201,7 @@
           <p:nvPr/>
         </p:nvPicPr>
         <p:blipFill>
-          <a:blip r:embed="rId6">
+          <a:blip r:embed="rId9">
             <a:extLst>
               <a:ext uri="{28A0092B-C50C-407E-A947-70E740481C1C}">
                 <a14:useLocalDpi xmlns:a14="http://schemas.microsoft.com/office/drawing/2010/main" val="0"/>
@@ -13957,7 +14214,7 @@
         </p:blipFill>
         <p:spPr>
           <a:xfrm>
-            <a:off x="3897152" y="2381328"/>
+            <a:off x="1373959" y="2375057"/>
             <a:ext cx="3769541" cy="2615600"/>
           </a:xfrm>
           <a:prstGeom prst="rect">
@@ -13965,9 +14222,41 @@
           </a:prstGeom>
         </p:spPr>
       </p:pic>
+      <p:sp>
+        <p:nvSpPr>
+          <p:cNvPr id="25" name="TextBox 24"/>
+          <p:cNvSpPr txBox="1"/>
+          <p:nvPr/>
+        </p:nvSpPr>
+        <p:spPr>
+          <a:xfrm>
+            <a:off x="1746598" y="5072909"/>
+            <a:ext cx="2900153" cy="461665"/>
+          </a:xfrm>
+          <a:prstGeom prst="rect">
+            <a:avLst/>
+          </a:prstGeom>
+          <a:noFill/>
+        </p:spPr>
+        <p:txBody>
+          <a:bodyPr wrap="none" rtlCol="0">
+            <a:spAutoFit/>
+          </a:bodyPr>
+          <a:lstStyle/>
+          <a:p>
+            <a:r>
+              <a:rPr lang="en-US" sz="2400" b="1" dirty="0">
+                <a:latin typeface="Arial" panose="020B0604020202020204" pitchFamily="34" charset="0"/>
+                <a:cs typeface="Arial" panose="020B0604020202020204" pitchFamily="34" charset="0"/>
+              </a:rPr>
+              <a:t>Initial confinement</a:t>
+            </a:r>
+          </a:p>
+        </p:txBody>
+      </p:sp>
       <p:pic>
         <p:nvPicPr>
-          <p:cNvPr id="10" name="Picture 9"/>
+          <p:cNvPr id="26" name="Picture 25"/>
           <p:cNvPicPr>
             <a:picLocks noChangeAspect="1"/>
           </p:cNvPicPr>
@@ -13978,7 +14267,7 @@
           </p:nvPr>
         </p:nvPicPr>
         <p:blipFill>
-          <a:blip r:embed="rId7">
+          <a:blip r:embed="rId10">
             <a:extLst>
               <a:ext uri="{28A0092B-C50C-407E-A947-70E740481C1C}">
                 <a14:useLocalDpi xmlns:a14="http://schemas.microsoft.com/office/drawing/2010/main" val="0"/>
@@ -13991,8 +14280,8 @@
         </p:blipFill>
         <p:spPr>
           <a:xfrm>
-            <a:off x="3593417" y="4404755"/>
-            <a:ext cx="1229659" cy="360095"/>
+            <a:off x="1070223" y="4398483"/>
+            <a:ext cx="1224324" cy="360095"/>
           </a:xfrm>
           <a:prstGeom prst="rect">
             <a:avLst/>
@@ -14001,7 +14290,7 @@
       </p:pic>
       <p:pic>
         <p:nvPicPr>
-          <p:cNvPr id="12" name="Picture 11"/>
+          <p:cNvPr id="27" name="Picture 26"/>
           <p:cNvPicPr>
             <a:picLocks noChangeAspect="1"/>
           </p:cNvPicPr>
@@ -14012,7 +14301,7 @@
           </p:nvPr>
         </p:nvPicPr>
         <p:blipFill>
-          <a:blip r:embed="rId8">
+          <a:blip r:embed="rId11">
             <a:extLst>
               <a:ext uri="{28A0092B-C50C-407E-A947-70E740481C1C}">
                 <a14:useLocalDpi xmlns:a14="http://schemas.microsoft.com/office/drawing/2010/main" val="0"/>
@@ -14025,8 +14314,8 @@
         </p:blipFill>
         <p:spPr>
           <a:xfrm>
-            <a:off x="6623275" y="4377541"/>
-            <a:ext cx="1229659" cy="360095"/>
+            <a:off x="4100081" y="4371269"/>
+            <a:ext cx="1224324" cy="360095"/>
           </a:xfrm>
           <a:prstGeom prst="rect">
             <a:avLst/>
@@ -14035,7 +14324,7 @@
       </p:pic>
       <p:pic>
         <p:nvPicPr>
-          <p:cNvPr id="6" name="Picture 5"/>
+          <p:cNvPr id="28" name="Picture 27"/>
           <p:cNvPicPr>
             <a:picLocks noChangeAspect="1"/>
           </p:cNvPicPr>
@@ -14046,7 +14335,7 @@
           </p:nvPr>
         </p:nvPicPr>
         <p:blipFill>
-          <a:blip r:embed="rId9">
+          <a:blip r:embed="rId12">
             <a:extLst>
               <a:ext uri="{28A0092B-C50C-407E-A947-70E740481C1C}">
                 <a14:useLocalDpi xmlns:a14="http://schemas.microsoft.com/office/drawing/2010/main" val="0"/>
@@ -14059,8 +14348,172 @@
         </p:blipFill>
         <p:spPr>
           <a:xfrm>
-            <a:off x="5107707" y="2365106"/>
-            <a:ext cx="1229659" cy="410775"/>
+            <a:off x="2584513" y="2402377"/>
+            <a:ext cx="1224324" cy="368097"/>
+          </a:xfrm>
+          <a:prstGeom prst="rect">
+            <a:avLst/>
+          </a:prstGeom>
+        </p:spPr>
+      </p:pic>
+      <p:pic>
+        <p:nvPicPr>
+          <p:cNvPr id="29" name="Picture 28"/>
+          <p:cNvPicPr>
+            <a:picLocks noChangeAspect="1"/>
+          </p:cNvPicPr>
+          <p:nvPr/>
+        </p:nvPicPr>
+        <p:blipFill>
+          <a:blip r:embed="rId9">
+            <a:extLst>
+              <a:ext uri="{28A0092B-C50C-407E-A947-70E740481C1C}">
+                <a14:useLocalDpi xmlns:a14="http://schemas.microsoft.com/office/drawing/2010/main" val="0"/>
+              </a:ext>
+            </a:extLst>
+          </a:blip>
+          <a:stretch>
+            <a:fillRect/>
+          </a:stretch>
+        </p:blipFill>
+        <p:spPr>
+          <a:xfrm>
+            <a:off x="7217023" y="2375057"/>
+            <a:ext cx="3769541" cy="2615600"/>
+          </a:xfrm>
+          <a:prstGeom prst="rect">
+            <a:avLst/>
+          </a:prstGeom>
+        </p:spPr>
+      </p:pic>
+      <p:sp>
+        <p:nvSpPr>
+          <p:cNvPr id="30" name="TextBox 29"/>
+          <p:cNvSpPr txBox="1"/>
+          <p:nvPr/>
+        </p:nvSpPr>
+        <p:spPr>
+          <a:xfrm>
+            <a:off x="7589662" y="5072909"/>
+            <a:ext cx="2645917" cy="461665"/>
+          </a:xfrm>
+          <a:prstGeom prst="rect">
+            <a:avLst/>
+          </a:prstGeom>
+          <a:noFill/>
+        </p:spPr>
+        <p:txBody>
+          <a:bodyPr wrap="none" rtlCol="0">
+            <a:spAutoFit/>
+          </a:bodyPr>
+          <a:lstStyle/>
+          <a:p>
+            <a:r>
+              <a:rPr lang="en-US" sz="2400" b="1" dirty="0">
+                <a:latin typeface="Arial" panose="020B0604020202020204" pitchFamily="34" charset="0"/>
+                <a:cs typeface="Arial" panose="020B0604020202020204" pitchFamily="34" charset="0"/>
+              </a:rPr>
+              <a:t>Triaxial Shearing</a:t>
+            </a:r>
+          </a:p>
+        </p:txBody>
+      </p:sp>
+      <p:pic>
+        <p:nvPicPr>
+          <p:cNvPr id="9" name="Picture 8"/>
+          <p:cNvPicPr>
+            <a:picLocks noChangeAspect="1"/>
+          </p:cNvPicPr>
+          <p:nvPr>
+            <p:custDataLst>
+              <p:tags r:id="rId4"/>
+            </p:custDataLst>
+          </p:nvPr>
+        </p:nvPicPr>
+        <p:blipFill>
+          <a:blip r:embed="rId13">
+            <a:extLst>
+              <a:ext uri="{28A0092B-C50C-407E-A947-70E740481C1C}">
+                <a14:useLocalDpi xmlns:a14="http://schemas.microsoft.com/office/drawing/2010/main" val="0"/>
+              </a:ext>
+            </a:extLst>
+          </a:blip>
+          <a:stretch>
+            <a:fillRect/>
+          </a:stretch>
+        </p:blipFill>
+        <p:spPr>
+          <a:xfrm>
+            <a:off x="6913287" y="4398484"/>
+            <a:ext cx="1224324" cy="360095"/>
+          </a:xfrm>
+          <a:prstGeom prst="rect">
+            <a:avLst/>
+          </a:prstGeom>
+        </p:spPr>
+      </p:pic>
+      <p:pic>
+        <p:nvPicPr>
+          <p:cNvPr id="7" name="Picture 6"/>
+          <p:cNvPicPr>
+            <a:picLocks noChangeAspect="1"/>
+          </p:cNvPicPr>
+          <p:nvPr>
+            <p:custDataLst>
+              <p:tags r:id="rId5"/>
+            </p:custDataLst>
+          </p:nvPr>
+        </p:nvPicPr>
+        <p:blipFill>
+          <a:blip r:embed="rId14">
+            <a:extLst>
+              <a:ext uri="{28A0092B-C50C-407E-A947-70E740481C1C}">
+                <a14:useLocalDpi xmlns:a14="http://schemas.microsoft.com/office/drawing/2010/main" val="0"/>
+              </a:ext>
+            </a:extLst>
+          </a:blip>
+          <a:stretch>
+            <a:fillRect/>
+          </a:stretch>
+        </p:blipFill>
+        <p:spPr>
+          <a:xfrm>
+            <a:off x="9986687" y="4385784"/>
+            <a:ext cx="1224324" cy="360095"/>
+          </a:xfrm>
+          <a:prstGeom prst="rect">
+            <a:avLst/>
+          </a:prstGeom>
+        </p:spPr>
+      </p:pic>
+      <p:pic>
+        <p:nvPicPr>
+          <p:cNvPr id="3" name="Picture 2"/>
+          <p:cNvPicPr>
+            <a:picLocks noChangeAspect="1"/>
+          </p:cNvPicPr>
+          <p:nvPr>
+            <p:custDataLst>
+              <p:tags r:id="rId6"/>
+            </p:custDataLst>
+          </p:nvPr>
+        </p:nvPicPr>
+        <p:blipFill>
+          <a:blip r:embed="rId15">
+            <a:extLst>
+              <a:ext uri="{28A0092B-C50C-407E-A947-70E740481C1C}">
+                <a14:useLocalDpi xmlns:a14="http://schemas.microsoft.com/office/drawing/2010/main" val="0"/>
+              </a:ext>
+            </a:extLst>
+          </a:blip>
+          <a:stretch>
+            <a:fillRect/>
+          </a:stretch>
+        </p:blipFill>
+        <p:spPr>
+          <a:xfrm>
+            <a:off x="8427577" y="2402377"/>
+            <a:ext cx="1224324" cy="368097"/>
           </a:xfrm>
           <a:prstGeom prst="rect">
             <a:avLst/>
@@ -14070,7 +14523,7 @@
     </p:spTree>
     <p:extLst>
       <p:ext uri="{BB962C8B-B14F-4D97-AF65-F5344CB8AC3E}">
-        <p14:creationId xmlns:p14="http://schemas.microsoft.com/office/powerpoint/2010/main" val="1095586575"/>
+        <p14:creationId xmlns:p14="http://schemas.microsoft.com/office/powerpoint/2010/main" val="1506496838"/>
       </p:ext>
     </p:extLst>
   </p:cSld>
@@ -14146,8 +14599,8 @@
         </p:nvSpPr>
         <p:spPr>
           <a:xfrm>
-            <a:off x="613773" y="1206500"/>
-            <a:ext cx="10947421" cy="4939857"/>
+            <a:off x="613773" y="1231900"/>
+            <a:ext cx="10947421" cy="4914457"/>
           </a:xfrm>
         </p:spPr>
         <p:txBody>
@@ -14159,83 +14612,18 @@
                 <a:latin typeface="Arial" panose="020B0604020202020204" pitchFamily="34" charset="0"/>
                 <a:cs typeface="Arial" panose="020B0604020202020204" pitchFamily="34" charset="0"/>
               </a:rPr>
-              <a:t>Shear stress (stress difference) </a:t>
-            </a:r>
-          </a:p>
-          <a:p>
-            <a:endParaRPr lang="en-US" dirty="0">
-              <a:latin typeface="Arial" panose="020B0604020202020204" pitchFamily="34" charset="0"/>
-              <a:cs typeface="Arial" panose="020B0604020202020204" pitchFamily="34" charset="0"/>
-            </a:endParaRPr>
-          </a:p>
-          <a:p>
-            <a:endParaRPr lang="en-US" dirty="0">
-              <a:latin typeface="Arial" panose="020B0604020202020204" pitchFamily="34" charset="0"/>
-              <a:cs typeface="Arial" panose="020B0604020202020204" pitchFamily="34" charset="0"/>
-            </a:endParaRPr>
-          </a:p>
-          <a:p>
-            <a:r>
-              <a:rPr lang="en-US" dirty="0">
-                <a:latin typeface="Arial" panose="020B0604020202020204" pitchFamily="34" charset="0"/>
-                <a:cs typeface="Arial" panose="020B0604020202020204" pitchFamily="34" charset="0"/>
-              </a:rPr>
-              <a:t>Pressure (mean stress)</a:t>
-            </a:r>
-          </a:p>
-          <a:p>
-            <a:endParaRPr lang="en-US" dirty="0">
-              <a:latin typeface="Arial" panose="020B0604020202020204" pitchFamily="34" charset="0"/>
-              <a:cs typeface="Arial" panose="020B0604020202020204" pitchFamily="34" charset="0"/>
-            </a:endParaRPr>
-          </a:p>
-        </p:txBody>
-      </p:sp>
-      <p:pic>
-        <p:nvPicPr>
-          <p:cNvPr id="21" name="Picture 20"/>
-          <p:cNvPicPr>
-            <a:picLocks noChangeAspect="1"/>
-          </p:cNvPicPr>
-          <p:nvPr>
-            <p:custDataLst>
-              <p:tags r:id="rId1"/>
-            </p:custDataLst>
-          </p:nvPr>
-        </p:nvPicPr>
-        <p:blipFill>
-          <a:blip r:embed="rId5">
-            <a:extLst>
-              <a:ext uri="{28A0092B-C50C-407E-A947-70E740481C1C}">
-                <a14:useLocalDpi xmlns:a14="http://schemas.microsoft.com/office/drawing/2010/main" val="0"/>
-              </a:ext>
-            </a:extLst>
-          </a:blip>
-          <a:stretch>
-            <a:fillRect/>
-          </a:stretch>
-        </p:blipFill>
-        <p:spPr>
-          <a:xfrm>
-            <a:off x="1915076" y="2040273"/>
-            <a:ext cx="2490564" cy="320085"/>
-          </a:xfrm>
-          <a:prstGeom prst="rect">
-            <a:avLst/>
-          </a:prstGeom>
-        </p:spPr>
-      </p:pic>
+              <a:t>Uniaxial</a:t>
+            </a:r>
+          </a:p>
+        </p:txBody>
+      </p:sp>
       <p:pic>
         <p:nvPicPr>
           <p:cNvPr id="24" name="Picture 23"/>
           <p:cNvPicPr>
             <a:picLocks noChangeAspect="1"/>
           </p:cNvPicPr>
-          <p:nvPr>
-            <p:custDataLst>
-              <p:tags r:id="rId2"/>
-            </p:custDataLst>
-          </p:nvPr>
+          <p:nvPr/>
         </p:nvPicPr>
         <p:blipFill>
           <a:blip r:embed="rId6">
@@ -14251,8 +14639,110 @@
         </p:blipFill>
         <p:spPr>
           <a:xfrm>
-            <a:off x="1915076" y="3477009"/>
-            <a:ext cx="7968586" cy="1036465"/>
+            <a:off x="3897152" y="2381328"/>
+            <a:ext cx="3769541" cy="2615600"/>
+          </a:xfrm>
+          <a:prstGeom prst="rect">
+            <a:avLst/>
+          </a:prstGeom>
+        </p:spPr>
+      </p:pic>
+      <p:pic>
+        <p:nvPicPr>
+          <p:cNvPr id="10" name="Picture 9"/>
+          <p:cNvPicPr>
+            <a:picLocks noChangeAspect="1"/>
+          </p:cNvPicPr>
+          <p:nvPr>
+            <p:custDataLst>
+              <p:tags r:id="rId1"/>
+            </p:custDataLst>
+          </p:nvPr>
+        </p:nvPicPr>
+        <p:blipFill>
+          <a:blip r:embed="rId7">
+            <a:extLst>
+              <a:ext uri="{28A0092B-C50C-407E-A947-70E740481C1C}">
+                <a14:useLocalDpi xmlns:a14="http://schemas.microsoft.com/office/drawing/2010/main" val="0"/>
+              </a:ext>
+            </a:extLst>
+          </a:blip>
+          <a:stretch>
+            <a:fillRect/>
+          </a:stretch>
+        </p:blipFill>
+        <p:spPr>
+          <a:xfrm>
+            <a:off x="3593417" y="4404755"/>
+            <a:ext cx="1229659" cy="360095"/>
+          </a:xfrm>
+          <a:prstGeom prst="rect">
+            <a:avLst/>
+          </a:prstGeom>
+        </p:spPr>
+      </p:pic>
+      <p:pic>
+        <p:nvPicPr>
+          <p:cNvPr id="12" name="Picture 11"/>
+          <p:cNvPicPr>
+            <a:picLocks noChangeAspect="1"/>
+          </p:cNvPicPr>
+          <p:nvPr>
+            <p:custDataLst>
+              <p:tags r:id="rId2"/>
+            </p:custDataLst>
+          </p:nvPr>
+        </p:nvPicPr>
+        <p:blipFill>
+          <a:blip r:embed="rId8">
+            <a:extLst>
+              <a:ext uri="{28A0092B-C50C-407E-A947-70E740481C1C}">
+                <a14:useLocalDpi xmlns:a14="http://schemas.microsoft.com/office/drawing/2010/main" val="0"/>
+              </a:ext>
+            </a:extLst>
+          </a:blip>
+          <a:stretch>
+            <a:fillRect/>
+          </a:stretch>
+        </p:blipFill>
+        <p:spPr>
+          <a:xfrm>
+            <a:off x="6623275" y="4377541"/>
+            <a:ext cx="1229659" cy="360095"/>
+          </a:xfrm>
+          <a:prstGeom prst="rect">
+            <a:avLst/>
+          </a:prstGeom>
+        </p:spPr>
+      </p:pic>
+      <p:pic>
+        <p:nvPicPr>
+          <p:cNvPr id="6" name="Picture 5"/>
+          <p:cNvPicPr>
+            <a:picLocks noChangeAspect="1"/>
+          </p:cNvPicPr>
+          <p:nvPr>
+            <p:custDataLst>
+              <p:tags r:id="rId3"/>
+            </p:custDataLst>
+          </p:nvPr>
+        </p:nvPicPr>
+        <p:blipFill>
+          <a:blip r:embed="rId9">
+            <a:extLst>
+              <a:ext uri="{28A0092B-C50C-407E-A947-70E740481C1C}">
+                <a14:useLocalDpi xmlns:a14="http://schemas.microsoft.com/office/drawing/2010/main" val="0"/>
+              </a:ext>
+            </a:extLst>
+          </a:blip>
+          <a:stretch>
+            <a:fillRect/>
+          </a:stretch>
+        </p:blipFill>
+        <p:spPr>
+          <a:xfrm>
+            <a:off x="5107707" y="2365106"/>
+            <a:ext cx="1229659" cy="410775"/>
           </a:xfrm>
           <a:prstGeom prst="rect">
             <a:avLst/>
@@ -14262,7 +14752,7 @@
     </p:spTree>
     <p:extLst>
       <p:ext uri="{BB962C8B-B14F-4D97-AF65-F5344CB8AC3E}">
-        <p14:creationId xmlns:p14="http://schemas.microsoft.com/office/powerpoint/2010/main" val="374933874"/>
+        <p14:creationId xmlns:p14="http://schemas.microsoft.com/office/powerpoint/2010/main" val="1095586575"/>
       </p:ext>
     </p:extLst>
   </p:cSld>
@@ -14338,8 +14828,8 @@
         </p:nvSpPr>
         <p:spPr>
           <a:xfrm>
-            <a:off x="613773" y="1181100"/>
-            <a:ext cx="10947421" cy="4965257"/>
+            <a:off x="613773" y="1206500"/>
+            <a:ext cx="10947421" cy="4939857"/>
           </a:xfrm>
         </p:spPr>
         <p:txBody>
@@ -14351,7 +14841,7 @@
                 <a:latin typeface="Arial" panose="020B0604020202020204" pitchFamily="34" charset="0"/>
                 <a:cs typeface="Arial" panose="020B0604020202020204" pitchFamily="34" charset="0"/>
               </a:rPr>
-              <a:t>Triaxial compression</a:t>
+              <a:t>Shear stress (stress difference) </a:t>
             </a:r>
           </a:p>
           <a:p>
@@ -14366,11 +14856,26 @@
               <a:cs typeface="Arial" panose="020B0604020202020204" pitchFamily="34" charset="0"/>
             </a:endParaRPr>
           </a:p>
+          <a:p>
+            <a:r>
+              <a:rPr lang="en-US" dirty="0">
+                <a:latin typeface="Arial" panose="020B0604020202020204" pitchFamily="34" charset="0"/>
+                <a:cs typeface="Arial" panose="020B0604020202020204" pitchFamily="34" charset="0"/>
+              </a:rPr>
+              <a:t>Pressure (mean stress)</a:t>
+            </a:r>
+          </a:p>
+          <a:p>
+            <a:endParaRPr lang="en-US" dirty="0">
+              <a:latin typeface="Arial" panose="020B0604020202020204" pitchFamily="34" charset="0"/>
+              <a:cs typeface="Arial" panose="020B0604020202020204" pitchFamily="34" charset="0"/>
+            </a:endParaRPr>
+          </a:p>
         </p:txBody>
       </p:sp>
       <p:pic>
         <p:nvPicPr>
-          <p:cNvPr id="7" name="Picture 6"/>
+          <p:cNvPr id="21" name="Picture 20"/>
           <p:cNvPicPr>
             <a:picLocks noChangeAspect="1"/>
           </p:cNvPicPr>
@@ -14381,7 +14886,7 @@
           </p:nvPr>
         </p:nvPicPr>
         <p:blipFill>
-          <a:blip r:embed="rId6">
+          <a:blip r:embed="rId5">
             <a:extLst>
               <a:ext uri="{28A0092B-C50C-407E-A947-70E740481C1C}">
                 <a14:useLocalDpi xmlns:a14="http://schemas.microsoft.com/office/drawing/2010/main" val="0"/>
@@ -14394,8 +14899,8 @@
         </p:blipFill>
         <p:spPr>
           <a:xfrm>
-            <a:off x="943973" y="2397602"/>
-            <a:ext cx="4707912" cy="981593"/>
+            <a:off x="1915076" y="2040273"/>
+            <a:ext cx="2490564" cy="320085"/>
           </a:xfrm>
           <a:prstGeom prst="rect">
             <a:avLst/>
@@ -14404,7 +14909,7 @@
       </p:pic>
       <p:pic>
         <p:nvPicPr>
-          <p:cNvPr id="14" name="Picture 13"/>
+          <p:cNvPr id="24" name="Picture 23"/>
           <p:cNvPicPr>
             <a:picLocks noChangeAspect="1"/>
           </p:cNvPicPr>
@@ -14415,7 +14920,7 @@
           </p:nvPr>
         </p:nvPicPr>
         <p:blipFill>
-          <a:blip r:embed="rId7">
+          <a:blip r:embed="rId6">
             <a:extLst>
               <a:ext uri="{28A0092B-C50C-407E-A947-70E740481C1C}">
                 <a14:useLocalDpi xmlns:a14="http://schemas.microsoft.com/office/drawing/2010/main" val="0"/>
@@ -14428,98 +14933,18 @@
         </p:blipFill>
         <p:spPr>
           <a:xfrm>
-            <a:off x="943973" y="3799486"/>
-            <a:ext cx="6158963" cy="1592421"/>
+            <a:off x="1915076" y="3477009"/>
+            <a:ext cx="7968586" cy="1036465"/>
           </a:xfrm>
           <a:prstGeom prst="rect">
             <a:avLst/>
           </a:prstGeom>
         </p:spPr>
       </p:pic>
-      <p:pic>
-        <p:nvPicPr>
-          <p:cNvPr id="11" name="Picture 10"/>
-          <p:cNvPicPr>
-            <a:picLocks noChangeAspect="1"/>
-          </p:cNvPicPr>
-          <p:nvPr>
-            <p:custDataLst>
-              <p:tags r:id="rId3"/>
-            </p:custDataLst>
-          </p:nvPr>
-        </p:nvPicPr>
-        <p:blipFill>
-          <a:blip r:embed="rId8">
-            <a:extLst>
-              <a:ext uri="{28A0092B-C50C-407E-A947-70E740481C1C}">
-                <a14:useLocalDpi xmlns:a14="http://schemas.microsoft.com/office/drawing/2010/main" val="0"/>
-              </a:ext>
-            </a:extLst>
-          </a:blip>
-          <a:stretch>
-            <a:fillRect/>
-          </a:stretch>
-        </p:blipFill>
-        <p:spPr>
-          <a:xfrm>
-            <a:off x="8798475" y="2792126"/>
-            <a:ext cx="2437845" cy="1705135"/>
-          </a:xfrm>
-          <a:prstGeom prst="rect">
-            <a:avLst/>
-          </a:prstGeom>
-        </p:spPr>
-      </p:pic>
-      <p:sp>
-        <p:nvSpPr>
-          <p:cNvPr id="15" name="Rectangle 14"/>
-          <p:cNvSpPr/>
-          <p:nvPr/>
-        </p:nvSpPr>
-        <p:spPr>
-          <a:xfrm>
-            <a:off x="8387968" y="2336800"/>
-            <a:ext cx="3397632" cy="2654300"/>
-          </a:xfrm>
-          <a:prstGeom prst="rect">
-            <a:avLst/>
-          </a:prstGeom>
-          <a:noFill/>
-          <a:ln w="28575">
-            <a:solidFill>
-              <a:srgbClr val="FF0000"/>
-            </a:solidFill>
-          </a:ln>
-        </p:spPr>
-        <p:style>
-          <a:lnRef idx="2">
-            <a:schemeClr val="accent1">
-              <a:shade val="50000"/>
-            </a:schemeClr>
-          </a:lnRef>
-          <a:fillRef idx="1">
-            <a:schemeClr val="accent1"/>
-          </a:fillRef>
-          <a:effectRef idx="0">
-            <a:schemeClr val="accent1"/>
-          </a:effectRef>
-          <a:fontRef idx="minor">
-            <a:schemeClr val="lt1"/>
-          </a:fontRef>
-        </p:style>
-        <p:txBody>
-          <a:bodyPr rtlCol="0" anchor="ctr"/>
-          <a:lstStyle/>
-          <a:p>
-            <a:pPr algn="ctr"/>
-            <a:endParaRPr lang="en-US"/>
-          </a:p>
-        </p:txBody>
-      </p:sp>
     </p:spTree>
     <p:extLst>
       <p:ext uri="{BB962C8B-B14F-4D97-AF65-F5344CB8AC3E}">
-        <p14:creationId xmlns:p14="http://schemas.microsoft.com/office/powerpoint/2010/main" val="3702023754"/>
+        <p14:creationId xmlns:p14="http://schemas.microsoft.com/office/powerpoint/2010/main" val="374933874"/>
       </p:ext>
     </p:extLst>
   </p:cSld>
@@ -14675,9 +15100,7 @@
         </p:nvSpPr>
         <p:spPr/>
         <p:txBody>
-          <a:bodyPr>
-            <a:normAutofit fontScale="90000"/>
-          </a:bodyPr>
+          <a:bodyPr/>
           <a:lstStyle/>
           <a:p>
             <a:r>
@@ -14685,7 +15108,7 @@
                 <a:latin typeface="Arial" panose="020B0604020202020204" pitchFamily="34" charset="0"/>
                 <a:cs typeface="Arial" panose="020B0604020202020204" pitchFamily="34" charset="0"/>
               </a:rPr>
-              <a:t>Commonly Used Material Models at SGH</a:t>
+              <a:t>Triaxial stress state (cont’d)</a:t>
             </a:r>
           </a:p>
         </p:txBody>
@@ -14706,11 +15129,14 @@
             <p:ph idx="1"/>
           </p:nvPr>
         </p:nvSpPr>
-        <p:spPr/>
-        <p:txBody>
-          <a:bodyPr>
-            <a:normAutofit/>
-          </a:bodyPr>
+        <p:spPr>
+          <a:xfrm>
+            <a:off x="613773" y="1181100"/>
+            <a:ext cx="10947421" cy="4965257"/>
+          </a:xfrm>
+        </p:spPr>
+        <p:txBody>
+          <a:bodyPr/>
           <a:lstStyle/>
           <a:p>
             <a:r>
@@ -14718,92 +15144,175 @@
                 <a:latin typeface="Arial" panose="020B0604020202020204" pitchFamily="34" charset="0"/>
                 <a:cs typeface="Arial" panose="020B0604020202020204" pitchFamily="34" charset="0"/>
               </a:rPr>
-              <a:t>Commonly used models:</a:t>
-            </a:r>
-          </a:p>
-          <a:p>
-            <a:pPr lvl="1"/>
-            <a:r>
-              <a:rPr lang="en-US" sz="2800" dirty="0">
-                <a:latin typeface="Arial" panose="020B0604020202020204" pitchFamily="34" charset="0"/>
-                <a:cs typeface="Arial" panose="020B0604020202020204" pitchFamily="34" charset="0"/>
-              </a:rPr>
-              <a:t>Metal plasticity (e.g., von Mises plasticity)</a:t>
-            </a:r>
-          </a:p>
-          <a:p>
-            <a:pPr lvl="1"/>
-            <a:r>
-              <a:rPr lang="en-US" sz="2800" dirty="0">
-                <a:latin typeface="Arial" panose="020B0604020202020204" pitchFamily="34" charset="0"/>
-                <a:cs typeface="Arial" panose="020B0604020202020204" pitchFamily="34" charset="0"/>
-              </a:rPr>
-              <a:t>Concrete </a:t>
-            </a:r>
-            <a:r>
-              <a:rPr lang="en-US" sz="2800" dirty="0">
-                <a:latin typeface="Arial" panose="020B0604020202020204" pitchFamily="34" charset="0"/>
-                <a:cs typeface="Arial" panose="020B0604020202020204" pitchFamily="34" charset="0"/>
-              </a:rPr>
-              <a:t>(e.g., Concrete Damage Model)</a:t>
-            </a:r>
-            <a:endParaRPr lang="en-US" sz="2800" dirty="0">
+              <a:t>Triaxial compression</a:t>
+            </a:r>
+          </a:p>
+          <a:p>
+            <a:endParaRPr lang="en-US" dirty="0">
               <a:latin typeface="Arial" panose="020B0604020202020204" pitchFamily="34" charset="0"/>
               <a:cs typeface="Arial" panose="020B0604020202020204" pitchFamily="34" charset="0"/>
             </a:endParaRPr>
           </a:p>
           <a:p>
-            <a:pPr lvl="1"/>
-            <a:r>
-              <a:rPr lang="en-US" sz="2800" dirty="0">
-                <a:latin typeface="Arial" panose="020B0604020202020204" pitchFamily="34" charset="0"/>
-                <a:cs typeface="Arial" panose="020B0604020202020204" pitchFamily="34" charset="0"/>
-              </a:rPr>
-              <a:t>Soil, granular media (e.g., Drucker-Prager, Mohr-Coulomb)</a:t>
-            </a:r>
-          </a:p>
-          <a:p>
-            <a:r>
-              <a:rPr lang="en-US" dirty="0">
-                <a:latin typeface="Arial" panose="020B0604020202020204" pitchFamily="34" charset="0"/>
-                <a:cs typeface="Arial" panose="020B0604020202020204" pitchFamily="34" charset="0"/>
-              </a:rPr>
-              <a:t>Rate-independent model</a:t>
-            </a:r>
-          </a:p>
-          <a:p>
-            <a:r>
-              <a:rPr lang="en-US" dirty="0">
-                <a:latin typeface="Arial" panose="020B0604020202020204" pitchFamily="34" charset="0"/>
-                <a:cs typeface="Arial" panose="020B0604020202020204" pitchFamily="34" charset="0"/>
-              </a:rPr>
-              <a:t>Elastic-plastic materials</a:t>
-            </a:r>
-          </a:p>
-          <a:p>
-            <a:r>
-              <a:rPr lang="en-US" dirty="0">
-                <a:latin typeface="Arial" panose="020B0604020202020204" pitchFamily="34" charset="0"/>
-                <a:cs typeface="Arial" panose="020B0604020202020204" pitchFamily="34" charset="0"/>
-              </a:rPr>
-              <a:t>Quasi-static applications and monotonic loading (models are derived from tests)</a:t>
-            </a:r>
-          </a:p>
-          <a:p>
-            <a:r>
-              <a:rPr lang="en-US" dirty="0">
-                <a:latin typeface="Arial" panose="020B0604020202020204" pitchFamily="34" charset="0"/>
-                <a:cs typeface="Arial" panose="020B0604020202020204" pitchFamily="34" charset="0"/>
-              </a:rPr>
-              <a:t>For dynamics, ask others</a:t>
-            </a:r>
+            <a:endParaRPr lang="en-US" dirty="0">
+              <a:latin typeface="Arial" panose="020B0604020202020204" pitchFamily="34" charset="0"/>
+              <a:cs typeface="Arial" panose="020B0604020202020204" pitchFamily="34" charset="0"/>
+            </a:endParaRPr>
+          </a:p>
+        </p:txBody>
+      </p:sp>
+      <p:pic>
+        <p:nvPicPr>
+          <p:cNvPr id="7" name="Picture 6"/>
+          <p:cNvPicPr>
+            <a:picLocks noChangeAspect="1"/>
+          </p:cNvPicPr>
+          <p:nvPr>
+            <p:custDataLst>
+              <p:tags r:id="rId1"/>
+            </p:custDataLst>
+          </p:nvPr>
+        </p:nvPicPr>
+        <p:blipFill>
+          <a:blip r:embed="rId6">
+            <a:extLst>
+              <a:ext uri="{28A0092B-C50C-407E-A947-70E740481C1C}">
+                <a14:useLocalDpi xmlns:a14="http://schemas.microsoft.com/office/drawing/2010/main" val="0"/>
+              </a:ext>
+            </a:extLst>
+          </a:blip>
+          <a:stretch>
+            <a:fillRect/>
+          </a:stretch>
+        </p:blipFill>
+        <p:spPr>
+          <a:xfrm>
+            <a:off x="943973" y="2397602"/>
+            <a:ext cx="4707912" cy="981593"/>
+          </a:xfrm>
+          <a:prstGeom prst="rect">
+            <a:avLst/>
+          </a:prstGeom>
+        </p:spPr>
+      </p:pic>
+      <p:pic>
+        <p:nvPicPr>
+          <p:cNvPr id="14" name="Picture 13"/>
+          <p:cNvPicPr>
+            <a:picLocks noChangeAspect="1"/>
+          </p:cNvPicPr>
+          <p:nvPr>
+            <p:custDataLst>
+              <p:tags r:id="rId2"/>
+            </p:custDataLst>
+          </p:nvPr>
+        </p:nvPicPr>
+        <p:blipFill>
+          <a:blip r:embed="rId7">
+            <a:extLst>
+              <a:ext uri="{28A0092B-C50C-407E-A947-70E740481C1C}">
+                <a14:useLocalDpi xmlns:a14="http://schemas.microsoft.com/office/drawing/2010/main" val="0"/>
+              </a:ext>
+            </a:extLst>
+          </a:blip>
+          <a:stretch>
+            <a:fillRect/>
+          </a:stretch>
+        </p:blipFill>
+        <p:spPr>
+          <a:xfrm>
+            <a:off x="943973" y="3799486"/>
+            <a:ext cx="6158963" cy="1592421"/>
+          </a:xfrm>
+          <a:prstGeom prst="rect">
+            <a:avLst/>
+          </a:prstGeom>
+        </p:spPr>
+      </p:pic>
+      <p:pic>
+        <p:nvPicPr>
+          <p:cNvPr id="11" name="Picture 10"/>
+          <p:cNvPicPr>
+            <a:picLocks noChangeAspect="1"/>
+          </p:cNvPicPr>
+          <p:nvPr>
+            <p:custDataLst>
+              <p:tags r:id="rId3"/>
+            </p:custDataLst>
+          </p:nvPr>
+        </p:nvPicPr>
+        <p:blipFill>
+          <a:blip r:embed="rId8">
+            <a:extLst>
+              <a:ext uri="{28A0092B-C50C-407E-A947-70E740481C1C}">
+                <a14:useLocalDpi xmlns:a14="http://schemas.microsoft.com/office/drawing/2010/main" val="0"/>
+              </a:ext>
+            </a:extLst>
+          </a:blip>
+          <a:stretch>
+            <a:fillRect/>
+          </a:stretch>
+        </p:blipFill>
+        <p:spPr>
+          <a:xfrm>
+            <a:off x="8798475" y="2792126"/>
+            <a:ext cx="2437845" cy="1705135"/>
+          </a:xfrm>
+          <a:prstGeom prst="rect">
+            <a:avLst/>
+          </a:prstGeom>
+        </p:spPr>
+      </p:pic>
+      <p:sp>
+        <p:nvSpPr>
+          <p:cNvPr id="15" name="Rectangle 14"/>
+          <p:cNvSpPr/>
+          <p:nvPr/>
+        </p:nvSpPr>
+        <p:spPr>
+          <a:xfrm>
+            <a:off x="8387968" y="2336800"/>
+            <a:ext cx="3397632" cy="2654300"/>
+          </a:xfrm>
+          <a:prstGeom prst="rect">
+            <a:avLst/>
+          </a:prstGeom>
+          <a:noFill/>
+          <a:ln w="28575">
+            <a:solidFill>
+              <a:srgbClr val="FF0000"/>
+            </a:solidFill>
+          </a:ln>
+        </p:spPr>
+        <p:style>
+          <a:lnRef idx="2">
+            <a:schemeClr val="accent1">
+              <a:shade val="50000"/>
+            </a:schemeClr>
+          </a:lnRef>
+          <a:fillRef idx="1">
+            <a:schemeClr val="accent1"/>
+          </a:fillRef>
+          <a:effectRef idx="0">
+            <a:schemeClr val="accent1"/>
+          </a:effectRef>
+          <a:fontRef idx="minor">
+            <a:schemeClr val="lt1"/>
+          </a:fontRef>
+        </p:style>
+        <p:txBody>
+          <a:bodyPr rtlCol="0" anchor="ctr"/>
+          <a:lstStyle/>
+          <a:p>
+            <a:pPr algn="ctr"/>
+            <a:endParaRPr lang="en-US"/>
           </a:p>
         </p:txBody>
       </p:sp>
     </p:spTree>
     <p:extLst>
       <p:ext uri="{BB962C8B-B14F-4D97-AF65-F5344CB8AC3E}">
-        <p14:creationId xmlns:p14="http://schemas.microsoft.com/office/powerpoint/2010/main" val="967601259"/>
+        <p14:creationId xmlns:p14="http://schemas.microsoft.com/office/powerpoint/2010/main" val="3702023754"/>
       </p:ext>
     </p:extLst>
   </p:cSld>
@@ -14846,14 +15355,11 @@
             <p:ph type="title"/>
           </p:nvPr>
         </p:nvSpPr>
-        <p:spPr>
-          <a:xfrm>
-            <a:off x="613773" y="3146907"/>
-            <a:ext cx="10515600" cy="723569"/>
-          </a:xfrm>
-        </p:spPr>
-        <p:txBody>
-          <a:bodyPr/>
+        <p:spPr/>
+        <p:txBody>
+          <a:bodyPr>
+            <a:normAutofit fontScale="90000"/>
+          </a:bodyPr>
           <a:lstStyle/>
           <a:p>
             <a:r>
@@ -14861,7 +15367,106 @@
                 <a:latin typeface="Arial" panose="020B0604020202020204" pitchFamily="34" charset="0"/>
                 <a:cs typeface="Arial" panose="020B0604020202020204" pitchFamily="34" charset="0"/>
               </a:rPr>
-              <a:t>Metal Plasticity</a:t>
+              <a:t>Commonly Used Material Models at SGH</a:t>
+            </a:r>
+          </a:p>
+        </p:txBody>
+      </p:sp>
+      <p:sp>
+        <p:nvSpPr>
+          <p:cNvPr id="5" name="Content Placeholder 4">
+            <a:extLst>
+              <a:ext uri="{FF2B5EF4-FFF2-40B4-BE49-F238E27FC236}">
+                <a16:creationId xmlns:a16="http://schemas.microsoft.com/office/drawing/2014/main" id="{2E48F1C5-477D-4547-95BB-9E8BD09144C0}"/>
+              </a:ext>
+            </a:extLst>
+          </p:cNvPr>
+          <p:cNvSpPr>
+            <a:spLocks noGrp="1"/>
+          </p:cNvSpPr>
+          <p:nvPr>
+            <p:ph idx="1"/>
+          </p:nvPr>
+        </p:nvSpPr>
+        <p:spPr/>
+        <p:txBody>
+          <a:bodyPr>
+            <a:normAutofit/>
+          </a:bodyPr>
+          <a:lstStyle/>
+          <a:p>
+            <a:r>
+              <a:rPr lang="en-US" dirty="0">
+                <a:latin typeface="Arial" panose="020B0604020202020204" pitchFamily="34" charset="0"/>
+                <a:cs typeface="Arial" panose="020B0604020202020204" pitchFamily="34" charset="0"/>
+              </a:rPr>
+              <a:t>Commonly used models:</a:t>
+            </a:r>
+          </a:p>
+          <a:p>
+            <a:pPr lvl="1"/>
+            <a:r>
+              <a:rPr lang="en-US" sz="2800" dirty="0">
+                <a:latin typeface="Arial" panose="020B0604020202020204" pitchFamily="34" charset="0"/>
+                <a:cs typeface="Arial" panose="020B0604020202020204" pitchFamily="34" charset="0"/>
+              </a:rPr>
+              <a:t>Metal plasticity (e.g., von Mises plasticity)</a:t>
+            </a:r>
+          </a:p>
+          <a:p>
+            <a:pPr lvl="1"/>
+            <a:r>
+              <a:rPr lang="en-US" sz="2800" dirty="0">
+                <a:latin typeface="Arial" panose="020B0604020202020204" pitchFamily="34" charset="0"/>
+                <a:cs typeface="Arial" panose="020B0604020202020204" pitchFamily="34" charset="0"/>
+              </a:rPr>
+              <a:t>Concrete (e.g., Concrete Damage Model)</a:t>
+            </a:r>
+          </a:p>
+          <a:p>
+            <a:pPr lvl="1"/>
+            <a:r>
+              <a:rPr lang="en-US" sz="2800" dirty="0">
+                <a:latin typeface="Arial" panose="020B0604020202020204" pitchFamily="34" charset="0"/>
+                <a:cs typeface="Arial" panose="020B0604020202020204" pitchFamily="34" charset="0"/>
+              </a:rPr>
+              <a:t>Soil, granular media (e.g., Drucker-Prager, Mohr-Coulomb)</a:t>
+            </a:r>
+          </a:p>
+          <a:p>
+            <a:r>
+              <a:rPr lang="en-US" dirty="0">
+                <a:latin typeface="Arial" panose="020B0604020202020204" pitchFamily="34" charset="0"/>
+                <a:cs typeface="Arial" panose="020B0604020202020204" pitchFamily="34" charset="0"/>
+              </a:rPr>
+              <a:t>Rate-independent model</a:t>
+            </a:r>
+          </a:p>
+          <a:p>
+            <a:r>
+              <a:rPr lang="en-US" dirty="0">
+                <a:latin typeface="Arial" panose="020B0604020202020204" pitchFamily="34" charset="0"/>
+                <a:cs typeface="Arial" panose="020B0604020202020204" pitchFamily="34" charset="0"/>
+              </a:rPr>
+              <a:t>Elastic-plastic materials</a:t>
+            </a:r>
+          </a:p>
+          <a:p>
+            <a:r>
+              <a:rPr lang="en-US" dirty="0">
+                <a:latin typeface="Arial" panose="020B0604020202020204" pitchFamily="34" charset="0"/>
+                <a:cs typeface="Arial" panose="020B0604020202020204" pitchFamily="34" charset="0"/>
+              </a:rPr>
+              <a:t>Quasi-static applications and monotonic loading (models are derived from tests)</a:t>
+            </a:r>
+          </a:p>
+          <a:p>
+            <a:r>
+              <a:rPr lang="en-US" dirty="0">
+                <a:latin typeface="Arial" panose="020B0604020202020204" pitchFamily="34" charset="0"/>
+                <a:cs typeface="Arial" panose="020B0604020202020204" pitchFamily="34" charset="0"/>
+              </a:rPr>
+              <a:t>For dynamics, ask others</a:t>
             </a:r>
           </a:p>
         </p:txBody>
@@ -14869,7 +15474,7 @@
     </p:spTree>
     <p:extLst>
       <p:ext uri="{BB962C8B-B14F-4D97-AF65-F5344CB8AC3E}">
-        <p14:creationId xmlns:p14="http://schemas.microsoft.com/office/powerpoint/2010/main" val="1277487930"/>
+        <p14:creationId xmlns:p14="http://schemas.microsoft.com/office/powerpoint/2010/main" val="967601259"/>
       </p:ext>
     </p:extLst>
   </p:cSld>
@@ -14912,7 +15517,12 @@
             <p:ph type="title"/>
           </p:nvPr>
         </p:nvSpPr>
-        <p:spPr/>
+        <p:spPr>
+          <a:xfrm>
+            <a:off x="613773" y="3146907"/>
+            <a:ext cx="10515600" cy="723569"/>
+          </a:xfrm>
+        </p:spPr>
         <p:txBody>
           <a:bodyPr/>
           <a:lstStyle/>
@@ -14927,549 +15537,10 @@
           </a:p>
         </p:txBody>
       </p:sp>
-      <p:sp>
-        <p:nvSpPr>
-          <p:cNvPr id="5" name="Content Placeholder 4">
-            <a:extLst>
-              <a:ext uri="{FF2B5EF4-FFF2-40B4-BE49-F238E27FC236}">
-                <a16:creationId xmlns:a16="http://schemas.microsoft.com/office/drawing/2014/main" id="{2E48F1C5-477D-4547-95BB-9E8BD09144C0}"/>
-              </a:ext>
-            </a:extLst>
-          </p:cNvPr>
-          <p:cNvSpPr>
-            <a:spLocks noGrp="1"/>
-          </p:cNvSpPr>
-          <p:nvPr>
-            <p:ph idx="1"/>
-          </p:nvPr>
-        </p:nvSpPr>
-        <p:spPr/>
-        <p:txBody>
-          <a:bodyPr/>
-          <a:lstStyle/>
-          <a:p>
-            <a:r>
-              <a:rPr lang="en-US" dirty="0">
-                <a:latin typeface="Arial" panose="020B0604020202020204" pitchFamily="34" charset="0"/>
-                <a:cs typeface="Arial" panose="020B0604020202020204" pitchFamily="34" charset="0"/>
-              </a:rPr>
-              <a:t>Yield function</a:t>
-            </a:r>
-          </a:p>
-          <a:p>
-            <a:endParaRPr lang="en-US" dirty="0">
-              <a:latin typeface="Arial" panose="020B0604020202020204" pitchFamily="34" charset="0"/>
-              <a:cs typeface="Arial" panose="020B0604020202020204" pitchFamily="34" charset="0"/>
-            </a:endParaRPr>
-          </a:p>
-          <a:p>
-            <a:endParaRPr lang="en-US" dirty="0">
-              <a:latin typeface="Arial" panose="020B0604020202020204" pitchFamily="34" charset="0"/>
-              <a:cs typeface="Arial" panose="020B0604020202020204" pitchFamily="34" charset="0"/>
-            </a:endParaRPr>
-          </a:p>
-          <a:p>
-            <a:r>
-              <a:rPr lang="en-US" dirty="0">
-                <a:latin typeface="Arial" panose="020B0604020202020204" pitchFamily="34" charset="0"/>
-                <a:cs typeface="Arial" panose="020B0604020202020204" pitchFamily="34" charset="0"/>
-              </a:rPr>
-              <a:t>Isotropic (linear) hardening</a:t>
-            </a:r>
-          </a:p>
-        </p:txBody>
-      </p:sp>
-      <p:pic>
-        <p:nvPicPr>
-          <p:cNvPr id="3" name="Picture 2"/>
-          <p:cNvPicPr>
-            <a:picLocks noChangeAspect="1"/>
-          </p:cNvPicPr>
-          <p:nvPr>
-            <p:custDataLst>
-              <p:tags r:id="rId1"/>
-            </p:custDataLst>
-          </p:nvPr>
-        </p:nvPicPr>
-        <p:blipFill>
-          <a:blip r:embed="rId6">
-            <a:extLst>
-              <a:ext uri="{28A0092B-C50C-407E-A947-70E740481C1C}">
-                <a14:useLocalDpi xmlns:a14="http://schemas.microsoft.com/office/drawing/2010/main" val="0"/>
-              </a:ext>
-            </a:extLst>
-          </a:blip>
-          <a:stretch>
-            <a:fillRect/>
-          </a:stretch>
-        </p:blipFill>
-        <p:spPr>
-          <a:xfrm>
-            <a:off x="1139369" y="2341080"/>
-            <a:ext cx="3231332" cy="573104"/>
-          </a:xfrm>
-          <a:prstGeom prst="rect">
-            <a:avLst/>
-          </a:prstGeom>
-        </p:spPr>
-      </p:pic>
-      <p:pic>
-        <p:nvPicPr>
-          <p:cNvPr id="9" name="Picture 8"/>
-          <p:cNvPicPr>
-            <a:picLocks noChangeAspect="1"/>
-          </p:cNvPicPr>
-          <p:nvPr>
-            <p:custDataLst>
-              <p:tags r:id="rId2"/>
-            </p:custDataLst>
-          </p:nvPr>
-        </p:nvPicPr>
-        <p:blipFill>
-          <a:blip r:embed="rId7">
-            <a:extLst>
-              <a:ext uri="{28A0092B-C50C-407E-A947-70E740481C1C}">
-                <a14:useLocalDpi xmlns:a14="http://schemas.microsoft.com/office/drawing/2010/main" val="0"/>
-              </a:ext>
-            </a:extLst>
-          </a:blip>
-          <a:stretch>
-            <a:fillRect/>
-          </a:stretch>
-        </p:blipFill>
-        <p:spPr>
-          <a:xfrm>
-            <a:off x="1139369" y="4015517"/>
-            <a:ext cx="4237312" cy="573104"/>
-          </a:xfrm>
-          <a:prstGeom prst="rect">
-            <a:avLst/>
-          </a:prstGeom>
-        </p:spPr>
-      </p:pic>
-      <p:sp>
-        <p:nvSpPr>
-          <p:cNvPr id="11" name="TextBox 10"/>
-          <p:cNvSpPr txBox="1"/>
-          <p:nvPr/>
-        </p:nvSpPr>
-        <p:spPr>
-          <a:xfrm>
-            <a:off x="4358731" y="5202875"/>
-            <a:ext cx="2185214" cy="369332"/>
-          </a:xfrm>
-          <a:prstGeom prst="rect">
-            <a:avLst/>
-          </a:prstGeom>
-          <a:noFill/>
-        </p:spPr>
-        <p:txBody>
-          <a:bodyPr wrap="none" rtlCol="0">
-            <a:spAutoFit/>
-          </a:bodyPr>
-          <a:lstStyle/>
-          <a:p>
-            <a:r>
-              <a:rPr lang="en-US" dirty="0">
-                <a:latin typeface="Arial" panose="020B0604020202020204" pitchFamily="34" charset="0"/>
-                <a:cs typeface="Arial" panose="020B0604020202020204" pitchFamily="34" charset="0"/>
-              </a:rPr>
-              <a:t>Hardening modulus</a:t>
-            </a:r>
-          </a:p>
-        </p:txBody>
-      </p:sp>
-      <p:sp>
-        <p:nvSpPr>
-          <p:cNvPr id="12" name="Rectangle 11"/>
-          <p:cNvSpPr/>
-          <p:nvPr/>
-        </p:nvSpPr>
-        <p:spPr>
-          <a:xfrm>
-            <a:off x="4505077" y="4003629"/>
-            <a:ext cx="440147" cy="430763"/>
-          </a:xfrm>
-          <a:prstGeom prst="rect">
-            <a:avLst/>
-          </a:prstGeom>
-          <a:noFill/>
-          <a:ln>
-            <a:solidFill>
-              <a:srgbClr val="FF0000"/>
-            </a:solidFill>
-          </a:ln>
-        </p:spPr>
-        <p:style>
-          <a:lnRef idx="2">
-            <a:schemeClr val="accent1">
-              <a:shade val="50000"/>
-            </a:schemeClr>
-          </a:lnRef>
-          <a:fillRef idx="1">
-            <a:schemeClr val="accent1"/>
-          </a:fillRef>
-          <a:effectRef idx="0">
-            <a:schemeClr val="accent1"/>
-          </a:effectRef>
-          <a:fontRef idx="minor">
-            <a:schemeClr val="lt1"/>
-          </a:fontRef>
-        </p:style>
-        <p:txBody>
-          <a:bodyPr rtlCol="0" anchor="ctr"/>
-          <a:lstStyle/>
-          <a:p>
-            <a:pPr algn="ctr"/>
-            <a:endParaRPr lang="en-US" dirty="0"/>
-          </a:p>
-        </p:txBody>
-      </p:sp>
-      <p:cxnSp>
-        <p:nvCxnSpPr>
-          <p:cNvPr id="13" name="Straight Connector 12"/>
-          <p:cNvCxnSpPr/>
-          <p:nvPr/>
-        </p:nvCxnSpPr>
-        <p:spPr>
-          <a:xfrm flipH="1" flipV="1">
-            <a:off x="4724984" y="4434392"/>
-            <a:ext cx="336131" cy="797280"/>
-          </a:xfrm>
-          <a:prstGeom prst="line">
-            <a:avLst/>
-          </a:prstGeom>
-          <a:ln>
-            <a:solidFill>
-              <a:srgbClr val="FF0000"/>
-            </a:solidFill>
-          </a:ln>
-        </p:spPr>
-        <p:style>
-          <a:lnRef idx="1">
-            <a:schemeClr val="accent1"/>
-          </a:lnRef>
-          <a:fillRef idx="0">
-            <a:schemeClr val="accent1"/>
-          </a:fillRef>
-          <a:effectRef idx="0">
-            <a:schemeClr val="accent1"/>
-          </a:effectRef>
-          <a:fontRef idx="minor">
-            <a:schemeClr val="tx1"/>
-          </a:fontRef>
-        </p:style>
-      </p:cxnSp>
-      <p:sp>
-        <p:nvSpPr>
-          <p:cNvPr id="16" name="TextBox 15"/>
-          <p:cNvSpPr txBox="1"/>
-          <p:nvPr/>
-        </p:nvSpPr>
-        <p:spPr>
-          <a:xfrm>
-            <a:off x="2429081" y="5452516"/>
-            <a:ext cx="1941557" cy="369332"/>
-          </a:xfrm>
-          <a:prstGeom prst="rect">
-            <a:avLst/>
-          </a:prstGeom>
-          <a:noFill/>
-        </p:spPr>
-        <p:txBody>
-          <a:bodyPr wrap="none" rtlCol="0">
-            <a:spAutoFit/>
-          </a:bodyPr>
-          <a:lstStyle/>
-          <a:p>
-            <a:r>
-              <a:rPr lang="en-US" dirty="0">
-                <a:latin typeface="Arial" panose="020B0604020202020204" pitchFamily="34" charset="0"/>
-                <a:cs typeface="Arial" panose="020B0604020202020204" pitchFamily="34" charset="0"/>
-              </a:rPr>
-              <a:t>Initial yield stress</a:t>
-            </a:r>
-          </a:p>
-        </p:txBody>
-      </p:sp>
-      <p:sp>
-        <p:nvSpPr>
-          <p:cNvPr id="17" name="Rectangle 16"/>
-          <p:cNvSpPr/>
-          <p:nvPr/>
-        </p:nvSpPr>
-        <p:spPr>
-          <a:xfrm>
-            <a:off x="3124712" y="4049796"/>
-            <a:ext cx="752966" cy="584992"/>
-          </a:xfrm>
-          <a:prstGeom prst="rect">
-            <a:avLst/>
-          </a:prstGeom>
-          <a:noFill/>
-          <a:ln>
-            <a:solidFill>
-              <a:srgbClr val="FF0000"/>
-            </a:solidFill>
-          </a:ln>
-        </p:spPr>
-        <p:style>
-          <a:lnRef idx="2">
-            <a:schemeClr val="accent1">
-              <a:shade val="50000"/>
-            </a:schemeClr>
-          </a:lnRef>
-          <a:fillRef idx="1">
-            <a:schemeClr val="accent1"/>
-          </a:fillRef>
-          <a:effectRef idx="0">
-            <a:schemeClr val="accent1"/>
-          </a:effectRef>
-          <a:fontRef idx="minor">
-            <a:schemeClr val="lt1"/>
-          </a:fontRef>
-        </p:style>
-        <p:txBody>
-          <a:bodyPr rtlCol="0" anchor="ctr"/>
-          <a:lstStyle/>
-          <a:p>
-            <a:pPr algn="ctr"/>
-            <a:endParaRPr lang="en-US" dirty="0"/>
-          </a:p>
-        </p:txBody>
-      </p:sp>
-      <p:cxnSp>
-        <p:nvCxnSpPr>
-          <p:cNvPr id="18" name="Straight Connector 17"/>
-          <p:cNvCxnSpPr/>
-          <p:nvPr/>
-        </p:nvCxnSpPr>
-        <p:spPr>
-          <a:xfrm flipV="1">
-            <a:off x="3399860" y="4649031"/>
-            <a:ext cx="0" cy="848308"/>
-          </a:xfrm>
-          <a:prstGeom prst="line">
-            <a:avLst/>
-          </a:prstGeom>
-          <a:ln>
-            <a:solidFill>
-              <a:srgbClr val="FF0000"/>
-            </a:solidFill>
-          </a:ln>
-        </p:spPr>
-        <p:style>
-          <a:lnRef idx="1">
-            <a:schemeClr val="accent1"/>
-          </a:lnRef>
-          <a:fillRef idx="0">
-            <a:schemeClr val="accent1"/>
-          </a:fillRef>
-          <a:effectRef idx="0">
-            <a:schemeClr val="accent1"/>
-          </a:effectRef>
-          <a:fontRef idx="minor">
-            <a:schemeClr val="tx1"/>
-          </a:fontRef>
-        </p:style>
-      </p:cxnSp>
-      <p:pic>
-        <p:nvPicPr>
-          <p:cNvPr id="50" name="Picture 49"/>
-          <p:cNvPicPr>
-            <a:picLocks noChangeAspect="1"/>
-          </p:cNvPicPr>
-          <p:nvPr>
-            <p:custDataLst>
-              <p:tags r:id="rId3"/>
-            </p:custDataLst>
-          </p:nvPr>
-        </p:nvPicPr>
-        <p:blipFill>
-          <a:blip r:embed="rId8">
-            <a:extLst>
-              <a:ext uri="{28A0092B-C50C-407E-A947-70E740481C1C}">
-                <a14:useLocalDpi xmlns:a14="http://schemas.microsoft.com/office/drawing/2010/main" val="0"/>
-              </a:ext>
-            </a:extLst>
-          </a:blip>
-          <a:stretch>
-            <a:fillRect/>
-          </a:stretch>
-        </p:blipFill>
-        <p:spPr>
-          <a:xfrm>
-            <a:off x="7988889" y="3172409"/>
-            <a:ext cx="2590765" cy="2023749"/>
-          </a:xfrm>
-          <a:prstGeom prst="rect">
-            <a:avLst/>
-          </a:prstGeom>
-        </p:spPr>
-      </p:pic>
-      <p:sp>
-        <p:nvSpPr>
-          <p:cNvPr id="48" name="Rectangle 47"/>
-          <p:cNvSpPr/>
-          <p:nvPr/>
-        </p:nvSpPr>
-        <p:spPr>
-          <a:xfrm>
-            <a:off x="7746476" y="3045200"/>
-            <a:ext cx="3739508" cy="2263918"/>
-          </a:xfrm>
-          <a:prstGeom prst="rect">
-            <a:avLst/>
-          </a:prstGeom>
-          <a:noFill/>
-          <a:ln>
-            <a:solidFill>
-              <a:srgbClr val="FF0000"/>
-            </a:solidFill>
-          </a:ln>
-        </p:spPr>
-        <p:style>
-          <a:lnRef idx="2">
-            <a:schemeClr val="accent1">
-              <a:shade val="50000"/>
-            </a:schemeClr>
-          </a:lnRef>
-          <a:fillRef idx="1">
-            <a:schemeClr val="accent1"/>
-          </a:fillRef>
-          <a:effectRef idx="0">
-            <a:schemeClr val="accent1"/>
-          </a:effectRef>
-          <a:fontRef idx="minor">
-            <a:schemeClr val="lt1"/>
-          </a:fontRef>
-        </p:style>
-        <p:txBody>
-          <a:bodyPr rtlCol="0" anchor="ctr"/>
-          <a:lstStyle/>
-          <a:p>
-            <a:pPr algn="ctr"/>
-            <a:endParaRPr lang="en-US" dirty="0"/>
-          </a:p>
-        </p:txBody>
-      </p:sp>
-      <p:sp>
-        <p:nvSpPr>
-          <p:cNvPr id="14" name="Rectangle 13"/>
-          <p:cNvSpPr/>
-          <p:nvPr/>
-        </p:nvSpPr>
-        <p:spPr>
-          <a:xfrm>
-            <a:off x="2079377" y="2416129"/>
-            <a:ext cx="440147" cy="430763"/>
-          </a:xfrm>
-          <a:prstGeom prst="rect">
-            <a:avLst/>
-          </a:prstGeom>
-          <a:noFill/>
-          <a:ln>
-            <a:solidFill>
-              <a:srgbClr val="FF0000"/>
-            </a:solidFill>
-          </a:ln>
-        </p:spPr>
-        <p:style>
-          <a:lnRef idx="2">
-            <a:schemeClr val="accent1">
-              <a:shade val="50000"/>
-            </a:schemeClr>
-          </a:lnRef>
-          <a:fillRef idx="1">
-            <a:schemeClr val="accent1"/>
-          </a:fillRef>
-          <a:effectRef idx="0">
-            <a:schemeClr val="accent1"/>
-          </a:effectRef>
-          <a:fontRef idx="minor">
-            <a:schemeClr val="lt1"/>
-          </a:fontRef>
-        </p:style>
-        <p:txBody>
-          <a:bodyPr rtlCol="0" anchor="ctr"/>
-          <a:lstStyle/>
-          <a:p>
-            <a:pPr algn="ctr"/>
-            <a:endParaRPr lang="en-US" dirty="0"/>
-          </a:p>
-        </p:txBody>
-      </p:sp>
-      <p:cxnSp>
-        <p:nvCxnSpPr>
-          <p:cNvPr id="15" name="Straight Connector 14"/>
-          <p:cNvCxnSpPr/>
-          <p:nvPr/>
-        </p:nvCxnSpPr>
-        <p:spPr>
-          <a:xfrm flipH="1">
-            <a:off x="2350085" y="1726826"/>
-            <a:ext cx="2020553" cy="688266"/>
-          </a:xfrm>
-          <a:prstGeom prst="line">
-            <a:avLst/>
-          </a:prstGeom>
-          <a:ln>
-            <a:solidFill>
-              <a:srgbClr val="FF0000"/>
-            </a:solidFill>
-          </a:ln>
-        </p:spPr>
-        <p:style>
-          <a:lnRef idx="1">
-            <a:schemeClr val="accent1"/>
-          </a:lnRef>
-          <a:fillRef idx="0">
-            <a:schemeClr val="accent1"/>
-          </a:fillRef>
-          <a:effectRef idx="0">
-            <a:schemeClr val="accent1"/>
-          </a:effectRef>
-          <a:fontRef idx="minor">
-            <a:schemeClr val="tx1"/>
-          </a:fontRef>
-        </p:style>
-      </p:cxnSp>
-      <p:sp>
-        <p:nvSpPr>
-          <p:cNvPr id="19" name="TextBox 18"/>
-          <p:cNvSpPr txBox="1"/>
-          <p:nvPr/>
-        </p:nvSpPr>
-        <p:spPr>
-          <a:xfrm>
-            <a:off x="4370638" y="1510897"/>
-            <a:ext cx="5767348" cy="369332"/>
-          </a:xfrm>
-          <a:prstGeom prst="rect">
-            <a:avLst/>
-          </a:prstGeom>
-          <a:noFill/>
-        </p:spPr>
-        <p:txBody>
-          <a:bodyPr wrap="none" rtlCol="0">
-            <a:spAutoFit/>
-          </a:bodyPr>
-          <a:lstStyle/>
-          <a:p>
-            <a:r>
-              <a:rPr lang="en-US" dirty="0">
-                <a:latin typeface="Arial" panose="020B0604020202020204" pitchFamily="34" charset="0"/>
-                <a:cs typeface="Arial" panose="020B0604020202020204" pitchFamily="34" charset="0"/>
-              </a:rPr>
-              <a:t>Yield depends on only shear; no pressure-dependency</a:t>
-            </a:r>
-          </a:p>
-        </p:txBody>
-      </p:sp>
     </p:spTree>
     <p:extLst>
       <p:ext uri="{BB962C8B-B14F-4D97-AF65-F5344CB8AC3E}">
-        <p14:creationId xmlns:p14="http://schemas.microsoft.com/office/powerpoint/2010/main" val="109627340"/>
+        <p14:creationId xmlns:p14="http://schemas.microsoft.com/office/powerpoint/2010/main" val="1277487930"/>
       </p:ext>
     </p:extLst>
   </p:cSld>
@@ -15524,40 +15595,44 @@
               </a:rPr>
               <a:t>Metal Plasticity</a:t>
             </a:r>
+          </a:p>
+        </p:txBody>
+      </p:sp>
+      <p:sp>
+        <p:nvSpPr>
+          <p:cNvPr id="5" name="Content Placeholder 4">
+            <a:extLst>
+              <a:ext uri="{FF2B5EF4-FFF2-40B4-BE49-F238E27FC236}">
+                <a16:creationId xmlns:a16="http://schemas.microsoft.com/office/drawing/2014/main" id="{2E48F1C5-477D-4547-95BB-9E8BD09144C0}"/>
+              </a:ext>
+            </a:extLst>
+          </p:cNvPr>
+          <p:cNvSpPr>
+            <a:spLocks noGrp="1"/>
+          </p:cNvSpPr>
+          <p:nvPr>
+            <p:ph idx="1"/>
+          </p:nvPr>
+        </p:nvSpPr>
+        <p:spPr/>
+        <p:txBody>
+          <a:bodyPr/>
+          <a:lstStyle/>
+          <a:p>
+            <a:r>
+              <a:rPr lang="en-US" dirty="0">
+                <a:latin typeface="Arial" panose="020B0604020202020204" pitchFamily="34" charset="0"/>
+                <a:cs typeface="Arial" panose="020B0604020202020204" pitchFamily="34" charset="0"/>
+              </a:rPr>
+              <a:t>Yield function</a:t>
+            </a:r>
+          </a:p>
+          <a:p>
             <a:endParaRPr lang="en-US" dirty="0">
               <a:latin typeface="Arial" panose="020B0604020202020204" pitchFamily="34" charset="0"/>
               <a:cs typeface="Arial" panose="020B0604020202020204" pitchFamily="34" charset="0"/>
             </a:endParaRPr>
           </a:p>
-        </p:txBody>
-      </p:sp>
-      <p:sp>
-        <p:nvSpPr>
-          <p:cNvPr id="5" name="Content Placeholder 4">
-            <a:extLst>
-              <a:ext uri="{FF2B5EF4-FFF2-40B4-BE49-F238E27FC236}">
-                <a16:creationId xmlns:a16="http://schemas.microsoft.com/office/drawing/2014/main" id="{2E48F1C5-477D-4547-95BB-9E8BD09144C0}"/>
-              </a:ext>
-            </a:extLst>
-          </p:cNvPr>
-          <p:cNvSpPr>
-            <a:spLocks noGrp="1"/>
-          </p:cNvSpPr>
-          <p:nvPr>
-            <p:ph idx="1"/>
-          </p:nvPr>
-        </p:nvSpPr>
-        <p:spPr>
-          <a:xfrm>
-            <a:off x="613773" y="1098958"/>
-            <a:ext cx="10947421" cy="5047399"/>
-          </a:xfrm>
-        </p:spPr>
-        <p:txBody>
-          <a:bodyPr>
-            <a:normAutofit lnSpcReduction="10000"/>
-          </a:bodyPr>
-          <a:lstStyle/>
           <a:p>
             <a:endParaRPr lang="en-US" dirty="0">
               <a:latin typeface="Arial" panose="020B0604020202020204" pitchFamily="34" charset="0"/>
@@ -15570,185 +15645,11 @@
                 <a:latin typeface="Arial" panose="020B0604020202020204" pitchFamily="34" charset="0"/>
                 <a:cs typeface="Arial" panose="020B0604020202020204" pitchFamily="34" charset="0"/>
               </a:rPr>
-              <a:t>Uniaxial stress</a:t>
-            </a:r>
-          </a:p>
-          <a:p>
-            <a:endParaRPr lang="en-US" dirty="0">
-              <a:latin typeface="Arial" panose="020B0604020202020204" pitchFamily="34" charset="0"/>
-              <a:cs typeface="Arial" panose="020B0604020202020204" pitchFamily="34" charset="0"/>
-            </a:endParaRPr>
-          </a:p>
-          <a:p>
-            <a:r>
-              <a:rPr lang="en-US" dirty="0">
-                <a:latin typeface="Arial" panose="020B0604020202020204" pitchFamily="34" charset="0"/>
-                <a:cs typeface="Arial" panose="020B0604020202020204" pitchFamily="34" charset="0"/>
-              </a:rPr>
-              <a:t>Pressure </a:t>
-            </a:r>
-          </a:p>
-          <a:p>
-            <a:endParaRPr lang="en-US" dirty="0">
-              <a:latin typeface="Arial" panose="020B0604020202020204" pitchFamily="34" charset="0"/>
-              <a:cs typeface="Arial" panose="020B0604020202020204" pitchFamily="34" charset="0"/>
-            </a:endParaRPr>
-          </a:p>
-          <a:p>
-            <a:r>
-              <a:rPr lang="en-US" dirty="0">
-                <a:latin typeface="Arial" panose="020B0604020202020204" pitchFamily="34" charset="0"/>
-                <a:cs typeface="Arial" panose="020B0604020202020204" pitchFamily="34" charset="0"/>
-              </a:rPr>
-              <a:t>Deviatoric stress</a:t>
-            </a:r>
-          </a:p>
-          <a:p>
-            <a:endParaRPr lang="en-US" dirty="0">
-              <a:latin typeface="Arial" panose="020B0604020202020204" pitchFamily="34" charset="0"/>
-              <a:cs typeface="Arial" panose="020B0604020202020204" pitchFamily="34" charset="0"/>
-            </a:endParaRPr>
-          </a:p>
-          <a:p>
-            <a:r>
-              <a:rPr lang="en-US" dirty="0">
-                <a:latin typeface="Arial" panose="020B0604020202020204" pitchFamily="34" charset="0"/>
-                <a:cs typeface="Arial" panose="020B0604020202020204" pitchFamily="34" charset="0"/>
-              </a:rPr>
-              <a:t>Shear stress </a:t>
-            </a:r>
-          </a:p>
-          <a:p>
-            <a:endParaRPr lang="en-US" dirty="0">
-              <a:latin typeface="Arial" panose="020B0604020202020204" pitchFamily="34" charset="0"/>
-              <a:cs typeface="Arial" panose="020B0604020202020204" pitchFamily="34" charset="0"/>
-            </a:endParaRPr>
-          </a:p>
-          <a:p>
-            <a:r>
-              <a:rPr lang="en-US" dirty="0">
-                <a:latin typeface="Arial" panose="020B0604020202020204" pitchFamily="34" charset="0"/>
-                <a:cs typeface="Arial" panose="020B0604020202020204" pitchFamily="34" charset="0"/>
-              </a:rPr>
-              <a:t>If material is yielding, </a:t>
-            </a:r>
-          </a:p>
-          <a:p>
-            <a:endParaRPr lang="en-US" dirty="0">
-              <a:latin typeface="Arial" panose="020B0604020202020204" pitchFamily="34" charset="0"/>
-              <a:cs typeface="Arial" panose="020B0604020202020204" pitchFamily="34" charset="0"/>
-            </a:endParaRPr>
-          </a:p>
-          <a:p>
-            <a:endParaRPr lang="en-US" dirty="0">
-              <a:latin typeface="Arial" panose="020B0604020202020204" pitchFamily="34" charset="0"/>
-              <a:cs typeface="Arial" panose="020B0604020202020204" pitchFamily="34" charset="0"/>
-            </a:endParaRPr>
-          </a:p>
-        </p:txBody>
-      </p:sp>
-      <p:pic>
-        <p:nvPicPr>
-          <p:cNvPr id="11" name="Picture 10"/>
-          <p:cNvPicPr>
-            <a:picLocks noChangeAspect="1"/>
-          </p:cNvPicPr>
-          <p:nvPr>
-            <p:custDataLst>
-              <p:tags r:id="rId1"/>
-            </p:custDataLst>
-          </p:nvPr>
-        </p:nvPicPr>
-        <p:blipFill>
-          <a:blip r:embed="rId8">
-            <a:extLst>
-              <a:ext uri="{28A0092B-C50C-407E-A947-70E740481C1C}">
-                <a14:useLocalDpi xmlns:a14="http://schemas.microsoft.com/office/drawing/2010/main" val="0"/>
-              </a:ext>
-            </a:extLst>
-          </a:blip>
-          <a:stretch>
-            <a:fillRect/>
-          </a:stretch>
-        </p:blipFill>
-        <p:spPr>
-          <a:xfrm>
-            <a:off x="3569429" y="1204777"/>
-            <a:ext cx="2212494" cy="1042509"/>
-          </a:xfrm>
-          <a:prstGeom prst="rect">
-            <a:avLst/>
-          </a:prstGeom>
-        </p:spPr>
-      </p:pic>
-      <p:pic>
-        <p:nvPicPr>
-          <p:cNvPr id="15" name="Picture 14"/>
-          <p:cNvPicPr>
-            <a:picLocks noChangeAspect="1"/>
-          </p:cNvPicPr>
-          <p:nvPr>
-            <p:custDataLst>
-              <p:tags r:id="rId2"/>
-            </p:custDataLst>
-          </p:nvPr>
-        </p:nvPicPr>
-        <p:blipFill>
-          <a:blip r:embed="rId9">
-            <a:extLst>
-              <a:ext uri="{28A0092B-C50C-407E-A947-70E740481C1C}">
-                <a14:useLocalDpi xmlns:a14="http://schemas.microsoft.com/office/drawing/2010/main" val="0"/>
-              </a:ext>
-            </a:extLst>
-          </a:blip>
-          <a:stretch>
-            <a:fillRect/>
-          </a:stretch>
-        </p:blipFill>
-        <p:spPr>
-          <a:xfrm>
-            <a:off x="3995870" y="3035196"/>
-            <a:ext cx="4857856" cy="1023699"/>
-          </a:xfrm>
-          <a:prstGeom prst="rect">
-            <a:avLst/>
-          </a:prstGeom>
-        </p:spPr>
-      </p:pic>
-      <p:pic>
-        <p:nvPicPr>
-          <p:cNvPr id="6" name="Picture 5"/>
-          <p:cNvPicPr>
-            <a:picLocks noChangeAspect="1"/>
-          </p:cNvPicPr>
-          <p:nvPr>
-            <p:custDataLst>
-              <p:tags r:id="rId3"/>
-            </p:custDataLst>
-          </p:nvPr>
-        </p:nvPicPr>
-        <p:blipFill>
-          <a:blip r:embed="rId10">
-            <a:extLst>
-              <a:ext uri="{28A0092B-C50C-407E-A947-70E740481C1C}">
-                <a14:useLocalDpi xmlns:a14="http://schemas.microsoft.com/office/drawing/2010/main" val="0"/>
-              </a:ext>
-            </a:extLst>
-          </a:blip>
-          <a:stretch>
-            <a:fillRect/>
-          </a:stretch>
-        </p:blipFill>
-        <p:spPr>
-          <a:xfrm>
-            <a:off x="2979198" y="2344379"/>
-            <a:ext cx="2802725" cy="593724"/>
-          </a:xfrm>
-          <a:prstGeom prst="rect">
-            <a:avLst/>
-          </a:prstGeom>
-        </p:spPr>
-      </p:pic>
+              <a:t>Isotropic (linear) hardening</a:t>
+            </a:r>
+          </a:p>
+        </p:txBody>
+      </p:sp>
       <p:pic>
         <p:nvPicPr>
           <p:cNvPr id="3" name="Picture 2"/>
@@ -15757,12 +15658,12 @@
           </p:cNvPicPr>
           <p:nvPr>
             <p:custDataLst>
-              <p:tags r:id="rId4"/>
+              <p:tags r:id="rId1"/>
             </p:custDataLst>
           </p:nvPr>
         </p:nvPicPr>
         <p:blipFill>
-          <a:blip r:embed="rId11">
+          <a:blip r:embed="rId6">
             <a:extLst>
               <a:ext uri="{28A0092B-C50C-407E-A947-70E740481C1C}">
                 <a14:useLocalDpi xmlns:a14="http://schemas.microsoft.com/office/drawing/2010/main" val="0"/>
@@ -15775,8 +15676,8 @@
         </p:blipFill>
         <p:spPr>
           <a:xfrm>
-            <a:off x="3229723" y="4183524"/>
-            <a:ext cx="4724106" cy="680751"/>
+            <a:off x="1139369" y="2341080"/>
+            <a:ext cx="3231332" cy="573104"/>
           </a:xfrm>
           <a:prstGeom prst="rect">
             <a:avLst/>
@@ -15785,18 +15686,18 @@
       </p:pic>
       <p:pic>
         <p:nvPicPr>
-          <p:cNvPr id="8" name="Picture 7"/>
+          <p:cNvPr id="9" name="Picture 8"/>
           <p:cNvPicPr>
             <a:picLocks noChangeAspect="1"/>
           </p:cNvPicPr>
           <p:nvPr>
             <p:custDataLst>
-              <p:tags r:id="rId5"/>
+              <p:tags r:id="rId2"/>
             </p:custDataLst>
           </p:nvPr>
         </p:nvPicPr>
         <p:blipFill>
-          <a:blip r:embed="rId12">
+          <a:blip r:embed="rId7">
             <a:extLst>
               <a:ext uri="{28A0092B-C50C-407E-A947-70E740481C1C}">
                 <a14:useLocalDpi xmlns:a14="http://schemas.microsoft.com/office/drawing/2010/main" val="0"/>
@@ -15809,18 +15710,437 @@
         </p:blipFill>
         <p:spPr>
           <a:xfrm>
-            <a:off x="4523276" y="5380997"/>
-            <a:ext cx="2892765" cy="248637"/>
+            <a:off x="1139369" y="4015517"/>
+            <a:ext cx="4237312" cy="573104"/>
           </a:xfrm>
           <a:prstGeom prst="rect">
             <a:avLst/>
           </a:prstGeom>
         </p:spPr>
       </p:pic>
+      <p:sp>
+        <p:nvSpPr>
+          <p:cNvPr id="11" name="TextBox 10"/>
+          <p:cNvSpPr txBox="1"/>
+          <p:nvPr/>
+        </p:nvSpPr>
+        <p:spPr>
+          <a:xfrm>
+            <a:off x="4358731" y="5202875"/>
+            <a:ext cx="2185214" cy="369332"/>
+          </a:xfrm>
+          <a:prstGeom prst="rect">
+            <a:avLst/>
+          </a:prstGeom>
+          <a:noFill/>
+        </p:spPr>
+        <p:txBody>
+          <a:bodyPr wrap="none" rtlCol="0">
+            <a:spAutoFit/>
+          </a:bodyPr>
+          <a:lstStyle/>
+          <a:p>
+            <a:r>
+              <a:rPr lang="en-US" dirty="0">
+                <a:latin typeface="Arial" panose="020B0604020202020204" pitchFamily="34" charset="0"/>
+                <a:cs typeface="Arial" panose="020B0604020202020204" pitchFamily="34" charset="0"/>
+              </a:rPr>
+              <a:t>Hardening modulus</a:t>
+            </a:r>
+          </a:p>
+        </p:txBody>
+      </p:sp>
+      <p:sp>
+        <p:nvSpPr>
+          <p:cNvPr id="12" name="Rectangle 11"/>
+          <p:cNvSpPr/>
+          <p:nvPr/>
+        </p:nvSpPr>
+        <p:spPr>
+          <a:xfrm>
+            <a:off x="4505077" y="4003629"/>
+            <a:ext cx="440147" cy="430763"/>
+          </a:xfrm>
+          <a:prstGeom prst="rect">
+            <a:avLst/>
+          </a:prstGeom>
+          <a:noFill/>
+          <a:ln>
+            <a:solidFill>
+              <a:srgbClr val="FF0000"/>
+            </a:solidFill>
+          </a:ln>
+        </p:spPr>
+        <p:style>
+          <a:lnRef idx="2">
+            <a:schemeClr val="accent1">
+              <a:shade val="50000"/>
+            </a:schemeClr>
+          </a:lnRef>
+          <a:fillRef idx="1">
+            <a:schemeClr val="accent1"/>
+          </a:fillRef>
+          <a:effectRef idx="0">
+            <a:schemeClr val="accent1"/>
+          </a:effectRef>
+          <a:fontRef idx="minor">
+            <a:schemeClr val="lt1"/>
+          </a:fontRef>
+        </p:style>
+        <p:txBody>
+          <a:bodyPr rtlCol="0" anchor="ctr"/>
+          <a:lstStyle/>
+          <a:p>
+            <a:pPr algn="ctr"/>
+            <a:endParaRPr lang="en-US" dirty="0"/>
+          </a:p>
+        </p:txBody>
+      </p:sp>
+      <p:cxnSp>
+        <p:nvCxnSpPr>
+          <p:cNvPr id="13" name="Straight Connector 12"/>
+          <p:cNvCxnSpPr/>
+          <p:nvPr/>
+        </p:nvCxnSpPr>
+        <p:spPr>
+          <a:xfrm flipH="1" flipV="1">
+            <a:off x="4724984" y="4434392"/>
+            <a:ext cx="336131" cy="797280"/>
+          </a:xfrm>
+          <a:prstGeom prst="line">
+            <a:avLst/>
+          </a:prstGeom>
+          <a:ln>
+            <a:solidFill>
+              <a:srgbClr val="FF0000"/>
+            </a:solidFill>
+          </a:ln>
+        </p:spPr>
+        <p:style>
+          <a:lnRef idx="1">
+            <a:schemeClr val="accent1"/>
+          </a:lnRef>
+          <a:fillRef idx="0">
+            <a:schemeClr val="accent1"/>
+          </a:fillRef>
+          <a:effectRef idx="0">
+            <a:schemeClr val="accent1"/>
+          </a:effectRef>
+          <a:fontRef idx="minor">
+            <a:schemeClr val="tx1"/>
+          </a:fontRef>
+        </p:style>
+      </p:cxnSp>
+      <p:sp>
+        <p:nvSpPr>
+          <p:cNvPr id="16" name="TextBox 15"/>
+          <p:cNvSpPr txBox="1"/>
+          <p:nvPr/>
+        </p:nvSpPr>
+        <p:spPr>
+          <a:xfrm>
+            <a:off x="2429081" y="5452516"/>
+            <a:ext cx="1941557" cy="369332"/>
+          </a:xfrm>
+          <a:prstGeom prst="rect">
+            <a:avLst/>
+          </a:prstGeom>
+          <a:noFill/>
+        </p:spPr>
+        <p:txBody>
+          <a:bodyPr wrap="none" rtlCol="0">
+            <a:spAutoFit/>
+          </a:bodyPr>
+          <a:lstStyle/>
+          <a:p>
+            <a:r>
+              <a:rPr lang="en-US" dirty="0">
+                <a:latin typeface="Arial" panose="020B0604020202020204" pitchFamily="34" charset="0"/>
+                <a:cs typeface="Arial" panose="020B0604020202020204" pitchFamily="34" charset="0"/>
+              </a:rPr>
+              <a:t>Initial yield stress</a:t>
+            </a:r>
+          </a:p>
+        </p:txBody>
+      </p:sp>
+      <p:sp>
+        <p:nvSpPr>
+          <p:cNvPr id="17" name="Rectangle 16"/>
+          <p:cNvSpPr/>
+          <p:nvPr/>
+        </p:nvSpPr>
+        <p:spPr>
+          <a:xfrm>
+            <a:off x="3124712" y="4049796"/>
+            <a:ext cx="752966" cy="584992"/>
+          </a:xfrm>
+          <a:prstGeom prst="rect">
+            <a:avLst/>
+          </a:prstGeom>
+          <a:noFill/>
+          <a:ln>
+            <a:solidFill>
+              <a:srgbClr val="FF0000"/>
+            </a:solidFill>
+          </a:ln>
+        </p:spPr>
+        <p:style>
+          <a:lnRef idx="2">
+            <a:schemeClr val="accent1">
+              <a:shade val="50000"/>
+            </a:schemeClr>
+          </a:lnRef>
+          <a:fillRef idx="1">
+            <a:schemeClr val="accent1"/>
+          </a:fillRef>
+          <a:effectRef idx="0">
+            <a:schemeClr val="accent1"/>
+          </a:effectRef>
+          <a:fontRef idx="minor">
+            <a:schemeClr val="lt1"/>
+          </a:fontRef>
+        </p:style>
+        <p:txBody>
+          <a:bodyPr rtlCol="0" anchor="ctr"/>
+          <a:lstStyle/>
+          <a:p>
+            <a:pPr algn="ctr"/>
+            <a:endParaRPr lang="en-US" dirty="0"/>
+          </a:p>
+        </p:txBody>
+      </p:sp>
+      <p:cxnSp>
+        <p:nvCxnSpPr>
+          <p:cNvPr id="18" name="Straight Connector 17"/>
+          <p:cNvCxnSpPr/>
+          <p:nvPr/>
+        </p:nvCxnSpPr>
+        <p:spPr>
+          <a:xfrm flipV="1">
+            <a:off x="3399860" y="4649031"/>
+            <a:ext cx="0" cy="848308"/>
+          </a:xfrm>
+          <a:prstGeom prst="line">
+            <a:avLst/>
+          </a:prstGeom>
+          <a:ln>
+            <a:solidFill>
+              <a:srgbClr val="FF0000"/>
+            </a:solidFill>
+          </a:ln>
+        </p:spPr>
+        <p:style>
+          <a:lnRef idx="1">
+            <a:schemeClr val="accent1"/>
+          </a:lnRef>
+          <a:fillRef idx="0">
+            <a:schemeClr val="accent1"/>
+          </a:fillRef>
+          <a:effectRef idx="0">
+            <a:schemeClr val="accent1"/>
+          </a:effectRef>
+          <a:fontRef idx="minor">
+            <a:schemeClr val="tx1"/>
+          </a:fontRef>
+        </p:style>
+      </p:cxnSp>
+      <p:pic>
+        <p:nvPicPr>
+          <p:cNvPr id="50" name="Picture 49"/>
+          <p:cNvPicPr>
+            <a:picLocks noChangeAspect="1"/>
+          </p:cNvPicPr>
+          <p:nvPr>
+            <p:custDataLst>
+              <p:tags r:id="rId3"/>
+            </p:custDataLst>
+          </p:nvPr>
+        </p:nvPicPr>
+        <p:blipFill>
+          <a:blip r:embed="rId8">
+            <a:extLst>
+              <a:ext uri="{28A0092B-C50C-407E-A947-70E740481C1C}">
+                <a14:useLocalDpi xmlns:a14="http://schemas.microsoft.com/office/drawing/2010/main" val="0"/>
+              </a:ext>
+            </a:extLst>
+          </a:blip>
+          <a:stretch>
+            <a:fillRect/>
+          </a:stretch>
+        </p:blipFill>
+        <p:spPr>
+          <a:xfrm>
+            <a:off x="7988889" y="3172409"/>
+            <a:ext cx="2590765" cy="2023749"/>
+          </a:xfrm>
+          <a:prstGeom prst="rect">
+            <a:avLst/>
+          </a:prstGeom>
+        </p:spPr>
+      </p:pic>
+      <p:sp>
+        <p:nvSpPr>
+          <p:cNvPr id="48" name="Rectangle 47"/>
+          <p:cNvSpPr/>
+          <p:nvPr/>
+        </p:nvSpPr>
+        <p:spPr>
+          <a:xfrm>
+            <a:off x="7746476" y="3045200"/>
+            <a:ext cx="3739508" cy="2263918"/>
+          </a:xfrm>
+          <a:prstGeom prst="rect">
+            <a:avLst/>
+          </a:prstGeom>
+          <a:noFill/>
+          <a:ln>
+            <a:solidFill>
+              <a:srgbClr val="FF0000"/>
+            </a:solidFill>
+          </a:ln>
+        </p:spPr>
+        <p:style>
+          <a:lnRef idx="2">
+            <a:schemeClr val="accent1">
+              <a:shade val="50000"/>
+            </a:schemeClr>
+          </a:lnRef>
+          <a:fillRef idx="1">
+            <a:schemeClr val="accent1"/>
+          </a:fillRef>
+          <a:effectRef idx="0">
+            <a:schemeClr val="accent1"/>
+          </a:effectRef>
+          <a:fontRef idx="minor">
+            <a:schemeClr val="lt1"/>
+          </a:fontRef>
+        </p:style>
+        <p:txBody>
+          <a:bodyPr rtlCol="0" anchor="ctr"/>
+          <a:lstStyle/>
+          <a:p>
+            <a:pPr algn="ctr"/>
+            <a:endParaRPr lang="en-US" dirty="0"/>
+          </a:p>
+        </p:txBody>
+      </p:sp>
+      <p:sp>
+        <p:nvSpPr>
+          <p:cNvPr id="14" name="Rectangle 13"/>
+          <p:cNvSpPr/>
+          <p:nvPr/>
+        </p:nvSpPr>
+        <p:spPr>
+          <a:xfrm>
+            <a:off x="2079377" y="2416129"/>
+            <a:ext cx="440147" cy="430763"/>
+          </a:xfrm>
+          <a:prstGeom prst="rect">
+            <a:avLst/>
+          </a:prstGeom>
+          <a:noFill/>
+          <a:ln>
+            <a:solidFill>
+              <a:srgbClr val="FF0000"/>
+            </a:solidFill>
+          </a:ln>
+        </p:spPr>
+        <p:style>
+          <a:lnRef idx="2">
+            <a:schemeClr val="accent1">
+              <a:shade val="50000"/>
+            </a:schemeClr>
+          </a:lnRef>
+          <a:fillRef idx="1">
+            <a:schemeClr val="accent1"/>
+          </a:fillRef>
+          <a:effectRef idx="0">
+            <a:schemeClr val="accent1"/>
+          </a:effectRef>
+          <a:fontRef idx="minor">
+            <a:schemeClr val="lt1"/>
+          </a:fontRef>
+        </p:style>
+        <p:txBody>
+          <a:bodyPr rtlCol="0" anchor="ctr"/>
+          <a:lstStyle/>
+          <a:p>
+            <a:pPr algn="ctr"/>
+            <a:endParaRPr lang="en-US" dirty="0"/>
+          </a:p>
+        </p:txBody>
+      </p:sp>
+      <p:cxnSp>
+        <p:nvCxnSpPr>
+          <p:cNvPr id="15" name="Straight Connector 14"/>
+          <p:cNvCxnSpPr/>
+          <p:nvPr/>
+        </p:nvCxnSpPr>
+        <p:spPr>
+          <a:xfrm flipH="1">
+            <a:off x="2350085" y="1726826"/>
+            <a:ext cx="2020553" cy="688266"/>
+          </a:xfrm>
+          <a:prstGeom prst="line">
+            <a:avLst/>
+          </a:prstGeom>
+          <a:ln>
+            <a:solidFill>
+              <a:srgbClr val="FF0000"/>
+            </a:solidFill>
+          </a:ln>
+        </p:spPr>
+        <p:style>
+          <a:lnRef idx="1">
+            <a:schemeClr val="accent1"/>
+          </a:lnRef>
+          <a:fillRef idx="0">
+            <a:schemeClr val="accent1"/>
+          </a:fillRef>
+          <a:effectRef idx="0">
+            <a:schemeClr val="accent1"/>
+          </a:effectRef>
+          <a:fontRef idx="minor">
+            <a:schemeClr val="tx1"/>
+          </a:fontRef>
+        </p:style>
+      </p:cxnSp>
+      <p:sp>
+        <p:nvSpPr>
+          <p:cNvPr id="19" name="TextBox 18"/>
+          <p:cNvSpPr txBox="1"/>
+          <p:nvPr/>
+        </p:nvSpPr>
+        <p:spPr>
+          <a:xfrm>
+            <a:off x="4370638" y="1510897"/>
+            <a:ext cx="5767348" cy="369332"/>
+          </a:xfrm>
+          <a:prstGeom prst="rect">
+            <a:avLst/>
+          </a:prstGeom>
+          <a:noFill/>
+        </p:spPr>
+        <p:txBody>
+          <a:bodyPr wrap="none" rtlCol="0">
+            <a:spAutoFit/>
+          </a:bodyPr>
+          <a:lstStyle/>
+          <a:p>
+            <a:r>
+              <a:rPr lang="en-US" dirty="0">
+                <a:latin typeface="Arial" panose="020B0604020202020204" pitchFamily="34" charset="0"/>
+                <a:cs typeface="Arial" panose="020B0604020202020204" pitchFamily="34" charset="0"/>
+              </a:rPr>
+              <a:t>Yield depends on only shear; no pressure-dependency</a:t>
+            </a:r>
+          </a:p>
+        </p:txBody>
+      </p:sp>
     </p:spTree>
     <p:extLst>
       <p:ext uri="{BB962C8B-B14F-4D97-AF65-F5344CB8AC3E}">
-        <p14:creationId xmlns:p14="http://schemas.microsoft.com/office/powerpoint/2010/main" val="3675158820"/>
+        <p14:creationId xmlns:p14="http://schemas.microsoft.com/office/powerpoint/2010/main" val="109627340"/>
       </p:ext>
     </p:extLst>
   </p:cSld>
@@ -15875,51 +16195,139 @@
               </a:rPr>
               <a:t>Metal Plasticity</a:t>
             </a:r>
+          </a:p>
+        </p:txBody>
+      </p:sp>
+      <p:sp>
+        <p:nvSpPr>
+          <p:cNvPr id="5" name="Content Placeholder 4">
+            <a:extLst>
+              <a:ext uri="{FF2B5EF4-FFF2-40B4-BE49-F238E27FC236}">
+                <a16:creationId xmlns:a16="http://schemas.microsoft.com/office/drawing/2014/main" id="{2E48F1C5-477D-4547-95BB-9E8BD09144C0}"/>
+              </a:ext>
+            </a:extLst>
+          </p:cNvPr>
+          <p:cNvSpPr>
+            <a:spLocks noGrp="1"/>
+          </p:cNvSpPr>
+          <p:nvPr>
+            <p:ph idx="1"/>
+          </p:nvPr>
+        </p:nvSpPr>
+        <p:spPr>
+          <a:xfrm>
+            <a:off x="613773" y="1098958"/>
+            <a:ext cx="10947421" cy="5047399"/>
+          </a:xfrm>
+        </p:spPr>
+        <p:txBody>
+          <a:bodyPr>
+            <a:normAutofit lnSpcReduction="10000"/>
+          </a:bodyPr>
+          <a:lstStyle/>
+          <a:p>
             <a:endParaRPr lang="en-US" dirty="0">
               <a:latin typeface="Arial" panose="020B0604020202020204" pitchFamily="34" charset="0"/>
               <a:cs typeface="Arial" panose="020B0604020202020204" pitchFamily="34" charset="0"/>
             </a:endParaRPr>
           </a:p>
-        </p:txBody>
-      </p:sp>
-      <p:sp>
-        <p:nvSpPr>
-          <p:cNvPr id="2" name="Content Placeholder 1"/>
-          <p:cNvSpPr>
-            <a:spLocks noGrp="1"/>
-          </p:cNvSpPr>
-          <p:nvPr>
-            <p:ph idx="1"/>
-          </p:nvPr>
-        </p:nvSpPr>
-        <p:spPr/>
-        <p:txBody>
-          <a:bodyPr/>
-          <a:lstStyle/>
-          <a:p>
-            <a:r>
-              <a:rPr lang="en-US" dirty="0"/>
-              <a:t>Numerical example (Lesson 5 on GitHub)</a:t>
-            </a:r>
-          </a:p>
-          <a:p>
-            <a:r>
-              <a:rPr lang="en-US" dirty="0"/>
-              <a:t>Loading protocol:</a:t>
-            </a:r>
+          <a:p>
+            <a:r>
+              <a:rPr lang="en-US" dirty="0">
+                <a:latin typeface="Arial" panose="020B0604020202020204" pitchFamily="34" charset="0"/>
+                <a:cs typeface="Arial" panose="020B0604020202020204" pitchFamily="34" charset="0"/>
+              </a:rPr>
+              <a:t>Uniaxial stress</a:t>
+            </a:r>
+          </a:p>
+          <a:p>
+            <a:endParaRPr lang="en-US" dirty="0">
+              <a:latin typeface="Arial" panose="020B0604020202020204" pitchFamily="34" charset="0"/>
+              <a:cs typeface="Arial" panose="020B0604020202020204" pitchFamily="34" charset="0"/>
+            </a:endParaRPr>
+          </a:p>
+          <a:p>
+            <a:r>
+              <a:rPr lang="en-US" dirty="0">
+                <a:latin typeface="Arial" panose="020B0604020202020204" pitchFamily="34" charset="0"/>
+                <a:cs typeface="Arial" panose="020B0604020202020204" pitchFamily="34" charset="0"/>
+              </a:rPr>
+              <a:t>Pressure </a:t>
+            </a:r>
+          </a:p>
+          <a:p>
+            <a:endParaRPr lang="en-US" dirty="0">
+              <a:latin typeface="Arial" panose="020B0604020202020204" pitchFamily="34" charset="0"/>
+              <a:cs typeface="Arial" panose="020B0604020202020204" pitchFamily="34" charset="0"/>
+            </a:endParaRPr>
+          </a:p>
+          <a:p>
+            <a:r>
+              <a:rPr lang="en-US" dirty="0">
+                <a:latin typeface="Arial" panose="020B0604020202020204" pitchFamily="34" charset="0"/>
+                <a:cs typeface="Arial" panose="020B0604020202020204" pitchFamily="34" charset="0"/>
+              </a:rPr>
+              <a:t>Deviatoric stress</a:t>
+            </a:r>
+          </a:p>
+          <a:p>
+            <a:endParaRPr lang="en-US" dirty="0">
+              <a:latin typeface="Arial" panose="020B0604020202020204" pitchFamily="34" charset="0"/>
+              <a:cs typeface="Arial" panose="020B0604020202020204" pitchFamily="34" charset="0"/>
+            </a:endParaRPr>
+          </a:p>
+          <a:p>
+            <a:r>
+              <a:rPr lang="en-US" dirty="0">
+                <a:latin typeface="Arial" panose="020B0604020202020204" pitchFamily="34" charset="0"/>
+                <a:cs typeface="Arial" panose="020B0604020202020204" pitchFamily="34" charset="0"/>
+              </a:rPr>
+              <a:t>Shear stress </a:t>
+            </a:r>
+          </a:p>
+          <a:p>
+            <a:endParaRPr lang="en-US" dirty="0">
+              <a:latin typeface="Arial" panose="020B0604020202020204" pitchFamily="34" charset="0"/>
+              <a:cs typeface="Arial" panose="020B0604020202020204" pitchFamily="34" charset="0"/>
+            </a:endParaRPr>
+          </a:p>
+          <a:p>
+            <a:r>
+              <a:rPr lang="en-US" dirty="0">
+                <a:latin typeface="Arial" panose="020B0604020202020204" pitchFamily="34" charset="0"/>
+                <a:cs typeface="Arial" panose="020B0604020202020204" pitchFamily="34" charset="0"/>
+              </a:rPr>
+              <a:t>If material is yielding, </a:t>
+            </a:r>
+          </a:p>
+          <a:p>
+            <a:endParaRPr lang="en-US" dirty="0">
+              <a:latin typeface="Arial" panose="020B0604020202020204" pitchFamily="34" charset="0"/>
+              <a:cs typeface="Arial" panose="020B0604020202020204" pitchFamily="34" charset="0"/>
+            </a:endParaRPr>
+          </a:p>
+          <a:p>
+            <a:endParaRPr lang="en-US" dirty="0">
+              <a:latin typeface="Arial" panose="020B0604020202020204" pitchFamily="34" charset="0"/>
+              <a:cs typeface="Arial" panose="020B0604020202020204" pitchFamily="34" charset="0"/>
+            </a:endParaRPr>
           </a:p>
         </p:txBody>
       </p:sp>
       <p:pic>
         <p:nvPicPr>
-          <p:cNvPr id="10" name="Picture 9"/>
+          <p:cNvPr id="11" name="Picture 10"/>
           <p:cNvPicPr>
             <a:picLocks noChangeAspect="1"/>
           </p:cNvPicPr>
-          <p:nvPr/>
+          <p:nvPr>
+            <p:custDataLst>
+              <p:tags r:id="rId1"/>
+            </p:custDataLst>
+          </p:nvPr>
         </p:nvPicPr>
         <p:blipFill>
-          <a:blip r:embed="rId9">
+          <a:blip r:embed="rId8">
             <a:extLst>
               <a:ext uri="{28A0092B-C50C-407E-A947-70E740481C1C}">
                 <a14:useLocalDpi xmlns:a14="http://schemas.microsoft.com/office/drawing/2010/main" val="0"/>
@@ -15932,60 +16340,28 @@
         </p:blipFill>
         <p:spPr>
           <a:xfrm>
-            <a:off x="1373959" y="2883057"/>
-            <a:ext cx="3769541" cy="2615600"/>
+            <a:off x="3569429" y="1204777"/>
+            <a:ext cx="2212494" cy="1042509"/>
           </a:xfrm>
           <a:prstGeom prst="rect">
             <a:avLst/>
           </a:prstGeom>
         </p:spPr>
       </p:pic>
-      <p:sp>
-        <p:nvSpPr>
-          <p:cNvPr id="7" name="TextBox 6"/>
-          <p:cNvSpPr txBox="1"/>
-          <p:nvPr/>
-        </p:nvSpPr>
-        <p:spPr>
-          <a:xfrm>
-            <a:off x="1746598" y="5580909"/>
-            <a:ext cx="2900153" cy="461665"/>
-          </a:xfrm>
-          <a:prstGeom prst="rect">
-            <a:avLst/>
-          </a:prstGeom>
-          <a:noFill/>
-        </p:spPr>
-        <p:txBody>
-          <a:bodyPr wrap="none" rtlCol="0">
-            <a:spAutoFit/>
-          </a:bodyPr>
-          <a:lstStyle/>
-          <a:p>
-            <a:r>
-              <a:rPr lang="en-US" sz="2400" b="1" dirty="0">
-                <a:latin typeface="Arial" panose="020B0604020202020204" pitchFamily="34" charset="0"/>
-                <a:cs typeface="Arial" panose="020B0604020202020204" pitchFamily="34" charset="0"/>
-              </a:rPr>
-              <a:t>Initial confinement</a:t>
-            </a:r>
-          </a:p>
-        </p:txBody>
-      </p:sp>
       <p:pic>
         <p:nvPicPr>
-          <p:cNvPr id="16" name="Picture 15"/>
+          <p:cNvPr id="15" name="Picture 14"/>
           <p:cNvPicPr>
             <a:picLocks noChangeAspect="1"/>
           </p:cNvPicPr>
           <p:nvPr>
             <p:custDataLst>
-              <p:tags r:id="rId1"/>
+              <p:tags r:id="rId2"/>
             </p:custDataLst>
           </p:nvPr>
         </p:nvPicPr>
         <p:blipFill>
-          <a:blip r:embed="rId10">
+          <a:blip r:embed="rId9">
             <a:extLst>
               <a:ext uri="{28A0092B-C50C-407E-A947-70E740481C1C}">
                 <a14:useLocalDpi xmlns:a14="http://schemas.microsoft.com/office/drawing/2010/main" val="0"/>
@@ -15998,8 +16374,8 @@
         </p:blipFill>
         <p:spPr>
           <a:xfrm>
-            <a:off x="1070223" y="4906483"/>
-            <a:ext cx="1224324" cy="360095"/>
+            <a:off x="3995870" y="3035196"/>
+            <a:ext cx="4857856" cy="1023699"/>
           </a:xfrm>
           <a:prstGeom prst="rect">
             <a:avLst/>
@@ -16008,18 +16384,18 @@
       </p:pic>
       <p:pic>
         <p:nvPicPr>
-          <p:cNvPr id="22" name="Picture 21"/>
+          <p:cNvPr id="6" name="Picture 5"/>
           <p:cNvPicPr>
             <a:picLocks noChangeAspect="1"/>
           </p:cNvPicPr>
           <p:nvPr>
             <p:custDataLst>
-              <p:tags r:id="rId2"/>
+              <p:tags r:id="rId3"/>
             </p:custDataLst>
           </p:nvPr>
         </p:nvPicPr>
         <p:blipFill>
-          <a:blip r:embed="rId11">
+          <a:blip r:embed="rId10">
             <a:extLst>
               <a:ext uri="{28A0092B-C50C-407E-A947-70E740481C1C}">
                 <a14:useLocalDpi xmlns:a14="http://schemas.microsoft.com/office/drawing/2010/main" val="0"/>
@@ -16032,8 +16408,8 @@
         </p:blipFill>
         <p:spPr>
           <a:xfrm>
-            <a:off x="4143623" y="4893783"/>
-            <a:ext cx="1224324" cy="360095"/>
+            <a:off x="2979198" y="2344379"/>
+            <a:ext cx="2802725" cy="593724"/>
           </a:xfrm>
           <a:prstGeom prst="rect">
             <a:avLst/>
@@ -16042,18 +16418,18 @@
       </p:pic>
       <p:pic>
         <p:nvPicPr>
-          <p:cNvPr id="20" name="Picture 19"/>
+          <p:cNvPr id="3" name="Picture 2"/>
           <p:cNvPicPr>
             <a:picLocks noChangeAspect="1"/>
           </p:cNvPicPr>
           <p:nvPr>
             <p:custDataLst>
-              <p:tags r:id="rId3"/>
+              <p:tags r:id="rId4"/>
             </p:custDataLst>
           </p:nvPr>
         </p:nvPicPr>
         <p:blipFill>
-          <a:blip r:embed="rId12">
+          <a:blip r:embed="rId11">
             <a:extLst>
               <a:ext uri="{28A0092B-C50C-407E-A947-70E740481C1C}">
                 <a14:useLocalDpi xmlns:a14="http://schemas.microsoft.com/office/drawing/2010/main" val="0"/>
@@ -16066,8 +16442,8 @@
         </p:blipFill>
         <p:spPr>
           <a:xfrm>
-            <a:off x="2584513" y="2910377"/>
-            <a:ext cx="1224324" cy="368097"/>
+            <a:off x="3229723" y="4183524"/>
+            <a:ext cx="4724106" cy="680751"/>
           </a:xfrm>
           <a:prstGeom prst="rect">
             <a:avLst/>
@@ -16076,14 +16452,18 @@
       </p:pic>
       <p:pic>
         <p:nvPicPr>
-          <p:cNvPr id="23" name="Picture 22"/>
+          <p:cNvPr id="8" name="Picture 7"/>
           <p:cNvPicPr>
             <a:picLocks noChangeAspect="1"/>
           </p:cNvPicPr>
-          <p:nvPr/>
+          <p:nvPr>
+            <p:custDataLst>
+              <p:tags r:id="rId5"/>
+            </p:custDataLst>
+          </p:nvPr>
         </p:nvPicPr>
         <p:blipFill>
-          <a:blip r:embed="rId9">
+          <a:blip r:embed="rId12">
             <a:extLst>
               <a:ext uri="{28A0092B-C50C-407E-A947-70E740481C1C}">
                 <a14:useLocalDpi xmlns:a14="http://schemas.microsoft.com/office/drawing/2010/main" val="0"/>
@@ -16096,142 +16476,8 @@
         </p:blipFill>
         <p:spPr>
           <a:xfrm>
-            <a:off x="7217023" y="2883057"/>
-            <a:ext cx="3769541" cy="2615600"/>
-          </a:xfrm>
-          <a:prstGeom prst="rect">
-            <a:avLst/>
-          </a:prstGeom>
-        </p:spPr>
-      </p:pic>
-      <p:sp>
-        <p:nvSpPr>
-          <p:cNvPr id="24" name="TextBox 23"/>
-          <p:cNvSpPr txBox="1"/>
-          <p:nvPr/>
-        </p:nvSpPr>
-        <p:spPr>
-          <a:xfrm>
-            <a:off x="7589662" y="5580909"/>
-            <a:ext cx="2645917" cy="461665"/>
-          </a:xfrm>
-          <a:prstGeom prst="rect">
-            <a:avLst/>
-          </a:prstGeom>
-          <a:noFill/>
-        </p:spPr>
-        <p:txBody>
-          <a:bodyPr wrap="none" rtlCol="0">
-            <a:spAutoFit/>
-          </a:bodyPr>
-          <a:lstStyle/>
-          <a:p>
-            <a:r>
-              <a:rPr lang="en-US" sz="2400" b="1" dirty="0">
-                <a:latin typeface="Arial" panose="020B0604020202020204" pitchFamily="34" charset="0"/>
-                <a:cs typeface="Arial" panose="020B0604020202020204" pitchFamily="34" charset="0"/>
-              </a:rPr>
-              <a:t>Triaxial Shearing</a:t>
-            </a:r>
-          </a:p>
-        </p:txBody>
-      </p:sp>
-      <p:pic>
-        <p:nvPicPr>
-          <p:cNvPr id="25" name="Picture 24"/>
-          <p:cNvPicPr>
-            <a:picLocks noChangeAspect="1"/>
-          </p:cNvPicPr>
-          <p:nvPr>
-            <p:custDataLst>
-              <p:tags r:id="rId4"/>
-            </p:custDataLst>
-          </p:nvPr>
-        </p:nvPicPr>
-        <p:blipFill>
-          <a:blip r:embed="rId10">
-            <a:extLst>
-              <a:ext uri="{28A0092B-C50C-407E-A947-70E740481C1C}">
-                <a14:useLocalDpi xmlns:a14="http://schemas.microsoft.com/office/drawing/2010/main" val="0"/>
-              </a:ext>
-            </a:extLst>
-          </a:blip>
-          <a:stretch>
-            <a:fillRect/>
-          </a:stretch>
-        </p:blipFill>
-        <p:spPr>
-          <a:xfrm>
-            <a:off x="6913287" y="4906483"/>
-            <a:ext cx="1224324" cy="360095"/>
-          </a:xfrm>
-          <a:prstGeom prst="rect">
-            <a:avLst/>
-          </a:prstGeom>
-        </p:spPr>
-      </p:pic>
-      <p:pic>
-        <p:nvPicPr>
-          <p:cNvPr id="26" name="Picture 25"/>
-          <p:cNvPicPr>
-            <a:picLocks noChangeAspect="1"/>
-          </p:cNvPicPr>
-          <p:nvPr>
-            <p:custDataLst>
-              <p:tags r:id="rId5"/>
-            </p:custDataLst>
-          </p:nvPr>
-        </p:nvPicPr>
-        <p:blipFill>
-          <a:blip r:embed="rId11">
-            <a:extLst>
-              <a:ext uri="{28A0092B-C50C-407E-A947-70E740481C1C}">
-                <a14:useLocalDpi xmlns:a14="http://schemas.microsoft.com/office/drawing/2010/main" val="0"/>
-              </a:ext>
-            </a:extLst>
-          </a:blip>
-          <a:stretch>
-            <a:fillRect/>
-          </a:stretch>
-        </p:blipFill>
-        <p:spPr>
-          <a:xfrm>
-            <a:off x="9986687" y="4893783"/>
-            <a:ext cx="1224324" cy="360095"/>
-          </a:xfrm>
-          <a:prstGeom prst="rect">
-            <a:avLst/>
-          </a:prstGeom>
-        </p:spPr>
-      </p:pic>
-      <p:pic>
-        <p:nvPicPr>
-          <p:cNvPr id="29" name="Picture 28"/>
-          <p:cNvPicPr>
-            <a:picLocks noChangeAspect="1"/>
-          </p:cNvPicPr>
-          <p:nvPr>
-            <p:custDataLst>
-              <p:tags r:id="rId6"/>
-            </p:custDataLst>
-          </p:nvPr>
-        </p:nvPicPr>
-        <p:blipFill>
-          <a:blip r:embed="rId13">
-            <a:extLst>
-              <a:ext uri="{28A0092B-C50C-407E-A947-70E740481C1C}">
-                <a14:useLocalDpi xmlns:a14="http://schemas.microsoft.com/office/drawing/2010/main" val="0"/>
-              </a:ext>
-            </a:extLst>
-          </a:blip>
-          <a:stretch>
-            <a:fillRect/>
-          </a:stretch>
-        </p:blipFill>
-        <p:spPr>
-          <a:xfrm>
-            <a:off x="8427577" y="2910377"/>
-            <a:ext cx="1224324" cy="368097"/>
+            <a:off x="4523276" y="5380997"/>
+            <a:ext cx="2892765" cy="248637"/>
           </a:xfrm>
           <a:prstGeom prst="rect">
             <a:avLst/>
@@ -16241,7 +16487,7 @@
     </p:spTree>
     <p:extLst>
       <p:ext uri="{BB962C8B-B14F-4D97-AF65-F5344CB8AC3E}">
-        <p14:creationId xmlns:p14="http://schemas.microsoft.com/office/powerpoint/2010/main" val="2224285851"/>
+        <p14:creationId xmlns:p14="http://schemas.microsoft.com/office/powerpoint/2010/main" val="3675158820"/>
       </p:ext>
     </p:extLst>
   </p:cSld>
@@ -16284,12 +16530,7 @@
             <p:ph type="title"/>
           </p:nvPr>
         </p:nvSpPr>
-        <p:spPr>
-          <a:xfrm>
-            <a:off x="613773" y="3146907"/>
-            <a:ext cx="10515600" cy="723569"/>
-          </a:xfrm>
-        </p:spPr>
+        <p:spPr/>
         <p:txBody>
           <a:bodyPr/>
           <a:lstStyle/>
@@ -16299,15 +16540,371 @@
                 <a:latin typeface="Arial" panose="020B0604020202020204" pitchFamily="34" charset="0"/>
                 <a:cs typeface="Arial" panose="020B0604020202020204" pitchFamily="34" charset="0"/>
               </a:rPr>
-              <a:t>Drucker-Prager</a:t>
-            </a:r>
-          </a:p>
-        </p:txBody>
-      </p:sp>
+              <a:t>Metal Plasticity</a:t>
+            </a:r>
+          </a:p>
+        </p:txBody>
+      </p:sp>
+      <p:sp>
+        <p:nvSpPr>
+          <p:cNvPr id="2" name="Content Placeholder 1"/>
+          <p:cNvSpPr>
+            <a:spLocks noGrp="1"/>
+          </p:cNvSpPr>
+          <p:nvPr>
+            <p:ph idx="1"/>
+          </p:nvPr>
+        </p:nvSpPr>
+        <p:spPr/>
+        <p:txBody>
+          <a:bodyPr/>
+          <a:lstStyle/>
+          <a:p>
+            <a:r>
+              <a:rPr lang="en-US" dirty="0"/>
+              <a:t>Numerical example (Lesson 5 on GitHub)</a:t>
+            </a:r>
+          </a:p>
+          <a:p>
+            <a:r>
+              <a:rPr lang="en-US" dirty="0"/>
+              <a:t>Loading protocol:</a:t>
+            </a:r>
+          </a:p>
+        </p:txBody>
+      </p:sp>
+      <p:pic>
+        <p:nvPicPr>
+          <p:cNvPr id="10" name="Picture 9"/>
+          <p:cNvPicPr>
+            <a:picLocks noChangeAspect="1"/>
+          </p:cNvPicPr>
+          <p:nvPr/>
+        </p:nvPicPr>
+        <p:blipFill>
+          <a:blip r:embed="rId9">
+            <a:extLst>
+              <a:ext uri="{28A0092B-C50C-407E-A947-70E740481C1C}">
+                <a14:useLocalDpi xmlns:a14="http://schemas.microsoft.com/office/drawing/2010/main" val="0"/>
+              </a:ext>
+            </a:extLst>
+          </a:blip>
+          <a:stretch>
+            <a:fillRect/>
+          </a:stretch>
+        </p:blipFill>
+        <p:spPr>
+          <a:xfrm>
+            <a:off x="1373959" y="2883057"/>
+            <a:ext cx="3769541" cy="2615600"/>
+          </a:xfrm>
+          <a:prstGeom prst="rect">
+            <a:avLst/>
+          </a:prstGeom>
+        </p:spPr>
+      </p:pic>
+      <p:sp>
+        <p:nvSpPr>
+          <p:cNvPr id="7" name="TextBox 6"/>
+          <p:cNvSpPr txBox="1"/>
+          <p:nvPr/>
+        </p:nvSpPr>
+        <p:spPr>
+          <a:xfrm>
+            <a:off x="1746598" y="5580909"/>
+            <a:ext cx="2900153" cy="461665"/>
+          </a:xfrm>
+          <a:prstGeom prst="rect">
+            <a:avLst/>
+          </a:prstGeom>
+          <a:noFill/>
+        </p:spPr>
+        <p:txBody>
+          <a:bodyPr wrap="none" rtlCol="0">
+            <a:spAutoFit/>
+          </a:bodyPr>
+          <a:lstStyle/>
+          <a:p>
+            <a:r>
+              <a:rPr lang="en-US" sz="2400" b="1" dirty="0">
+                <a:latin typeface="Arial" panose="020B0604020202020204" pitchFamily="34" charset="0"/>
+                <a:cs typeface="Arial" panose="020B0604020202020204" pitchFamily="34" charset="0"/>
+              </a:rPr>
+              <a:t>Initial confinement</a:t>
+            </a:r>
+          </a:p>
+        </p:txBody>
+      </p:sp>
+      <p:pic>
+        <p:nvPicPr>
+          <p:cNvPr id="16" name="Picture 15"/>
+          <p:cNvPicPr>
+            <a:picLocks noChangeAspect="1"/>
+          </p:cNvPicPr>
+          <p:nvPr>
+            <p:custDataLst>
+              <p:tags r:id="rId1"/>
+            </p:custDataLst>
+          </p:nvPr>
+        </p:nvPicPr>
+        <p:blipFill>
+          <a:blip r:embed="rId10">
+            <a:extLst>
+              <a:ext uri="{28A0092B-C50C-407E-A947-70E740481C1C}">
+                <a14:useLocalDpi xmlns:a14="http://schemas.microsoft.com/office/drawing/2010/main" val="0"/>
+              </a:ext>
+            </a:extLst>
+          </a:blip>
+          <a:stretch>
+            <a:fillRect/>
+          </a:stretch>
+        </p:blipFill>
+        <p:spPr>
+          <a:xfrm>
+            <a:off x="1070223" y="4906483"/>
+            <a:ext cx="1224324" cy="360095"/>
+          </a:xfrm>
+          <a:prstGeom prst="rect">
+            <a:avLst/>
+          </a:prstGeom>
+        </p:spPr>
+      </p:pic>
+      <p:pic>
+        <p:nvPicPr>
+          <p:cNvPr id="22" name="Picture 21"/>
+          <p:cNvPicPr>
+            <a:picLocks noChangeAspect="1"/>
+          </p:cNvPicPr>
+          <p:nvPr>
+            <p:custDataLst>
+              <p:tags r:id="rId2"/>
+            </p:custDataLst>
+          </p:nvPr>
+        </p:nvPicPr>
+        <p:blipFill>
+          <a:blip r:embed="rId11">
+            <a:extLst>
+              <a:ext uri="{28A0092B-C50C-407E-A947-70E740481C1C}">
+                <a14:useLocalDpi xmlns:a14="http://schemas.microsoft.com/office/drawing/2010/main" val="0"/>
+              </a:ext>
+            </a:extLst>
+          </a:blip>
+          <a:stretch>
+            <a:fillRect/>
+          </a:stretch>
+        </p:blipFill>
+        <p:spPr>
+          <a:xfrm>
+            <a:off x="4143623" y="4893783"/>
+            <a:ext cx="1224324" cy="360095"/>
+          </a:xfrm>
+          <a:prstGeom prst="rect">
+            <a:avLst/>
+          </a:prstGeom>
+        </p:spPr>
+      </p:pic>
+      <p:pic>
+        <p:nvPicPr>
+          <p:cNvPr id="20" name="Picture 19"/>
+          <p:cNvPicPr>
+            <a:picLocks noChangeAspect="1"/>
+          </p:cNvPicPr>
+          <p:nvPr>
+            <p:custDataLst>
+              <p:tags r:id="rId3"/>
+            </p:custDataLst>
+          </p:nvPr>
+        </p:nvPicPr>
+        <p:blipFill>
+          <a:blip r:embed="rId12">
+            <a:extLst>
+              <a:ext uri="{28A0092B-C50C-407E-A947-70E740481C1C}">
+                <a14:useLocalDpi xmlns:a14="http://schemas.microsoft.com/office/drawing/2010/main" val="0"/>
+              </a:ext>
+            </a:extLst>
+          </a:blip>
+          <a:stretch>
+            <a:fillRect/>
+          </a:stretch>
+        </p:blipFill>
+        <p:spPr>
+          <a:xfrm>
+            <a:off x="2584513" y="2910377"/>
+            <a:ext cx="1224324" cy="368097"/>
+          </a:xfrm>
+          <a:prstGeom prst="rect">
+            <a:avLst/>
+          </a:prstGeom>
+        </p:spPr>
+      </p:pic>
+      <p:pic>
+        <p:nvPicPr>
+          <p:cNvPr id="23" name="Picture 22"/>
+          <p:cNvPicPr>
+            <a:picLocks noChangeAspect="1"/>
+          </p:cNvPicPr>
+          <p:nvPr/>
+        </p:nvPicPr>
+        <p:blipFill>
+          <a:blip r:embed="rId9">
+            <a:extLst>
+              <a:ext uri="{28A0092B-C50C-407E-A947-70E740481C1C}">
+                <a14:useLocalDpi xmlns:a14="http://schemas.microsoft.com/office/drawing/2010/main" val="0"/>
+              </a:ext>
+            </a:extLst>
+          </a:blip>
+          <a:stretch>
+            <a:fillRect/>
+          </a:stretch>
+        </p:blipFill>
+        <p:spPr>
+          <a:xfrm>
+            <a:off x="7217023" y="2883057"/>
+            <a:ext cx="3769541" cy="2615600"/>
+          </a:xfrm>
+          <a:prstGeom prst="rect">
+            <a:avLst/>
+          </a:prstGeom>
+        </p:spPr>
+      </p:pic>
+      <p:sp>
+        <p:nvSpPr>
+          <p:cNvPr id="24" name="TextBox 23"/>
+          <p:cNvSpPr txBox="1"/>
+          <p:nvPr/>
+        </p:nvSpPr>
+        <p:spPr>
+          <a:xfrm>
+            <a:off x="7589662" y="5580909"/>
+            <a:ext cx="2645917" cy="461665"/>
+          </a:xfrm>
+          <a:prstGeom prst="rect">
+            <a:avLst/>
+          </a:prstGeom>
+          <a:noFill/>
+        </p:spPr>
+        <p:txBody>
+          <a:bodyPr wrap="none" rtlCol="0">
+            <a:spAutoFit/>
+          </a:bodyPr>
+          <a:lstStyle/>
+          <a:p>
+            <a:r>
+              <a:rPr lang="en-US" sz="2400" b="1" dirty="0">
+                <a:latin typeface="Arial" panose="020B0604020202020204" pitchFamily="34" charset="0"/>
+                <a:cs typeface="Arial" panose="020B0604020202020204" pitchFamily="34" charset="0"/>
+              </a:rPr>
+              <a:t>Triaxial Shearing</a:t>
+            </a:r>
+          </a:p>
+        </p:txBody>
+      </p:sp>
+      <p:pic>
+        <p:nvPicPr>
+          <p:cNvPr id="25" name="Picture 24"/>
+          <p:cNvPicPr>
+            <a:picLocks noChangeAspect="1"/>
+          </p:cNvPicPr>
+          <p:nvPr>
+            <p:custDataLst>
+              <p:tags r:id="rId4"/>
+            </p:custDataLst>
+          </p:nvPr>
+        </p:nvPicPr>
+        <p:blipFill>
+          <a:blip r:embed="rId10">
+            <a:extLst>
+              <a:ext uri="{28A0092B-C50C-407E-A947-70E740481C1C}">
+                <a14:useLocalDpi xmlns:a14="http://schemas.microsoft.com/office/drawing/2010/main" val="0"/>
+              </a:ext>
+            </a:extLst>
+          </a:blip>
+          <a:stretch>
+            <a:fillRect/>
+          </a:stretch>
+        </p:blipFill>
+        <p:spPr>
+          <a:xfrm>
+            <a:off x="6913287" y="4906483"/>
+            <a:ext cx="1224324" cy="360095"/>
+          </a:xfrm>
+          <a:prstGeom prst="rect">
+            <a:avLst/>
+          </a:prstGeom>
+        </p:spPr>
+      </p:pic>
+      <p:pic>
+        <p:nvPicPr>
+          <p:cNvPr id="26" name="Picture 25"/>
+          <p:cNvPicPr>
+            <a:picLocks noChangeAspect="1"/>
+          </p:cNvPicPr>
+          <p:nvPr>
+            <p:custDataLst>
+              <p:tags r:id="rId5"/>
+            </p:custDataLst>
+          </p:nvPr>
+        </p:nvPicPr>
+        <p:blipFill>
+          <a:blip r:embed="rId11">
+            <a:extLst>
+              <a:ext uri="{28A0092B-C50C-407E-A947-70E740481C1C}">
+                <a14:useLocalDpi xmlns:a14="http://schemas.microsoft.com/office/drawing/2010/main" val="0"/>
+              </a:ext>
+            </a:extLst>
+          </a:blip>
+          <a:stretch>
+            <a:fillRect/>
+          </a:stretch>
+        </p:blipFill>
+        <p:spPr>
+          <a:xfrm>
+            <a:off x="9986687" y="4893783"/>
+            <a:ext cx="1224324" cy="360095"/>
+          </a:xfrm>
+          <a:prstGeom prst="rect">
+            <a:avLst/>
+          </a:prstGeom>
+        </p:spPr>
+      </p:pic>
+      <p:pic>
+        <p:nvPicPr>
+          <p:cNvPr id="29" name="Picture 28"/>
+          <p:cNvPicPr>
+            <a:picLocks noChangeAspect="1"/>
+          </p:cNvPicPr>
+          <p:nvPr>
+            <p:custDataLst>
+              <p:tags r:id="rId6"/>
+            </p:custDataLst>
+          </p:nvPr>
+        </p:nvPicPr>
+        <p:blipFill>
+          <a:blip r:embed="rId13">
+            <a:extLst>
+              <a:ext uri="{28A0092B-C50C-407E-A947-70E740481C1C}">
+                <a14:useLocalDpi xmlns:a14="http://schemas.microsoft.com/office/drawing/2010/main" val="0"/>
+              </a:ext>
+            </a:extLst>
+          </a:blip>
+          <a:stretch>
+            <a:fillRect/>
+          </a:stretch>
+        </p:blipFill>
+        <p:spPr>
+          <a:xfrm>
+            <a:off x="8427577" y="2910377"/>
+            <a:ext cx="1224324" cy="368097"/>
+          </a:xfrm>
+          <a:prstGeom prst="rect">
+            <a:avLst/>
+          </a:prstGeom>
+        </p:spPr>
+      </p:pic>
     </p:spTree>
     <p:extLst>
       <p:ext uri="{BB962C8B-B14F-4D97-AF65-F5344CB8AC3E}">
-        <p14:creationId xmlns:p14="http://schemas.microsoft.com/office/powerpoint/2010/main" val="3840627373"/>
+        <p14:creationId xmlns:p14="http://schemas.microsoft.com/office/powerpoint/2010/main" val="2224285851"/>
       </p:ext>
     </p:extLst>
   </p:cSld>
@@ -16350,7 +16947,12 @@
             <p:ph type="title"/>
           </p:nvPr>
         </p:nvSpPr>
-        <p:spPr/>
+        <p:spPr>
+          <a:xfrm>
+            <a:off x="613773" y="3146907"/>
+            <a:ext cx="10515600" cy="723569"/>
+          </a:xfrm>
+        </p:spPr>
         <p:txBody>
           <a:bodyPr/>
           <a:lstStyle/>
@@ -16362,84 +16964,13 @@
               </a:rPr>
               <a:t>Drucker-Prager</a:t>
             </a:r>
-            <a:endParaRPr lang="en-US" dirty="0">
-              <a:latin typeface="Arial" panose="020B0604020202020204" pitchFamily="34" charset="0"/>
-              <a:cs typeface="Arial" panose="020B0604020202020204" pitchFamily="34" charset="0"/>
-            </a:endParaRPr>
-          </a:p>
-        </p:txBody>
-      </p:sp>
-      <p:sp>
-        <p:nvSpPr>
-          <p:cNvPr id="5" name="Content Placeholder 4">
-            <a:extLst>
-              <a:ext uri="{FF2B5EF4-FFF2-40B4-BE49-F238E27FC236}">
-                <a16:creationId xmlns:a16="http://schemas.microsoft.com/office/drawing/2014/main" id="{2E48F1C5-477D-4547-95BB-9E8BD09144C0}"/>
-              </a:ext>
-            </a:extLst>
-          </p:cNvPr>
-          <p:cNvSpPr>
-            <a:spLocks noGrp="1"/>
-          </p:cNvSpPr>
-          <p:nvPr>
-            <p:ph idx="1"/>
-          </p:nvPr>
-        </p:nvSpPr>
-        <p:spPr/>
-        <p:txBody>
-          <a:bodyPr/>
-          <a:lstStyle/>
-          <a:p>
-            <a:r>
-              <a:rPr lang="en-US" dirty="0">
-                <a:latin typeface="Arial" panose="020B0604020202020204" pitchFamily="34" charset="0"/>
-                <a:cs typeface="Arial" panose="020B0604020202020204" pitchFamily="34" charset="0"/>
-              </a:rPr>
-              <a:t>Prototypical “granular” or “soil” model. Simplest pressure-dependent material.</a:t>
-            </a:r>
-          </a:p>
-          <a:p>
-            <a:endParaRPr lang="en-US" dirty="0">
-              <a:latin typeface="Arial" panose="020B0604020202020204" pitchFamily="34" charset="0"/>
-              <a:cs typeface="Arial" panose="020B0604020202020204" pitchFamily="34" charset="0"/>
-            </a:endParaRPr>
-          </a:p>
-          <a:p>
-            <a:r>
-              <a:rPr lang="en-US" dirty="0">
-                <a:latin typeface="Arial" panose="020B0604020202020204" pitchFamily="34" charset="0"/>
-                <a:cs typeface="Arial" panose="020B0604020202020204" pitchFamily="34" charset="0"/>
-              </a:rPr>
-              <a:t>Yield function</a:t>
-            </a:r>
-          </a:p>
-          <a:p>
-            <a:endParaRPr lang="en-US" dirty="0">
-              <a:latin typeface="Arial" panose="020B0604020202020204" pitchFamily="34" charset="0"/>
-              <a:cs typeface="Arial" panose="020B0604020202020204" pitchFamily="34" charset="0"/>
-            </a:endParaRPr>
-          </a:p>
-          <a:p>
-            <a:endParaRPr lang="en-US" dirty="0">
-              <a:latin typeface="Arial" panose="020B0604020202020204" pitchFamily="34" charset="0"/>
-              <a:cs typeface="Arial" panose="020B0604020202020204" pitchFamily="34" charset="0"/>
-            </a:endParaRPr>
-          </a:p>
-          <a:p>
-            <a:r>
-              <a:rPr lang="en-US" dirty="0">
-                <a:latin typeface="Arial" panose="020B0604020202020204" pitchFamily="34" charset="0"/>
-                <a:cs typeface="Arial" panose="020B0604020202020204" pitchFamily="34" charset="0"/>
-              </a:rPr>
-              <a:t>Isotropic hardening</a:t>
-            </a:r>
           </a:p>
         </p:txBody>
       </p:sp>
     </p:spTree>
     <p:extLst>
       <p:ext uri="{BB962C8B-B14F-4D97-AF65-F5344CB8AC3E}">
-        <p14:creationId xmlns:p14="http://schemas.microsoft.com/office/powerpoint/2010/main" val="2527614711"/>
+        <p14:creationId xmlns:p14="http://schemas.microsoft.com/office/powerpoint/2010/main" val="3840627373"/>
       </p:ext>
     </p:extLst>
   </p:cSld>
@@ -16482,6 +17013,134 @@
             <p:ph type="title"/>
           </p:nvPr>
         </p:nvSpPr>
+        <p:spPr/>
+        <p:txBody>
+          <a:bodyPr/>
+          <a:lstStyle/>
+          <a:p>
+            <a:r>
+              <a:rPr lang="en-US" dirty="0">
+                <a:latin typeface="Arial" panose="020B0604020202020204" pitchFamily="34" charset="0"/>
+                <a:cs typeface="Arial" panose="020B0604020202020204" pitchFamily="34" charset="0"/>
+              </a:rPr>
+              <a:t>Drucker-Prager</a:t>
+            </a:r>
+          </a:p>
+        </p:txBody>
+      </p:sp>
+      <p:sp>
+        <p:nvSpPr>
+          <p:cNvPr id="5" name="Content Placeholder 4">
+            <a:extLst>
+              <a:ext uri="{FF2B5EF4-FFF2-40B4-BE49-F238E27FC236}">
+                <a16:creationId xmlns:a16="http://schemas.microsoft.com/office/drawing/2014/main" id="{2E48F1C5-477D-4547-95BB-9E8BD09144C0}"/>
+              </a:ext>
+            </a:extLst>
+          </p:cNvPr>
+          <p:cNvSpPr>
+            <a:spLocks noGrp="1"/>
+          </p:cNvSpPr>
+          <p:nvPr>
+            <p:ph idx="1"/>
+          </p:nvPr>
+        </p:nvSpPr>
+        <p:spPr/>
+        <p:txBody>
+          <a:bodyPr/>
+          <a:lstStyle/>
+          <a:p>
+            <a:r>
+              <a:rPr lang="en-US" dirty="0">
+                <a:latin typeface="Arial" panose="020B0604020202020204" pitchFamily="34" charset="0"/>
+                <a:cs typeface="Arial" panose="020B0604020202020204" pitchFamily="34" charset="0"/>
+              </a:rPr>
+              <a:t>Prototypical “granular” or “soil” model. Simplest pressure-dependent material.</a:t>
+            </a:r>
+          </a:p>
+          <a:p>
+            <a:endParaRPr lang="en-US" dirty="0">
+              <a:latin typeface="Arial" panose="020B0604020202020204" pitchFamily="34" charset="0"/>
+              <a:cs typeface="Arial" panose="020B0604020202020204" pitchFamily="34" charset="0"/>
+            </a:endParaRPr>
+          </a:p>
+          <a:p>
+            <a:r>
+              <a:rPr lang="en-US" dirty="0">
+                <a:latin typeface="Arial" panose="020B0604020202020204" pitchFamily="34" charset="0"/>
+                <a:cs typeface="Arial" panose="020B0604020202020204" pitchFamily="34" charset="0"/>
+              </a:rPr>
+              <a:t>Yield function</a:t>
+            </a:r>
+          </a:p>
+          <a:p>
+            <a:endParaRPr lang="en-US" dirty="0">
+              <a:latin typeface="Arial" panose="020B0604020202020204" pitchFamily="34" charset="0"/>
+              <a:cs typeface="Arial" panose="020B0604020202020204" pitchFamily="34" charset="0"/>
+            </a:endParaRPr>
+          </a:p>
+          <a:p>
+            <a:endParaRPr lang="en-US" dirty="0">
+              <a:latin typeface="Arial" panose="020B0604020202020204" pitchFamily="34" charset="0"/>
+              <a:cs typeface="Arial" panose="020B0604020202020204" pitchFamily="34" charset="0"/>
+            </a:endParaRPr>
+          </a:p>
+          <a:p>
+            <a:r>
+              <a:rPr lang="en-US" dirty="0">
+                <a:latin typeface="Arial" panose="020B0604020202020204" pitchFamily="34" charset="0"/>
+                <a:cs typeface="Arial" panose="020B0604020202020204" pitchFamily="34" charset="0"/>
+              </a:rPr>
+              <a:t>Isotropic hardening</a:t>
+            </a:r>
+          </a:p>
+        </p:txBody>
+      </p:sp>
+    </p:spTree>
+    <p:extLst>
+      <p:ext uri="{BB962C8B-B14F-4D97-AF65-F5344CB8AC3E}">
+        <p14:creationId xmlns:p14="http://schemas.microsoft.com/office/powerpoint/2010/main" val="2527614711"/>
+      </p:ext>
+    </p:extLst>
+  </p:cSld>
+  <p:clrMapOvr>
+    <a:masterClrMapping/>
+  </p:clrMapOvr>
+</p:sld>
+</file>
+
+<file path=ppt/slides/slide28.xml><?xml version="1.0" encoding="utf-8"?>
+<p:sld xmlns:a="http://schemas.openxmlformats.org/drawingml/2006/main" xmlns:r="http://schemas.openxmlformats.org/officeDocument/2006/relationships" xmlns:p="http://schemas.openxmlformats.org/presentationml/2006/main">
+  <p:cSld>
+    <p:spTree>
+      <p:nvGrpSpPr>
+        <p:cNvPr id="1" name=""/>
+        <p:cNvGrpSpPr/>
+        <p:nvPr/>
+      </p:nvGrpSpPr>
+      <p:grpSpPr>
+        <a:xfrm>
+          <a:off x="0" y="0"/>
+          <a:ext cx="0" cy="0"/>
+          <a:chOff x="0" y="0"/>
+          <a:chExt cx="0" cy="0"/>
+        </a:xfrm>
+      </p:grpSpPr>
+      <p:sp>
+        <p:nvSpPr>
+          <p:cNvPr id="4" name="Title 3">
+            <a:extLst>
+              <a:ext uri="{FF2B5EF4-FFF2-40B4-BE49-F238E27FC236}">
+                <a16:creationId xmlns:a16="http://schemas.microsoft.com/office/drawing/2014/main" id="{ACDB2F36-C02C-4F0F-B585-37925F729AA5}"/>
+              </a:ext>
+            </a:extLst>
+          </p:cNvPr>
+          <p:cNvSpPr>
+            <a:spLocks noGrp="1"/>
+          </p:cNvSpPr>
+          <p:nvPr>
+            <p:ph type="title"/>
+          </p:nvPr>
+        </p:nvSpPr>
         <p:spPr>
           <a:xfrm>
             <a:off x="613773" y="3146907"/>
@@ -16515,7 +17174,7 @@
 </p:sld>
 </file>
 
-<file path=ppt/slides/slide28.xml><?xml version="1.0" encoding="utf-8"?>
+<file path=ppt/slides/slide29.xml><?xml version="1.0" encoding="utf-8"?>
 <p:sld xmlns:a="http://schemas.openxmlformats.org/drawingml/2006/main" xmlns:r="http://schemas.openxmlformats.org/officeDocument/2006/relationships" xmlns:p="http://schemas.openxmlformats.org/presentationml/2006/main">
   <p:cSld>
     <p:spTree>

--- a/Training.pptx
+++ b/Training.pptx
@@ -12641,10 +12641,6 @@
               </a:rPr>
               <a:t>, Caltech</a:t>
             </a:r>
-            <a:endParaRPr lang="en-US" i="1" dirty="0">
-              <a:latin typeface="Arial" panose="020B0604020202020204" pitchFamily="34" charset="0"/>
-              <a:cs typeface="Arial" panose="020B0604020202020204" pitchFamily="34" charset="0"/>
-            </a:endParaRPr>
           </a:p>
         </p:txBody>
       </p:sp>
@@ -12902,8 +12898,19 @@
                 <a:latin typeface="Arial" panose="020B0604020202020204" pitchFamily="34" charset="0"/>
                 <a:cs typeface="Arial" panose="020B0604020202020204" pitchFamily="34" charset="0"/>
               </a:rPr>
-              <a:t>Side</a:t>
-            </a:r>
+              <a:t>Side: </a:t>
+            </a:r>
+            <a:r>
+              <a:rPr lang="en-US">
+                <a:latin typeface="Arial" panose="020B0604020202020204" pitchFamily="34" charset="0"/>
+                <a:cs typeface="Arial" panose="020B0604020202020204" pitchFamily="34" charset="0"/>
+              </a:rPr>
+              <a:t>Inhomogeneous Stress State</a:t>
+            </a:r>
+            <a:endParaRPr lang="en-US" dirty="0">
+              <a:latin typeface="Arial" panose="020B0604020202020204" pitchFamily="34" charset="0"/>
+              <a:cs typeface="Arial" panose="020B0604020202020204" pitchFamily="34" charset="0"/>
+            </a:endParaRPr>
           </a:p>
         </p:txBody>
       </p:sp>
@@ -12972,97 +12979,6 @@
           </a:fontRef>
         </p:style>
       </p:cxnSp>
-      <p:sp>
-        <p:nvSpPr>
-          <p:cNvPr id="10" name="TextBox 9"/>
-          <p:cNvSpPr txBox="1"/>
-          <p:nvPr/>
-        </p:nvSpPr>
-        <p:spPr>
-          <a:xfrm>
-            <a:off x="6350000" y="4356100"/>
-            <a:ext cx="4940299" cy="1938992"/>
-          </a:xfrm>
-          <a:prstGeom prst="rect">
-            <a:avLst/>
-          </a:prstGeom>
-          <a:noFill/>
-        </p:spPr>
-        <p:txBody>
-          <a:bodyPr wrap="square" rtlCol="0">
-            <a:spAutoFit/>
-          </a:bodyPr>
-          <a:lstStyle/>
-          <a:p>
-            <a:r>
-              <a:rPr lang="en-US" sz="2000" dirty="0">
-                <a:latin typeface="Arial" panose="020B0604020202020204" pitchFamily="34" charset="0"/>
-                <a:cs typeface="Arial" panose="020B0604020202020204" pitchFamily="34" charset="0"/>
-              </a:rPr>
-              <a:t>Micro-structural changes (dislocations) during necking, resulting in an inhomogeneous stress state</a:t>
-            </a:r>
-          </a:p>
-          <a:p>
-            <a:endParaRPr lang="en-US" sz="2000" dirty="0">
-              <a:latin typeface="Arial" panose="020B0604020202020204" pitchFamily="34" charset="0"/>
-              <a:cs typeface="Arial" panose="020B0604020202020204" pitchFamily="34" charset="0"/>
-            </a:endParaRPr>
-          </a:p>
-          <a:p>
-            <a:r>
-              <a:rPr lang="en-US" sz="2000" dirty="0">
-                <a:latin typeface="Arial" panose="020B0604020202020204" pitchFamily="34" charset="0"/>
-                <a:cs typeface="Arial" panose="020B0604020202020204" pitchFamily="34" charset="0"/>
-              </a:rPr>
-              <a:t>Post-peak test data are </a:t>
-            </a:r>
-            <a:r>
-              <a:rPr lang="en-US" sz="2000" u="sng" dirty="0">
-                <a:latin typeface="Arial" panose="020B0604020202020204" pitchFamily="34" charset="0"/>
-                <a:cs typeface="Arial" panose="020B0604020202020204" pitchFamily="34" charset="0"/>
-              </a:rPr>
-              <a:t>not</a:t>
-            </a:r>
-            <a:r>
-              <a:rPr lang="en-US" sz="2000" dirty="0">
-                <a:latin typeface="Arial" panose="020B0604020202020204" pitchFamily="34" charset="0"/>
-                <a:cs typeface="Arial" panose="020B0604020202020204" pitchFamily="34" charset="0"/>
-              </a:rPr>
-              <a:t> supposed to be used as input into a FE model</a:t>
-            </a:r>
-          </a:p>
-        </p:txBody>
-      </p:sp>
-      <p:pic>
-        <p:nvPicPr>
-          <p:cNvPr id="15" name="Picture 14"/>
-          <p:cNvPicPr>
-            <a:picLocks noChangeAspect="1"/>
-          </p:cNvPicPr>
-          <p:nvPr/>
-        </p:nvPicPr>
-        <p:blipFill>
-          <a:blip r:embed="rId4">
-            <a:extLst>
-              <a:ext uri="{28A0092B-C50C-407E-A947-70E740481C1C}">
-                <a14:useLocalDpi xmlns:a14="http://schemas.microsoft.com/office/drawing/2010/main" val="0"/>
-              </a:ext>
-            </a:extLst>
-          </a:blip>
-          <a:stretch>
-            <a:fillRect/>
-          </a:stretch>
-        </p:blipFill>
-        <p:spPr>
-          <a:xfrm>
-            <a:off x="7735963" y="1246200"/>
-            <a:ext cx="3117287" cy="3024035"/>
-          </a:xfrm>
-          <a:prstGeom prst="rect">
-            <a:avLst/>
-          </a:prstGeom>
-        </p:spPr>
-      </p:pic>
       <p:sp>
         <p:nvSpPr>
           <p:cNvPr id="17" name="Freeform: Shape 16"/>
@@ -13283,6 +13199,72 @@
               </a:rPr>
               <a:t>4</a:t>
             </a:r>
+          </a:p>
+        </p:txBody>
+      </p:sp>
+      <p:sp>
+        <p:nvSpPr>
+          <p:cNvPr id="2" name="Rectangle 1"/>
+          <p:cNvSpPr/>
+          <p:nvPr/>
+        </p:nvSpPr>
+        <p:spPr>
+          <a:xfrm>
+            <a:off x="6377063" y="4396259"/>
+            <a:ext cx="5468192" cy="2031325"/>
+          </a:xfrm>
+          <a:prstGeom prst="rect">
+            <a:avLst/>
+          </a:prstGeom>
+        </p:spPr>
+        <p:txBody>
+          <a:bodyPr wrap="square">
+            <a:spAutoFit/>
+          </a:bodyPr>
+          <a:lstStyle/>
+          <a:p>
+            <a:r>
+              <a:rPr lang="en-US" dirty="0">
+                <a:latin typeface="Arial" panose="020B0604020202020204" pitchFamily="34" charset="0"/>
+                <a:cs typeface="Arial" panose="020B0604020202020204" pitchFamily="34" charset="0"/>
+              </a:rPr>
+              <a:t>As the neck shrinks, the nonuniform geometry alters the uniaxial stress state to a complex one involving shear components as well as normal stresses.</a:t>
+            </a:r>
+          </a:p>
+          <a:p>
+            <a:endParaRPr lang="en-US" dirty="0">
+              <a:latin typeface="Arial" panose="020B0604020202020204" pitchFamily="34" charset="0"/>
+              <a:cs typeface="Arial" panose="020B0604020202020204" pitchFamily="34" charset="0"/>
+            </a:endParaRPr>
+          </a:p>
+          <a:p>
+            <a:r>
+              <a:rPr lang="en-US" dirty="0">
+                <a:latin typeface="Arial" panose="020B0604020202020204" pitchFamily="34" charset="0"/>
+                <a:cs typeface="Arial" panose="020B0604020202020204" pitchFamily="34" charset="0"/>
+              </a:rPr>
+              <a:t>Post-peak test data are </a:t>
+            </a:r>
+            <a:r>
+              <a:rPr lang="en-US" u="sng" dirty="0">
+                <a:latin typeface="Arial" panose="020B0604020202020204" pitchFamily="34" charset="0"/>
+                <a:cs typeface="Arial" panose="020B0604020202020204" pitchFamily="34" charset="0"/>
+              </a:rPr>
+              <a:t>not</a:t>
+            </a:r>
+            <a:r>
+              <a:rPr lang="en-US" dirty="0">
+                <a:latin typeface="Arial" panose="020B0604020202020204" pitchFamily="34" charset="0"/>
+                <a:cs typeface="Arial" panose="020B0604020202020204" pitchFamily="34" charset="0"/>
+              </a:rPr>
+              <a:t> supposed to be used as input into a FE model</a:t>
+            </a:r>
+          </a:p>
+          <a:p>
+            <a:endParaRPr lang="en-US" dirty="0">
+              <a:latin typeface="Arial" panose="020B0604020202020204" pitchFamily="34" charset="0"/>
+              <a:cs typeface="Arial" panose="020B0604020202020204" pitchFamily="34" charset="0"/>
+            </a:endParaRPr>
           </a:p>
         </p:txBody>
       </p:sp>
